--- a/Диссертация и предзащита/Презентация для предзащиты.pptx
+++ b/Диссертация и предзащита/Презентация для предзащиты.pptx
@@ -122,6 +122,11 @@
       </a:defRPr>
     </a:lvl9pPr>
   </p:defaultTextStyle>
+  <p:extLst>
+    <p:ext uri="{EFAFB233-063F-42B5-8137-9DF3F51BA10A}">
+      <p15:sldGuideLst xmlns:p15="http://schemas.microsoft.com/office/powerpoint/2012/main"/>
+    </p:ext>
+  </p:extLst>
 </p:presentation>
 </file>
 
@@ -2967,7 +2972,7 @@
           <a:bodyPr/>
           <a:lstStyle/>
           <a:p>
-            <a:fld id="{78DAFD0D-22CD-4475-87BB-74956BBD5FD2}" type="datetimeFigureOut">
+            <a:fld id="{359A1DDB-084E-461C-8764-48870B9EAB75}" type="datetime1">
               <a:rPr lang="ru-RU" smtClean="0"/>
               <a:t>28.05.2024</a:t>
             </a:fld>
@@ -3016,16 +3021,30 @@
             <p:ph type="sldNum" sz="quarter" idx="12"/>
           </p:nvPr>
         </p:nvSpPr>
-        <p:spPr/>
+        <p:spPr>
+          <a:xfrm>
+            <a:off x="9448800" y="6492875"/>
+            <a:ext cx="2743200" cy="365125"/>
+          </a:xfrm>
+        </p:spPr>
         <p:txBody>
           <a:bodyPr/>
-          <a:lstStyle/>
+          <a:lstStyle>
+            <a:lvl1pPr>
+              <a:defRPr sz="2000">
+                <a:solidFill>
+                  <a:schemeClr val="tx1"/>
+                </a:solidFill>
+              </a:defRPr>
+            </a:lvl1pPr>
+          </a:lstStyle>
           <a:p>
             <a:fld id="{49A47517-3B86-41FB-B4AF-4A776FD921BA}" type="slidenum">
               <a:rPr lang="ru-RU" smtClean="0"/>
+              <a:pPr/>
               <a:t>‹#›</a:t>
             </a:fld>
-            <a:endParaRPr lang="ru-RU"/>
+            <a:endParaRPr lang="ru-RU" dirty="0"/>
           </a:p>
         </p:txBody>
       </p:sp>
@@ -3550,7 +3569,7 @@
           <a:bodyPr/>
           <a:lstStyle/>
           <a:p>
-            <a:fld id="{78DAFD0D-22CD-4475-87BB-74956BBD5FD2}" type="datetimeFigureOut">
+            <a:fld id="{99A6C1F4-F53D-4986-B359-CB5B665D3AD5}" type="datetime1">
               <a:rPr lang="ru-RU" smtClean="0"/>
               <a:t>28.05.2024</a:t>
             </a:fld>
@@ -4143,7 +4162,7 @@
           <a:bodyPr/>
           <a:lstStyle/>
           <a:p>
-            <a:fld id="{78DAFD0D-22CD-4475-87BB-74956BBD5FD2}" type="datetimeFigureOut">
+            <a:fld id="{6657BFAB-51B0-4795-A8A2-9647DDDD8937}" type="datetime1">
               <a:rPr lang="ru-RU" smtClean="0"/>
               <a:t>28.05.2024</a:t>
             </a:fld>
@@ -4634,16 +4653,27 @@
             <p:ph type="title"/>
           </p:nvPr>
         </p:nvSpPr>
-        <p:spPr/>
+        <p:spPr>
+          <a:xfrm>
+            <a:off x="838200" y="-265868"/>
+            <a:ext cx="10515600" cy="1325563"/>
+          </a:xfrm>
+        </p:spPr>
         <p:txBody>
           <a:bodyPr/>
-          <a:lstStyle/>
+          <a:lstStyle>
+            <a:lvl1pPr algn="ctr">
+              <a:defRPr>
+                <a:latin typeface="Bahnschrift" panose="020B0502040204020203" pitchFamily="34" charset="0"/>
+              </a:defRPr>
+            </a:lvl1pPr>
+          </a:lstStyle>
           <a:p>
             <a:r>
-              <a:rPr lang="en-US"/>
+              <a:rPr lang="en-US" dirty="0"/>
               <a:t>Click to edit Master title style</a:t>
             </a:r>
-            <a:endParaRPr lang="ru-RU"/>
+            <a:endParaRPr lang="ru-RU" dirty="0"/>
           </a:p>
         </p:txBody>
       </p:sp>
@@ -4726,7 +4756,7 @@
           <a:bodyPr/>
           <a:lstStyle/>
           <a:p>
-            <a:fld id="{78DAFD0D-22CD-4475-87BB-74956BBD5FD2}" type="datetimeFigureOut">
+            <a:fld id="{12DCC64C-6443-4FE0-8A4D-912B3EF65D87}" type="datetime1">
               <a:rPr lang="ru-RU" smtClean="0"/>
               <a:t>28.05.2024</a:t>
             </a:fld>
@@ -4775,16 +4805,30 @@
             <p:ph type="sldNum" sz="quarter" idx="12"/>
           </p:nvPr>
         </p:nvSpPr>
-        <p:spPr/>
+        <p:spPr>
+          <a:xfrm>
+            <a:off x="9448800" y="6497637"/>
+            <a:ext cx="2743200" cy="365125"/>
+          </a:xfrm>
+        </p:spPr>
         <p:txBody>
           <a:bodyPr/>
-          <a:lstStyle/>
+          <a:lstStyle>
+            <a:lvl1pPr>
+              <a:defRPr sz="1800">
+                <a:solidFill>
+                  <a:schemeClr val="tx1"/>
+                </a:solidFill>
+              </a:defRPr>
+            </a:lvl1pPr>
+          </a:lstStyle>
           <a:p>
             <a:fld id="{49A47517-3B86-41FB-B4AF-4A776FD921BA}" type="slidenum">
               <a:rPr lang="ru-RU" smtClean="0"/>
+              <a:pPr/>
               <a:t>‹#›</a:t>
             </a:fld>
-            <a:endParaRPr lang="ru-RU"/>
+            <a:endParaRPr lang="ru-RU" dirty="0"/>
           </a:p>
         </p:txBody>
       </p:sp>
@@ -4801,8 +4845,8 @@
           <p:nvPr userDrawn="1"/>
         </p:nvGrpSpPr>
         <p:grpSpPr>
-          <a:xfrm>
-            <a:off x="-511708" y="4979221"/>
+          <a:xfrm flipH="1">
+            <a:off x="4222217" y="4883971"/>
             <a:ext cx="8961592" cy="2162445"/>
             <a:chOff x="-511708" y="4979221"/>
             <a:chExt cx="8961592" cy="2162445"/>
@@ -5171,6 +5215,52 @@
           </p:txBody>
         </p:sp>
       </p:grpSp>
+      <p:pic>
+        <p:nvPicPr>
+          <p:cNvPr id="11" name="Рисунок 90">
+            <a:extLst>
+              <a:ext uri="{FF2B5EF4-FFF2-40B4-BE49-F238E27FC236}">
+                <a16:creationId xmlns:a16="http://schemas.microsoft.com/office/drawing/2014/main" id="{D4185CDF-3B63-45EC-9AED-1A6A5F577872}"/>
+              </a:ext>
+            </a:extLst>
+          </p:cNvPr>
+          <p:cNvPicPr>
+            <a:picLocks noChangeAspect="1"/>
+          </p:cNvPicPr>
+          <p:nvPr userDrawn="1"/>
+        </p:nvPicPr>
+        <p:blipFill>
+          <a:blip r:embed="rId2">
+            <a:clrChange>
+              <a:clrFrom>
+                <a:srgbClr val="FFFFFF"/>
+              </a:clrFrom>
+              <a:clrTo>
+                <a:srgbClr val="FFFFFF">
+                  <a:alpha val="0"/>
+                </a:srgbClr>
+              </a:clrTo>
+            </a:clrChange>
+            <a:extLst>
+              <a:ext uri="{28A0092B-C50C-407E-A947-70E740481C1C}">
+                <a14:useLocalDpi xmlns:a14="http://schemas.microsoft.com/office/drawing/2010/main" val="0"/>
+              </a:ext>
+            </a:extLst>
+          </a:blip>
+          <a:stretch>
+            <a:fillRect/>
+          </a:stretch>
+        </p:blipFill>
+        <p:spPr>
+          <a:xfrm>
+            <a:off x="11353800" y="44451"/>
+            <a:ext cx="912482" cy="704927"/>
+          </a:xfrm>
+          <a:prstGeom prst="rect">
+            <a:avLst/>
+          </a:prstGeom>
+        </p:spPr>
+      </p:pic>
     </p:spTree>
     <p:extLst>
       <p:ext uri="{BB962C8B-B14F-4D97-AF65-F5344CB8AC3E}">
@@ -5385,7 +5475,7 @@
           <a:bodyPr/>
           <a:lstStyle/>
           <a:p>
-            <a:fld id="{78DAFD0D-22CD-4475-87BB-74956BBD5FD2}" type="datetimeFigureOut">
+            <a:fld id="{612C28BB-A844-4AB2-8164-7C589570A10A}" type="datetime1">
               <a:rPr lang="ru-RU" smtClean="0"/>
               <a:t>28.05.2024</a:t>
             </a:fld>
@@ -6036,7 +6126,7 @@
           <a:bodyPr/>
           <a:lstStyle/>
           <a:p>
-            <a:fld id="{78DAFD0D-22CD-4475-87BB-74956BBD5FD2}" type="datetimeFigureOut">
+            <a:fld id="{18E55CE8-34C1-4412-BCE9-45740F2D3090}" type="datetime1">
               <a:rPr lang="ru-RU" smtClean="0"/>
               <a:t>28.05.2024</a:t>
             </a:fld>
@@ -6834,7 +6924,7 @@
           <a:bodyPr/>
           <a:lstStyle/>
           <a:p>
-            <a:fld id="{78DAFD0D-22CD-4475-87BB-74956BBD5FD2}" type="datetimeFigureOut">
+            <a:fld id="{BB9E1059-E53D-41E9-B135-232E16073DAD}" type="datetime1">
               <a:rPr lang="ru-RU" smtClean="0"/>
               <a:t>28.05.2024</a:t>
             </a:fld>
@@ -7359,7 +7449,7 @@
           <a:bodyPr/>
           <a:lstStyle/>
           <a:p>
-            <a:fld id="{78DAFD0D-22CD-4475-87BB-74956BBD5FD2}" type="datetimeFigureOut">
+            <a:fld id="{C15BA0E4-0757-4EF9-936C-7717A2EA2D02}" type="datetime1">
               <a:rPr lang="ru-RU" smtClean="0"/>
               <a:t>28.05.2024</a:t>
             </a:fld>
@@ -7855,7 +7945,7 @@
           <a:bodyPr/>
           <a:lstStyle/>
           <a:p>
-            <a:fld id="{78DAFD0D-22CD-4475-87BB-74956BBD5FD2}" type="datetimeFigureOut">
+            <a:fld id="{0F0F823C-D852-40E5-8016-39932030A9F2}" type="datetime1">
               <a:rPr lang="ru-RU" smtClean="0"/>
               <a:t>28.05.2024</a:t>
             </a:fld>
@@ -8551,7 +8641,7 @@
           <a:bodyPr/>
           <a:lstStyle/>
           <a:p>
-            <a:fld id="{78DAFD0D-22CD-4475-87BB-74956BBD5FD2}" type="datetimeFigureOut">
+            <a:fld id="{D2E06034-DA7E-4B39-914E-D6B45ACCF666}" type="datetime1">
               <a:rPr lang="ru-RU" smtClean="0"/>
               <a:t>28.05.2024</a:t>
             </a:fld>
@@ -9223,7 +9313,7 @@
           <a:bodyPr/>
           <a:lstStyle/>
           <a:p>
-            <a:fld id="{78DAFD0D-22CD-4475-87BB-74956BBD5FD2}" type="datetimeFigureOut">
+            <a:fld id="{3D449A2B-DBAB-4C02-BDC7-7BB50E9BB86F}" type="datetime1">
               <a:rPr lang="ru-RU" smtClean="0"/>
               <a:t>28.05.2024</a:t>
             </a:fld>
@@ -9849,7 +9939,7 @@
             </a:lvl1pPr>
           </a:lstStyle>
           <a:p>
-            <a:fld id="{78DAFD0D-22CD-4475-87BB-74956BBD5FD2}" type="datetimeFigureOut">
+            <a:fld id="{5B8094D9-B964-4904-93F4-019FCA5AD162}" type="datetime1">
               <a:rPr lang="ru-RU" smtClean="0"/>
               <a:t>28.05.2024</a:t>
             </a:fld>
@@ -9968,6 +10058,7 @@
     <p:sldLayoutId id="2147483658" r:id="rId10"/>
     <p:sldLayoutId id="2147483659" r:id="rId11"/>
   </p:sldLayoutIdLst>
+  <p:hf hdr="0" ftr="0" dt="0"/>
   <p:txStyles>
     <p:titleStyle>
       <a:lvl1pPr algn="l" defTabSz="914400" rtl="0" eaLnBrk="1" latinLnBrk="0" hangingPunct="1">
@@ -10335,7 +10426,7 @@
         </p:nvSpPr>
         <p:spPr>
           <a:xfrm>
-            <a:off x="436345" y="3657173"/>
+            <a:off x="436345" y="3953774"/>
             <a:ext cx="9144000" cy="1655762"/>
           </a:xfrm>
         </p:spPr>
@@ -11595,10 +11686,10 @@
       </p:grpSpPr>
       <p:sp>
         <p:nvSpPr>
-          <p:cNvPr id="2" name="Заголовок 1">
+          <p:cNvPr id="2" name="Title 1">
             <a:extLst>
               <a:ext uri="{FF2B5EF4-FFF2-40B4-BE49-F238E27FC236}">
-                <a16:creationId xmlns:a16="http://schemas.microsoft.com/office/drawing/2014/main" id="{619F72AC-C791-4493-98D8-1067E1D962EE}"/>
+                <a16:creationId xmlns:a16="http://schemas.microsoft.com/office/drawing/2014/main" id="{61F6681B-1199-4087-A3B5-A9681663DB5E}"/>
               </a:ext>
             </a:extLst>
           </p:cNvPr>
@@ -11609,74 +11700,24 @@
             <p:ph type="title"/>
           </p:nvPr>
         </p:nvSpPr>
-        <p:spPr>
-          <a:xfrm>
-            <a:off x="810369" y="-27940"/>
-            <a:ext cx="10515600" cy="1325563"/>
-          </a:xfrm>
-        </p:spPr>
+        <p:spPr/>
         <p:txBody>
           <a:bodyPr/>
           <a:lstStyle/>
           <a:p>
-            <a:pPr algn="ctr"/>
             <a:r>
               <a:rPr lang="ru-RU" dirty="0"/>
-              <a:t>Спектры СКИ</a:t>
+              <a:t>Возможности перестройки</a:t>
             </a:r>
           </a:p>
         </p:txBody>
       </p:sp>
-      <p:pic>
-        <p:nvPicPr>
-          <p:cNvPr id="6" name="Объект 5">
-            <a:extLst>
-              <a:ext uri="{FF2B5EF4-FFF2-40B4-BE49-F238E27FC236}">
-                <a16:creationId xmlns:a16="http://schemas.microsoft.com/office/drawing/2014/main" id="{BA24BA57-DD3C-4B5C-9B8C-1ACC371FAC55}"/>
-              </a:ext>
-            </a:extLst>
-          </p:cNvPr>
-          <p:cNvPicPr>
-            <a:picLocks noGrp="1" noChangeAspect="1"/>
-          </p:cNvPicPr>
-          <p:nvPr>
-            <p:ph idx="1"/>
-          </p:nvPr>
-        </p:nvPicPr>
-        <p:blipFill rotWithShape="1">
-          <a:blip r:embed="rId2">
-            <a:clrChange>
-              <a:clrFrom>
-                <a:srgbClr val="FFFFFF"/>
-              </a:clrFrom>
-              <a:clrTo>
-                <a:srgbClr val="FFFFFF">
-                  <a:alpha val="0"/>
-                </a:srgbClr>
-              </a:clrTo>
-            </a:clrChange>
-            <a:extLst>
-              <a:ext uri="{28A0092B-C50C-407E-A947-70E740481C1C}">
-                <a14:useLocalDpi xmlns:a14="http://schemas.microsoft.com/office/drawing/2010/main" val="0"/>
-              </a:ext>
-            </a:extLst>
-          </a:blip>
-          <a:srcRect t="4780" b="1072"/>
-          <a:stretch/>
-        </p:blipFill>
-        <p:spPr>
-          <a:xfrm>
-            <a:off x="143567" y="1380688"/>
-            <a:ext cx="4224241" cy="2840400"/>
-          </a:xfrm>
-        </p:spPr>
-      </p:pic>
       <p:sp>
         <p:nvSpPr>
-          <p:cNvPr id="4" name="Номер слайда 3">
+          <p:cNvPr id="4" name="Slide Number Placeholder 3">
             <a:extLst>
               <a:ext uri="{FF2B5EF4-FFF2-40B4-BE49-F238E27FC236}">
-                <a16:creationId xmlns:a16="http://schemas.microsoft.com/office/drawing/2014/main" id="{C754196B-4818-4673-9E40-A6042F216F63}"/>
+                <a16:creationId xmlns:a16="http://schemas.microsoft.com/office/drawing/2014/main" id="{108C0142-6083-4378-BEC2-1F706130FD6E}"/>
               </a:ext>
             </a:extLst>
           </p:cNvPr>
@@ -11692,263 +11733,21 @@
           <a:bodyPr/>
           <a:lstStyle/>
           <a:p>
-            <a:pPr>
-              <a:defRPr/>
-            </a:pPr>
-            <a:fld id="{0E74F7B3-D6C5-4685-98C3-5555C8ABFDCC}" type="slidenum">
+            <a:fld id="{49A47517-3B86-41FB-B4AF-4A776FD921BA}" type="slidenum">
               <a:rPr lang="ru-RU" smtClean="0"/>
+              <a:pPr/>
               <a:t>10</a:t>
             </a:fld>
-            <a:endParaRPr lang="ru-RU"/>
+            <a:endParaRPr lang="ru-RU" dirty="0"/>
           </a:p>
         </p:txBody>
       </p:sp>
       <p:pic>
         <p:nvPicPr>
-          <p:cNvPr id="10" name="Рисунок 9">
+          <p:cNvPr id="3074" name="image1.png">
             <a:extLst>
               <a:ext uri="{FF2B5EF4-FFF2-40B4-BE49-F238E27FC236}">
-                <a16:creationId xmlns:a16="http://schemas.microsoft.com/office/drawing/2014/main" id="{95BB5E84-530F-409C-9417-77EE3BAA62AF}"/>
-              </a:ext>
-            </a:extLst>
-          </p:cNvPr>
-          <p:cNvPicPr>
-            <a:picLocks noChangeAspect="1"/>
-          </p:cNvPicPr>
-          <p:nvPr/>
-        </p:nvPicPr>
-        <p:blipFill>
-          <a:blip r:embed="rId3">
-            <a:clrChange>
-              <a:clrFrom>
-                <a:srgbClr val="FFFFFF"/>
-              </a:clrFrom>
-              <a:clrTo>
-                <a:srgbClr val="FFFFFF">
-                  <a:alpha val="0"/>
-                </a:srgbClr>
-              </a:clrTo>
-            </a:clrChange>
-            <a:extLst>
-              <a:ext uri="{28A0092B-C50C-407E-A947-70E740481C1C}">
-                <a14:useLocalDpi xmlns:a14="http://schemas.microsoft.com/office/drawing/2010/main" val="0"/>
-              </a:ext>
-            </a:extLst>
-          </a:blip>
-          <a:stretch>
-            <a:fillRect/>
-          </a:stretch>
-        </p:blipFill>
-        <p:spPr>
-          <a:xfrm>
-            <a:off x="8293124" y="1414931"/>
-            <a:ext cx="3707532" cy="2880000"/>
-          </a:xfrm>
-          <a:prstGeom prst="rect">
-            <a:avLst/>
-          </a:prstGeom>
-        </p:spPr>
-      </p:pic>
-      <p:pic>
-        <p:nvPicPr>
-          <p:cNvPr id="12" name="Рисунок 11">
-            <a:extLst>
-              <a:ext uri="{FF2B5EF4-FFF2-40B4-BE49-F238E27FC236}">
-                <a16:creationId xmlns:a16="http://schemas.microsoft.com/office/drawing/2014/main" id="{2C6D5CD6-007F-4747-9A8E-7C14C0FFCFBB}"/>
-              </a:ext>
-            </a:extLst>
-          </p:cNvPr>
-          <p:cNvPicPr>
-            <a:picLocks noChangeAspect="1"/>
-          </p:cNvPicPr>
-          <p:nvPr/>
-        </p:nvPicPr>
-        <p:blipFill>
-          <a:blip r:embed="rId4">
-            <a:clrChange>
-              <a:clrFrom>
-                <a:srgbClr val="FFFFFF"/>
-              </a:clrFrom>
-              <a:clrTo>
-                <a:srgbClr val="FFFFFF">
-                  <a:alpha val="0"/>
-                </a:srgbClr>
-              </a:clrTo>
-            </a:clrChange>
-            <a:extLst>
-              <a:ext uri="{28A0092B-C50C-407E-A947-70E740481C1C}">
-                <a14:useLocalDpi xmlns:a14="http://schemas.microsoft.com/office/drawing/2010/main" val="0"/>
-              </a:ext>
-            </a:extLst>
-          </a:blip>
-          <a:stretch>
-            <a:fillRect/>
-          </a:stretch>
-        </p:blipFill>
-        <p:spPr>
-          <a:xfrm>
-            <a:off x="4476700" y="1414931"/>
-            <a:ext cx="3707532" cy="2880000"/>
-          </a:xfrm>
-          <a:prstGeom prst="rect">
-            <a:avLst/>
-          </a:prstGeom>
-        </p:spPr>
-      </p:pic>
-      <p:sp>
-        <p:nvSpPr>
-          <p:cNvPr id="3" name="TextBox 2">
-            <a:extLst>
-              <a:ext uri="{FF2B5EF4-FFF2-40B4-BE49-F238E27FC236}">
-                <a16:creationId xmlns:a16="http://schemas.microsoft.com/office/drawing/2014/main" id="{116F638F-7D32-4506-900B-3D8828E171E1}"/>
-              </a:ext>
-            </a:extLst>
-          </p:cNvPr>
-          <p:cNvSpPr txBox="1"/>
-          <p:nvPr/>
-        </p:nvSpPr>
-        <p:spPr>
-          <a:xfrm>
-            <a:off x="1790495" y="4293096"/>
-            <a:ext cx="465192" cy="400110"/>
-          </a:xfrm>
-          <a:prstGeom prst="rect">
-            <a:avLst/>
-          </a:prstGeom>
-          <a:noFill/>
-        </p:spPr>
-        <p:txBody>
-          <a:bodyPr wrap="none" rtlCol="0">
-            <a:spAutoFit/>
-          </a:bodyPr>
-          <a:lstStyle/>
-          <a:p>
-            <a:r>
-              <a:rPr lang="ru-RU" sz="2000" dirty="0"/>
-              <a:t>(а)</a:t>
-            </a:r>
-          </a:p>
-        </p:txBody>
-      </p:sp>
-      <p:sp>
-        <p:nvSpPr>
-          <p:cNvPr id="7" name="TextBox 6">
-            <a:extLst>
-              <a:ext uri="{FF2B5EF4-FFF2-40B4-BE49-F238E27FC236}">
-                <a16:creationId xmlns:a16="http://schemas.microsoft.com/office/drawing/2014/main" id="{BAC09BA7-07EE-4F26-AF31-227B4531833B}"/>
-              </a:ext>
-            </a:extLst>
-          </p:cNvPr>
-          <p:cNvSpPr txBox="1"/>
-          <p:nvPr/>
-        </p:nvSpPr>
-        <p:spPr>
-          <a:xfrm>
-            <a:off x="5969322" y="4293096"/>
-            <a:ext cx="478016" cy="400110"/>
-          </a:xfrm>
-          <a:prstGeom prst="rect">
-            <a:avLst/>
-          </a:prstGeom>
-          <a:noFill/>
-        </p:spPr>
-        <p:txBody>
-          <a:bodyPr wrap="none" rtlCol="0">
-            <a:spAutoFit/>
-          </a:bodyPr>
-          <a:lstStyle/>
-          <a:p>
-            <a:r>
-              <a:rPr lang="ru-RU" sz="2000" dirty="0"/>
-              <a:t>(б)</a:t>
-            </a:r>
-          </a:p>
-        </p:txBody>
-      </p:sp>
-      <p:sp>
-        <p:nvSpPr>
-          <p:cNvPr id="8" name="TextBox 7">
-            <a:extLst>
-              <a:ext uri="{FF2B5EF4-FFF2-40B4-BE49-F238E27FC236}">
-                <a16:creationId xmlns:a16="http://schemas.microsoft.com/office/drawing/2014/main" id="{DA2A5583-C6AE-4991-B138-994E7ECDDD3D}"/>
-              </a:ext>
-            </a:extLst>
-          </p:cNvPr>
-          <p:cNvSpPr txBox="1"/>
-          <p:nvPr/>
-        </p:nvSpPr>
-        <p:spPr>
-          <a:xfrm>
-            <a:off x="10160973" y="4293096"/>
-            <a:ext cx="465192" cy="400110"/>
-          </a:xfrm>
-          <a:prstGeom prst="rect">
-            <a:avLst/>
-          </a:prstGeom>
-          <a:noFill/>
-        </p:spPr>
-        <p:txBody>
-          <a:bodyPr wrap="none" rtlCol="0">
-            <a:spAutoFit/>
-          </a:bodyPr>
-          <a:lstStyle/>
-          <a:p>
-            <a:r>
-              <a:rPr lang="ru-RU" sz="2000" dirty="0"/>
-              <a:t>(в)</a:t>
-            </a:r>
-          </a:p>
-        </p:txBody>
-      </p:sp>
-      <p:sp>
-        <p:nvSpPr>
-          <p:cNvPr id="11" name="TextBox 10">
-            <a:extLst>
-              <a:ext uri="{FF2B5EF4-FFF2-40B4-BE49-F238E27FC236}">
-                <a16:creationId xmlns:a16="http://schemas.microsoft.com/office/drawing/2014/main" id="{CB6CE6BE-9866-42C6-81C8-E1B10A1BD7FA}"/>
-              </a:ext>
-            </a:extLst>
-          </p:cNvPr>
-          <p:cNvSpPr txBox="1"/>
-          <p:nvPr/>
-        </p:nvSpPr>
-        <p:spPr>
-          <a:xfrm>
-            <a:off x="838200" y="4910142"/>
-            <a:ext cx="10515599" cy="830997"/>
-          </a:xfrm>
-          <a:prstGeom prst="rect">
-            <a:avLst/>
-          </a:prstGeom>
-          <a:noFill/>
-        </p:spPr>
-        <p:txBody>
-          <a:bodyPr wrap="square" rtlCol="0">
-            <a:spAutoFit/>
-          </a:bodyPr>
-          <a:lstStyle/>
-          <a:p>
-            <a:pPr algn="ctr"/>
-            <a:r>
-              <a:rPr lang="ru-RU" sz="2400" dirty="0"/>
-              <a:t>Рис. 9. Спектры сигналов на выходе сумматора: а) – спектр дуплета Гаусса; </a:t>
-            </a:r>
-            <a:br>
-              <a:rPr lang="ru-RU" sz="2400" dirty="0"/>
-            </a:br>
-            <a:r>
-              <a:rPr lang="ru-RU" sz="2400" dirty="0"/>
-              <a:t>б) – спектр моноцикла Гаусса; в) – спектр импульса Эрмита</a:t>
-            </a:r>
-          </a:p>
-        </p:txBody>
-      </p:sp>
-      <p:pic>
-        <p:nvPicPr>
-          <p:cNvPr id="2050" name="Picture 2">
-            <a:extLst>
-              <a:ext uri="{FF2B5EF4-FFF2-40B4-BE49-F238E27FC236}">
-                <a16:creationId xmlns:a16="http://schemas.microsoft.com/office/drawing/2014/main" id="{27E29191-354A-40FD-B83F-F44B988E81F4}"/>
+                <a16:creationId xmlns:a16="http://schemas.microsoft.com/office/drawing/2014/main" id="{233233BD-7DC1-46C9-A499-85BF48E2FEA2}"/>
               </a:ext>
             </a:extLst>
           </p:cNvPr>
@@ -11958,7 +11757,7 @@
           <p:nvPr/>
         </p:nvPicPr>
         <p:blipFill>
-          <a:blip r:embed="rId5">
+          <a:blip r:embed="rId2">
             <a:extLst>
               <a:ext uri="{28A0092B-C50C-407E-A947-70E740481C1C}">
                 <a14:useLocalDpi xmlns:a14="http://schemas.microsoft.com/office/drawing/2010/main" val="0"/>
@@ -11972,8 +11771,8 @@
         </p:blipFill>
         <p:spPr bwMode="auto">
           <a:xfrm>
-            <a:off x="191344" y="1397709"/>
-            <a:ext cx="3795959" cy="2840400"/>
+            <a:off x="1209672" y="714370"/>
+            <a:ext cx="3534022" cy="2936356"/>
           </a:xfrm>
           <a:prstGeom prst="rect">
             <a:avLst/>
@@ -11990,10 +11789,1611 @@
           </a:extLst>
         </p:spPr>
       </p:pic>
+      <p:pic>
+        <p:nvPicPr>
+          <p:cNvPr id="3073" name="image3.png">
+            <a:extLst>
+              <a:ext uri="{FF2B5EF4-FFF2-40B4-BE49-F238E27FC236}">
+                <a16:creationId xmlns:a16="http://schemas.microsoft.com/office/drawing/2014/main" id="{781CDBA3-529B-4BB2-93D9-2BA5C0A6D3FA}"/>
+              </a:ext>
+            </a:extLst>
+          </p:cNvPr>
+          <p:cNvPicPr>
+            <a:picLocks noChangeAspect="1" noChangeArrowheads="1"/>
+          </p:cNvPicPr>
+          <p:nvPr/>
+        </p:nvPicPr>
+        <p:blipFill>
+          <a:blip r:embed="rId3">
+            <a:clrChange>
+              <a:clrFrom>
+                <a:srgbClr val="FFFFFF"/>
+              </a:clrFrom>
+              <a:clrTo>
+                <a:srgbClr val="FFFFFF">
+                  <a:alpha val="0"/>
+                </a:srgbClr>
+              </a:clrTo>
+            </a:clrChange>
+            <a:extLst>
+              <a:ext uri="{28A0092B-C50C-407E-A947-70E740481C1C}">
+                <a14:useLocalDpi xmlns:a14="http://schemas.microsoft.com/office/drawing/2010/main" val="0"/>
+              </a:ext>
+            </a:extLst>
+          </a:blip>
+          <a:srcRect/>
+          <a:stretch>
+            <a:fillRect/>
+          </a:stretch>
+        </p:blipFill>
+        <p:spPr bwMode="auto">
+          <a:xfrm>
+            <a:off x="1300160" y="3650726"/>
+            <a:ext cx="3353046" cy="2741176"/>
+          </a:xfrm>
+          <a:prstGeom prst="rect">
+            <a:avLst/>
+          </a:prstGeom>
+          <a:noFill/>
+          <a:extLst>
+            <a:ext uri="{909E8E84-426E-40DD-AFC4-6F175D3DCCD1}">
+              <a14:hiddenFill xmlns:a14="http://schemas.microsoft.com/office/drawing/2010/main">
+                <a:solidFill>
+                  <a:srgbClr val="FFFFFF"/>
+                </a:solidFill>
+              </a14:hiddenFill>
+            </a:ext>
+          </a:extLst>
+        </p:spPr>
+      </p:pic>
+      <p:graphicFrame>
+        <p:nvGraphicFramePr>
+          <p:cNvPr id="7" name="Table 6">
+            <a:extLst>
+              <a:ext uri="{FF2B5EF4-FFF2-40B4-BE49-F238E27FC236}">
+                <a16:creationId xmlns:a16="http://schemas.microsoft.com/office/drawing/2014/main" id="{3FE4AA46-41B4-4A1B-A3A3-0D7163B4F834}"/>
+              </a:ext>
+            </a:extLst>
+          </p:cNvPr>
+          <p:cNvGraphicFramePr>
+            <a:graphicFrameLocks noGrp="1"/>
+          </p:cNvGraphicFramePr>
+          <p:nvPr>
+            <p:extLst>
+              <p:ext uri="{D42A27DB-BD31-4B8C-83A1-F6EECF244321}">
+                <p14:modId xmlns:p14="http://schemas.microsoft.com/office/powerpoint/2010/main" val="2399193850"/>
+              </p:ext>
+            </p:extLst>
+          </p:nvPr>
+        </p:nvGraphicFramePr>
+        <p:xfrm>
+          <a:off x="5991228" y="1680626"/>
+          <a:ext cx="5724525" cy="2098040"/>
+        </p:xfrm>
+        <a:graphic>
+          <a:graphicData uri="http://schemas.openxmlformats.org/drawingml/2006/table">
+            <a:tbl>
+              <a:tblPr/>
+              <a:tblGrid>
+                <a:gridCol w="1266825">
+                  <a:extLst>
+                    <a:ext uri="{9D8B030D-6E8A-4147-A177-3AD203B41FA5}">
+                      <a16:colId xmlns:a16="http://schemas.microsoft.com/office/drawing/2014/main" val="736600043"/>
+                    </a:ext>
+                  </a:extLst>
+                </a:gridCol>
+                <a:gridCol w="2143125">
+                  <a:extLst>
+                    <a:ext uri="{9D8B030D-6E8A-4147-A177-3AD203B41FA5}">
+                      <a16:colId xmlns:a16="http://schemas.microsoft.com/office/drawing/2014/main" val="286536040"/>
+                    </a:ext>
+                  </a:extLst>
+                </a:gridCol>
+                <a:gridCol w="2314575">
+                  <a:extLst>
+                    <a:ext uri="{9D8B030D-6E8A-4147-A177-3AD203B41FA5}">
+                      <a16:colId xmlns:a16="http://schemas.microsoft.com/office/drawing/2014/main" val="2424075329"/>
+                    </a:ext>
+                  </a:extLst>
+                </a:gridCol>
+              </a:tblGrid>
+              <a:tr h="243840">
+                <a:tc>
+                  <a:txBody>
+                    <a:bodyPr/>
+                    <a:lstStyle/>
+                    <a:p>
+                      <a:pPr indent="0" algn="ctr">
+                        <a:lnSpc>
+                          <a:spcPct val="100000"/>
+                        </a:lnSpc>
+                      </a:pPr>
+                      <a:r>
+                        <a:rPr lang="ru-RU" sz="1600" dirty="0">
+                          <a:solidFill>
+                            <a:srgbClr val="222222"/>
+                          </a:solidFill>
+                          <a:effectLst/>
+                          <a:latin typeface="Bahnschrift Light" panose="020B0502040204020203" pitchFamily="34" charset="0"/>
+                          <a:ea typeface="Calibri" panose="020F0502020204030204" pitchFamily="34" charset="0"/>
+                          <a:cs typeface="Times New Roman" panose="02020603050405020304" pitchFamily="18" charset="0"/>
+                        </a:rPr>
+                        <a:t>Длительность, пс</a:t>
+                      </a:r>
+                      <a:endParaRPr lang="ru-RU" sz="2800" dirty="0">
+                        <a:solidFill>
+                          <a:srgbClr val="222222"/>
+                        </a:solidFill>
+                        <a:effectLst/>
+                        <a:latin typeface="Bahnschrift Light" panose="020B0502040204020203" pitchFamily="34" charset="0"/>
+                        <a:ea typeface="Calibri" panose="020F0502020204030204" pitchFamily="34" charset="0"/>
+                        <a:cs typeface="Times New Roman" panose="02020603050405020304" pitchFamily="18" charset="0"/>
+                      </a:endParaRPr>
+                    </a:p>
+                  </a:txBody>
+                  <a:tcPr marL="63500" marR="63500" marT="63500" marB="63500">
+                    <a:lnL w="12700" cap="flat" cmpd="sng" algn="ctr">
+                      <a:solidFill>
+                        <a:srgbClr val="000000"/>
+                      </a:solidFill>
+                      <a:prstDash val="solid"/>
+                      <a:round/>
+                      <a:headEnd type="none" w="med" len="med"/>
+                      <a:tailEnd type="none" w="med" len="med"/>
+                    </a:lnL>
+                    <a:lnR w="12700" cap="flat" cmpd="sng" algn="ctr">
+                      <a:solidFill>
+                        <a:srgbClr val="000000"/>
+                      </a:solidFill>
+                      <a:prstDash val="solid"/>
+                      <a:round/>
+                      <a:headEnd type="none" w="med" len="med"/>
+                      <a:tailEnd type="none" w="med" len="med"/>
+                    </a:lnR>
+                    <a:lnT w="12700" cap="flat" cmpd="sng" algn="ctr">
+                      <a:solidFill>
+                        <a:srgbClr val="000000"/>
+                      </a:solidFill>
+                      <a:prstDash val="solid"/>
+                      <a:round/>
+                      <a:headEnd type="none" w="med" len="med"/>
+                      <a:tailEnd type="none" w="med" len="med"/>
+                    </a:lnT>
+                    <a:lnB w="12700" cap="flat" cmpd="sng" algn="ctr">
+                      <a:solidFill>
+                        <a:srgbClr val="000000"/>
+                      </a:solidFill>
+                      <a:prstDash val="solid"/>
+                      <a:round/>
+                      <a:headEnd type="none" w="med" len="med"/>
+                      <a:tailEnd type="none" w="med" len="med"/>
+                    </a:lnB>
+                  </a:tcPr>
+                </a:tc>
+                <a:tc>
+                  <a:txBody>
+                    <a:bodyPr/>
+                    <a:lstStyle/>
+                    <a:p>
+                      <a:pPr indent="0" algn="ctr">
+                        <a:lnSpc>
+                          <a:spcPct val="100000"/>
+                        </a:lnSpc>
+                      </a:pPr>
+                      <a:r>
+                        <a:rPr lang="ru-RU" sz="1600">
+                          <a:solidFill>
+                            <a:srgbClr val="222222"/>
+                          </a:solidFill>
+                          <a:effectLst/>
+                          <a:latin typeface="Bahnschrift Light" panose="020B0502040204020203" pitchFamily="34" charset="0"/>
+                          <a:ea typeface="Calibri" panose="020F0502020204030204" pitchFamily="34" charset="0"/>
+                          <a:cs typeface="Times New Roman" panose="02020603050405020304" pitchFamily="18" charset="0"/>
+                        </a:rPr>
+                        <a:t>Ширина по уровню -3 дБ, ГГц</a:t>
+                      </a:r>
+                      <a:endParaRPr lang="ru-RU" sz="2800">
+                        <a:solidFill>
+                          <a:srgbClr val="222222"/>
+                        </a:solidFill>
+                        <a:effectLst/>
+                        <a:latin typeface="Bahnschrift Light" panose="020B0502040204020203" pitchFamily="34" charset="0"/>
+                        <a:ea typeface="Calibri" panose="020F0502020204030204" pitchFamily="34" charset="0"/>
+                        <a:cs typeface="Times New Roman" panose="02020603050405020304" pitchFamily="18" charset="0"/>
+                      </a:endParaRPr>
+                    </a:p>
+                  </a:txBody>
+                  <a:tcPr marL="63500" marR="63500" marT="63500" marB="63500">
+                    <a:lnL w="12700" cap="flat" cmpd="sng" algn="ctr">
+                      <a:solidFill>
+                        <a:srgbClr val="000000"/>
+                      </a:solidFill>
+                      <a:prstDash val="solid"/>
+                      <a:round/>
+                      <a:headEnd type="none" w="med" len="med"/>
+                      <a:tailEnd type="none" w="med" len="med"/>
+                    </a:lnL>
+                    <a:lnR w="12700" cap="flat" cmpd="sng" algn="ctr">
+                      <a:solidFill>
+                        <a:srgbClr val="000000"/>
+                      </a:solidFill>
+                      <a:prstDash val="solid"/>
+                      <a:round/>
+                      <a:headEnd type="none" w="med" len="med"/>
+                      <a:tailEnd type="none" w="med" len="med"/>
+                    </a:lnR>
+                    <a:lnT w="12700" cap="flat" cmpd="sng" algn="ctr">
+                      <a:solidFill>
+                        <a:srgbClr val="000000"/>
+                      </a:solidFill>
+                      <a:prstDash val="solid"/>
+                      <a:round/>
+                      <a:headEnd type="none" w="med" len="med"/>
+                      <a:tailEnd type="none" w="med" len="med"/>
+                    </a:lnT>
+                    <a:lnB w="12700" cap="flat" cmpd="sng" algn="ctr">
+                      <a:solidFill>
+                        <a:srgbClr val="000000"/>
+                      </a:solidFill>
+                      <a:prstDash val="solid"/>
+                      <a:round/>
+                      <a:headEnd type="none" w="med" len="med"/>
+                      <a:tailEnd type="none" w="med" len="med"/>
+                    </a:lnB>
+                  </a:tcPr>
+                </a:tc>
+                <a:tc>
+                  <a:txBody>
+                    <a:bodyPr/>
+                    <a:lstStyle/>
+                    <a:p>
+                      <a:pPr indent="0" algn="ctr">
+                        <a:lnSpc>
+                          <a:spcPct val="100000"/>
+                        </a:lnSpc>
+                      </a:pPr>
+                      <a:r>
+                        <a:rPr lang="ru-RU" sz="1600">
+                          <a:solidFill>
+                            <a:srgbClr val="222222"/>
+                          </a:solidFill>
+                          <a:effectLst/>
+                          <a:latin typeface="Bahnschrift Light" panose="020B0502040204020203" pitchFamily="34" charset="0"/>
+                          <a:ea typeface="Calibri" panose="020F0502020204030204" pitchFamily="34" charset="0"/>
+                          <a:cs typeface="Times New Roman" panose="02020603050405020304" pitchFamily="18" charset="0"/>
+                        </a:rPr>
+                        <a:t>Ширина по уровню -10 дБ, ГГц</a:t>
+                      </a:r>
+                      <a:endParaRPr lang="ru-RU" sz="2800">
+                        <a:solidFill>
+                          <a:srgbClr val="222222"/>
+                        </a:solidFill>
+                        <a:effectLst/>
+                        <a:latin typeface="Bahnschrift Light" panose="020B0502040204020203" pitchFamily="34" charset="0"/>
+                        <a:ea typeface="Calibri" panose="020F0502020204030204" pitchFamily="34" charset="0"/>
+                        <a:cs typeface="Times New Roman" panose="02020603050405020304" pitchFamily="18" charset="0"/>
+                      </a:endParaRPr>
+                    </a:p>
+                  </a:txBody>
+                  <a:tcPr marL="63500" marR="63500" marT="63500" marB="63500">
+                    <a:lnL w="12700" cap="flat" cmpd="sng" algn="ctr">
+                      <a:solidFill>
+                        <a:srgbClr val="000000"/>
+                      </a:solidFill>
+                      <a:prstDash val="solid"/>
+                      <a:round/>
+                      <a:headEnd type="none" w="med" len="med"/>
+                      <a:tailEnd type="none" w="med" len="med"/>
+                    </a:lnL>
+                    <a:lnR w="12700" cap="flat" cmpd="sng" algn="ctr">
+                      <a:solidFill>
+                        <a:srgbClr val="000000"/>
+                      </a:solidFill>
+                      <a:prstDash val="solid"/>
+                      <a:round/>
+                      <a:headEnd type="none" w="med" len="med"/>
+                      <a:tailEnd type="none" w="med" len="med"/>
+                    </a:lnR>
+                    <a:lnT w="12700" cap="flat" cmpd="sng" algn="ctr">
+                      <a:solidFill>
+                        <a:srgbClr val="000000"/>
+                      </a:solidFill>
+                      <a:prstDash val="solid"/>
+                      <a:round/>
+                      <a:headEnd type="none" w="med" len="med"/>
+                      <a:tailEnd type="none" w="med" len="med"/>
+                    </a:lnT>
+                    <a:lnB w="12700" cap="flat" cmpd="sng" algn="ctr">
+                      <a:solidFill>
+                        <a:srgbClr val="000000"/>
+                      </a:solidFill>
+                      <a:prstDash val="solid"/>
+                      <a:round/>
+                      <a:headEnd type="none" w="med" len="med"/>
+                      <a:tailEnd type="none" w="med" len="med"/>
+                    </a:lnB>
+                  </a:tcPr>
+                </a:tc>
+                <a:extLst>
+                  <a:ext uri="{0D108BD9-81ED-4DB2-BD59-A6C34878D82A}">
+                    <a16:rowId xmlns:a16="http://schemas.microsoft.com/office/drawing/2014/main" val="979687278"/>
+                  </a:ext>
+                </a:extLst>
+              </a:tr>
+              <a:tr h="168910">
+                <a:tc>
+                  <a:txBody>
+                    <a:bodyPr/>
+                    <a:lstStyle/>
+                    <a:p>
+                      <a:pPr indent="0" algn="ctr">
+                        <a:lnSpc>
+                          <a:spcPct val="100000"/>
+                        </a:lnSpc>
+                      </a:pPr>
+                      <a:r>
+                        <a:rPr lang="ru-RU" sz="1600" dirty="0">
+                          <a:solidFill>
+                            <a:srgbClr val="222222"/>
+                          </a:solidFill>
+                          <a:effectLst/>
+                          <a:latin typeface="Bahnschrift Light" panose="020B0502040204020203" pitchFamily="34" charset="0"/>
+                          <a:ea typeface="Calibri" panose="020F0502020204030204" pitchFamily="34" charset="0"/>
+                          <a:cs typeface="Times New Roman" panose="02020603050405020304" pitchFamily="18" charset="0"/>
+                        </a:rPr>
+                        <a:t>235</a:t>
+                      </a:r>
+                      <a:endParaRPr lang="ru-RU" sz="2800" dirty="0">
+                        <a:solidFill>
+                          <a:srgbClr val="222222"/>
+                        </a:solidFill>
+                        <a:effectLst/>
+                        <a:latin typeface="Bahnschrift Light" panose="020B0502040204020203" pitchFamily="34" charset="0"/>
+                        <a:ea typeface="Calibri" panose="020F0502020204030204" pitchFamily="34" charset="0"/>
+                        <a:cs typeface="Times New Roman" panose="02020603050405020304" pitchFamily="18" charset="0"/>
+                      </a:endParaRPr>
+                    </a:p>
+                  </a:txBody>
+                  <a:tcPr marL="63500" marR="63500" marT="63500" marB="63500">
+                    <a:lnL w="12700" cap="flat" cmpd="sng" algn="ctr">
+                      <a:solidFill>
+                        <a:srgbClr val="000000"/>
+                      </a:solidFill>
+                      <a:prstDash val="solid"/>
+                      <a:round/>
+                      <a:headEnd type="none" w="med" len="med"/>
+                      <a:tailEnd type="none" w="med" len="med"/>
+                    </a:lnL>
+                    <a:lnR w="12700" cap="flat" cmpd="sng" algn="ctr">
+                      <a:solidFill>
+                        <a:srgbClr val="000000"/>
+                      </a:solidFill>
+                      <a:prstDash val="solid"/>
+                      <a:round/>
+                      <a:headEnd type="none" w="med" len="med"/>
+                      <a:tailEnd type="none" w="med" len="med"/>
+                    </a:lnR>
+                    <a:lnT w="12700" cap="flat" cmpd="sng" algn="ctr">
+                      <a:solidFill>
+                        <a:srgbClr val="000000"/>
+                      </a:solidFill>
+                      <a:prstDash val="solid"/>
+                      <a:round/>
+                      <a:headEnd type="none" w="med" len="med"/>
+                      <a:tailEnd type="none" w="med" len="med"/>
+                    </a:lnT>
+                    <a:lnB w="12700" cap="flat" cmpd="sng" algn="ctr">
+                      <a:solidFill>
+                        <a:srgbClr val="000000"/>
+                      </a:solidFill>
+                      <a:prstDash val="solid"/>
+                      <a:round/>
+                      <a:headEnd type="none" w="med" len="med"/>
+                      <a:tailEnd type="none" w="med" len="med"/>
+                    </a:lnB>
+                  </a:tcPr>
+                </a:tc>
+                <a:tc>
+                  <a:txBody>
+                    <a:bodyPr/>
+                    <a:lstStyle/>
+                    <a:p>
+                      <a:pPr indent="0" algn="ctr">
+                        <a:lnSpc>
+                          <a:spcPct val="100000"/>
+                        </a:lnSpc>
+                      </a:pPr>
+                      <a:r>
+                        <a:rPr lang="ru-RU" sz="1600" dirty="0">
+                          <a:solidFill>
+                            <a:srgbClr val="222222"/>
+                          </a:solidFill>
+                          <a:effectLst/>
+                          <a:latin typeface="Bahnschrift Light" panose="020B0502040204020203" pitchFamily="34" charset="0"/>
+                          <a:ea typeface="Calibri" panose="020F0502020204030204" pitchFamily="34" charset="0"/>
+                          <a:cs typeface="Times New Roman" panose="02020603050405020304" pitchFamily="18" charset="0"/>
+                        </a:rPr>
+                        <a:t>1.77</a:t>
+                      </a:r>
+                      <a:endParaRPr lang="ru-RU" sz="2800" dirty="0">
+                        <a:solidFill>
+                          <a:srgbClr val="222222"/>
+                        </a:solidFill>
+                        <a:effectLst/>
+                        <a:latin typeface="Bahnschrift Light" panose="020B0502040204020203" pitchFamily="34" charset="0"/>
+                        <a:ea typeface="Calibri" panose="020F0502020204030204" pitchFamily="34" charset="0"/>
+                        <a:cs typeface="Times New Roman" panose="02020603050405020304" pitchFamily="18" charset="0"/>
+                      </a:endParaRPr>
+                    </a:p>
+                  </a:txBody>
+                  <a:tcPr marL="63500" marR="63500" marT="63500" marB="63500">
+                    <a:lnL w="12700" cap="flat" cmpd="sng" algn="ctr">
+                      <a:solidFill>
+                        <a:srgbClr val="000000"/>
+                      </a:solidFill>
+                      <a:prstDash val="solid"/>
+                      <a:round/>
+                      <a:headEnd type="none" w="med" len="med"/>
+                      <a:tailEnd type="none" w="med" len="med"/>
+                    </a:lnL>
+                    <a:lnR w="12700" cap="flat" cmpd="sng" algn="ctr">
+                      <a:solidFill>
+                        <a:srgbClr val="000000"/>
+                      </a:solidFill>
+                      <a:prstDash val="solid"/>
+                      <a:round/>
+                      <a:headEnd type="none" w="med" len="med"/>
+                      <a:tailEnd type="none" w="med" len="med"/>
+                    </a:lnR>
+                    <a:lnT w="12700" cap="flat" cmpd="sng" algn="ctr">
+                      <a:solidFill>
+                        <a:srgbClr val="000000"/>
+                      </a:solidFill>
+                      <a:prstDash val="solid"/>
+                      <a:round/>
+                      <a:headEnd type="none" w="med" len="med"/>
+                      <a:tailEnd type="none" w="med" len="med"/>
+                    </a:lnT>
+                    <a:lnB w="12700" cap="flat" cmpd="sng" algn="ctr">
+                      <a:solidFill>
+                        <a:srgbClr val="000000"/>
+                      </a:solidFill>
+                      <a:prstDash val="solid"/>
+                      <a:round/>
+                      <a:headEnd type="none" w="med" len="med"/>
+                      <a:tailEnd type="none" w="med" len="med"/>
+                    </a:lnB>
+                  </a:tcPr>
+                </a:tc>
+                <a:tc>
+                  <a:txBody>
+                    <a:bodyPr/>
+                    <a:lstStyle/>
+                    <a:p>
+                      <a:pPr indent="0" algn="ctr">
+                        <a:lnSpc>
+                          <a:spcPct val="100000"/>
+                        </a:lnSpc>
+                      </a:pPr>
+                      <a:r>
+                        <a:rPr lang="ru-RU" sz="1600">
+                          <a:solidFill>
+                            <a:srgbClr val="222222"/>
+                          </a:solidFill>
+                          <a:effectLst/>
+                          <a:latin typeface="Bahnschrift Light" panose="020B0502040204020203" pitchFamily="34" charset="0"/>
+                          <a:ea typeface="Calibri" panose="020F0502020204030204" pitchFamily="34" charset="0"/>
+                          <a:cs typeface="Times New Roman" panose="02020603050405020304" pitchFamily="18" charset="0"/>
+                        </a:rPr>
+                        <a:t>3.08</a:t>
+                      </a:r>
+                      <a:endParaRPr lang="ru-RU" sz="2800">
+                        <a:solidFill>
+                          <a:srgbClr val="222222"/>
+                        </a:solidFill>
+                        <a:effectLst/>
+                        <a:latin typeface="Bahnschrift Light" panose="020B0502040204020203" pitchFamily="34" charset="0"/>
+                        <a:ea typeface="Calibri" panose="020F0502020204030204" pitchFamily="34" charset="0"/>
+                        <a:cs typeface="Times New Roman" panose="02020603050405020304" pitchFamily="18" charset="0"/>
+                      </a:endParaRPr>
+                    </a:p>
+                  </a:txBody>
+                  <a:tcPr marL="63500" marR="63500" marT="63500" marB="63500">
+                    <a:lnL w="12700" cap="flat" cmpd="sng" algn="ctr">
+                      <a:solidFill>
+                        <a:srgbClr val="000000"/>
+                      </a:solidFill>
+                      <a:prstDash val="solid"/>
+                      <a:round/>
+                      <a:headEnd type="none" w="med" len="med"/>
+                      <a:tailEnd type="none" w="med" len="med"/>
+                    </a:lnL>
+                    <a:lnR w="12700" cap="flat" cmpd="sng" algn="ctr">
+                      <a:solidFill>
+                        <a:srgbClr val="000000"/>
+                      </a:solidFill>
+                      <a:prstDash val="solid"/>
+                      <a:round/>
+                      <a:headEnd type="none" w="med" len="med"/>
+                      <a:tailEnd type="none" w="med" len="med"/>
+                    </a:lnR>
+                    <a:lnT w="12700" cap="flat" cmpd="sng" algn="ctr">
+                      <a:solidFill>
+                        <a:srgbClr val="000000"/>
+                      </a:solidFill>
+                      <a:prstDash val="solid"/>
+                      <a:round/>
+                      <a:headEnd type="none" w="med" len="med"/>
+                      <a:tailEnd type="none" w="med" len="med"/>
+                    </a:lnT>
+                    <a:lnB w="12700" cap="flat" cmpd="sng" algn="ctr">
+                      <a:solidFill>
+                        <a:srgbClr val="000000"/>
+                      </a:solidFill>
+                      <a:prstDash val="solid"/>
+                      <a:round/>
+                      <a:headEnd type="none" w="med" len="med"/>
+                      <a:tailEnd type="none" w="med" len="med"/>
+                    </a:lnB>
+                  </a:tcPr>
+                </a:tc>
+                <a:extLst>
+                  <a:ext uri="{0D108BD9-81ED-4DB2-BD59-A6C34878D82A}">
+                    <a16:rowId xmlns:a16="http://schemas.microsoft.com/office/drawing/2014/main" val="3508149010"/>
+                  </a:ext>
+                </a:extLst>
+              </a:tr>
+              <a:tr h="0">
+                <a:tc>
+                  <a:txBody>
+                    <a:bodyPr/>
+                    <a:lstStyle/>
+                    <a:p>
+                      <a:pPr indent="0" algn="ctr">
+                        <a:lnSpc>
+                          <a:spcPct val="100000"/>
+                        </a:lnSpc>
+                      </a:pPr>
+                      <a:r>
+                        <a:rPr lang="ru-RU" sz="1600" dirty="0">
+                          <a:solidFill>
+                            <a:srgbClr val="222222"/>
+                          </a:solidFill>
+                          <a:effectLst/>
+                          <a:latin typeface="Bahnschrift Light" panose="020B0502040204020203" pitchFamily="34" charset="0"/>
+                          <a:ea typeface="Calibri" panose="020F0502020204030204" pitchFamily="34" charset="0"/>
+                          <a:cs typeface="Times New Roman" panose="02020603050405020304" pitchFamily="18" charset="0"/>
+                        </a:rPr>
+                        <a:t>190</a:t>
+                      </a:r>
+                      <a:endParaRPr lang="ru-RU" sz="2800" dirty="0">
+                        <a:solidFill>
+                          <a:srgbClr val="222222"/>
+                        </a:solidFill>
+                        <a:effectLst/>
+                        <a:latin typeface="Bahnschrift Light" panose="020B0502040204020203" pitchFamily="34" charset="0"/>
+                        <a:ea typeface="Calibri" panose="020F0502020204030204" pitchFamily="34" charset="0"/>
+                        <a:cs typeface="Times New Roman" panose="02020603050405020304" pitchFamily="18" charset="0"/>
+                      </a:endParaRPr>
+                    </a:p>
+                  </a:txBody>
+                  <a:tcPr marL="63500" marR="63500" marT="63500" marB="63500">
+                    <a:lnL w="12700" cap="flat" cmpd="sng" algn="ctr">
+                      <a:solidFill>
+                        <a:srgbClr val="000000"/>
+                      </a:solidFill>
+                      <a:prstDash val="solid"/>
+                      <a:round/>
+                      <a:headEnd type="none" w="med" len="med"/>
+                      <a:tailEnd type="none" w="med" len="med"/>
+                    </a:lnL>
+                    <a:lnR w="12700" cap="flat" cmpd="sng" algn="ctr">
+                      <a:solidFill>
+                        <a:srgbClr val="000000"/>
+                      </a:solidFill>
+                      <a:prstDash val="solid"/>
+                      <a:round/>
+                      <a:headEnd type="none" w="med" len="med"/>
+                      <a:tailEnd type="none" w="med" len="med"/>
+                    </a:lnR>
+                    <a:lnT w="12700" cap="flat" cmpd="sng" algn="ctr">
+                      <a:solidFill>
+                        <a:srgbClr val="000000"/>
+                      </a:solidFill>
+                      <a:prstDash val="solid"/>
+                      <a:round/>
+                      <a:headEnd type="none" w="med" len="med"/>
+                      <a:tailEnd type="none" w="med" len="med"/>
+                    </a:lnT>
+                    <a:lnB w="12700" cap="flat" cmpd="sng" algn="ctr">
+                      <a:solidFill>
+                        <a:srgbClr val="000000"/>
+                      </a:solidFill>
+                      <a:prstDash val="solid"/>
+                      <a:round/>
+                      <a:headEnd type="none" w="med" len="med"/>
+                      <a:tailEnd type="none" w="med" len="med"/>
+                    </a:lnB>
+                  </a:tcPr>
+                </a:tc>
+                <a:tc>
+                  <a:txBody>
+                    <a:bodyPr/>
+                    <a:lstStyle/>
+                    <a:p>
+                      <a:pPr indent="0" algn="ctr">
+                        <a:lnSpc>
+                          <a:spcPct val="100000"/>
+                        </a:lnSpc>
+                      </a:pPr>
+                      <a:r>
+                        <a:rPr lang="ru-RU" sz="1600" dirty="0">
+                          <a:solidFill>
+                            <a:srgbClr val="222222"/>
+                          </a:solidFill>
+                          <a:effectLst/>
+                          <a:latin typeface="Bahnschrift Light" panose="020B0502040204020203" pitchFamily="34" charset="0"/>
+                          <a:ea typeface="Calibri" panose="020F0502020204030204" pitchFamily="34" charset="0"/>
+                          <a:cs typeface="Times New Roman" panose="02020603050405020304" pitchFamily="18" charset="0"/>
+                        </a:rPr>
+                        <a:t>2.02</a:t>
+                      </a:r>
+                      <a:endParaRPr lang="ru-RU" sz="2800" dirty="0">
+                        <a:solidFill>
+                          <a:srgbClr val="222222"/>
+                        </a:solidFill>
+                        <a:effectLst/>
+                        <a:latin typeface="Bahnschrift Light" panose="020B0502040204020203" pitchFamily="34" charset="0"/>
+                        <a:ea typeface="Calibri" panose="020F0502020204030204" pitchFamily="34" charset="0"/>
+                        <a:cs typeface="Times New Roman" panose="02020603050405020304" pitchFamily="18" charset="0"/>
+                      </a:endParaRPr>
+                    </a:p>
+                  </a:txBody>
+                  <a:tcPr marL="63500" marR="63500" marT="63500" marB="63500">
+                    <a:lnL w="12700" cap="flat" cmpd="sng" algn="ctr">
+                      <a:solidFill>
+                        <a:srgbClr val="000000"/>
+                      </a:solidFill>
+                      <a:prstDash val="solid"/>
+                      <a:round/>
+                      <a:headEnd type="none" w="med" len="med"/>
+                      <a:tailEnd type="none" w="med" len="med"/>
+                    </a:lnL>
+                    <a:lnR w="12700" cap="flat" cmpd="sng" algn="ctr">
+                      <a:solidFill>
+                        <a:srgbClr val="000000"/>
+                      </a:solidFill>
+                      <a:prstDash val="solid"/>
+                      <a:round/>
+                      <a:headEnd type="none" w="med" len="med"/>
+                      <a:tailEnd type="none" w="med" len="med"/>
+                    </a:lnR>
+                    <a:lnT w="12700" cap="flat" cmpd="sng" algn="ctr">
+                      <a:solidFill>
+                        <a:srgbClr val="000000"/>
+                      </a:solidFill>
+                      <a:prstDash val="solid"/>
+                      <a:round/>
+                      <a:headEnd type="none" w="med" len="med"/>
+                      <a:tailEnd type="none" w="med" len="med"/>
+                    </a:lnT>
+                    <a:lnB w="12700" cap="flat" cmpd="sng" algn="ctr">
+                      <a:solidFill>
+                        <a:srgbClr val="000000"/>
+                      </a:solidFill>
+                      <a:prstDash val="solid"/>
+                      <a:round/>
+                      <a:headEnd type="none" w="med" len="med"/>
+                      <a:tailEnd type="none" w="med" len="med"/>
+                    </a:lnB>
+                  </a:tcPr>
+                </a:tc>
+                <a:tc>
+                  <a:txBody>
+                    <a:bodyPr/>
+                    <a:lstStyle/>
+                    <a:p>
+                      <a:pPr indent="0" algn="ctr">
+                        <a:lnSpc>
+                          <a:spcPct val="100000"/>
+                        </a:lnSpc>
+                      </a:pPr>
+                      <a:r>
+                        <a:rPr lang="ru-RU" sz="1600">
+                          <a:solidFill>
+                            <a:srgbClr val="222222"/>
+                          </a:solidFill>
+                          <a:effectLst/>
+                          <a:latin typeface="Bahnschrift Light" panose="020B0502040204020203" pitchFamily="34" charset="0"/>
+                          <a:ea typeface="Calibri" panose="020F0502020204030204" pitchFamily="34" charset="0"/>
+                          <a:cs typeface="Times New Roman" panose="02020603050405020304" pitchFamily="18" charset="0"/>
+                        </a:rPr>
+                        <a:t>3.69</a:t>
+                      </a:r>
+                      <a:endParaRPr lang="ru-RU" sz="2800">
+                        <a:solidFill>
+                          <a:srgbClr val="222222"/>
+                        </a:solidFill>
+                        <a:effectLst/>
+                        <a:latin typeface="Bahnschrift Light" panose="020B0502040204020203" pitchFamily="34" charset="0"/>
+                        <a:ea typeface="Calibri" panose="020F0502020204030204" pitchFamily="34" charset="0"/>
+                        <a:cs typeface="Times New Roman" panose="02020603050405020304" pitchFamily="18" charset="0"/>
+                      </a:endParaRPr>
+                    </a:p>
+                  </a:txBody>
+                  <a:tcPr marL="63500" marR="63500" marT="63500" marB="63500">
+                    <a:lnL w="12700" cap="flat" cmpd="sng" algn="ctr">
+                      <a:solidFill>
+                        <a:srgbClr val="000000"/>
+                      </a:solidFill>
+                      <a:prstDash val="solid"/>
+                      <a:round/>
+                      <a:headEnd type="none" w="med" len="med"/>
+                      <a:tailEnd type="none" w="med" len="med"/>
+                    </a:lnL>
+                    <a:lnR w="12700" cap="flat" cmpd="sng" algn="ctr">
+                      <a:solidFill>
+                        <a:srgbClr val="000000"/>
+                      </a:solidFill>
+                      <a:prstDash val="solid"/>
+                      <a:round/>
+                      <a:headEnd type="none" w="med" len="med"/>
+                      <a:tailEnd type="none" w="med" len="med"/>
+                    </a:lnR>
+                    <a:lnT w="12700" cap="flat" cmpd="sng" algn="ctr">
+                      <a:solidFill>
+                        <a:srgbClr val="000000"/>
+                      </a:solidFill>
+                      <a:prstDash val="solid"/>
+                      <a:round/>
+                      <a:headEnd type="none" w="med" len="med"/>
+                      <a:tailEnd type="none" w="med" len="med"/>
+                    </a:lnT>
+                    <a:lnB w="12700" cap="flat" cmpd="sng" algn="ctr">
+                      <a:solidFill>
+                        <a:srgbClr val="000000"/>
+                      </a:solidFill>
+                      <a:prstDash val="solid"/>
+                      <a:round/>
+                      <a:headEnd type="none" w="med" len="med"/>
+                      <a:tailEnd type="none" w="med" len="med"/>
+                    </a:lnB>
+                  </a:tcPr>
+                </a:tc>
+                <a:extLst>
+                  <a:ext uri="{0D108BD9-81ED-4DB2-BD59-A6C34878D82A}">
+                    <a16:rowId xmlns:a16="http://schemas.microsoft.com/office/drawing/2014/main" val="229701872"/>
+                  </a:ext>
+                </a:extLst>
+              </a:tr>
+              <a:tr h="0">
+                <a:tc>
+                  <a:txBody>
+                    <a:bodyPr/>
+                    <a:lstStyle/>
+                    <a:p>
+                      <a:pPr indent="0" algn="ctr">
+                        <a:lnSpc>
+                          <a:spcPct val="100000"/>
+                        </a:lnSpc>
+                      </a:pPr>
+                      <a:r>
+                        <a:rPr lang="ru-RU" sz="1600">
+                          <a:solidFill>
+                            <a:srgbClr val="222222"/>
+                          </a:solidFill>
+                          <a:effectLst/>
+                          <a:latin typeface="Bahnschrift Light" panose="020B0502040204020203" pitchFamily="34" charset="0"/>
+                          <a:ea typeface="Calibri" panose="020F0502020204030204" pitchFamily="34" charset="0"/>
+                          <a:cs typeface="Times New Roman" panose="02020603050405020304" pitchFamily="18" charset="0"/>
+                        </a:rPr>
+                        <a:t>165</a:t>
+                      </a:r>
+                      <a:endParaRPr lang="ru-RU" sz="2800">
+                        <a:solidFill>
+                          <a:srgbClr val="222222"/>
+                        </a:solidFill>
+                        <a:effectLst/>
+                        <a:latin typeface="Bahnschrift Light" panose="020B0502040204020203" pitchFamily="34" charset="0"/>
+                        <a:ea typeface="Calibri" panose="020F0502020204030204" pitchFamily="34" charset="0"/>
+                        <a:cs typeface="Times New Roman" panose="02020603050405020304" pitchFamily="18" charset="0"/>
+                      </a:endParaRPr>
+                    </a:p>
+                  </a:txBody>
+                  <a:tcPr marL="63500" marR="63500" marT="63500" marB="63500">
+                    <a:lnL w="12700" cap="flat" cmpd="sng" algn="ctr">
+                      <a:solidFill>
+                        <a:srgbClr val="000000"/>
+                      </a:solidFill>
+                      <a:prstDash val="solid"/>
+                      <a:round/>
+                      <a:headEnd type="none" w="med" len="med"/>
+                      <a:tailEnd type="none" w="med" len="med"/>
+                    </a:lnL>
+                    <a:lnR w="12700" cap="flat" cmpd="sng" algn="ctr">
+                      <a:solidFill>
+                        <a:srgbClr val="000000"/>
+                      </a:solidFill>
+                      <a:prstDash val="solid"/>
+                      <a:round/>
+                      <a:headEnd type="none" w="med" len="med"/>
+                      <a:tailEnd type="none" w="med" len="med"/>
+                    </a:lnR>
+                    <a:lnT w="12700" cap="flat" cmpd="sng" algn="ctr">
+                      <a:solidFill>
+                        <a:srgbClr val="000000"/>
+                      </a:solidFill>
+                      <a:prstDash val="solid"/>
+                      <a:round/>
+                      <a:headEnd type="none" w="med" len="med"/>
+                      <a:tailEnd type="none" w="med" len="med"/>
+                    </a:lnT>
+                    <a:lnB w="12700" cap="flat" cmpd="sng" algn="ctr">
+                      <a:solidFill>
+                        <a:srgbClr val="000000"/>
+                      </a:solidFill>
+                      <a:prstDash val="solid"/>
+                      <a:round/>
+                      <a:headEnd type="none" w="med" len="med"/>
+                      <a:tailEnd type="none" w="med" len="med"/>
+                    </a:lnB>
+                  </a:tcPr>
+                </a:tc>
+                <a:tc>
+                  <a:txBody>
+                    <a:bodyPr/>
+                    <a:lstStyle/>
+                    <a:p>
+                      <a:pPr indent="0" algn="ctr">
+                        <a:lnSpc>
+                          <a:spcPct val="100000"/>
+                        </a:lnSpc>
+                      </a:pPr>
+                      <a:r>
+                        <a:rPr lang="ru-RU" sz="1600" dirty="0">
+                          <a:solidFill>
+                            <a:srgbClr val="222222"/>
+                          </a:solidFill>
+                          <a:effectLst/>
+                          <a:latin typeface="Bahnschrift Light" panose="020B0502040204020203" pitchFamily="34" charset="0"/>
+                          <a:ea typeface="Calibri" panose="020F0502020204030204" pitchFamily="34" charset="0"/>
+                          <a:cs typeface="Times New Roman" panose="02020603050405020304" pitchFamily="18" charset="0"/>
+                        </a:rPr>
+                        <a:t>2.31</a:t>
+                      </a:r>
+                      <a:endParaRPr lang="ru-RU" sz="2800" dirty="0">
+                        <a:solidFill>
+                          <a:srgbClr val="222222"/>
+                        </a:solidFill>
+                        <a:effectLst/>
+                        <a:latin typeface="Bahnschrift Light" panose="020B0502040204020203" pitchFamily="34" charset="0"/>
+                        <a:ea typeface="Calibri" panose="020F0502020204030204" pitchFamily="34" charset="0"/>
+                        <a:cs typeface="Times New Roman" panose="02020603050405020304" pitchFamily="18" charset="0"/>
+                      </a:endParaRPr>
+                    </a:p>
+                  </a:txBody>
+                  <a:tcPr marL="63500" marR="63500" marT="63500" marB="63500">
+                    <a:lnL w="12700" cap="flat" cmpd="sng" algn="ctr">
+                      <a:solidFill>
+                        <a:srgbClr val="000000"/>
+                      </a:solidFill>
+                      <a:prstDash val="solid"/>
+                      <a:round/>
+                      <a:headEnd type="none" w="med" len="med"/>
+                      <a:tailEnd type="none" w="med" len="med"/>
+                    </a:lnL>
+                    <a:lnR w="12700" cap="flat" cmpd="sng" algn="ctr">
+                      <a:solidFill>
+                        <a:srgbClr val="000000"/>
+                      </a:solidFill>
+                      <a:prstDash val="solid"/>
+                      <a:round/>
+                      <a:headEnd type="none" w="med" len="med"/>
+                      <a:tailEnd type="none" w="med" len="med"/>
+                    </a:lnR>
+                    <a:lnT w="12700" cap="flat" cmpd="sng" algn="ctr">
+                      <a:solidFill>
+                        <a:srgbClr val="000000"/>
+                      </a:solidFill>
+                      <a:prstDash val="solid"/>
+                      <a:round/>
+                      <a:headEnd type="none" w="med" len="med"/>
+                      <a:tailEnd type="none" w="med" len="med"/>
+                    </a:lnT>
+                    <a:lnB w="12700" cap="flat" cmpd="sng" algn="ctr">
+                      <a:solidFill>
+                        <a:srgbClr val="000000"/>
+                      </a:solidFill>
+                      <a:prstDash val="solid"/>
+                      <a:round/>
+                      <a:headEnd type="none" w="med" len="med"/>
+                      <a:tailEnd type="none" w="med" len="med"/>
+                    </a:lnB>
+                  </a:tcPr>
+                </a:tc>
+                <a:tc>
+                  <a:txBody>
+                    <a:bodyPr/>
+                    <a:lstStyle/>
+                    <a:p>
+                      <a:pPr indent="0" algn="ctr">
+                        <a:lnSpc>
+                          <a:spcPct val="100000"/>
+                        </a:lnSpc>
+                      </a:pPr>
+                      <a:r>
+                        <a:rPr lang="ru-RU" sz="1600">
+                          <a:solidFill>
+                            <a:srgbClr val="222222"/>
+                          </a:solidFill>
+                          <a:effectLst/>
+                          <a:latin typeface="Bahnschrift Light" panose="020B0502040204020203" pitchFamily="34" charset="0"/>
+                          <a:ea typeface="Calibri" panose="020F0502020204030204" pitchFamily="34" charset="0"/>
+                          <a:cs typeface="Times New Roman" panose="02020603050405020304" pitchFamily="18" charset="0"/>
+                        </a:rPr>
+                        <a:t>4.29</a:t>
+                      </a:r>
+                      <a:endParaRPr lang="ru-RU" sz="2800">
+                        <a:solidFill>
+                          <a:srgbClr val="222222"/>
+                        </a:solidFill>
+                        <a:effectLst/>
+                        <a:latin typeface="Bahnschrift Light" panose="020B0502040204020203" pitchFamily="34" charset="0"/>
+                        <a:ea typeface="Calibri" panose="020F0502020204030204" pitchFamily="34" charset="0"/>
+                        <a:cs typeface="Times New Roman" panose="02020603050405020304" pitchFamily="18" charset="0"/>
+                      </a:endParaRPr>
+                    </a:p>
+                  </a:txBody>
+                  <a:tcPr marL="63500" marR="63500" marT="63500" marB="63500">
+                    <a:lnL w="12700" cap="flat" cmpd="sng" algn="ctr">
+                      <a:solidFill>
+                        <a:srgbClr val="000000"/>
+                      </a:solidFill>
+                      <a:prstDash val="solid"/>
+                      <a:round/>
+                      <a:headEnd type="none" w="med" len="med"/>
+                      <a:tailEnd type="none" w="med" len="med"/>
+                    </a:lnL>
+                    <a:lnR w="12700" cap="flat" cmpd="sng" algn="ctr">
+                      <a:solidFill>
+                        <a:srgbClr val="000000"/>
+                      </a:solidFill>
+                      <a:prstDash val="solid"/>
+                      <a:round/>
+                      <a:headEnd type="none" w="med" len="med"/>
+                      <a:tailEnd type="none" w="med" len="med"/>
+                    </a:lnR>
+                    <a:lnT w="12700" cap="flat" cmpd="sng" algn="ctr">
+                      <a:solidFill>
+                        <a:srgbClr val="000000"/>
+                      </a:solidFill>
+                      <a:prstDash val="solid"/>
+                      <a:round/>
+                      <a:headEnd type="none" w="med" len="med"/>
+                      <a:tailEnd type="none" w="med" len="med"/>
+                    </a:lnT>
+                    <a:lnB w="12700" cap="flat" cmpd="sng" algn="ctr">
+                      <a:solidFill>
+                        <a:srgbClr val="000000"/>
+                      </a:solidFill>
+                      <a:prstDash val="solid"/>
+                      <a:round/>
+                      <a:headEnd type="none" w="med" len="med"/>
+                      <a:tailEnd type="none" w="med" len="med"/>
+                    </a:lnB>
+                  </a:tcPr>
+                </a:tc>
+                <a:extLst>
+                  <a:ext uri="{0D108BD9-81ED-4DB2-BD59-A6C34878D82A}">
+                    <a16:rowId xmlns:a16="http://schemas.microsoft.com/office/drawing/2014/main" val="2074120489"/>
+                  </a:ext>
+                </a:extLst>
+              </a:tr>
+              <a:tr h="0">
+                <a:tc>
+                  <a:txBody>
+                    <a:bodyPr/>
+                    <a:lstStyle/>
+                    <a:p>
+                      <a:pPr indent="0" algn="ctr">
+                        <a:lnSpc>
+                          <a:spcPct val="100000"/>
+                        </a:lnSpc>
+                      </a:pPr>
+                      <a:r>
+                        <a:rPr lang="ru-RU" sz="1600">
+                          <a:solidFill>
+                            <a:srgbClr val="222222"/>
+                          </a:solidFill>
+                          <a:effectLst/>
+                          <a:latin typeface="Bahnschrift Light" panose="020B0502040204020203" pitchFamily="34" charset="0"/>
+                          <a:ea typeface="Calibri" panose="020F0502020204030204" pitchFamily="34" charset="0"/>
+                          <a:cs typeface="Times New Roman" panose="02020603050405020304" pitchFamily="18" charset="0"/>
+                        </a:rPr>
+                        <a:t>150</a:t>
+                      </a:r>
+                      <a:endParaRPr lang="ru-RU" sz="2800">
+                        <a:solidFill>
+                          <a:srgbClr val="222222"/>
+                        </a:solidFill>
+                        <a:effectLst/>
+                        <a:latin typeface="Bahnschrift Light" panose="020B0502040204020203" pitchFamily="34" charset="0"/>
+                        <a:ea typeface="Calibri" panose="020F0502020204030204" pitchFamily="34" charset="0"/>
+                        <a:cs typeface="Times New Roman" panose="02020603050405020304" pitchFamily="18" charset="0"/>
+                      </a:endParaRPr>
+                    </a:p>
+                  </a:txBody>
+                  <a:tcPr marL="63500" marR="63500" marT="63500" marB="63500">
+                    <a:lnL w="12700" cap="flat" cmpd="sng" algn="ctr">
+                      <a:solidFill>
+                        <a:srgbClr val="000000"/>
+                      </a:solidFill>
+                      <a:prstDash val="solid"/>
+                      <a:round/>
+                      <a:headEnd type="none" w="med" len="med"/>
+                      <a:tailEnd type="none" w="med" len="med"/>
+                    </a:lnL>
+                    <a:lnR w="12700" cap="flat" cmpd="sng" algn="ctr">
+                      <a:solidFill>
+                        <a:srgbClr val="000000"/>
+                      </a:solidFill>
+                      <a:prstDash val="solid"/>
+                      <a:round/>
+                      <a:headEnd type="none" w="med" len="med"/>
+                      <a:tailEnd type="none" w="med" len="med"/>
+                    </a:lnR>
+                    <a:lnT w="12700" cap="flat" cmpd="sng" algn="ctr">
+                      <a:solidFill>
+                        <a:srgbClr val="000000"/>
+                      </a:solidFill>
+                      <a:prstDash val="solid"/>
+                      <a:round/>
+                      <a:headEnd type="none" w="med" len="med"/>
+                      <a:tailEnd type="none" w="med" len="med"/>
+                    </a:lnT>
+                    <a:lnB w="12700" cap="flat" cmpd="sng" algn="ctr">
+                      <a:solidFill>
+                        <a:srgbClr val="000000"/>
+                      </a:solidFill>
+                      <a:prstDash val="solid"/>
+                      <a:round/>
+                      <a:headEnd type="none" w="med" len="med"/>
+                      <a:tailEnd type="none" w="med" len="med"/>
+                    </a:lnB>
+                  </a:tcPr>
+                </a:tc>
+                <a:tc>
+                  <a:txBody>
+                    <a:bodyPr/>
+                    <a:lstStyle/>
+                    <a:p>
+                      <a:pPr indent="0" algn="ctr">
+                        <a:lnSpc>
+                          <a:spcPct val="100000"/>
+                        </a:lnSpc>
+                      </a:pPr>
+                      <a:r>
+                        <a:rPr lang="ru-RU" sz="1600" dirty="0">
+                          <a:solidFill>
+                            <a:srgbClr val="222222"/>
+                          </a:solidFill>
+                          <a:effectLst/>
+                          <a:latin typeface="Bahnschrift Light" panose="020B0502040204020203" pitchFamily="34" charset="0"/>
+                          <a:ea typeface="Calibri" panose="020F0502020204030204" pitchFamily="34" charset="0"/>
+                          <a:cs typeface="Times New Roman" panose="02020603050405020304" pitchFamily="18" charset="0"/>
+                        </a:rPr>
+                        <a:t>2.58</a:t>
+                      </a:r>
+                      <a:endParaRPr lang="ru-RU" sz="2800" dirty="0">
+                        <a:solidFill>
+                          <a:srgbClr val="222222"/>
+                        </a:solidFill>
+                        <a:effectLst/>
+                        <a:latin typeface="Bahnschrift Light" panose="020B0502040204020203" pitchFamily="34" charset="0"/>
+                        <a:ea typeface="Calibri" panose="020F0502020204030204" pitchFamily="34" charset="0"/>
+                        <a:cs typeface="Times New Roman" panose="02020603050405020304" pitchFamily="18" charset="0"/>
+                      </a:endParaRPr>
+                    </a:p>
+                  </a:txBody>
+                  <a:tcPr marL="63500" marR="63500" marT="63500" marB="63500">
+                    <a:lnL w="12700" cap="flat" cmpd="sng" algn="ctr">
+                      <a:solidFill>
+                        <a:srgbClr val="000000"/>
+                      </a:solidFill>
+                      <a:prstDash val="solid"/>
+                      <a:round/>
+                      <a:headEnd type="none" w="med" len="med"/>
+                      <a:tailEnd type="none" w="med" len="med"/>
+                    </a:lnL>
+                    <a:lnR w="12700" cap="flat" cmpd="sng" algn="ctr">
+                      <a:solidFill>
+                        <a:srgbClr val="000000"/>
+                      </a:solidFill>
+                      <a:prstDash val="solid"/>
+                      <a:round/>
+                      <a:headEnd type="none" w="med" len="med"/>
+                      <a:tailEnd type="none" w="med" len="med"/>
+                    </a:lnR>
+                    <a:lnT w="12700" cap="flat" cmpd="sng" algn="ctr">
+                      <a:solidFill>
+                        <a:srgbClr val="000000"/>
+                      </a:solidFill>
+                      <a:prstDash val="solid"/>
+                      <a:round/>
+                      <a:headEnd type="none" w="med" len="med"/>
+                      <a:tailEnd type="none" w="med" len="med"/>
+                    </a:lnT>
+                    <a:lnB w="12700" cap="flat" cmpd="sng" algn="ctr">
+                      <a:solidFill>
+                        <a:srgbClr val="000000"/>
+                      </a:solidFill>
+                      <a:prstDash val="solid"/>
+                      <a:round/>
+                      <a:headEnd type="none" w="med" len="med"/>
+                      <a:tailEnd type="none" w="med" len="med"/>
+                    </a:lnB>
+                  </a:tcPr>
+                </a:tc>
+                <a:tc>
+                  <a:txBody>
+                    <a:bodyPr/>
+                    <a:lstStyle/>
+                    <a:p>
+                      <a:pPr indent="0" algn="ctr">
+                        <a:lnSpc>
+                          <a:spcPct val="100000"/>
+                        </a:lnSpc>
+                      </a:pPr>
+                      <a:r>
+                        <a:rPr lang="ru-RU" sz="1600" dirty="0">
+                          <a:solidFill>
+                            <a:srgbClr val="222222"/>
+                          </a:solidFill>
+                          <a:effectLst/>
+                          <a:latin typeface="Bahnschrift Light" panose="020B0502040204020203" pitchFamily="34" charset="0"/>
+                          <a:ea typeface="Calibri" panose="020F0502020204030204" pitchFamily="34" charset="0"/>
+                          <a:cs typeface="Times New Roman" panose="02020603050405020304" pitchFamily="18" charset="0"/>
+                        </a:rPr>
+                        <a:t>4.53</a:t>
+                      </a:r>
+                      <a:endParaRPr lang="ru-RU" sz="2800" dirty="0">
+                        <a:solidFill>
+                          <a:srgbClr val="222222"/>
+                        </a:solidFill>
+                        <a:effectLst/>
+                        <a:latin typeface="Bahnschrift Light" panose="020B0502040204020203" pitchFamily="34" charset="0"/>
+                        <a:ea typeface="Calibri" panose="020F0502020204030204" pitchFamily="34" charset="0"/>
+                        <a:cs typeface="Times New Roman" panose="02020603050405020304" pitchFamily="18" charset="0"/>
+                      </a:endParaRPr>
+                    </a:p>
+                  </a:txBody>
+                  <a:tcPr marL="63500" marR="63500" marT="63500" marB="63500">
+                    <a:lnL w="12700" cap="flat" cmpd="sng" algn="ctr">
+                      <a:solidFill>
+                        <a:srgbClr val="000000"/>
+                      </a:solidFill>
+                      <a:prstDash val="solid"/>
+                      <a:round/>
+                      <a:headEnd type="none" w="med" len="med"/>
+                      <a:tailEnd type="none" w="med" len="med"/>
+                    </a:lnL>
+                    <a:lnR w="12700" cap="flat" cmpd="sng" algn="ctr">
+                      <a:solidFill>
+                        <a:srgbClr val="000000"/>
+                      </a:solidFill>
+                      <a:prstDash val="solid"/>
+                      <a:round/>
+                      <a:headEnd type="none" w="med" len="med"/>
+                      <a:tailEnd type="none" w="med" len="med"/>
+                    </a:lnR>
+                    <a:lnT w="12700" cap="flat" cmpd="sng" algn="ctr">
+                      <a:solidFill>
+                        <a:srgbClr val="000000"/>
+                      </a:solidFill>
+                      <a:prstDash val="solid"/>
+                      <a:round/>
+                      <a:headEnd type="none" w="med" len="med"/>
+                      <a:tailEnd type="none" w="med" len="med"/>
+                    </a:lnT>
+                    <a:lnB w="12700" cap="flat" cmpd="sng" algn="ctr">
+                      <a:solidFill>
+                        <a:srgbClr val="000000"/>
+                      </a:solidFill>
+                      <a:prstDash val="solid"/>
+                      <a:round/>
+                      <a:headEnd type="none" w="med" len="med"/>
+                      <a:tailEnd type="none" w="med" len="med"/>
+                    </a:lnB>
+                  </a:tcPr>
+                </a:tc>
+                <a:extLst>
+                  <a:ext uri="{0D108BD9-81ED-4DB2-BD59-A6C34878D82A}">
+                    <a16:rowId xmlns:a16="http://schemas.microsoft.com/office/drawing/2014/main" val="3411904517"/>
+                  </a:ext>
+                </a:extLst>
+              </a:tr>
+            </a:tbl>
+          </a:graphicData>
+        </a:graphic>
+      </p:graphicFrame>
+      <p:sp>
+        <p:nvSpPr>
+          <p:cNvPr id="11" name="TextBox 10">
+            <a:extLst>
+              <a:ext uri="{FF2B5EF4-FFF2-40B4-BE49-F238E27FC236}">
+                <a16:creationId xmlns:a16="http://schemas.microsoft.com/office/drawing/2014/main" id="{99ED38DB-7C03-4BBF-8348-FA4C3B85A802}"/>
+              </a:ext>
+            </a:extLst>
+          </p:cNvPr>
+          <p:cNvSpPr txBox="1"/>
+          <p:nvPr/>
+        </p:nvSpPr>
+        <p:spPr>
+          <a:xfrm>
+            <a:off x="5629272" y="954920"/>
+            <a:ext cx="6096000" cy="646331"/>
+          </a:xfrm>
+          <a:prstGeom prst="rect">
+            <a:avLst/>
+          </a:prstGeom>
+          <a:noFill/>
+        </p:spPr>
+        <p:txBody>
+          <a:bodyPr wrap="square">
+            <a:spAutoFit/>
+          </a:bodyPr>
+          <a:lstStyle/>
+          <a:p>
+            <a:pPr algn="r"/>
+            <a:r>
+              <a:rPr lang="ru-RU" sz="1800" dirty="0">
+                <a:solidFill>
+                  <a:srgbClr val="222222"/>
+                </a:solidFill>
+                <a:effectLst/>
+                <a:latin typeface="Bahnschrift Light" panose="020B0502040204020203" pitchFamily="34" charset="0"/>
+                <a:ea typeface="Calibri" panose="020F0502020204030204" pitchFamily="34" charset="0"/>
+              </a:rPr>
+              <a:t>Таблица 3. Зависимости ширины спектра от длительности импульса</a:t>
+            </a:r>
+            <a:endParaRPr lang="ru-RU" dirty="0">
+              <a:latin typeface="Bahnschrift Light" panose="020B0502040204020203" pitchFamily="34" charset="0"/>
+            </a:endParaRPr>
+          </a:p>
+        </p:txBody>
+      </p:sp>
+      <p:sp>
+        <p:nvSpPr>
+          <p:cNvPr id="13" name="TextBox 12">
+            <a:extLst>
+              <a:ext uri="{FF2B5EF4-FFF2-40B4-BE49-F238E27FC236}">
+                <a16:creationId xmlns:a16="http://schemas.microsoft.com/office/drawing/2014/main" id="{419AA493-CF8E-43AC-9C49-FC6FBF3FE891}"/>
+              </a:ext>
+            </a:extLst>
+          </p:cNvPr>
+          <p:cNvSpPr txBox="1"/>
+          <p:nvPr/>
+        </p:nvSpPr>
+        <p:spPr>
+          <a:xfrm>
+            <a:off x="5991227" y="5377209"/>
+            <a:ext cx="5724525" cy="830997"/>
+          </a:xfrm>
+          <a:custGeom>
+            <a:avLst/>
+            <a:gdLst>
+              <a:gd name="connsiteX0" fmla="*/ 0 w 5724525"/>
+              <a:gd name="connsiteY0" fmla="*/ 0 h 830997"/>
+              <a:gd name="connsiteX1" fmla="*/ 750549 w 5724525"/>
+              <a:gd name="connsiteY1" fmla="*/ 0 h 830997"/>
+              <a:gd name="connsiteX2" fmla="*/ 1386607 w 5724525"/>
+              <a:gd name="connsiteY2" fmla="*/ 0 h 830997"/>
+              <a:gd name="connsiteX3" fmla="*/ 1965420 w 5724525"/>
+              <a:gd name="connsiteY3" fmla="*/ 0 h 830997"/>
+              <a:gd name="connsiteX4" fmla="*/ 2429743 w 5724525"/>
+              <a:gd name="connsiteY4" fmla="*/ 0 h 830997"/>
+              <a:gd name="connsiteX5" fmla="*/ 3123046 w 5724525"/>
+              <a:gd name="connsiteY5" fmla="*/ 0 h 830997"/>
+              <a:gd name="connsiteX6" fmla="*/ 3816350 w 5724525"/>
+              <a:gd name="connsiteY6" fmla="*/ 0 h 830997"/>
+              <a:gd name="connsiteX7" fmla="*/ 4452408 w 5724525"/>
+              <a:gd name="connsiteY7" fmla="*/ 0 h 830997"/>
+              <a:gd name="connsiteX8" fmla="*/ 5724525 w 5724525"/>
+              <a:gd name="connsiteY8" fmla="*/ 0 h 830997"/>
+              <a:gd name="connsiteX9" fmla="*/ 5724525 w 5724525"/>
+              <a:gd name="connsiteY9" fmla="*/ 423808 h 830997"/>
+              <a:gd name="connsiteX10" fmla="*/ 5724525 w 5724525"/>
+              <a:gd name="connsiteY10" fmla="*/ 830997 h 830997"/>
+              <a:gd name="connsiteX11" fmla="*/ 5202957 w 5724525"/>
+              <a:gd name="connsiteY11" fmla="*/ 830997 h 830997"/>
+              <a:gd name="connsiteX12" fmla="*/ 4624144 w 5724525"/>
+              <a:gd name="connsiteY12" fmla="*/ 830997 h 830997"/>
+              <a:gd name="connsiteX13" fmla="*/ 3988086 w 5724525"/>
+              <a:gd name="connsiteY13" fmla="*/ 830997 h 830997"/>
+              <a:gd name="connsiteX14" fmla="*/ 3352027 w 5724525"/>
+              <a:gd name="connsiteY14" fmla="*/ 830997 h 830997"/>
+              <a:gd name="connsiteX15" fmla="*/ 2887705 w 5724525"/>
+              <a:gd name="connsiteY15" fmla="*/ 830997 h 830997"/>
+              <a:gd name="connsiteX16" fmla="*/ 2308892 w 5724525"/>
+              <a:gd name="connsiteY16" fmla="*/ 830997 h 830997"/>
+              <a:gd name="connsiteX17" fmla="*/ 1672833 w 5724525"/>
+              <a:gd name="connsiteY17" fmla="*/ 830997 h 830997"/>
+              <a:gd name="connsiteX18" fmla="*/ 1036775 w 5724525"/>
+              <a:gd name="connsiteY18" fmla="*/ 830997 h 830997"/>
+              <a:gd name="connsiteX19" fmla="*/ 0 w 5724525"/>
+              <a:gd name="connsiteY19" fmla="*/ 830997 h 830997"/>
+              <a:gd name="connsiteX20" fmla="*/ 0 w 5724525"/>
+              <a:gd name="connsiteY20" fmla="*/ 423808 h 830997"/>
+              <a:gd name="connsiteX21" fmla="*/ 0 w 5724525"/>
+              <a:gd name="connsiteY21" fmla="*/ 0 h 830997"/>
+            </a:gdLst>
+            <a:ahLst/>
+            <a:cxnLst>
+              <a:cxn ang="0">
+                <a:pos x="connsiteX0" y="connsiteY0"/>
+              </a:cxn>
+              <a:cxn ang="0">
+                <a:pos x="connsiteX1" y="connsiteY1"/>
+              </a:cxn>
+              <a:cxn ang="0">
+                <a:pos x="connsiteX2" y="connsiteY2"/>
+              </a:cxn>
+              <a:cxn ang="0">
+                <a:pos x="connsiteX3" y="connsiteY3"/>
+              </a:cxn>
+              <a:cxn ang="0">
+                <a:pos x="connsiteX4" y="connsiteY4"/>
+              </a:cxn>
+              <a:cxn ang="0">
+                <a:pos x="connsiteX5" y="connsiteY5"/>
+              </a:cxn>
+              <a:cxn ang="0">
+                <a:pos x="connsiteX6" y="connsiteY6"/>
+              </a:cxn>
+              <a:cxn ang="0">
+                <a:pos x="connsiteX7" y="connsiteY7"/>
+              </a:cxn>
+              <a:cxn ang="0">
+                <a:pos x="connsiteX8" y="connsiteY8"/>
+              </a:cxn>
+              <a:cxn ang="0">
+                <a:pos x="connsiteX9" y="connsiteY9"/>
+              </a:cxn>
+              <a:cxn ang="0">
+                <a:pos x="connsiteX10" y="connsiteY10"/>
+              </a:cxn>
+              <a:cxn ang="0">
+                <a:pos x="connsiteX11" y="connsiteY11"/>
+              </a:cxn>
+              <a:cxn ang="0">
+                <a:pos x="connsiteX12" y="connsiteY12"/>
+              </a:cxn>
+              <a:cxn ang="0">
+                <a:pos x="connsiteX13" y="connsiteY13"/>
+              </a:cxn>
+              <a:cxn ang="0">
+                <a:pos x="connsiteX14" y="connsiteY14"/>
+              </a:cxn>
+              <a:cxn ang="0">
+                <a:pos x="connsiteX15" y="connsiteY15"/>
+              </a:cxn>
+              <a:cxn ang="0">
+                <a:pos x="connsiteX16" y="connsiteY16"/>
+              </a:cxn>
+              <a:cxn ang="0">
+                <a:pos x="connsiteX17" y="connsiteY17"/>
+              </a:cxn>
+              <a:cxn ang="0">
+                <a:pos x="connsiteX18" y="connsiteY18"/>
+              </a:cxn>
+              <a:cxn ang="0">
+                <a:pos x="connsiteX19" y="connsiteY19"/>
+              </a:cxn>
+              <a:cxn ang="0">
+                <a:pos x="connsiteX20" y="connsiteY20"/>
+              </a:cxn>
+              <a:cxn ang="0">
+                <a:pos x="connsiteX21" y="connsiteY21"/>
+              </a:cxn>
+            </a:cxnLst>
+            <a:rect l="l" t="t" r="r" b="b"/>
+            <a:pathLst>
+              <a:path w="5724525" h="830997" extrusionOk="0">
+                <a:moveTo>
+                  <a:pt x="0" y="0"/>
+                </a:moveTo>
+                <a:cubicBezTo>
+                  <a:pt x="324891" y="-29276"/>
+                  <a:pt x="417625" y="25530"/>
+                  <a:pt x="750549" y="0"/>
+                </a:cubicBezTo>
+                <a:cubicBezTo>
+                  <a:pt x="1083473" y="-25530"/>
+                  <a:pt x="1138285" y="12612"/>
+                  <a:pt x="1386607" y="0"/>
+                </a:cubicBezTo>
+                <a:cubicBezTo>
+                  <a:pt x="1634929" y="-12612"/>
+                  <a:pt x="1768628" y="4598"/>
+                  <a:pt x="1965420" y="0"/>
+                </a:cubicBezTo>
+                <a:cubicBezTo>
+                  <a:pt x="2162212" y="-4598"/>
+                  <a:pt x="2235557" y="-19796"/>
+                  <a:pt x="2429743" y="0"/>
+                </a:cubicBezTo>
+                <a:cubicBezTo>
+                  <a:pt x="2623929" y="19796"/>
+                  <a:pt x="2967868" y="8968"/>
+                  <a:pt x="3123046" y="0"/>
+                </a:cubicBezTo>
+                <a:cubicBezTo>
+                  <a:pt x="3278224" y="-8968"/>
+                  <a:pt x="3496051" y="-15042"/>
+                  <a:pt x="3816350" y="0"/>
+                </a:cubicBezTo>
+                <a:cubicBezTo>
+                  <a:pt x="4136649" y="15042"/>
+                  <a:pt x="4192167" y="3316"/>
+                  <a:pt x="4452408" y="0"/>
+                </a:cubicBezTo>
+                <a:cubicBezTo>
+                  <a:pt x="4712649" y="-3316"/>
+                  <a:pt x="5360514" y="12426"/>
+                  <a:pt x="5724525" y="0"/>
+                </a:cubicBezTo>
+                <a:cubicBezTo>
+                  <a:pt x="5712508" y="115642"/>
+                  <a:pt x="5730795" y="277495"/>
+                  <a:pt x="5724525" y="423808"/>
+                </a:cubicBezTo>
+                <a:cubicBezTo>
+                  <a:pt x="5718255" y="570121"/>
+                  <a:pt x="5708970" y="684447"/>
+                  <a:pt x="5724525" y="830997"/>
+                </a:cubicBezTo>
+                <a:cubicBezTo>
+                  <a:pt x="5493652" y="847941"/>
+                  <a:pt x="5367266" y="837561"/>
+                  <a:pt x="5202957" y="830997"/>
+                </a:cubicBezTo>
+                <a:cubicBezTo>
+                  <a:pt x="5038648" y="824433"/>
+                  <a:pt x="4763750" y="850040"/>
+                  <a:pt x="4624144" y="830997"/>
+                </a:cubicBezTo>
+                <a:cubicBezTo>
+                  <a:pt x="4484538" y="811954"/>
+                  <a:pt x="4189583" y="841082"/>
+                  <a:pt x="3988086" y="830997"/>
+                </a:cubicBezTo>
+                <a:cubicBezTo>
+                  <a:pt x="3786589" y="820912"/>
+                  <a:pt x="3595170" y="819725"/>
+                  <a:pt x="3352027" y="830997"/>
+                </a:cubicBezTo>
+                <a:cubicBezTo>
+                  <a:pt x="3108884" y="842269"/>
+                  <a:pt x="3099649" y="826268"/>
+                  <a:pt x="2887705" y="830997"/>
+                </a:cubicBezTo>
+                <a:cubicBezTo>
+                  <a:pt x="2675761" y="835726"/>
+                  <a:pt x="2589340" y="808699"/>
+                  <a:pt x="2308892" y="830997"/>
+                </a:cubicBezTo>
+                <a:cubicBezTo>
+                  <a:pt x="2028444" y="853295"/>
+                  <a:pt x="1959518" y="843218"/>
+                  <a:pt x="1672833" y="830997"/>
+                </a:cubicBezTo>
+                <a:cubicBezTo>
+                  <a:pt x="1386148" y="818776"/>
+                  <a:pt x="1214361" y="832630"/>
+                  <a:pt x="1036775" y="830997"/>
+                </a:cubicBezTo>
+                <a:cubicBezTo>
+                  <a:pt x="859189" y="829364"/>
+                  <a:pt x="442061" y="823108"/>
+                  <a:pt x="0" y="830997"/>
+                </a:cubicBezTo>
+                <a:cubicBezTo>
+                  <a:pt x="15314" y="645345"/>
+                  <a:pt x="6741" y="543653"/>
+                  <a:pt x="0" y="423808"/>
+                </a:cubicBezTo>
+                <a:cubicBezTo>
+                  <a:pt x="-6741" y="303963"/>
+                  <a:pt x="-9406" y="134167"/>
+                  <a:pt x="0" y="0"/>
+                </a:cubicBezTo>
+                <a:close/>
+              </a:path>
+            </a:pathLst>
+          </a:custGeom>
+          <a:noFill/>
+          <a:ln>
+            <a:solidFill>
+              <a:schemeClr val="tx1"/>
+            </a:solidFill>
+            <a:extLst>
+              <a:ext uri="{C807C97D-BFC1-408E-A445-0C87EB9F89A2}">
+                <ask:lineSketchStyleProps xmlns:ask="http://schemas.microsoft.com/office/drawing/2018/sketchyshapes" sd="3431907329">
+                  <a:prstGeom prst="rect">
+                    <a:avLst/>
+                  </a:prstGeom>
+                  <ask:type>
+                    <ask:lineSketchFreehand/>
+                  </ask:type>
+                </ask:lineSketchStyleProps>
+              </a:ext>
+            </a:extLst>
+          </a:ln>
+        </p:spPr>
+        <p:txBody>
+          <a:bodyPr wrap="square">
+            <a:spAutoFit/>
+          </a:bodyPr>
+          <a:lstStyle/>
+          <a:p>
+            <a:pPr algn="just"/>
+            <a:r>
+              <a:rPr lang="ru-RU" sz="1200" dirty="0">
+                <a:solidFill>
+                  <a:schemeClr val="tx1">
+                    <a:lumMod val="75000"/>
+                    <a:lumOff val="25000"/>
+                  </a:schemeClr>
+                </a:solidFill>
+                <a:latin typeface="Calibri" panose="020F0502020204030204" pitchFamily="34" charset="0"/>
+                <a:cs typeface="Calibri" panose="020F0502020204030204" pitchFamily="34" charset="0"/>
+              </a:rPr>
+              <a:t>Изменения длительности гауссовых биполярных импульсов с помощью реконфигурируемого генератора сверхкоротких импульсов / А. С. Величкина, А. Е. Елфимов, Г. К. Усков, К. В. Смусева // Радиолокация, навигация, связь : Сборник трудов XXIX Международной научно-технической конференции</a:t>
+            </a:r>
+          </a:p>
+        </p:txBody>
+      </p:sp>
+      <p:sp>
+        <p:nvSpPr>
+          <p:cNvPr id="3" name="TextBox 2">
+            <a:extLst>
+              <a:ext uri="{FF2B5EF4-FFF2-40B4-BE49-F238E27FC236}">
+                <a16:creationId xmlns:a16="http://schemas.microsoft.com/office/drawing/2014/main" id="{8788ABED-83DE-48BA-BEC8-A4B659E3EE33}"/>
+              </a:ext>
+            </a:extLst>
+          </p:cNvPr>
+          <p:cNvSpPr txBox="1"/>
+          <p:nvPr/>
+        </p:nvSpPr>
+        <p:spPr>
+          <a:xfrm>
+            <a:off x="838200" y="6312971"/>
+            <a:ext cx="4540025" cy="369332"/>
+          </a:xfrm>
+          <a:prstGeom prst="rect">
+            <a:avLst/>
+          </a:prstGeom>
+          <a:noFill/>
+        </p:spPr>
+        <p:txBody>
+          <a:bodyPr wrap="none" rtlCol="0">
+            <a:spAutoFit/>
+          </a:bodyPr>
+          <a:lstStyle/>
+          <a:p>
+            <a:r>
+              <a:rPr lang="ru-RU" dirty="0">
+                <a:latin typeface="Bahnschrift Light" panose="020B0502040204020203" pitchFamily="34" charset="0"/>
+              </a:rPr>
+              <a:t>Рис. 10. Диапазон перестройки сигналов</a:t>
+            </a:r>
+          </a:p>
+        </p:txBody>
+      </p:sp>
     </p:spTree>
     <p:extLst>
       <p:ext uri="{BB962C8B-B14F-4D97-AF65-F5344CB8AC3E}">
-        <p14:creationId xmlns:p14="http://schemas.microsoft.com/office/powerpoint/2010/main" val="1487321186"/>
+        <p14:creationId xmlns:p14="http://schemas.microsoft.com/office/powerpoint/2010/main" val="4150555133"/>
       </p:ext>
     </p:extLst>
   </p:cSld>
@@ -12099,6 +13499,16 @@
         </p:nvPicPr>
         <p:blipFill>
           <a:blip r:embed="rId3">
+            <a:clrChange>
+              <a:clrFrom>
+                <a:srgbClr val="FFFFFF"/>
+              </a:clrFrom>
+              <a:clrTo>
+                <a:srgbClr val="FFFFFF">
+                  <a:alpha val="0"/>
+                </a:srgbClr>
+              </a:clrTo>
+            </a:clrChange>
             <a:extLst>
               <a:ext uri="{28A0092B-C50C-407E-A947-70E740481C1C}">
                 <a14:useLocalDpi xmlns:a14="http://schemas.microsoft.com/office/drawing/2010/main" val="0"/>
@@ -12111,7 +13521,7 @@
         </p:blipFill>
         <p:spPr>
           <a:xfrm>
-            <a:off x="131230" y="3429000"/>
+            <a:off x="185940" y="2855740"/>
             <a:ext cx="3695794" cy="2880000"/>
           </a:xfrm>
           <a:prstGeom prst="rect">
@@ -12147,7 +13557,7 @@
         </p:blipFill>
         <p:spPr>
           <a:xfrm>
-            <a:off x="3845927" y="3216790"/>
+            <a:off x="4012592" y="2574257"/>
             <a:ext cx="3794117" cy="3092210"/>
           </a:xfrm>
           <a:prstGeom prst="rect">
@@ -12171,8 +13581,8 @@
             </p:nvSpPr>
             <p:spPr>
               <a:xfrm>
-                <a:off x="3071955" y="2234806"/>
-                <a:ext cx="6096000" cy="864852"/>
+                <a:off x="3048000" y="1923134"/>
+                <a:ext cx="6096000" cy="787716"/>
               </a:xfrm>
               <a:prstGeom prst="rect">
                 <a:avLst/>
@@ -12195,7 +13605,7 @@
                       <m:eqArr>
                         <m:eqArrPr>
                           <m:ctrlPr>
-                            <a:rPr lang="ru-RU" sz="2000" i="1" smtClean="0">
+                            <a:rPr lang="ru-RU" i="1" smtClean="0">
                               <a:solidFill>
                                 <a:schemeClr val="tx1"/>
                               </a:solidFill>
@@ -12205,7 +13615,7 @@
                         </m:eqArrPr>
                         <m:e>
                           <m:r>
-                            <a:rPr lang="ru-RU" sz="2000">
+                            <a:rPr lang="ru-RU">
                               <a:solidFill>
                                 <a:schemeClr val="tx1"/>
                               </a:solidFill>
@@ -12214,7 +13624,7 @@
                             <m:t>&amp;</m:t>
                           </m:r>
                           <m:r>
-                            <a:rPr lang="ru-RU" sz="2000" i="1">
+                            <a:rPr lang="ru-RU" i="1">
                               <a:solidFill>
                                 <a:schemeClr val="tx1"/>
                               </a:solidFill>
@@ -12223,7 +13633,7 @@
                             <m:t>𝑁𝑀𝑆𝐸</m:t>
                           </m:r>
                           <m:r>
-                            <a:rPr lang="ru-RU" sz="2000" i="0">
+                            <a:rPr lang="ru-RU" i="0">
                               <a:solidFill>
                                 <a:schemeClr val="tx1"/>
                               </a:solidFill>
@@ -12237,7 +13647,7 @@
                               <m:limLoc m:val="undOvr"/>
                               <m:supHide m:val="on"/>
                               <m:ctrlPr>
-                                <a:rPr lang="ru-RU" sz="2000" i="1">
+                                <a:rPr lang="ru-RU" i="1">
                                   <a:solidFill>
                                     <a:schemeClr val="tx1"/>
                                   </a:solidFill>
@@ -12247,7 +13657,7 @@
                             </m:naryPr>
                             <m:sub>
                               <m:r>
-                                <a:rPr lang="ru-RU" sz="2000" i="1">
+                                <a:rPr lang="ru-RU" i="1">
                                   <a:solidFill>
                                     <a:schemeClr val="tx1"/>
                                   </a:solidFill>
@@ -12261,7 +13671,7 @@
                               <m:f>
                                 <m:fPr>
                                   <m:ctrlPr>
-                                    <a:rPr lang="ru-RU" sz="2000" i="1">
+                                    <a:rPr lang="ru-RU" i="1">
                                       <a:solidFill>
                                         <a:schemeClr val="tx1"/>
                                       </a:solidFill>
@@ -12273,7 +13683,7 @@
                                   <m:sSup>
                                     <m:sSupPr>
                                       <m:ctrlPr>
-                                        <a:rPr lang="ru-RU" sz="2000" i="1">
+                                        <a:rPr lang="ru-RU" i="1">
                                           <a:solidFill>
                                             <a:schemeClr val="tx1"/>
                                           </a:solidFill>
@@ -12285,7 +13695,7 @@
                                       <m:d>
                                         <m:dPr>
                                           <m:ctrlPr>
-                                            <a:rPr lang="ru-RU" sz="2000" i="1">
+                                            <a:rPr lang="ru-RU" i="1">
                                               <a:solidFill>
                                                 <a:schemeClr val="tx1"/>
                                               </a:solidFill>
@@ -12297,7 +13707,7 @@
                                           <m:sSub>
                                             <m:sSubPr>
                                               <m:ctrlPr>
-                                                <a:rPr lang="ru-RU" sz="2000" i="1">
+                                                <a:rPr lang="ru-RU" i="1">
                                                   <a:solidFill>
                                                     <a:schemeClr val="tx1"/>
                                                   </a:solidFill>
@@ -12307,7 +13717,7 @@
                                             </m:sSubPr>
                                             <m:e>
                                               <m:r>
-                                                <a:rPr lang="ru-RU" sz="2000" i="1">
+                                                <a:rPr lang="ru-RU" i="1">
                                                   <a:solidFill>
                                                     <a:schemeClr val="tx1"/>
                                                   </a:solidFill>
@@ -12318,7 +13728,7 @@
                                             </m:e>
                                             <m:sub>
                                               <m:r>
-                                                <a:rPr lang="ru-RU" sz="2000" i="1">
+                                                <a:rPr lang="ru-RU" i="1">
                                                   <a:solidFill>
                                                     <a:schemeClr val="tx1"/>
                                                   </a:solidFill>
@@ -12329,7 +13739,7 @@
                                             </m:sub>
                                           </m:sSub>
                                           <m:r>
-                                            <a:rPr lang="ru-RU" sz="2000" i="0">
+                                            <a:rPr lang="ru-RU" i="0">
                                               <a:solidFill>
                                                 <a:schemeClr val="tx1"/>
                                               </a:solidFill>
@@ -12340,7 +13750,7 @@
                                           <m:sSub>
                                             <m:sSubPr>
                                               <m:ctrlPr>
-                                                <a:rPr lang="ru-RU" sz="2000" i="1">
+                                                <a:rPr lang="ru-RU" i="1">
                                                   <a:solidFill>
                                                     <a:schemeClr val="tx1"/>
                                                   </a:solidFill>
@@ -12350,7 +13760,7 @@
                                             </m:sSubPr>
                                             <m:e>
                                               <m:r>
-                                                <a:rPr lang="ru-RU" sz="2000" i="1">
+                                                <a:rPr lang="ru-RU" i="1">
                                                   <a:solidFill>
                                                     <a:schemeClr val="tx1"/>
                                                   </a:solidFill>
@@ -12361,7 +13771,7 @@
                                             </m:e>
                                             <m:sub>
                                               <m:r>
-                                                <a:rPr lang="ru-RU" sz="2000" i="1">
+                                                <a:rPr lang="ru-RU" i="1">
                                                   <a:solidFill>
                                                     <a:schemeClr val="tx1"/>
                                                   </a:solidFill>
@@ -12376,7 +13786,7 @@
                                     </m:e>
                                     <m:sup>
                                       <m:r>
-                                        <a:rPr lang="ru-RU" sz="2000" i="0">
+                                        <a:rPr lang="ru-RU" i="0">
                                           <a:solidFill>
                                             <a:schemeClr val="tx1"/>
                                           </a:solidFill>
@@ -12389,7 +13799,7 @@
                                 </m:num>
                                 <m:den>
                                   <m:r>
-                                    <a:rPr lang="ru-RU" sz="2000" i="1">
+                                    <a:rPr lang="ru-RU" i="1">
                                       <a:solidFill>
                                         <a:schemeClr val="tx1"/>
                                       </a:solidFill>
@@ -12402,7 +13812,7 @@
                             </m:e>
                           </m:nary>
                           <m:r>
-                            <a:rPr lang="ru-RU" sz="2000" i="0">
+                            <a:rPr lang="ru-RU" i="0">
                               <a:solidFill>
                                 <a:schemeClr val="tx1"/>
                               </a:solidFill>
@@ -12413,7 +13823,7 @@
                           <m:d>
                             <m:dPr>
                               <m:ctrlPr>
-                                <a:rPr lang="ru-RU" sz="2000" i="1" smtClean="0">
+                                <a:rPr lang="ru-RU" i="1" smtClean="0">
                                   <a:solidFill>
                                     <a:schemeClr val="tx1"/>
                                   </a:solidFill>
@@ -12423,7 +13833,7 @@
                             </m:dPr>
                             <m:e>
                               <m:r>
-                                <a:rPr lang="ru-RU" sz="2000" b="0" i="0" smtClean="0">
+                                <a:rPr lang="ru-RU" b="0" i="0" smtClean="0">
                                   <a:solidFill>
                                     <a:schemeClr val="tx1"/>
                                   </a:solidFill>
@@ -12464,8 +13874,8 @@
             </p:nvSpPr>
             <p:spPr>
               <a:xfrm>
-                <a:off x="3071955" y="2234806"/>
-                <a:ext cx="6096000" cy="864852"/>
+                <a:off x="3048000" y="1923134"/>
+                <a:ext cx="6096000" cy="787716"/>
               </a:xfrm>
               <a:prstGeom prst="rect">
                 <a:avLst/>
@@ -12509,7 +13919,7 @@
             <p:spPr>
               <a:xfrm>
                 <a:off x="131230" y="1246305"/>
-                <a:ext cx="6145160" cy="790024"/>
+                <a:ext cx="6145160" cy="720325"/>
               </a:xfrm>
               <a:prstGeom prst="rect">
                 <a:avLst/>
@@ -12532,7 +13942,7 @@
                       <m:eqArr>
                         <m:eqArrPr>
                           <m:ctrlPr>
-                            <a:rPr lang="ru-RU" sz="2000" i="1" smtClean="0">
+                            <a:rPr lang="ru-RU" i="1" smtClean="0">
                               <a:solidFill>
                                 <a:schemeClr val="tx1"/>
                               </a:solidFill>
@@ -12542,7 +13952,7 @@
                         </m:eqArrPr>
                         <m:e>
                           <m:r>
-                            <a:rPr lang="ru-RU" sz="2000">
+                            <a:rPr lang="ru-RU">
                               <a:solidFill>
                                 <a:schemeClr val="tx1"/>
                               </a:solidFill>
@@ -12551,7 +13961,7 @@
                             <m:t>&amp;</m:t>
                           </m:r>
                           <m:r>
-                            <a:rPr lang="ru-RU" sz="2000" i="1">
+                            <a:rPr lang="ru-RU" i="1">
                               <a:solidFill>
                                 <a:schemeClr val="tx1"/>
                               </a:solidFill>
@@ -12562,7 +13972,7 @@
                           <m:d>
                             <m:dPr>
                               <m:ctrlPr>
-                                <a:rPr lang="ru-RU" sz="2000" i="1">
+                                <a:rPr lang="ru-RU" i="1">
                                   <a:solidFill>
                                     <a:schemeClr val="tx1"/>
                                   </a:solidFill>
@@ -12572,7 +13982,7 @@
                             </m:dPr>
                             <m:e>
                               <m:r>
-                                <a:rPr lang="ru-RU" sz="2000" i="1">
+                                <a:rPr lang="ru-RU" i="1">
                                   <a:solidFill>
                                     <a:schemeClr val="tx1"/>
                                   </a:solidFill>
@@ -12583,7 +13993,7 @@
                             </m:e>
                           </m:d>
                           <m:r>
-                            <a:rPr lang="ru-RU" sz="2000" i="0">
+                            <a:rPr lang="ru-RU" i="0">
                               <a:solidFill>
                                 <a:schemeClr val="tx1"/>
                               </a:solidFill>
@@ -12592,7 +14002,7 @@
                             <m:t>=</m:t>
                           </m:r>
                           <m:r>
-                            <a:rPr lang="ru-RU" sz="2000" i="1">
+                            <a:rPr lang="ru-RU" i="1">
                               <a:solidFill>
                                 <a:schemeClr val="tx1"/>
                               </a:solidFill>
@@ -12601,7 +14011,7 @@
                             <m:t>𝐴</m:t>
                           </m:r>
                           <m:r>
-                            <a:rPr lang="ru-RU" sz="2000" i="0">
+                            <a:rPr lang="ru-RU" i="0">
                               <a:solidFill>
                                 <a:schemeClr val="tx1"/>
                               </a:solidFill>
@@ -12612,7 +14022,7 @@
                           <m:func>
                             <m:funcPr>
                               <m:ctrlPr>
-                                <a:rPr lang="ru-RU" sz="2000" i="1">
+                                <a:rPr lang="ru-RU" i="1">
                                   <a:solidFill>
                                     <a:schemeClr val="tx1"/>
                                   </a:solidFill>
@@ -12625,7 +14035,7 @@
                                 <m:rPr>
                                   <m:sty m:val="p"/>
                                 </m:rPr>
-                                <a:rPr lang="ru-RU" sz="2000" i="0">
+                                <a:rPr lang="ru-RU" i="0">
                                   <a:solidFill>
                                     <a:schemeClr val="tx1"/>
                                   </a:solidFill>
@@ -12638,7 +14048,7 @@
                               <m:d>
                                 <m:dPr>
                                   <m:ctrlPr>
-                                    <a:rPr lang="ru-RU" sz="2000" i="1">
+                                    <a:rPr lang="ru-RU" i="1">
                                       <a:solidFill>
                                         <a:schemeClr val="tx1"/>
                                       </a:solidFill>
@@ -12648,7 +14058,7 @@
                                 </m:dPr>
                                 <m:e>
                                   <m:r>
-                                    <a:rPr lang="ru-RU" sz="2000" i="0">
+                                    <a:rPr lang="ru-RU" i="0">
                                       <a:solidFill>
                                         <a:schemeClr val="tx1"/>
                                       </a:solidFill>
@@ -12659,7 +14069,7 @@
                                   <m:func>
                                     <m:funcPr>
                                       <m:ctrlPr>
-                                        <a:rPr lang="ru-RU" sz="2000" i="1">
+                                        <a:rPr lang="ru-RU" i="1">
                                           <a:solidFill>
                                             <a:schemeClr val="tx1"/>
                                           </a:solidFill>
@@ -12669,7 +14079,7 @@
                                     </m:funcPr>
                                     <m:fName>
                                       <m:r>
-                                        <a:rPr lang="ru-RU" sz="2000" i="1">
+                                        <a:rPr lang="ru-RU" i="1">
                                           <a:solidFill>
                                             <a:schemeClr val="tx1"/>
                                           </a:solidFill>
@@ -12682,7 +14092,7 @@
                                       <m:d>
                                         <m:dPr>
                                           <m:ctrlPr>
-                                            <a:rPr lang="ru-RU" sz="2000" i="1">
+                                            <a:rPr lang="ru-RU" i="1">
                                               <a:solidFill>
                                                 <a:schemeClr val="tx1"/>
                                               </a:solidFill>
@@ -12692,7 +14102,7 @@
                                         </m:dPr>
                                         <m:e>
                                           <m:r>
-                                            <a:rPr lang="ru-RU" sz="2000" i="0">
+                                            <a:rPr lang="ru-RU" i="0">
                                               <a:solidFill>
                                                 <a:schemeClr val="tx1"/>
                                               </a:solidFill>
@@ -12705,7 +14115,7 @@
                                     </m:e>
                                   </m:func>
                                   <m:r>
-                                    <a:rPr lang="ru-RU" sz="2000" i="0">
+                                    <a:rPr lang="ru-RU" i="0">
                                       <a:solidFill>
                                         <a:schemeClr val="tx1"/>
                                       </a:solidFill>
@@ -12716,7 +14126,7 @@
                                   <m:f>
                                     <m:fPr>
                                       <m:ctrlPr>
-                                        <a:rPr lang="ru-RU" sz="2000" i="1">
+                                        <a:rPr lang="ru-RU" i="1">
                                           <a:solidFill>
                                             <a:schemeClr val="tx1"/>
                                           </a:solidFill>
@@ -12728,7 +14138,7 @@
                                       <m:sSup>
                                         <m:sSupPr>
                                           <m:ctrlPr>
-                                            <a:rPr lang="ru-RU" sz="2000" i="1">
+                                            <a:rPr lang="ru-RU" i="1">
                                               <a:solidFill>
                                                 <a:schemeClr val="tx1"/>
                                               </a:solidFill>
@@ -12740,7 +14150,7 @@
                                           <m:d>
                                             <m:dPr>
                                               <m:ctrlPr>
-                                                <a:rPr lang="ru-RU" sz="2000" i="1">
+                                                <a:rPr lang="ru-RU" i="1">
                                                   <a:solidFill>
                                                     <a:schemeClr val="tx1"/>
                                                   </a:solidFill>
@@ -12750,7 +14160,7 @@
                                             </m:dPr>
                                             <m:e>
                                               <m:r>
-                                                <a:rPr lang="ru-RU" sz="2000" i="1">
+                                                <a:rPr lang="ru-RU" i="1">
                                                   <a:solidFill>
                                                     <a:schemeClr val="tx1"/>
                                                   </a:solidFill>
@@ -12759,7 +14169,7 @@
                                                 <m:t>𝑡</m:t>
                                               </m:r>
                                               <m:r>
-                                                <a:rPr lang="ru-RU" sz="2000" i="0">
+                                                <a:rPr lang="ru-RU" i="0">
                                                   <a:solidFill>
                                                     <a:schemeClr val="tx1"/>
                                                   </a:solidFill>
@@ -12768,7 +14178,7 @@
                                                 <m:t>−∆</m:t>
                                               </m:r>
                                               <m:r>
-                                                <a:rPr lang="ru-RU" sz="2000" i="1">
+                                                <a:rPr lang="ru-RU" i="1">
                                                   <a:solidFill>
                                                     <a:schemeClr val="tx1"/>
                                                   </a:solidFill>
@@ -12781,7 +14191,7 @@
                                         </m:e>
                                         <m:sup>
                                           <m:r>
-                                            <a:rPr lang="ru-RU" sz="2000" i="0">
+                                            <a:rPr lang="ru-RU" i="0">
                                               <a:solidFill>
                                                 <a:schemeClr val="tx1"/>
                                               </a:solidFill>
@@ -12796,7 +14206,7 @@
                                       <m:sSup>
                                         <m:sSupPr>
                                           <m:ctrlPr>
-                                            <a:rPr lang="ru-RU" sz="2000" i="1">
+                                            <a:rPr lang="ru-RU" i="1">
                                               <a:solidFill>
                                                 <a:schemeClr val="tx1"/>
                                               </a:solidFill>
@@ -12806,7 +14216,7 @@
                                         </m:sSupPr>
                                         <m:e>
                                           <m:r>
-                                            <a:rPr lang="ru-RU" sz="2000" i="1">
+                                            <a:rPr lang="ru-RU" i="1">
                                               <a:solidFill>
                                                 <a:schemeClr val="tx1"/>
                                               </a:solidFill>
@@ -12817,7 +14227,7 @@
                                         </m:e>
                                         <m:sup>
                                           <m:r>
-                                            <a:rPr lang="ru-RU" sz="2000" i="0">
+                                            <a:rPr lang="ru-RU" i="0">
                                               <a:solidFill>
                                                 <a:schemeClr val="tx1"/>
                                               </a:solidFill>
@@ -12834,7 +14244,7 @@
                             </m:e>
                           </m:func>
                           <m:r>
-                            <a:rPr lang="ru-RU" sz="2000" i="0">
+                            <a:rPr lang="ru-RU" i="0">
                               <a:solidFill>
                                 <a:schemeClr val="tx1"/>
                               </a:solidFill>
@@ -12845,7 +14255,7 @@
                           <m:d>
                             <m:dPr>
                               <m:ctrlPr>
-                                <a:rPr lang="ru-RU" sz="2000" i="1">
+                                <a:rPr lang="ru-RU" i="1">
                                   <a:solidFill>
                                     <a:schemeClr val="tx1"/>
                                   </a:solidFill>
@@ -12855,7 +14265,7 @@
                             </m:dPr>
                             <m:e>
                               <m:r>
-                                <a:rPr lang="ru-RU" sz="2000" b="0" i="0" smtClean="0">
+                                <a:rPr lang="ru-RU" b="0" i="0" smtClean="0">
                                   <a:solidFill>
                                     <a:schemeClr val="tx1"/>
                                   </a:solidFill>
@@ -12870,7 +14280,7 @@
                     </m:oMath>
                   </m:oMathPara>
                 </a14:m>
-                <a:endParaRPr lang="ru-RU" dirty="0">
+                <a:endParaRPr lang="ru-RU" sz="1600" dirty="0">
                   <a:solidFill>
                     <a:schemeClr val="tx1"/>
                   </a:solidFill>
@@ -12897,7 +14307,7 @@
             <p:spPr>
               <a:xfrm>
                 <a:off x="131230" y="1246305"/>
-                <a:ext cx="6145160" cy="790024"/>
+                <a:ext cx="6145160" cy="720325"/>
               </a:xfrm>
               <a:prstGeom prst="rect">
                 <a:avLst/>
@@ -12941,7 +14351,7 @@
             <p:spPr>
               <a:xfrm>
                 <a:off x="5891028" y="1231987"/>
-                <a:ext cx="6169742" cy="817275"/>
+                <a:ext cx="6169742" cy="720325"/>
               </a:xfrm>
               <a:prstGeom prst="rect">
                 <a:avLst/>
@@ -12964,7 +14374,7 @@
                       <m:eqArr>
                         <m:eqArrPr>
                           <m:ctrlPr>
-                            <a:rPr lang="ru-RU" sz="2000" i="1" smtClean="0">
+                            <a:rPr lang="ru-RU" i="1" smtClean="0">
                               <a:solidFill>
                                 <a:schemeClr val="tx1"/>
                               </a:solidFill>
@@ -12974,7 +14384,7 @@
                         </m:eqArrPr>
                         <m:e>
                           <m:r>
-                            <a:rPr lang="ru-RU" sz="2000">
+                            <a:rPr lang="ru-RU">
                               <a:solidFill>
                                 <a:schemeClr val="tx1"/>
                               </a:solidFill>
@@ -12983,7 +14393,7 @@
                             <m:t>&amp;</m:t>
                           </m:r>
                           <m:r>
-                            <a:rPr lang="ru-RU" sz="2000" i="1">
+                            <a:rPr lang="ru-RU" i="1">
                               <a:solidFill>
                                 <a:schemeClr val="tx1"/>
                               </a:solidFill>
@@ -12994,7 +14404,7 @@
                           <m:d>
                             <m:dPr>
                               <m:ctrlPr>
-                                <a:rPr lang="ru-RU" sz="2000" i="1">
+                                <a:rPr lang="ru-RU" i="1">
                                   <a:solidFill>
                                     <a:schemeClr val="tx1"/>
                                   </a:solidFill>
@@ -13004,7 +14414,7 @@
                             </m:dPr>
                             <m:e>
                               <m:r>
-                                <a:rPr lang="ru-RU" sz="2000" i="1">
+                                <a:rPr lang="ru-RU" i="1">
                                   <a:solidFill>
                                     <a:schemeClr val="tx1"/>
                                   </a:solidFill>
@@ -13015,7 +14425,7 @@
                             </m:e>
                           </m:d>
                           <m:r>
-                            <a:rPr lang="ru-RU" sz="2000" i="0">
+                            <a:rPr lang="ru-RU" i="0">
                               <a:solidFill>
                                 <a:schemeClr val="tx1"/>
                               </a:solidFill>
@@ -13024,7 +14434,7 @@
                             <m:t>=</m:t>
                           </m:r>
                           <m:r>
-                            <a:rPr lang="ru-RU" sz="2000" i="1">
+                            <a:rPr lang="ru-RU" i="1">
                               <a:solidFill>
                                 <a:schemeClr val="tx1"/>
                               </a:solidFill>
@@ -13033,7 +14443,7 @@
                             <m:t>𝐴</m:t>
                           </m:r>
                           <m:r>
-                            <a:rPr lang="ru-RU" sz="2000" i="0">
+                            <a:rPr lang="ru-RU" i="0">
                               <a:solidFill>
                                 <a:schemeClr val="tx1"/>
                               </a:solidFill>
@@ -13045,7 +14455,7 @@
                             <m:radPr>
                               <m:degHide m:val="on"/>
                               <m:ctrlPr>
-                                <a:rPr lang="ru-RU" sz="2000" i="1">
+                                <a:rPr lang="ru-RU" i="1">
                                   <a:solidFill>
                                     <a:schemeClr val="tx1"/>
                                   </a:solidFill>
@@ -13056,7 +14466,7 @@
                             <m:deg/>
                             <m:e>
                               <m:r>
-                                <a:rPr lang="ru-RU" sz="2000" i="0">
+                                <a:rPr lang="ru-RU" i="0">
                                   <a:solidFill>
                                     <a:schemeClr val="tx1"/>
                                   </a:solidFill>
@@ -13065,7 +14475,7 @@
                                 <m:t>2∗</m:t>
                               </m:r>
                               <m:r>
-                                <a:rPr lang="ru-RU" sz="2000" i="1">
+                                <a:rPr lang="ru-RU" i="1">
                                   <a:solidFill>
                                     <a:schemeClr val="tx1"/>
                                   </a:solidFill>
@@ -13078,7 +14488,7 @@
                           <m:f>
                             <m:fPr>
                               <m:ctrlPr>
-                                <a:rPr lang="ru-RU" sz="2000" i="1">
+                                <a:rPr lang="ru-RU" i="1">
                                   <a:solidFill>
                                     <a:schemeClr val="tx1"/>
                                   </a:solidFill>
@@ -13090,7 +14500,7 @@
                               <m:d>
                                 <m:dPr>
                                   <m:ctrlPr>
-                                    <a:rPr lang="ru-RU" sz="2000" i="1">
+                                    <a:rPr lang="ru-RU" i="1">
                                       <a:solidFill>
                                         <a:schemeClr val="tx1"/>
                                       </a:solidFill>
@@ -13100,7 +14510,7 @@
                                 </m:dPr>
                                 <m:e>
                                   <m:r>
-                                    <a:rPr lang="ru-RU" sz="2000" i="1">
+                                    <a:rPr lang="ru-RU" i="1">
                                       <a:solidFill>
                                         <a:schemeClr val="tx1"/>
                                       </a:solidFill>
@@ -13109,7 +14519,7 @@
                                     <m:t>𝑡</m:t>
                                   </m:r>
                                   <m:r>
-                                    <a:rPr lang="ru-RU" sz="2000" i="0">
+                                    <a:rPr lang="ru-RU" i="0">
                                       <a:solidFill>
                                         <a:schemeClr val="tx1"/>
                                       </a:solidFill>
@@ -13118,7 +14528,7 @@
                                     <m:t>−∆</m:t>
                                   </m:r>
                                   <m:r>
-                                    <a:rPr lang="ru-RU" sz="2000" i="1">
+                                    <a:rPr lang="ru-RU" i="1">
                                       <a:solidFill>
                                         <a:schemeClr val="tx1"/>
                                       </a:solidFill>
@@ -13131,7 +14541,7 @@
                             </m:num>
                             <m:den>
                               <m:r>
-                                <a:rPr lang="ru-RU" sz="2000" i="1">
+                                <a:rPr lang="ru-RU" i="1">
                                   <a:solidFill>
                                     <a:schemeClr val="tx1"/>
                                   </a:solidFill>
@@ -13142,7 +14552,7 @@
                             </m:den>
                           </m:f>
                           <m:r>
-                            <a:rPr lang="ru-RU" sz="2000" i="0">
+                            <a:rPr lang="ru-RU" i="0">
                               <a:solidFill>
                                 <a:schemeClr val="tx1"/>
                               </a:solidFill>
@@ -13153,7 +14563,7 @@
                           <m:func>
                             <m:funcPr>
                               <m:ctrlPr>
-                                <a:rPr lang="ru-RU" sz="2000" i="1">
+                                <a:rPr lang="ru-RU" i="1">
                                   <a:solidFill>
                                     <a:schemeClr val="tx1"/>
                                   </a:solidFill>
@@ -13166,7 +14576,7 @@
                                 <m:rPr>
                                   <m:sty m:val="p"/>
                                 </m:rPr>
-                                <a:rPr lang="ru-RU" sz="2000" i="0">
+                                <a:rPr lang="ru-RU" i="0">
                                   <a:solidFill>
                                     <a:schemeClr val="tx1"/>
                                   </a:solidFill>
@@ -13179,7 +14589,7 @@
                               <m:d>
                                 <m:dPr>
                                   <m:ctrlPr>
-                                    <a:rPr lang="ru-RU" sz="2000" i="1">
+                                    <a:rPr lang="ru-RU" i="1">
                                       <a:solidFill>
                                         <a:schemeClr val="tx1"/>
                                       </a:solidFill>
@@ -13189,7 +14599,7 @@
                                 </m:dPr>
                                 <m:e>
                                   <m:r>
-                                    <a:rPr lang="ru-RU" sz="2000" i="0">
+                                    <a:rPr lang="ru-RU" i="0">
                                       <a:solidFill>
                                         <a:schemeClr val="tx1"/>
                                       </a:solidFill>
@@ -13200,7 +14610,7 @@
                                   <m:f>
                                     <m:fPr>
                                       <m:ctrlPr>
-                                        <a:rPr lang="ru-RU" sz="2000" i="1">
+                                        <a:rPr lang="ru-RU" i="1">
                                           <a:solidFill>
                                             <a:schemeClr val="tx1"/>
                                           </a:solidFill>
@@ -13212,7 +14622,7 @@
                                       <m:sSup>
                                         <m:sSupPr>
                                           <m:ctrlPr>
-                                            <a:rPr lang="ru-RU" sz="2000" i="1">
+                                            <a:rPr lang="ru-RU" i="1">
                                               <a:solidFill>
                                                 <a:schemeClr val="tx1"/>
                                               </a:solidFill>
@@ -13224,7 +14634,7 @@
                                           <m:d>
                                             <m:dPr>
                                               <m:ctrlPr>
-                                                <a:rPr lang="ru-RU" sz="2000" i="1">
+                                                <a:rPr lang="ru-RU" i="1">
                                                   <a:solidFill>
                                                     <a:schemeClr val="tx1"/>
                                                   </a:solidFill>
@@ -13234,7 +14644,7 @@
                                             </m:dPr>
                                             <m:e>
                                               <m:r>
-                                                <a:rPr lang="ru-RU" sz="2000" i="1">
+                                                <a:rPr lang="ru-RU" i="1">
                                                   <a:solidFill>
                                                     <a:schemeClr val="tx1"/>
                                                   </a:solidFill>
@@ -13243,7 +14653,7 @@
                                                 <m:t>𝑡</m:t>
                                               </m:r>
                                               <m:r>
-                                                <a:rPr lang="ru-RU" sz="2000" i="0">
+                                                <a:rPr lang="ru-RU" i="0">
                                                   <a:solidFill>
                                                     <a:schemeClr val="tx1"/>
                                                   </a:solidFill>
@@ -13252,7 +14662,7 @@
                                                 <m:t>−∆</m:t>
                                               </m:r>
                                               <m:r>
-                                                <a:rPr lang="ru-RU" sz="2000" i="1">
+                                                <a:rPr lang="ru-RU" i="1">
                                                   <a:solidFill>
                                                     <a:schemeClr val="tx1"/>
                                                   </a:solidFill>
@@ -13265,7 +14675,7 @@
                                         </m:e>
                                         <m:sup>
                                           <m:r>
-                                            <a:rPr lang="ru-RU" sz="2000" i="0">
+                                            <a:rPr lang="ru-RU" i="0">
                                               <a:solidFill>
                                                 <a:schemeClr val="tx1"/>
                                               </a:solidFill>
@@ -13280,7 +14690,7 @@
                                       <m:sSup>
                                         <m:sSupPr>
                                           <m:ctrlPr>
-                                            <a:rPr lang="ru-RU" sz="2000" i="1">
+                                            <a:rPr lang="ru-RU" i="1">
                                               <a:solidFill>
                                                 <a:schemeClr val="tx1"/>
                                               </a:solidFill>
@@ -13290,7 +14700,7 @@
                                         </m:sSupPr>
                                         <m:e>
                                           <m:r>
-                                            <a:rPr lang="ru-RU" sz="2000" i="1">
+                                            <a:rPr lang="ru-RU" i="1">
                                               <a:solidFill>
                                                 <a:schemeClr val="tx1"/>
                                               </a:solidFill>
@@ -13301,7 +14711,7 @@
                                         </m:e>
                                         <m:sup>
                                           <m:r>
-                                            <a:rPr lang="ru-RU" sz="2000" i="0">
+                                            <a:rPr lang="ru-RU" i="0">
                                               <a:solidFill>
                                                 <a:schemeClr val="tx1"/>
                                               </a:solidFill>
@@ -13318,7 +14728,7 @@
                             </m:e>
                           </m:func>
                           <m:r>
-                            <a:rPr lang="ru-RU" sz="2000" i="0">
+                            <a:rPr lang="ru-RU" i="0">
                               <a:solidFill>
                                 <a:schemeClr val="tx1"/>
                               </a:solidFill>
@@ -13329,7 +14739,7 @@
                           <m:d>
                             <m:dPr>
                               <m:ctrlPr>
-                                <a:rPr lang="ru-RU" sz="2000" i="1">
+                                <a:rPr lang="ru-RU" i="1">
                                   <a:solidFill>
                                     <a:schemeClr val="tx1"/>
                                   </a:solidFill>
@@ -13339,7 +14749,7 @@
                             </m:dPr>
                             <m:e>
                               <m:r>
-                                <a:rPr lang="ru-RU" sz="2000" b="0" i="0" smtClean="0">
+                                <a:rPr lang="ru-RU" b="0" i="0" smtClean="0">
                                   <a:solidFill>
                                     <a:schemeClr val="tx1"/>
                                   </a:solidFill>
@@ -13354,7 +14764,7 @@
                     </m:oMath>
                   </m:oMathPara>
                 </a14:m>
-                <a:endParaRPr lang="ru-RU" dirty="0">
+                <a:endParaRPr lang="ru-RU" sz="1600" dirty="0">
                   <a:solidFill>
                     <a:schemeClr val="tx1"/>
                   </a:solidFill>
@@ -13381,7 +14791,7 @@
             <p:spPr>
               <a:xfrm>
                 <a:off x="5891028" y="1231987"/>
-                <a:ext cx="6169742" cy="817275"/>
+                <a:ext cx="6169742" cy="720325"/>
               </a:xfrm>
               <a:prstGeom prst="rect">
                 <a:avLst/>
@@ -13423,7 +14833,7 @@
         <p:spPr>
           <a:xfrm>
             <a:off x="4551955" y="687081"/>
-            <a:ext cx="3088089" cy="461665"/>
+            <a:ext cx="3233578" cy="461665"/>
           </a:xfrm>
           <a:prstGeom prst="rect">
             <a:avLst/>
@@ -13437,7 +14847,9 @@
           <a:lstStyle/>
           <a:p>
             <a:r>
-              <a:rPr lang="ru-RU" sz="2400" b="1" dirty="0"/>
+              <a:rPr lang="ru-RU" sz="2400" b="1" dirty="0">
+                <a:latin typeface="Bahnschrift Light" panose="020B0502040204020203" pitchFamily="34" charset="0"/>
+              </a:rPr>
               <a:t>Формулы для оценки</a:t>
             </a:r>
           </a:p>
@@ -13459,7 +14871,7 @@
             </p:nvSpPr>
             <p:spPr>
               <a:xfrm>
-                <a:off x="-926901" y="6410580"/>
+                <a:off x="-837923" y="5652476"/>
                 <a:ext cx="6150076" cy="369332"/>
               </a:xfrm>
               <a:prstGeom prst="rect">
@@ -13526,7 +14938,7 @@
             </p:nvSpPr>
             <p:spPr>
               <a:xfrm>
-                <a:off x="-926901" y="6410580"/>
+                <a:off x="-837923" y="5652476"/>
                 <a:ext cx="6150076" cy="369332"/>
               </a:xfrm>
               <a:prstGeom prst="rect">
@@ -13535,7 +14947,7 @@
               <a:blipFill>
                 <a:blip r:embed="rId8"/>
                 <a:stretch>
-                  <a:fillRect b="-8333"/>
+                  <a:fillRect b="-6557"/>
                 </a:stretch>
               </a:blipFill>
             </p:spPr>
@@ -13570,7 +14982,7 @@
             </p:nvSpPr>
             <p:spPr>
               <a:xfrm>
-                <a:off x="2875377" y="6447149"/>
+                <a:off x="3087052" y="5611015"/>
                 <a:ext cx="6150076" cy="369332"/>
               </a:xfrm>
               <a:prstGeom prst="rect">
@@ -13637,7 +15049,7 @@
             </p:nvSpPr>
             <p:spPr>
               <a:xfrm>
-                <a:off x="2875377" y="6447149"/>
+                <a:off x="3087052" y="5611015"/>
                 <a:ext cx="6150076" cy="369332"/>
               </a:xfrm>
               <a:prstGeom prst="rect">
@@ -13646,7 +15058,7 @@
               <a:blipFill>
                 <a:blip r:embed="rId9"/>
                 <a:stretch>
-                  <a:fillRect b="-8333"/>
+                  <a:fillRect b="-6557"/>
                 </a:stretch>
               </a:blipFill>
             </p:spPr>
@@ -13681,6 +15093,16 @@
         </p:nvPicPr>
         <p:blipFill>
           <a:blip r:embed="rId10">
+            <a:clrChange>
+              <a:clrFrom>
+                <a:srgbClr val="FFFFFF"/>
+              </a:clrFrom>
+              <a:clrTo>
+                <a:srgbClr val="FFFFFF">
+                  <a:alpha val="0"/>
+                </a:srgbClr>
+              </a:clrTo>
+            </a:clrChange>
             <a:extLst>
               <a:ext uri="{28A0092B-C50C-407E-A947-70E740481C1C}">
                 <a14:useLocalDpi xmlns:a14="http://schemas.microsoft.com/office/drawing/2010/main" val="0"/>
@@ -13693,7 +15115,7 @@
         </p:blipFill>
         <p:spPr>
           <a:xfrm>
-            <a:off x="7712332" y="3216790"/>
+            <a:off x="8100417" y="2629708"/>
             <a:ext cx="3795218" cy="3092400"/>
           </a:xfrm>
           <a:prstGeom prst="rect">
@@ -13715,7 +15137,7 @@
         </p:nvSpPr>
         <p:spPr>
           <a:xfrm>
-            <a:off x="1206597" y="3150448"/>
+            <a:off x="1092297" y="2524080"/>
             <a:ext cx="2052550" cy="361637"/>
           </a:xfrm>
           <a:prstGeom prst="rect">
@@ -13762,7 +15184,7 @@
             </p:nvSpPr>
             <p:spPr>
               <a:xfrm>
-                <a:off x="6968827" y="6495621"/>
+                <a:off x="7159327" y="5631746"/>
                 <a:ext cx="6150076" cy="369332"/>
               </a:xfrm>
               <a:prstGeom prst="rect">
@@ -13841,7 +15263,7 @@
             </p:nvSpPr>
             <p:spPr>
               <a:xfrm>
-                <a:off x="6968827" y="6495621"/>
+                <a:off x="7159327" y="5631746"/>
                 <a:ext cx="6150076" cy="369332"/>
               </a:xfrm>
               <a:prstGeom prst="rect">
@@ -13869,6 +15291,333 @@
           </p:sp>
         </mc:Fallback>
       </mc:AlternateContent>
+      <p:sp>
+        <p:nvSpPr>
+          <p:cNvPr id="18" name="TextBox 17">
+            <a:extLst>
+              <a:ext uri="{FF2B5EF4-FFF2-40B4-BE49-F238E27FC236}">
+                <a16:creationId xmlns:a16="http://schemas.microsoft.com/office/drawing/2014/main" id="{AC791C52-FB60-45BD-94BE-5E350D7849D1}"/>
+              </a:ext>
+            </a:extLst>
+          </p:cNvPr>
+          <p:cNvSpPr txBox="1"/>
+          <p:nvPr/>
+        </p:nvSpPr>
+        <p:spPr>
+          <a:xfrm>
+            <a:off x="0" y="6027003"/>
+            <a:ext cx="6150076" cy="830997"/>
+          </a:xfrm>
+          <a:custGeom>
+            <a:avLst/>
+            <a:gdLst>
+              <a:gd name="connsiteX0" fmla="*/ 0 w 6150076"/>
+              <a:gd name="connsiteY0" fmla="*/ 0 h 830997"/>
+              <a:gd name="connsiteX1" fmla="*/ 744843 w 6150076"/>
+              <a:gd name="connsiteY1" fmla="*/ 0 h 830997"/>
+              <a:gd name="connsiteX2" fmla="*/ 1428184 w 6150076"/>
+              <a:gd name="connsiteY2" fmla="*/ 0 h 830997"/>
+              <a:gd name="connsiteX3" fmla="*/ 1927024 w 6150076"/>
+              <a:gd name="connsiteY3" fmla="*/ 0 h 830997"/>
+              <a:gd name="connsiteX4" fmla="*/ 2425863 w 6150076"/>
+              <a:gd name="connsiteY4" fmla="*/ 0 h 830997"/>
+              <a:gd name="connsiteX5" fmla="*/ 3047704 w 6150076"/>
+              <a:gd name="connsiteY5" fmla="*/ 0 h 830997"/>
+              <a:gd name="connsiteX6" fmla="*/ 3669545 w 6150076"/>
+              <a:gd name="connsiteY6" fmla="*/ 0 h 830997"/>
+              <a:gd name="connsiteX7" fmla="*/ 4229886 w 6150076"/>
+              <a:gd name="connsiteY7" fmla="*/ 0 h 830997"/>
+              <a:gd name="connsiteX8" fmla="*/ 4913227 w 6150076"/>
+              <a:gd name="connsiteY8" fmla="*/ 0 h 830997"/>
+              <a:gd name="connsiteX9" fmla="*/ 6150076 w 6150076"/>
+              <a:gd name="connsiteY9" fmla="*/ 0 h 830997"/>
+              <a:gd name="connsiteX10" fmla="*/ 6150076 w 6150076"/>
+              <a:gd name="connsiteY10" fmla="*/ 398879 h 830997"/>
+              <a:gd name="connsiteX11" fmla="*/ 6150076 w 6150076"/>
+              <a:gd name="connsiteY11" fmla="*/ 830997 h 830997"/>
+              <a:gd name="connsiteX12" fmla="*/ 5528235 w 6150076"/>
+              <a:gd name="connsiteY12" fmla="*/ 830997 h 830997"/>
+              <a:gd name="connsiteX13" fmla="*/ 4906394 w 6150076"/>
+              <a:gd name="connsiteY13" fmla="*/ 830997 h 830997"/>
+              <a:gd name="connsiteX14" fmla="*/ 4100051 w 6150076"/>
+              <a:gd name="connsiteY14" fmla="*/ 830997 h 830997"/>
+              <a:gd name="connsiteX15" fmla="*/ 3416709 w 6150076"/>
+              <a:gd name="connsiteY15" fmla="*/ 830997 h 830997"/>
+              <a:gd name="connsiteX16" fmla="*/ 2610366 w 6150076"/>
+              <a:gd name="connsiteY16" fmla="*/ 830997 h 830997"/>
+              <a:gd name="connsiteX17" fmla="*/ 2050025 w 6150076"/>
+              <a:gd name="connsiteY17" fmla="*/ 830997 h 830997"/>
+              <a:gd name="connsiteX18" fmla="*/ 1428184 w 6150076"/>
+              <a:gd name="connsiteY18" fmla="*/ 830997 h 830997"/>
+              <a:gd name="connsiteX19" fmla="*/ 683342 w 6150076"/>
+              <a:gd name="connsiteY19" fmla="*/ 830997 h 830997"/>
+              <a:gd name="connsiteX20" fmla="*/ 0 w 6150076"/>
+              <a:gd name="connsiteY20" fmla="*/ 830997 h 830997"/>
+              <a:gd name="connsiteX21" fmla="*/ 0 w 6150076"/>
+              <a:gd name="connsiteY21" fmla="*/ 398879 h 830997"/>
+              <a:gd name="connsiteX22" fmla="*/ 0 w 6150076"/>
+              <a:gd name="connsiteY22" fmla="*/ 0 h 830997"/>
+            </a:gdLst>
+            <a:ahLst/>
+            <a:cxnLst>
+              <a:cxn ang="0">
+                <a:pos x="connsiteX0" y="connsiteY0"/>
+              </a:cxn>
+              <a:cxn ang="0">
+                <a:pos x="connsiteX1" y="connsiteY1"/>
+              </a:cxn>
+              <a:cxn ang="0">
+                <a:pos x="connsiteX2" y="connsiteY2"/>
+              </a:cxn>
+              <a:cxn ang="0">
+                <a:pos x="connsiteX3" y="connsiteY3"/>
+              </a:cxn>
+              <a:cxn ang="0">
+                <a:pos x="connsiteX4" y="connsiteY4"/>
+              </a:cxn>
+              <a:cxn ang="0">
+                <a:pos x="connsiteX5" y="connsiteY5"/>
+              </a:cxn>
+              <a:cxn ang="0">
+                <a:pos x="connsiteX6" y="connsiteY6"/>
+              </a:cxn>
+              <a:cxn ang="0">
+                <a:pos x="connsiteX7" y="connsiteY7"/>
+              </a:cxn>
+              <a:cxn ang="0">
+                <a:pos x="connsiteX8" y="connsiteY8"/>
+              </a:cxn>
+              <a:cxn ang="0">
+                <a:pos x="connsiteX9" y="connsiteY9"/>
+              </a:cxn>
+              <a:cxn ang="0">
+                <a:pos x="connsiteX10" y="connsiteY10"/>
+              </a:cxn>
+              <a:cxn ang="0">
+                <a:pos x="connsiteX11" y="connsiteY11"/>
+              </a:cxn>
+              <a:cxn ang="0">
+                <a:pos x="connsiteX12" y="connsiteY12"/>
+              </a:cxn>
+              <a:cxn ang="0">
+                <a:pos x="connsiteX13" y="connsiteY13"/>
+              </a:cxn>
+              <a:cxn ang="0">
+                <a:pos x="connsiteX14" y="connsiteY14"/>
+              </a:cxn>
+              <a:cxn ang="0">
+                <a:pos x="connsiteX15" y="connsiteY15"/>
+              </a:cxn>
+              <a:cxn ang="0">
+                <a:pos x="connsiteX16" y="connsiteY16"/>
+              </a:cxn>
+              <a:cxn ang="0">
+                <a:pos x="connsiteX17" y="connsiteY17"/>
+              </a:cxn>
+              <a:cxn ang="0">
+                <a:pos x="connsiteX18" y="connsiteY18"/>
+              </a:cxn>
+              <a:cxn ang="0">
+                <a:pos x="connsiteX19" y="connsiteY19"/>
+              </a:cxn>
+              <a:cxn ang="0">
+                <a:pos x="connsiteX20" y="connsiteY20"/>
+              </a:cxn>
+              <a:cxn ang="0">
+                <a:pos x="connsiteX21" y="connsiteY21"/>
+              </a:cxn>
+              <a:cxn ang="0">
+                <a:pos x="connsiteX22" y="connsiteY22"/>
+              </a:cxn>
+            </a:cxnLst>
+            <a:rect l="l" t="t" r="r" b="b"/>
+            <a:pathLst>
+              <a:path w="6150076" h="830997" extrusionOk="0">
+                <a:moveTo>
+                  <a:pt x="0" y="0"/>
+                </a:moveTo>
+                <a:cubicBezTo>
+                  <a:pt x="193222" y="28198"/>
+                  <a:pt x="590469" y="35667"/>
+                  <a:pt x="744843" y="0"/>
+                </a:cubicBezTo>
+                <a:cubicBezTo>
+                  <a:pt x="899217" y="-35667"/>
+                  <a:pt x="1124178" y="-6003"/>
+                  <a:pt x="1428184" y="0"/>
+                </a:cubicBezTo>
+                <a:cubicBezTo>
+                  <a:pt x="1732190" y="6003"/>
+                  <a:pt x="1694147" y="11397"/>
+                  <a:pt x="1927024" y="0"/>
+                </a:cubicBezTo>
+                <a:cubicBezTo>
+                  <a:pt x="2159901" y="-11397"/>
+                  <a:pt x="2295304" y="5865"/>
+                  <a:pt x="2425863" y="0"/>
+                </a:cubicBezTo>
+                <a:cubicBezTo>
+                  <a:pt x="2556422" y="-5865"/>
+                  <a:pt x="2878693" y="-13808"/>
+                  <a:pt x="3047704" y="0"/>
+                </a:cubicBezTo>
+                <a:cubicBezTo>
+                  <a:pt x="3216715" y="13808"/>
+                  <a:pt x="3542698" y="-24993"/>
+                  <a:pt x="3669545" y="0"/>
+                </a:cubicBezTo>
+                <a:cubicBezTo>
+                  <a:pt x="3796392" y="24993"/>
+                  <a:pt x="4045489" y="12860"/>
+                  <a:pt x="4229886" y="0"/>
+                </a:cubicBezTo>
+                <a:cubicBezTo>
+                  <a:pt x="4414283" y="-12860"/>
+                  <a:pt x="4654858" y="20909"/>
+                  <a:pt x="4913227" y="0"/>
+                </a:cubicBezTo>
+                <a:cubicBezTo>
+                  <a:pt x="5171596" y="-20909"/>
+                  <a:pt x="5850958" y="-903"/>
+                  <a:pt x="6150076" y="0"/>
+                </a:cubicBezTo>
+                <a:cubicBezTo>
+                  <a:pt x="6141397" y="174202"/>
+                  <a:pt x="6157470" y="296762"/>
+                  <a:pt x="6150076" y="398879"/>
+                </a:cubicBezTo>
+                <a:cubicBezTo>
+                  <a:pt x="6142682" y="500996"/>
+                  <a:pt x="6160775" y="661934"/>
+                  <a:pt x="6150076" y="830997"/>
+                </a:cubicBezTo>
+                <a:cubicBezTo>
+                  <a:pt x="5973080" y="808003"/>
+                  <a:pt x="5681249" y="810854"/>
+                  <a:pt x="5528235" y="830997"/>
+                </a:cubicBezTo>
+                <a:cubicBezTo>
+                  <a:pt x="5375221" y="851140"/>
+                  <a:pt x="5201388" y="820743"/>
+                  <a:pt x="4906394" y="830997"/>
+                </a:cubicBezTo>
+                <a:cubicBezTo>
+                  <a:pt x="4611400" y="841251"/>
+                  <a:pt x="4447841" y="817563"/>
+                  <a:pt x="4100051" y="830997"/>
+                </a:cubicBezTo>
+                <a:cubicBezTo>
+                  <a:pt x="3752261" y="844431"/>
+                  <a:pt x="3557809" y="825342"/>
+                  <a:pt x="3416709" y="830997"/>
+                </a:cubicBezTo>
+                <a:cubicBezTo>
+                  <a:pt x="3275609" y="836652"/>
+                  <a:pt x="2899043" y="846121"/>
+                  <a:pt x="2610366" y="830997"/>
+                </a:cubicBezTo>
+                <a:cubicBezTo>
+                  <a:pt x="2321689" y="815873"/>
+                  <a:pt x="2222335" y="826678"/>
+                  <a:pt x="2050025" y="830997"/>
+                </a:cubicBezTo>
+                <a:cubicBezTo>
+                  <a:pt x="1877715" y="835316"/>
+                  <a:pt x="1661597" y="841539"/>
+                  <a:pt x="1428184" y="830997"/>
+                </a:cubicBezTo>
+                <a:cubicBezTo>
+                  <a:pt x="1194771" y="820455"/>
+                  <a:pt x="951636" y="833098"/>
+                  <a:pt x="683342" y="830997"/>
+                </a:cubicBezTo>
+                <a:cubicBezTo>
+                  <a:pt x="415048" y="828896"/>
+                  <a:pt x="306327" y="861534"/>
+                  <a:pt x="0" y="830997"/>
+                </a:cubicBezTo>
+                <a:cubicBezTo>
+                  <a:pt x="-1145" y="731393"/>
+                  <a:pt x="-6828" y="575875"/>
+                  <a:pt x="0" y="398879"/>
+                </a:cubicBezTo>
+                <a:cubicBezTo>
+                  <a:pt x="6828" y="221883"/>
+                  <a:pt x="-6167" y="162223"/>
+                  <a:pt x="0" y="0"/>
+                </a:cubicBezTo>
+                <a:close/>
+              </a:path>
+            </a:pathLst>
+          </a:custGeom>
+          <a:noFill/>
+          <a:ln>
+            <a:solidFill>
+              <a:schemeClr val="tx1"/>
+            </a:solidFill>
+            <a:extLst>
+              <a:ext uri="{C807C97D-BFC1-408E-A445-0C87EB9F89A2}">
+                <ask:lineSketchStyleProps xmlns:ask="http://schemas.microsoft.com/office/drawing/2018/sketchyshapes" sd="1226663089">
+                  <a:prstGeom prst="rect">
+                    <a:avLst/>
+                  </a:prstGeom>
+                  <ask:type>
+                    <ask:lineSketchFreehand/>
+                  </ask:type>
+                </ask:lineSketchStyleProps>
+              </a:ext>
+            </a:extLst>
+          </a:ln>
+        </p:spPr>
+        <p:txBody>
+          <a:bodyPr wrap="square">
+            <a:spAutoFit/>
+          </a:bodyPr>
+          <a:lstStyle/>
+          <a:p>
+            <a:pPr algn="just"/>
+            <a:r>
+              <a:rPr lang="ru-RU" sz="1200" dirty="0">
+                <a:solidFill>
+                  <a:schemeClr val="tx1">
+                    <a:lumMod val="75000"/>
+                    <a:lumOff val="25000"/>
+                  </a:schemeClr>
+                </a:solidFill>
+                <a:latin typeface="Calibri" panose="020F0502020204030204" pitchFamily="34" charset="0"/>
+                <a:cs typeface="Calibri" panose="020F0502020204030204" pitchFamily="34" charset="0"/>
+              </a:rPr>
+              <a:t>Елфимов, А. Е. Оценка квазигауссовских импульсов с помощью метода NMSE / А. Е. Елфимов,</a:t>
+            </a:r>
+            <a:r>
+              <a:rPr lang="ru-RU" sz="1200" b="1" dirty="0">
+                <a:solidFill>
+                  <a:schemeClr val="tx1">
+                    <a:lumMod val="75000"/>
+                    <a:lumOff val="25000"/>
+                  </a:schemeClr>
+                </a:solidFill>
+                <a:latin typeface="Calibri" panose="020F0502020204030204" pitchFamily="34" charset="0"/>
+                <a:cs typeface="Calibri" panose="020F0502020204030204" pitchFamily="34" charset="0"/>
+              </a:rPr>
+              <a:t> А. С. Величкина</a:t>
+            </a:r>
+            <a:r>
+              <a:rPr lang="ru-RU" sz="1200" dirty="0">
+                <a:solidFill>
+                  <a:schemeClr val="tx1">
+                    <a:lumMod val="75000"/>
+                    <a:lumOff val="25000"/>
+                  </a:schemeClr>
+                </a:solidFill>
+                <a:latin typeface="Calibri" panose="020F0502020204030204" pitchFamily="34" charset="0"/>
+                <a:cs typeface="Calibri" panose="020F0502020204030204" pitchFamily="34" charset="0"/>
+              </a:rPr>
+              <a:t>, Г. К. Усков // Информационные технологии. Радиоэлектроника. Телекоммуникации (ITRT-2023) : Сборник тезисов докладов X Международной заочной научно-технической конференции, Тольятти, 20 апреля 2023 года</a:t>
+            </a:r>
+          </a:p>
+        </p:txBody>
+      </p:sp>
     </p:spTree>
     <p:extLst>
       <p:ext uri="{BB962C8B-B14F-4D97-AF65-F5344CB8AC3E}">
@@ -13949,12 +15698,50 @@
             <p:ph idx="1"/>
           </p:nvPr>
         </p:nvSpPr>
+        <p:spPr>
+          <a:xfrm>
+            <a:off x="838200" y="1035050"/>
+            <a:ext cx="10515600" cy="4351338"/>
+          </a:xfrm>
+        </p:spPr>
+        <p:txBody>
+          <a:bodyPr/>
+          <a:lstStyle/>
+          <a:p>
+            <a:pPr marL="0" indent="0">
+              <a:buNone/>
+            </a:pPr>
+            <a:endParaRPr lang="ru-RU" dirty="0"/>
+          </a:p>
+        </p:txBody>
+      </p:sp>
+      <p:sp>
+        <p:nvSpPr>
+          <p:cNvPr id="4" name="Slide Number Placeholder 3">
+            <a:extLst>
+              <a:ext uri="{FF2B5EF4-FFF2-40B4-BE49-F238E27FC236}">
+                <a16:creationId xmlns:a16="http://schemas.microsoft.com/office/drawing/2014/main" id="{081467F5-A2AD-4A1E-A954-EC647D9A6FF4}"/>
+              </a:ext>
+            </a:extLst>
+          </p:cNvPr>
+          <p:cNvSpPr>
+            <a:spLocks noGrp="1"/>
+          </p:cNvSpPr>
+          <p:nvPr>
+            <p:ph type="sldNum" sz="quarter" idx="12"/>
+          </p:nvPr>
+        </p:nvSpPr>
         <p:spPr/>
         <p:txBody>
           <a:bodyPr/>
           <a:lstStyle/>
           <a:p>
-            <a:endParaRPr lang="ru-RU"/>
+            <a:fld id="{49A47517-3B86-41FB-B4AF-4A776FD921BA}" type="slidenum">
+              <a:rPr lang="ru-RU" smtClean="0"/>
+              <a:pPr/>
+              <a:t>12</a:t>
+            </a:fld>
+            <a:endParaRPr lang="ru-RU" dirty="0"/>
           </a:p>
         </p:txBody>
       </p:sp>
@@ -14006,7 +15793,7 @@
         </p:nvSpPr>
         <p:spPr>
           <a:xfrm>
-            <a:off x="838200" y="2766219"/>
+            <a:off x="838200" y="2632075"/>
             <a:ext cx="10515600" cy="1325563"/>
           </a:xfrm>
         </p:spPr>
@@ -14018,7 +15805,9 @@
           <a:p>
             <a:pPr algn="ctr"/>
             <a:r>
-              <a:rPr lang="ru-RU" sz="8000" b="1" dirty="0"/>
+              <a:rPr lang="ru-RU" sz="8000" b="1" dirty="0">
+                <a:latin typeface="Bahnschrift" panose="020B0502040204020203" pitchFamily="34" charset="0"/>
+              </a:rPr>
               <a:t>Спасибо за внимание</a:t>
             </a:r>
           </a:p>
@@ -14683,7 +16472,9 @@
           </a:xfrm>
         </p:spPr>
         <p:txBody>
-          <a:bodyPr/>
+          <a:bodyPr>
+            <a:normAutofit fontScale="90000"/>
+          </a:bodyPr>
           <a:lstStyle/>
           <a:p>
             <a:pPr algn="ctr"/>
@@ -14942,6 +16733,222 @@
               <a:rPr lang="ru-RU" dirty="0"/>
               <a:t>Цель и задачи</a:t>
             </a:r>
+          </a:p>
+        </p:txBody>
+      </p:sp>
+      <p:sp>
+        <p:nvSpPr>
+          <p:cNvPr id="3" name="Slide Number Placeholder 2">
+            <a:extLst>
+              <a:ext uri="{FF2B5EF4-FFF2-40B4-BE49-F238E27FC236}">
+                <a16:creationId xmlns:a16="http://schemas.microsoft.com/office/drawing/2014/main" id="{75507F75-7036-4B7E-A073-89757314BEE5}"/>
+              </a:ext>
+            </a:extLst>
+          </p:cNvPr>
+          <p:cNvSpPr>
+            <a:spLocks noGrp="1"/>
+          </p:cNvSpPr>
+          <p:nvPr>
+            <p:ph type="sldNum" sz="quarter" idx="12"/>
+          </p:nvPr>
+        </p:nvSpPr>
+        <p:spPr/>
+        <p:txBody>
+          <a:bodyPr/>
+          <a:lstStyle/>
+          <a:p>
+            <a:fld id="{49A47517-3B86-41FB-B4AF-4A776FD921BA}" type="slidenum">
+              <a:rPr lang="ru-RU" smtClean="0"/>
+              <a:pPr/>
+              <a:t>2</a:t>
+            </a:fld>
+            <a:endParaRPr lang="ru-RU" dirty="0"/>
+          </a:p>
+        </p:txBody>
+      </p:sp>
+      <p:sp>
+        <p:nvSpPr>
+          <p:cNvPr id="4" name="TextBox 3">
+            <a:extLst>
+              <a:ext uri="{FF2B5EF4-FFF2-40B4-BE49-F238E27FC236}">
+                <a16:creationId xmlns:a16="http://schemas.microsoft.com/office/drawing/2014/main" id="{64C9EDDF-2017-4CD6-A005-D42D25961473}"/>
+              </a:ext>
+            </a:extLst>
+          </p:cNvPr>
+          <p:cNvSpPr txBox="1"/>
+          <p:nvPr/>
+        </p:nvSpPr>
+        <p:spPr>
+          <a:xfrm>
+            <a:off x="459581" y="1032947"/>
+            <a:ext cx="11272838" cy="5293757"/>
+          </a:xfrm>
+          <a:prstGeom prst="rect">
+            <a:avLst/>
+          </a:prstGeom>
+          <a:noFill/>
+        </p:spPr>
+        <p:txBody>
+          <a:bodyPr wrap="square" rtlCol="0">
+            <a:spAutoFit/>
+          </a:bodyPr>
+          <a:lstStyle/>
+          <a:p>
+            <a:pPr algn="just"/>
+            <a:r>
+              <a:rPr lang="ru-RU" sz="2000" u="sng" dirty="0">
+                <a:latin typeface="Bahnschrift Light" panose="020B0502040204020203" pitchFamily="34" charset="0"/>
+              </a:rPr>
+              <a:t>Цель</a:t>
+            </a:r>
+            <a:r>
+              <a:rPr lang="ru-RU" sz="2000" dirty="0">
+                <a:latin typeface="Bahnschrift Light" panose="020B0502040204020203" pitchFamily="34" charset="0"/>
+              </a:rPr>
+              <a:t>: </a:t>
+            </a:r>
+            <a:r>
+              <a:rPr lang="ru-RU" sz="2000" dirty="0">
+                <a:solidFill>
+                  <a:srgbClr val="222222"/>
+                </a:solidFill>
+                <a:effectLst/>
+                <a:latin typeface="Bahnschrift Light" panose="020B0502040204020203" pitchFamily="34" charset="0"/>
+                <a:ea typeface="Calibri" panose="020F0502020204030204" pitchFamily="34" charset="0"/>
+              </a:rPr>
+              <a:t>разработка способа формирования сверхширокополосных (СШП) электрических импульсов субнаносекундной длительности с возможностью управления формой, амплитудой и длительностью результирующих сигналов</a:t>
+            </a:r>
+            <a:r>
+              <a:rPr lang="en-US" sz="2000" dirty="0">
+                <a:solidFill>
+                  <a:srgbClr val="222222"/>
+                </a:solidFill>
+                <a:latin typeface="Bahnschrift Light" panose="020B0502040204020203" pitchFamily="34" charset="0"/>
+                <a:ea typeface="Calibri" panose="020F0502020204030204" pitchFamily="34" charset="0"/>
+              </a:rPr>
+              <a:t>.</a:t>
+            </a:r>
+          </a:p>
+          <a:p>
+            <a:pPr algn="just"/>
+            <a:endParaRPr lang="en-US" sz="2000" dirty="0">
+              <a:solidFill>
+                <a:srgbClr val="222222"/>
+              </a:solidFill>
+              <a:latin typeface="Bahnschrift Light" panose="020B0502040204020203" pitchFamily="34" charset="0"/>
+              <a:ea typeface="Calibri" panose="020F0502020204030204" pitchFamily="34" charset="0"/>
+            </a:endParaRPr>
+          </a:p>
+          <a:p>
+            <a:pPr algn="just"/>
+            <a:r>
+              <a:rPr lang="ru-RU" sz="2000" u="sng" dirty="0">
+                <a:solidFill>
+                  <a:srgbClr val="222222"/>
+                </a:solidFill>
+                <a:latin typeface="Bahnschrift Light" panose="020B0502040204020203" pitchFamily="34" charset="0"/>
+                <a:ea typeface="Calibri" panose="020F0502020204030204" pitchFamily="34" charset="0"/>
+              </a:rPr>
+              <a:t>Задачи:</a:t>
+            </a:r>
+            <a:endParaRPr lang="en-US" sz="2000" u="sng" dirty="0">
+              <a:solidFill>
+                <a:srgbClr val="222222"/>
+              </a:solidFill>
+              <a:latin typeface="Bahnschrift Light" panose="020B0502040204020203" pitchFamily="34" charset="0"/>
+              <a:ea typeface="Calibri" panose="020F0502020204030204" pitchFamily="34" charset="0"/>
+            </a:endParaRPr>
+          </a:p>
+          <a:p>
+            <a:pPr marL="342900" lvl="0" indent="-342900" algn="just">
+              <a:buFont typeface="Symbol" panose="05050102010706020507" pitchFamily="18" charset="2"/>
+              <a:buChar char=""/>
+            </a:pPr>
+            <a:r>
+              <a:rPr lang="ru-RU" sz="2000" dirty="0">
+                <a:solidFill>
+                  <a:srgbClr val="222222"/>
+                </a:solidFill>
+                <a:effectLst/>
+                <a:latin typeface="Bahnschrift Light" panose="020B0502040204020203" pitchFamily="34" charset="0"/>
+                <a:ea typeface="Calibri" panose="020F0502020204030204" pitchFamily="34" charset="0"/>
+              </a:rPr>
+              <a:t>анализ различных подходов к формированию импульсов и выбор наиболее подходящего для формирования сверхкоротких электрических импульсов (СКИ) с заданными требованями;</a:t>
+            </a:r>
+          </a:p>
+          <a:p>
+            <a:pPr marL="342900" lvl="0" indent="-342900" algn="just">
+              <a:buFont typeface="Symbol" panose="05050102010706020507" pitchFamily="18" charset="2"/>
+              <a:buChar char=""/>
+            </a:pPr>
+            <a:r>
+              <a:rPr lang="ru-RU" sz="2000" dirty="0">
+                <a:solidFill>
+                  <a:srgbClr val="222222"/>
+                </a:solidFill>
+                <a:effectLst/>
+                <a:latin typeface="Bahnschrift Light" panose="020B0502040204020203" pitchFamily="34" charset="0"/>
+                <a:ea typeface="Calibri" panose="020F0502020204030204" pitchFamily="34" charset="0"/>
+              </a:rPr>
+              <a:t>моделирование и изготовление сверхширокополосных сумматоров конструкции Уилкинсона для сложения СКИ и получения импульсов в форме производных от гауссовой кривой;</a:t>
+            </a:r>
+          </a:p>
+          <a:p>
+            <a:pPr marL="342900" lvl="0" indent="-342900" algn="just">
+              <a:buFont typeface="Symbol" panose="05050102010706020507" pitchFamily="18" charset="2"/>
+              <a:buChar char=""/>
+            </a:pPr>
+            <a:r>
+              <a:rPr lang="ru-RU" sz="2000" dirty="0">
+                <a:solidFill>
+                  <a:srgbClr val="222222"/>
+                </a:solidFill>
+                <a:effectLst/>
+                <a:latin typeface="Bahnschrift Light" panose="020B0502040204020203" pitchFamily="34" charset="0"/>
+                <a:ea typeface="Calibri" panose="020F0502020204030204" pitchFamily="34" charset="0"/>
+              </a:rPr>
+              <a:t>реализация схем генерации однополярных СКИ на основе ДНЗ;</a:t>
+            </a:r>
+          </a:p>
+          <a:p>
+            <a:pPr marL="342900" lvl="0" indent="-342900" algn="just">
+              <a:buFont typeface="Symbol" panose="05050102010706020507" pitchFamily="18" charset="2"/>
+              <a:buChar char=""/>
+            </a:pPr>
+            <a:r>
+              <a:rPr lang="ru-RU" sz="2000" dirty="0">
+                <a:solidFill>
+                  <a:srgbClr val="222222"/>
+                </a:solidFill>
+                <a:effectLst/>
+                <a:latin typeface="Bahnschrift Light" panose="020B0502040204020203" pitchFamily="34" charset="0"/>
+                <a:ea typeface="Calibri" panose="020F0502020204030204" pitchFamily="34" charset="0"/>
+              </a:rPr>
+              <a:t>разработка программного обеспечения для автоматизированной обработки результатов экспериментов</a:t>
+            </a:r>
+          </a:p>
+          <a:p>
+            <a:pPr marL="342900" lvl="0" indent="-342900" algn="just">
+              <a:buFont typeface="Symbol" panose="05050102010706020507" pitchFamily="18" charset="2"/>
+              <a:buChar char=""/>
+            </a:pPr>
+            <a:r>
+              <a:rPr lang="ru-RU" sz="2000" dirty="0">
+                <a:solidFill>
+                  <a:srgbClr val="222222"/>
+                </a:solidFill>
+                <a:effectLst/>
+                <a:latin typeface="Bahnschrift Light" panose="020B0502040204020203" pitchFamily="34" charset="0"/>
+                <a:ea typeface="Calibri" panose="020F0502020204030204" pitchFamily="34" charset="0"/>
+              </a:rPr>
+              <a:t>экспериментальное подтверждение метода формирования электрических импульсов различных форм. </a:t>
+            </a:r>
+          </a:p>
+          <a:p>
+            <a:pPr algn="just"/>
+            <a:endParaRPr lang="ru-RU" sz="2000" dirty="0">
+              <a:latin typeface="Bahnschrift Light" panose="020B0502040204020203" pitchFamily="34" charset="0"/>
+            </a:endParaRPr>
           </a:p>
         </p:txBody>
       </p:sp>
@@ -15010,30 +17017,6 @@
           </a:p>
         </p:txBody>
       </p:sp>
-      <p:pic>
-        <p:nvPicPr>
-          <p:cNvPr id="4" name="Объект 3"/>
-          <p:cNvPicPr>
-            <a:picLocks noGrp="1" noChangeAspect="1"/>
-          </p:cNvPicPr>
-          <p:nvPr>
-            <p:ph idx="1"/>
-          </p:nvPr>
-        </p:nvPicPr>
-        <p:blipFill>
-          <a:blip r:embed="rId2"/>
-          <a:stretch/>
-        </p:blipFill>
-        <p:spPr bwMode="auto">
-          <a:xfrm>
-            <a:off x="1063627" y="836711"/>
-            <a:ext cx="3088157" cy="5348453"/>
-          </a:xfrm>
-          <a:prstGeom prst="rect">
-            <a:avLst/>
-          </a:prstGeom>
-        </p:spPr>
-      </p:pic>
       <p:sp>
         <p:nvSpPr>
           <p:cNvPr id="6" name="Номер слайда 5"/>
@@ -15075,7 +17058,7 @@
           <p:nvPr/>
         </p:nvPicPr>
         <p:blipFill>
-          <a:blip r:embed="rId3"/>
+          <a:blip r:embed="rId2"/>
           <a:stretch>
             <a:fillRect/>
           </a:stretch>
@@ -15104,7 +17087,7 @@
         </p:nvSpPr>
         <p:spPr>
           <a:xfrm>
-            <a:off x="711949" y="6125517"/>
+            <a:off x="264274" y="4944417"/>
             <a:ext cx="3631122" cy="461665"/>
           </a:xfrm>
           <a:prstGeom prst="rect">
@@ -15140,7 +17123,7 @@
           <p:nvPr/>
         </p:nvPicPr>
         <p:blipFill>
-          <a:blip r:embed="rId4"/>
+          <a:blip r:embed="rId3"/>
           <a:stretch/>
         </p:blipFill>
         <p:spPr bwMode="auto">
@@ -15242,7 +17225,7 @@
           <p:nvPr/>
         </p:nvPicPr>
         <p:blipFill>
-          <a:blip r:embed="rId5">
+          <a:blip r:embed="rId4">
             <a:extLst>
               <a:ext uri="{28A0092B-C50C-407E-A947-70E740481C1C}">
                 <a14:useLocalDpi xmlns:a14="http://schemas.microsoft.com/office/drawing/2010/main" val="0"/>
@@ -15256,8 +17239,8 @@
         </p:blipFill>
         <p:spPr bwMode="auto">
           <a:xfrm>
-            <a:off x="904503" y="807993"/>
-            <a:ext cx="3028950" cy="5362575"/>
+            <a:off x="993486" y="908133"/>
+            <a:ext cx="2343894" cy="4149726"/>
           </a:xfrm>
           <a:prstGeom prst="rect">
             <a:avLst/>
@@ -15317,7 +17300,7 @@
         </p:nvSpPr>
         <p:spPr>
           <a:xfrm>
-            <a:off x="2906361" y="-161132"/>
+            <a:off x="906111" y="-332582"/>
             <a:ext cx="10515600" cy="1325563"/>
           </a:xfrm>
         </p:spPr>
@@ -15526,7 +17509,7 @@
         <p:spPr>
           <a:xfrm>
             <a:off x="3883822" y="4029145"/>
-            <a:ext cx="4280339" cy="461665"/>
+            <a:ext cx="4676280" cy="461665"/>
           </a:xfrm>
           <a:prstGeom prst="rect">
             <a:avLst/>
@@ -15540,15 +17523,21 @@
           <a:lstStyle/>
           <a:p>
             <a:r>
-              <a:rPr lang="ru-RU" sz="2400" dirty="0"/>
+              <a:rPr lang="ru-RU" sz="2400" dirty="0">
+                <a:latin typeface="Bahnschrift Light" panose="020B0502040204020203" pitchFamily="34" charset="0"/>
+              </a:rPr>
               <a:t>Рис. 3. </a:t>
             </a:r>
             <a:r>
-              <a:rPr lang="en-US" sz="2400" dirty="0"/>
+              <a:rPr lang="en-US" sz="2400" dirty="0">
+                <a:latin typeface="Bahnschrift Light" panose="020B0502040204020203" pitchFamily="34" charset="0"/>
+              </a:rPr>
               <a:t>S-</a:t>
             </a:r>
             <a:r>
-              <a:rPr lang="ru-RU" sz="2400" dirty="0"/>
+              <a:rPr lang="ru-RU" sz="2400" dirty="0">
+                <a:latin typeface="Bahnschrift Light" panose="020B0502040204020203" pitchFamily="34" charset="0"/>
+              </a:rPr>
               <a:t>параметры сумматора</a:t>
             </a:r>
           </a:p>
@@ -15594,6 +17583,7 @@
             <a:r>
               <a:rPr lang="ru-RU" sz="2400" dirty="0">
                 <a:effectLst/>
+                <a:latin typeface="Bahnschrift Light" panose="020B0502040204020203" pitchFamily="34" charset="0"/>
                 <a:ea typeface="Times New Roman" panose="02020603050405020304" pitchFamily="18" charset="0"/>
               </a:rPr>
               <a:t>Цели оптимизации:</a:t>
@@ -15611,6 +17601,7 @@
             <a:r>
               <a:rPr lang="en-US" sz="2400" dirty="0">
                 <a:effectLst/>
+                <a:latin typeface="Bahnschrift Light" panose="020B0502040204020203" pitchFamily="34" charset="0"/>
                 <a:ea typeface="Times New Roman" panose="02020603050405020304" pitchFamily="18" charset="0"/>
               </a:rPr>
               <a:t>S</a:t>
@@ -15618,6 +17609,7 @@
             <a:r>
               <a:rPr lang="ru-RU" sz="2400" baseline="-25000" dirty="0">
                 <a:effectLst/>
+                <a:latin typeface="Bahnschrift Light" panose="020B0502040204020203" pitchFamily="34" charset="0"/>
                 <a:ea typeface="Times New Roman" panose="02020603050405020304" pitchFamily="18" charset="0"/>
               </a:rPr>
               <a:t>11</a:t>
@@ -15625,6 +17617,7 @@
             <a:r>
               <a:rPr lang="ru-RU" sz="2400" dirty="0">
                 <a:effectLst/>
+                <a:latin typeface="Bahnschrift Light" panose="020B0502040204020203" pitchFamily="34" charset="0"/>
                 <a:ea typeface="Times New Roman" panose="02020603050405020304" pitchFamily="18" charset="0"/>
               </a:rPr>
               <a:t>, </a:t>
@@ -15632,6 +17625,7 @@
             <a:r>
               <a:rPr lang="en-US" sz="2400" dirty="0">
                 <a:effectLst/>
+                <a:latin typeface="Bahnschrift Light" panose="020B0502040204020203" pitchFamily="34" charset="0"/>
                 <a:ea typeface="Times New Roman" panose="02020603050405020304" pitchFamily="18" charset="0"/>
               </a:rPr>
               <a:t>S</a:t>
@@ -15639,6 +17633,7 @@
             <a:r>
               <a:rPr lang="ru-RU" sz="2400" baseline="-25000" dirty="0">
                 <a:effectLst/>
+                <a:latin typeface="Bahnschrift Light" panose="020B0502040204020203" pitchFamily="34" charset="0"/>
                 <a:ea typeface="Times New Roman" panose="02020603050405020304" pitchFamily="18" charset="0"/>
               </a:rPr>
               <a:t>22</a:t>
@@ -15646,12 +17641,14 @@
             <a:r>
               <a:rPr lang="ru-RU" sz="2400" dirty="0">
                 <a:effectLst/>
+                <a:latin typeface="Bahnschrift Light" panose="020B0502040204020203" pitchFamily="34" charset="0"/>
                 <a:ea typeface="Times New Roman" panose="02020603050405020304" pitchFamily="18" charset="0"/>
               </a:rPr>
               <a:t> – не более -15 дБ;</a:t>
             </a:r>
             <a:endParaRPr lang="ru-RU" sz="1400" dirty="0">
               <a:effectLst/>
+              <a:latin typeface="Bahnschrift Light" panose="020B0502040204020203" pitchFamily="34" charset="0"/>
               <a:ea typeface="Times New Roman" panose="02020603050405020304" pitchFamily="18" charset="0"/>
             </a:endParaRPr>
           </a:p>
@@ -15667,6 +17664,7 @@
             <a:r>
               <a:rPr lang="en-US" sz="2400" dirty="0">
                 <a:effectLst/>
+                <a:latin typeface="Bahnschrift Light" panose="020B0502040204020203" pitchFamily="34" charset="0"/>
                 <a:ea typeface="Times New Roman" panose="02020603050405020304" pitchFamily="18" charset="0"/>
               </a:rPr>
               <a:t>S</a:t>
@@ -15674,6 +17672,7 @@
             <a:r>
               <a:rPr lang="en-US" sz="2400" baseline="-25000" dirty="0">
                 <a:effectLst/>
+                <a:latin typeface="Bahnschrift Light" panose="020B0502040204020203" pitchFamily="34" charset="0"/>
                 <a:ea typeface="Times New Roman" panose="02020603050405020304" pitchFamily="18" charset="0"/>
               </a:rPr>
               <a:t>21</a:t>
@@ -15681,6 +17680,7 @@
             <a:r>
               <a:rPr lang="en-US" sz="2400" dirty="0">
                 <a:effectLst/>
+                <a:latin typeface="Bahnschrift Light" panose="020B0502040204020203" pitchFamily="34" charset="0"/>
                 <a:ea typeface="Times New Roman" panose="02020603050405020304" pitchFamily="18" charset="0"/>
               </a:rPr>
               <a:t> – </a:t>
@@ -15688,6 +17688,7 @@
             <a:r>
               <a:rPr lang="en-US" sz="2400" dirty="0" err="1">
                 <a:effectLst/>
+                <a:latin typeface="Bahnschrift Light" panose="020B0502040204020203" pitchFamily="34" charset="0"/>
                 <a:ea typeface="Times New Roman" panose="02020603050405020304" pitchFamily="18" charset="0"/>
               </a:rPr>
               <a:t>не</a:t>
@@ -15695,6 +17696,7 @@
             <a:r>
               <a:rPr lang="en-US" sz="2400" dirty="0">
                 <a:effectLst/>
+                <a:latin typeface="Bahnschrift Light" panose="020B0502040204020203" pitchFamily="34" charset="0"/>
                 <a:ea typeface="Times New Roman" panose="02020603050405020304" pitchFamily="18" charset="0"/>
               </a:rPr>
               <a:t> </a:t>
@@ -15702,6 +17704,7 @@
             <a:r>
               <a:rPr lang="en-US" sz="2400" dirty="0" err="1">
                 <a:effectLst/>
+                <a:latin typeface="Bahnschrift Light" panose="020B0502040204020203" pitchFamily="34" charset="0"/>
                 <a:ea typeface="Times New Roman" panose="02020603050405020304" pitchFamily="18" charset="0"/>
               </a:rPr>
               <a:t>менее</a:t>
@@ -15709,6 +17712,7 @@
             <a:r>
               <a:rPr lang="en-US" sz="2400" dirty="0">
                 <a:effectLst/>
+                <a:latin typeface="Bahnschrift Light" panose="020B0502040204020203" pitchFamily="34" charset="0"/>
                 <a:ea typeface="Times New Roman" panose="02020603050405020304" pitchFamily="18" charset="0"/>
               </a:rPr>
               <a:t> </a:t>
@@ -15716,6 +17720,7 @@
             <a:r>
               <a:rPr lang="ru-RU" sz="2400" dirty="0">
                 <a:effectLst/>
+                <a:latin typeface="Bahnschrift Light" panose="020B0502040204020203" pitchFamily="34" charset="0"/>
                 <a:ea typeface="Times New Roman" panose="02020603050405020304" pitchFamily="18" charset="0"/>
               </a:rPr>
               <a:t>-</a:t>
@@ -15723,6 +17728,7 @@
             <a:r>
               <a:rPr lang="en-US" sz="2400" dirty="0">
                 <a:effectLst/>
+                <a:latin typeface="Bahnschrift Light" panose="020B0502040204020203" pitchFamily="34" charset="0"/>
                 <a:ea typeface="Times New Roman" panose="02020603050405020304" pitchFamily="18" charset="0"/>
               </a:rPr>
               <a:t>5 </a:t>
@@ -15730,6 +17736,7 @@
             <a:r>
               <a:rPr lang="ru-RU" sz="2400" dirty="0">
                 <a:effectLst/>
+                <a:latin typeface="Bahnschrift Light" panose="020B0502040204020203" pitchFamily="34" charset="0"/>
                 <a:ea typeface="Times New Roman" panose="02020603050405020304" pitchFamily="18" charset="0"/>
               </a:rPr>
               <a:t>дБ</a:t>
@@ -15737,12 +17744,14 @@
             <a:r>
               <a:rPr lang="en-US" sz="2400" dirty="0">
                 <a:effectLst/>
+                <a:latin typeface="Bahnschrift Light" panose="020B0502040204020203" pitchFamily="34" charset="0"/>
                 <a:ea typeface="Times New Roman" panose="02020603050405020304" pitchFamily="18" charset="0"/>
               </a:rPr>
               <a:t>;</a:t>
             </a:r>
             <a:endParaRPr lang="ru-RU" sz="1400" dirty="0">
               <a:effectLst/>
+              <a:latin typeface="Bahnschrift Light" panose="020B0502040204020203" pitchFamily="34" charset="0"/>
               <a:ea typeface="Times New Roman" panose="02020603050405020304" pitchFamily="18" charset="0"/>
             </a:endParaRPr>
           </a:p>
@@ -15758,6 +17767,7 @@
             <a:r>
               <a:rPr lang="en-US" sz="2400" dirty="0">
                 <a:effectLst/>
+                <a:latin typeface="Bahnschrift Light" panose="020B0502040204020203" pitchFamily="34" charset="0"/>
                 <a:ea typeface="Times New Roman" panose="02020603050405020304" pitchFamily="18" charset="0"/>
               </a:rPr>
               <a:t>S</a:t>
@@ -15765,6 +17775,7 @@
             <a:r>
               <a:rPr lang="en-US" sz="2400" baseline="-25000" dirty="0">
                 <a:effectLst/>
+                <a:latin typeface="Bahnschrift Light" panose="020B0502040204020203" pitchFamily="34" charset="0"/>
                 <a:ea typeface="Times New Roman" panose="02020603050405020304" pitchFamily="18" charset="0"/>
               </a:rPr>
               <a:t>23</a:t>
@@ -15772,6 +17783,7 @@
             <a:r>
               <a:rPr lang="en-US" sz="2400" dirty="0">
                 <a:effectLst/>
+                <a:latin typeface="Bahnschrift Light" panose="020B0502040204020203" pitchFamily="34" charset="0"/>
                 <a:ea typeface="Times New Roman" panose="02020603050405020304" pitchFamily="18" charset="0"/>
               </a:rPr>
               <a:t> – </a:t>
@@ -15779,6 +17791,7 @@
             <a:r>
               <a:rPr lang="en-US" sz="2400" dirty="0" err="1">
                 <a:effectLst/>
+                <a:latin typeface="Bahnschrift Light" panose="020B0502040204020203" pitchFamily="34" charset="0"/>
                 <a:ea typeface="Times New Roman" panose="02020603050405020304" pitchFamily="18" charset="0"/>
               </a:rPr>
               <a:t>не</a:t>
@@ -15786,6 +17799,7 @@
             <a:r>
               <a:rPr lang="en-US" sz="2400" dirty="0">
                 <a:effectLst/>
+                <a:latin typeface="Bahnschrift Light" panose="020B0502040204020203" pitchFamily="34" charset="0"/>
                 <a:ea typeface="Times New Roman" panose="02020603050405020304" pitchFamily="18" charset="0"/>
               </a:rPr>
               <a:t> </a:t>
@@ -15793,6 +17807,7 @@
             <a:r>
               <a:rPr lang="ru-RU" sz="2400" dirty="0">
                 <a:effectLst/>
+                <a:latin typeface="Bahnschrift Light" panose="020B0502040204020203" pitchFamily="34" charset="0"/>
                 <a:ea typeface="Times New Roman" panose="02020603050405020304" pitchFamily="18" charset="0"/>
               </a:rPr>
               <a:t>более</a:t>
@@ -15800,6 +17815,7 @@
             <a:r>
               <a:rPr lang="en-US" sz="2400" dirty="0">
                 <a:effectLst/>
+                <a:latin typeface="Bahnschrift Light" panose="020B0502040204020203" pitchFamily="34" charset="0"/>
                 <a:ea typeface="Times New Roman" panose="02020603050405020304" pitchFamily="18" charset="0"/>
               </a:rPr>
               <a:t> </a:t>
@@ -15807,6 +17823,7 @@
             <a:r>
               <a:rPr lang="ru-RU" sz="2400" dirty="0">
                 <a:effectLst/>
+                <a:latin typeface="Bahnschrift Light" panose="020B0502040204020203" pitchFamily="34" charset="0"/>
                 <a:ea typeface="Times New Roman" panose="02020603050405020304" pitchFamily="18" charset="0"/>
               </a:rPr>
               <a:t>-</a:t>
@@ -15814,6 +17831,7 @@
             <a:r>
               <a:rPr lang="en-US" sz="2400" dirty="0">
                 <a:effectLst/>
+                <a:latin typeface="Bahnschrift Light" panose="020B0502040204020203" pitchFamily="34" charset="0"/>
                 <a:ea typeface="Times New Roman" panose="02020603050405020304" pitchFamily="18" charset="0"/>
               </a:rPr>
               <a:t>15 </a:t>
@@ -15821,6 +17839,7 @@
             <a:r>
               <a:rPr lang="ru-RU" sz="2400" dirty="0">
                 <a:effectLst/>
+                <a:latin typeface="Bahnschrift Light" panose="020B0502040204020203" pitchFamily="34" charset="0"/>
                 <a:ea typeface="Times New Roman" panose="02020603050405020304" pitchFamily="18" charset="0"/>
               </a:rPr>
               <a:t>дБ</a:t>
@@ -15828,14 +17847,363 @@
             <a:r>
               <a:rPr lang="en-US" sz="2400" dirty="0">
                 <a:effectLst/>
+                <a:latin typeface="Bahnschrift Light" panose="020B0502040204020203" pitchFamily="34" charset="0"/>
                 <a:ea typeface="Times New Roman" panose="02020603050405020304" pitchFamily="18" charset="0"/>
               </a:rPr>
               <a:t>.</a:t>
             </a:r>
             <a:endParaRPr lang="ru-RU" sz="1400" dirty="0">
               <a:effectLst/>
+              <a:latin typeface="Bahnschrift Light" panose="020B0502040204020203" pitchFamily="34" charset="0"/>
               <a:ea typeface="Times New Roman" panose="02020603050405020304" pitchFamily="18" charset="0"/>
             </a:endParaRPr>
+          </a:p>
+        </p:txBody>
+      </p:sp>
+      <p:sp>
+        <p:nvSpPr>
+          <p:cNvPr id="10" name="TextBox 9">
+            <a:extLst>
+              <a:ext uri="{FF2B5EF4-FFF2-40B4-BE49-F238E27FC236}">
+                <a16:creationId xmlns:a16="http://schemas.microsoft.com/office/drawing/2014/main" id="{ACC7494E-454B-454D-A796-0B04C25571F0}"/>
+              </a:ext>
+            </a:extLst>
+          </p:cNvPr>
+          <p:cNvSpPr txBox="1"/>
+          <p:nvPr/>
+        </p:nvSpPr>
+        <p:spPr bwMode="auto">
+          <a:xfrm>
+            <a:off x="5543966" y="5259296"/>
+            <a:ext cx="5841664" cy="830997"/>
+          </a:xfrm>
+          <a:custGeom>
+            <a:avLst/>
+            <a:gdLst>
+              <a:gd name="connsiteX0" fmla="*/ 0 w 5841664"/>
+              <a:gd name="connsiteY0" fmla="*/ 0 h 830997"/>
+              <a:gd name="connsiteX1" fmla="*/ 473824 w 5841664"/>
+              <a:gd name="connsiteY1" fmla="*/ 0 h 830997"/>
+              <a:gd name="connsiteX2" fmla="*/ 1122898 w 5841664"/>
+              <a:gd name="connsiteY2" fmla="*/ 0 h 830997"/>
+              <a:gd name="connsiteX3" fmla="*/ 1713555 w 5841664"/>
+              <a:gd name="connsiteY3" fmla="*/ 0 h 830997"/>
+              <a:gd name="connsiteX4" fmla="*/ 2362629 w 5841664"/>
+              <a:gd name="connsiteY4" fmla="*/ 0 h 830997"/>
+              <a:gd name="connsiteX5" fmla="*/ 2953286 w 5841664"/>
+              <a:gd name="connsiteY5" fmla="*/ 0 h 830997"/>
+              <a:gd name="connsiteX6" fmla="*/ 3427110 w 5841664"/>
+              <a:gd name="connsiteY6" fmla="*/ 0 h 830997"/>
+              <a:gd name="connsiteX7" fmla="*/ 3959350 w 5841664"/>
+              <a:gd name="connsiteY7" fmla="*/ 0 h 830997"/>
+              <a:gd name="connsiteX8" fmla="*/ 4491591 w 5841664"/>
+              <a:gd name="connsiteY8" fmla="*/ 0 h 830997"/>
+              <a:gd name="connsiteX9" fmla="*/ 5140664 w 5841664"/>
+              <a:gd name="connsiteY9" fmla="*/ 0 h 830997"/>
+              <a:gd name="connsiteX10" fmla="*/ 5841664 w 5841664"/>
+              <a:gd name="connsiteY10" fmla="*/ 0 h 830997"/>
+              <a:gd name="connsiteX11" fmla="*/ 5841664 w 5841664"/>
+              <a:gd name="connsiteY11" fmla="*/ 407189 h 830997"/>
+              <a:gd name="connsiteX12" fmla="*/ 5841664 w 5841664"/>
+              <a:gd name="connsiteY12" fmla="*/ 830997 h 830997"/>
+              <a:gd name="connsiteX13" fmla="*/ 5134174 w 5841664"/>
+              <a:gd name="connsiteY13" fmla="*/ 830997 h 830997"/>
+              <a:gd name="connsiteX14" fmla="*/ 4543516 w 5841664"/>
+              <a:gd name="connsiteY14" fmla="*/ 830997 h 830997"/>
+              <a:gd name="connsiteX15" fmla="*/ 4069693 w 5841664"/>
+              <a:gd name="connsiteY15" fmla="*/ 830997 h 830997"/>
+              <a:gd name="connsiteX16" fmla="*/ 3479035 w 5841664"/>
+              <a:gd name="connsiteY16" fmla="*/ 830997 h 830997"/>
+              <a:gd name="connsiteX17" fmla="*/ 2946795 w 5841664"/>
+              <a:gd name="connsiteY17" fmla="*/ 830997 h 830997"/>
+              <a:gd name="connsiteX18" fmla="*/ 2472971 w 5841664"/>
+              <a:gd name="connsiteY18" fmla="*/ 830997 h 830997"/>
+              <a:gd name="connsiteX19" fmla="*/ 1999147 w 5841664"/>
+              <a:gd name="connsiteY19" fmla="*/ 830997 h 830997"/>
+              <a:gd name="connsiteX20" fmla="*/ 1408490 w 5841664"/>
+              <a:gd name="connsiteY20" fmla="*/ 830997 h 830997"/>
+              <a:gd name="connsiteX21" fmla="*/ 642583 w 5841664"/>
+              <a:gd name="connsiteY21" fmla="*/ 830997 h 830997"/>
+              <a:gd name="connsiteX22" fmla="*/ 0 w 5841664"/>
+              <a:gd name="connsiteY22" fmla="*/ 830997 h 830997"/>
+              <a:gd name="connsiteX23" fmla="*/ 0 w 5841664"/>
+              <a:gd name="connsiteY23" fmla="*/ 432118 h 830997"/>
+              <a:gd name="connsiteX24" fmla="*/ 0 w 5841664"/>
+              <a:gd name="connsiteY24" fmla="*/ 0 h 830997"/>
+            </a:gdLst>
+            <a:ahLst/>
+            <a:cxnLst>
+              <a:cxn ang="0">
+                <a:pos x="connsiteX0" y="connsiteY0"/>
+              </a:cxn>
+              <a:cxn ang="0">
+                <a:pos x="connsiteX1" y="connsiteY1"/>
+              </a:cxn>
+              <a:cxn ang="0">
+                <a:pos x="connsiteX2" y="connsiteY2"/>
+              </a:cxn>
+              <a:cxn ang="0">
+                <a:pos x="connsiteX3" y="connsiteY3"/>
+              </a:cxn>
+              <a:cxn ang="0">
+                <a:pos x="connsiteX4" y="connsiteY4"/>
+              </a:cxn>
+              <a:cxn ang="0">
+                <a:pos x="connsiteX5" y="connsiteY5"/>
+              </a:cxn>
+              <a:cxn ang="0">
+                <a:pos x="connsiteX6" y="connsiteY6"/>
+              </a:cxn>
+              <a:cxn ang="0">
+                <a:pos x="connsiteX7" y="connsiteY7"/>
+              </a:cxn>
+              <a:cxn ang="0">
+                <a:pos x="connsiteX8" y="connsiteY8"/>
+              </a:cxn>
+              <a:cxn ang="0">
+                <a:pos x="connsiteX9" y="connsiteY9"/>
+              </a:cxn>
+              <a:cxn ang="0">
+                <a:pos x="connsiteX10" y="connsiteY10"/>
+              </a:cxn>
+              <a:cxn ang="0">
+                <a:pos x="connsiteX11" y="connsiteY11"/>
+              </a:cxn>
+              <a:cxn ang="0">
+                <a:pos x="connsiteX12" y="connsiteY12"/>
+              </a:cxn>
+              <a:cxn ang="0">
+                <a:pos x="connsiteX13" y="connsiteY13"/>
+              </a:cxn>
+              <a:cxn ang="0">
+                <a:pos x="connsiteX14" y="connsiteY14"/>
+              </a:cxn>
+              <a:cxn ang="0">
+                <a:pos x="connsiteX15" y="connsiteY15"/>
+              </a:cxn>
+              <a:cxn ang="0">
+                <a:pos x="connsiteX16" y="connsiteY16"/>
+              </a:cxn>
+              <a:cxn ang="0">
+                <a:pos x="connsiteX17" y="connsiteY17"/>
+              </a:cxn>
+              <a:cxn ang="0">
+                <a:pos x="connsiteX18" y="connsiteY18"/>
+              </a:cxn>
+              <a:cxn ang="0">
+                <a:pos x="connsiteX19" y="connsiteY19"/>
+              </a:cxn>
+              <a:cxn ang="0">
+                <a:pos x="connsiteX20" y="connsiteY20"/>
+              </a:cxn>
+              <a:cxn ang="0">
+                <a:pos x="connsiteX21" y="connsiteY21"/>
+              </a:cxn>
+              <a:cxn ang="0">
+                <a:pos x="connsiteX22" y="connsiteY22"/>
+              </a:cxn>
+              <a:cxn ang="0">
+                <a:pos x="connsiteX23" y="connsiteY23"/>
+              </a:cxn>
+              <a:cxn ang="0">
+                <a:pos x="connsiteX24" y="connsiteY24"/>
+              </a:cxn>
+            </a:cxnLst>
+            <a:rect l="l" t="t" r="r" b="b"/>
+            <a:pathLst>
+              <a:path w="5841664" h="830997" extrusionOk="0">
+                <a:moveTo>
+                  <a:pt x="0" y="0"/>
+                </a:moveTo>
+                <a:cubicBezTo>
+                  <a:pt x="121053" y="-13451"/>
+                  <a:pt x="277221" y="-14030"/>
+                  <a:pt x="473824" y="0"/>
+                </a:cubicBezTo>
+                <a:cubicBezTo>
+                  <a:pt x="670427" y="14030"/>
+                  <a:pt x="864425" y="12157"/>
+                  <a:pt x="1122898" y="0"/>
+                </a:cubicBezTo>
+                <a:cubicBezTo>
+                  <a:pt x="1381371" y="-12157"/>
+                  <a:pt x="1460910" y="-21947"/>
+                  <a:pt x="1713555" y="0"/>
+                </a:cubicBezTo>
+                <a:cubicBezTo>
+                  <a:pt x="1966200" y="21947"/>
+                  <a:pt x="2198131" y="8194"/>
+                  <a:pt x="2362629" y="0"/>
+                </a:cubicBezTo>
+                <a:cubicBezTo>
+                  <a:pt x="2527127" y="-8194"/>
+                  <a:pt x="2816128" y="29330"/>
+                  <a:pt x="2953286" y="0"/>
+                </a:cubicBezTo>
+                <a:cubicBezTo>
+                  <a:pt x="3090444" y="-29330"/>
+                  <a:pt x="3201448" y="23203"/>
+                  <a:pt x="3427110" y="0"/>
+                </a:cubicBezTo>
+                <a:cubicBezTo>
+                  <a:pt x="3652772" y="-23203"/>
+                  <a:pt x="3739419" y="-19592"/>
+                  <a:pt x="3959350" y="0"/>
+                </a:cubicBezTo>
+                <a:cubicBezTo>
+                  <a:pt x="4179281" y="19592"/>
+                  <a:pt x="4293103" y="-19206"/>
+                  <a:pt x="4491591" y="0"/>
+                </a:cubicBezTo>
+                <a:cubicBezTo>
+                  <a:pt x="4690079" y="19206"/>
+                  <a:pt x="5007308" y="-30983"/>
+                  <a:pt x="5140664" y="0"/>
+                </a:cubicBezTo>
+                <a:cubicBezTo>
+                  <a:pt x="5274020" y="30983"/>
+                  <a:pt x="5636679" y="28475"/>
+                  <a:pt x="5841664" y="0"/>
+                </a:cubicBezTo>
+                <a:cubicBezTo>
+                  <a:pt x="5822127" y="201532"/>
+                  <a:pt x="5843153" y="223235"/>
+                  <a:pt x="5841664" y="407189"/>
+                </a:cubicBezTo>
+                <a:cubicBezTo>
+                  <a:pt x="5840175" y="591143"/>
+                  <a:pt x="5831406" y="745217"/>
+                  <a:pt x="5841664" y="830997"/>
+                </a:cubicBezTo>
+                <a:cubicBezTo>
+                  <a:pt x="5683616" y="814312"/>
+                  <a:pt x="5441797" y="829905"/>
+                  <a:pt x="5134174" y="830997"/>
+                </a:cubicBezTo>
+                <a:cubicBezTo>
+                  <a:pt x="4826551" y="832090"/>
+                  <a:pt x="4687552" y="817400"/>
+                  <a:pt x="4543516" y="830997"/>
+                </a:cubicBezTo>
+                <a:cubicBezTo>
+                  <a:pt x="4399480" y="844594"/>
+                  <a:pt x="4167467" y="810093"/>
+                  <a:pt x="4069693" y="830997"/>
+                </a:cubicBezTo>
+                <a:cubicBezTo>
+                  <a:pt x="3971919" y="851901"/>
+                  <a:pt x="3606810" y="826907"/>
+                  <a:pt x="3479035" y="830997"/>
+                </a:cubicBezTo>
+                <a:cubicBezTo>
+                  <a:pt x="3351260" y="835087"/>
+                  <a:pt x="3118924" y="847444"/>
+                  <a:pt x="2946795" y="830997"/>
+                </a:cubicBezTo>
+                <a:cubicBezTo>
+                  <a:pt x="2774666" y="814550"/>
+                  <a:pt x="2578819" y="833443"/>
+                  <a:pt x="2472971" y="830997"/>
+                </a:cubicBezTo>
+                <a:cubicBezTo>
+                  <a:pt x="2367123" y="828551"/>
+                  <a:pt x="2185611" y="832618"/>
+                  <a:pt x="1999147" y="830997"/>
+                </a:cubicBezTo>
+                <a:cubicBezTo>
+                  <a:pt x="1812683" y="829376"/>
+                  <a:pt x="1662944" y="851247"/>
+                  <a:pt x="1408490" y="830997"/>
+                </a:cubicBezTo>
+                <a:cubicBezTo>
+                  <a:pt x="1154036" y="810747"/>
+                  <a:pt x="966673" y="859436"/>
+                  <a:pt x="642583" y="830997"/>
+                </a:cubicBezTo>
+                <a:cubicBezTo>
+                  <a:pt x="318493" y="802558"/>
+                  <a:pt x="248230" y="857514"/>
+                  <a:pt x="0" y="830997"/>
+                </a:cubicBezTo>
+                <a:cubicBezTo>
+                  <a:pt x="10692" y="687760"/>
+                  <a:pt x="-15706" y="531364"/>
+                  <a:pt x="0" y="432118"/>
+                </a:cubicBezTo>
+                <a:cubicBezTo>
+                  <a:pt x="15706" y="332872"/>
+                  <a:pt x="2872" y="115087"/>
+                  <a:pt x="0" y="0"/>
+                </a:cubicBezTo>
+                <a:close/>
+              </a:path>
+            </a:pathLst>
+          </a:custGeom>
+          <a:noFill/>
+          <a:ln>
+            <a:solidFill>
+              <a:schemeClr val="tx1"/>
+            </a:solidFill>
+            <a:extLst>
+              <a:ext uri="{C807C97D-BFC1-408E-A445-0C87EB9F89A2}">
+                <ask:lineSketchStyleProps xmlns:ask="http://schemas.microsoft.com/office/drawing/2018/sketchyshapes" sd="4138844687">
+                  <a:prstGeom prst="rect">
+                    <a:avLst/>
+                  </a:prstGeom>
+                  <ask:type>
+                    <ask:lineSketchFreehand/>
+                  </ask:type>
+                </ask:lineSketchStyleProps>
+              </a:ext>
+            </a:extLst>
+          </a:ln>
+        </p:spPr>
+        <p:txBody>
+          <a:bodyPr wrap="square">
+            <a:spAutoFit/>
+          </a:bodyPr>
+          <a:lstStyle/>
+          <a:p>
+            <a:pPr algn="just"/>
+            <a:r>
+              <a:rPr lang="ru-RU" sz="1200" dirty="0">
+                <a:solidFill>
+                  <a:schemeClr val="tx1">
+                    <a:lumMod val="75000"/>
+                    <a:lumOff val="25000"/>
+                  </a:schemeClr>
+                </a:solidFill>
+                <a:latin typeface="Calibri" panose="020F0502020204030204" pitchFamily="34" charset="0"/>
+                <a:cs typeface="Calibri" panose="020F0502020204030204" pitchFamily="34" charset="0"/>
+              </a:rPr>
+              <a:t>Расширение частотного диапазона сумматора Уилкинсона для формирования сверхкоротких импульсов / К. В. Смусева, А. Е. Елфимов, Г. К. Усков, </a:t>
+            </a:r>
+            <a:r>
+              <a:rPr lang="ru-RU" sz="1200" b="1" dirty="0">
+                <a:solidFill>
+                  <a:schemeClr val="tx1">
+                    <a:lumMod val="75000"/>
+                    <a:lumOff val="25000"/>
+                  </a:schemeClr>
+                </a:solidFill>
+                <a:latin typeface="Calibri" panose="020F0502020204030204" pitchFamily="34" charset="0"/>
+                <a:cs typeface="Calibri" panose="020F0502020204030204" pitchFamily="34" charset="0"/>
+              </a:rPr>
+              <a:t>А. С. Величкина </a:t>
+            </a:r>
+            <a:r>
+              <a:rPr lang="ru-RU" sz="1200" dirty="0">
+                <a:solidFill>
+                  <a:schemeClr val="tx1">
+                    <a:lumMod val="75000"/>
+                    <a:lumOff val="25000"/>
+                  </a:schemeClr>
+                </a:solidFill>
+                <a:latin typeface="Calibri" panose="020F0502020204030204" pitchFamily="34" charset="0"/>
+                <a:cs typeface="Calibri" panose="020F0502020204030204" pitchFamily="34" charset="0"/>
+              </a:rPr>
+              <a:t>// Радиолокация, навигация, связь : Сборник трудов XXVIII Международной научно-технической конференции</a:t>
+            </a:r>
           </a:p>
         </p:txBody>
       </p:sp>
@@ -16005,14 +18373,20 @@
               </a:lnSpc>
             </a:pPr>
             <a:r>
-              <a:rPr lang="ru-RU" sz="2000" dirty="0"/>
+              <a:rPr lang="ru-RU" sz="2000" dirty="0">
+                <a:latin typeface="Bahnschrift Light" panose="020B0502040204020203" pitchFamily="34" charset="0"/>
+              </a:rPr>
               <a:t>Рис. 4б. Пятипортовый сумматор: </a:t>
             </a:r>
             <a:br>
-              <a:rPr lang="ru-RU" sz="2000" dirty="0"/>
+              <a:rPr lang="ru-RU" sz="2000" dirty="0">
+                <a:latin typeface="Bahnschrift Light" panose="020B0502040204020203" pitchFamily="34" charset="0"/>
+              </a:rPr>
             </a:br>
             <a:r>
-              <a:rPr lang="ru-RU" sz="2000" dirty="0"/>
+              <a:rPr lang="ru-RU" sz="2000" dirty="0">
+                <a:latin typeface="Bahnschrift Light" panose="020B0502040204020203" pitchFamily="34" charset="0"/>
+              </a:rPr>
               <a:t>экспериментальный макет</a:t>
             </a:r>
           </a:p>
@@ -16075,7 +18449,7 @@
           <a:graphicData uri="http://schemas.openxmlformats.org/presentationml/2006/ole">
             <mc:AlternateContent xmlns:mc="http://schemas.openxmlformats.org/markup-compatibility/2006">
               <mc:Choice xmlns:v="urn:schemas-microsoft-com:vml" Requires="v">
-                <p:oleObj spid="_x0000_s1039" name="Document" r:id="rId4" imgW="5938880" imgH="2994093" progId="Word.Document.12">
+                <p:oleObj spid="_x0000_s1064" name="Document" r:id="rId4" imgW="5938880" imgH="2994093" progId="Word.Document.12">
                   <p:embed/>
                 </p:oleObj>
               </mc:Choice>
@@ -16150,15 +18524,21 @@
               </a:lnSpc>
             </a:pPr>
             <a:r>
-              <a:rPr lang="ru-RU" sz="1800" dirty="0"/>
+              <a:rPr lang="ru-RU" sz="1800" dirty="0">
+                <a:latin typeface="Bahnschrift Light" panose="020B0502040204020203" pitchFamily="34" charset="0"/>
+              </a:rPr>
               <a:t>Рис. 4а. </a:t>
             </a:r>
             <a:r>
-              <a:rPr lang="ru-RU" sz="1800" dirty="0" err="1"/>
+              <a:rPr lang="ru-RU" sz="1800" dirty="0" err="1">
+                <a:latin typeface="Bahnschrift Light" panose="020B0502040204020203" pitchFamily="34" charset="0"/>
+              </a:rPr>
               <a:t>Пятипортовый</a:t>
             </a:r>
             <a:r>
-              <a:rPr lang="ru-RU" sz="1800" dirty="0"/>
+              <a:rPr lang="ru-RU" sz="1800" dirty="0">
+                <a:latin typeface="Bahnschrift Light" panose="020B0502040204020203" pitchFamily="34" charset="0"/>
+              </a:rPr>
               <a:t> сумматор: модель</a:t>
             </a:r>
           </a:p>
@@ -16433,6 +18813,16 @@
         </p:nvPicPr>
         <p:blipFill>
           <a:blip r:embed="rId5">
+            <a:clrChange>
+              <a:clrFrom>
+                <a:srgbClr val="FFFFFF"/>
+              </a:clrFrom>
+              <a:clrTo>
+                <a:srgbClr val="FFFFFF">
+                  <a:alpha val="0"/>
+                </a:srgbClr>
+              </a:clrTo>
+            </a:clrChange>
             <a:extLst>
               <a:ext uri="{28A0092B-C50C-407E-A947-70E740481C1C}">
                 <a14:useLocalDpi xmlns:a14="http://schemas.microsoft.com/office/drawing/2010/main" val="0"/>
@@ -16468,7 +18858,7 @@
         <p:spPr>
           <a:xfrm>
             <a:off x="3878085" y="4005064"/>
-            <a:ext cx="4435830" cy="461665"/>
+            <a:ext cx="4681090" cy="461665"/>
           </a:xfrm>
           <a:prstGeom prst="rect">
             <a:avLst/>
@@ -16482,15 +18872,21 @@
           <a:lstStyle/>
           <a:p>
             <a:r>
-              <a:rPr lang="ru-RU" sz="2400" dirty="0"/>
+              <a:rPr lang="ru-RU" sz="2400" dirty="0">
+                <a:latin typeface="Bahnschrift Light" panose="020B0502040204020203" pitchFamily="34" charset="0"/>
+              </a:rPr>
               <a:t>Рис. 5. </a:t>
             </a:r>
             <a:r>
-              <a:rPr lang="en-US" sz="2400" dirty="0"/>
+              <a:rPr lang="en-US" sz="2400" dirty="0">
+                <a:latin typeface="Bahnschrift Light" panose="020B0502040204020203" pitchFamily="34" charset="0"/>
+              </a:rPr>
               <a:t>S-</a:t>
             </a:r>
             <a:r>
-              <a:rPr lang="ru-RU" sz="2400" dirty="0"/>
+              <a:rPr lang="ru-RU" sz="2400" dirty="0">
+                <a:latin typeface="Bahnschrift Light" panose="020B0502040204020203" pitchFamily="34" charset="0"/>
+              </a:rPr>
               <a:t>параметры сумматора</a:t>
             </a:r>
           </a:p>
@@ -16510,8 +18906,8 @@
         </p:nvSpPr>
         <p:spPr>
           <a:xfrm>
-            <a:off x="598546" y="4653216"/>
-            <a:ext cx="3876382" cy="2068259"/>
+            <a:off x="422216" y="4653216"/>
+            <a:ext cx="4229043" cy="2068259"/>
           </a:xfrm>
           <a:prstGeom prst="rect">
             <a:avLst/>
@@ -16535,6 +18931,7 @@
                   <a:srgbClr val="222222"/>
                 </a:solidFill>
                 <a:effectLst/>
+                <a:latin typeface="Bahnschrift Light" panose="020B0502040204020203" pitchFamily="34" charset="0"/>
                 <a:ea typeface="Calibri" panose="020F0502020204030204" pitchFamily="34" charset="0"/>
               </a:rPr>
               <a:t>Цели оптимизации:</a:t>
@@ -16554,6 +18951,7 @@
                   <a:srgbClr val="222222"/>
                 </a:solidFill>
                 <a:effectLst/>
+                <a:latin typeface="Bahnschrift Light" panose="020B0502040204020203" pitchFamily="34" charset="0"/>
                 <a:ea typeface="Calibri" panose="020F0502020204030204" pitchFamily="34" charset="0"/>
               </a:rPr>
               <a:t>S</a:t>
@@ -16564,6 +18962,7 @@
                   <a:srgbClr val="222222"/>
                 </a:solidFill>
                 <a:effectLst/>
+                <a:latin typeface="Bahnschrift Light" panose="020B0502040204020203" pitchFamily="34" charset="0"/>
                 <a:ea typeface="Calibri" panose="020F0502020204030204" pitchFamily="34" charset="0"/>
               </a:rPr>
               <a:t>22</a:t>
@@ -16574,6 +18973,7 @@
                   <a:srgbClr val="222222"/>
                 </a:solidFill>
                 <a:effectLst/>
+                <a:latin typeface="Bahnschrift Light" panose="020B0502040204020203" pitchFamily="34" charset="0"/>
                 <a:ea typeface="Calibri" panose="020F0502020204030204" pitchFamily="34" charset="0"/>
               </a:rPr>
               <a:t>, S</a:t>
@@ -16584,6 +18984,7 @@
                   <a:srgbClr val="222222"/>
                 </a:solidFill>
                 <a:effectLst/>
+                <a:latin typeface="Bahnschrift Light" panose="020B0502040204020203" pitchFamily="34" charset="0"/>
                 <a:ea typeface="Calibri" panose="020F0502020204030204" pitchFamily="34" charset="0"/>
               </a:rPr>
               <a:t>25</a:t>
@@ -16594,6 +18995,7 @@
                   <a:srgbClr val="222222"/>
                 </a:solidFill>
                 <a:effectLst/>
+                <a:latin typeface="Bahnschrift Light" panose="020B0502040204020203" pitchFamily="34" charset="0"/>
                 <a:ea typeface="Calibri" panose="020F0502020204030204" pitchFamily="34" charset="0"/>
               </a:rPr>
               <a:t> – не </a:t>
@@ -16603,6 +19005,7 @@
                 <a:solidFill>
                   <a:srgbClr val="222222"/>
                 </a:solidFill>
+                <a:latin typeface="Bahnschrift Light" panose="020B0502040204020203" pitchFamily="34" charset="0"/>
                 <a:ea typeface="Calibri" panose="020F0502020204030204" pitchFamily="34" charset="0"/>
               </a:rPr>
               <a:t>бол</a:t>
@@ -16613,6 +19016,7 @@
                   <a:srgbClr val="222222"/>
                 </a:solidFill>
                 <a:effectLst/>
+                <a:latin typeface="Bahnschrift Light" panose="020B0502040204020203" pitchFamily="34" charset="0"/>
                 <a:ea typeface="Calibri" panose="020F0502020204030204" pitchFamily="34" charset="0"/>
               </a:rPr>
               <a:t>ее -15 дБ; </a:t>
@@ -16632,6 +19036,7 @@
                   <a:srgbClr val="222222"/>
                 </a:solidFill>
                 <a:effectLst/>
+                <a:latin typeface="Bahnschrift Light" panose="020B0502040204020203" pitchFamily="34" charset="0"/>
                 <a:ea typeface="Calibri" panose="020F0502020204030204" pitchFamily="34" charset="0"/>
               </a:rPr>
               <a:t>S</a:t>
@@ -16642,6 +19047,7 @@
                   <a:srgbClr val="222222"/>
                 </a:solidFill>
                 <a:effectLst/>
+                <a:latin typeface="Bahnschrift Light" panose="020B0502040204020203" pitchFamily="34" charset="0"/>
                 <a:ea typeface="Calibri" panose="020F0502020204030204" pitchFamily="34" charset="0"/>
               </a:rPr>
               <a:t>21</a:t>
@@ -16652,6 +19058,7 @@
                   <a:srgbClr val="222222"/>
                 </a:solidFill>
                 <a:effectLst/>
+                <a:latin typeface="Bahnschrift Light" panose="020B0502040204020203" pitchFamily="34" charset="0"/>
                 <a:ea typeface="Calibri" panose="020F0502020204030204" pitchFamily="34" charset="0"/>
               </a:rPr>
               <a:t> – не менее -5 дБ; </a:t>
@@ -16671,6 +19078,7 @@
                   <a:srgbClr val="222222"/>
                 </a:solidFill>
                 <a:effectLst/>
+                <a:latin typeface="Bahnschrift Light" panose="020B0502040204020203" pitchFamily="34" charset="0"/>
                 <a:ea typeface="Calibri" panose="020F0502020204030204" pitchFamily="34" charset="0"/>
               </a:rPr>
               <a:t>S</a:t>
@@ -16681,6 +19089,7 @@
                   <a:srgbClr val="222222"/>
                 </a:solidFill>
                 <a:effectLst/>
+                <a:latin typeface="Bahnschrift Light" panose="020B0502040204020203" pitchFamily="34" charset="0"/>
                 <a:ea typeface="Calibri" panose="020F0502020204030204" pitchFamily="34" charset="0"/>
               </a:rPr>
               <a:t>23</a:t>
@@ -16691,6 +19100,7 @@
                   <a:srgbClr val="222222"/>
                 </a:solidFill>
                 <a:effectLst/>
+                <a:latin typeface="Bahnschrift Light" panose="020B0502040204020203" pitchFamily="34" charset="0"/>
                 <a:ea typeface="Calibri" panose="020F0502020204030204" pitchFamily="34" charset="0"/>
               </a:rPr>
               <a:t> – не </a:t>
@@ -16700,6 +19110,7 @@
                 <a:solidFill>
                   <a:srgbClr val="222222"/>
                 </a:solidFill>
+                <a:latin typeface="Bahnschrift Light" panose="020B0502040204020203" pitchFamily="34" charset="0"/>
                 <a:ea typeface="Calibri" panose="020F0502020204030204" pitchFamily="34" charset="0"/>
               </a:rPr>
               <a:t>бол</a:t>
@@ -16710,13 +19121,16 @@
                   <a:srgbClr val="222222"/>
                 </a:solidFill>
                 <a:effectLst/>
+                <a:latin typeface="Bahnschrift Light" panose="020B0502040204020203" pitchFamily="34" charset="0"/>
                 <a:ea typeface="Calibri" panose="020F0502020204030204" pitchFamily="34" charset="0"/>
               </a:rPr>
               <a:t>ее -15 дБ. </a:t>
             </a:r>
           </a:p>
           <a:p>
-            <a:endParaRPr lang="ru-RU" dirty="0"/>
+            <a:endParaRPr lang="ru-RU" dirty="0">
+              <a:latin typeface="Bahnschrift Light" panose="020B0502040204020203" pitchFamily="34" charset="0"/>
+            </a:endParaRPr>
           </a:p>
         </p:txBody>
       </p:sp>
@@ -16868,7 +19282,7 @@
         <p:spPr bwMode="auto">
           <a:xfrm>
             <a:off x="1054478" y="3392989"/>
-            <a:ext cx="3845155" cy="461665"/>
+            <a:ext cx="4257897" cy="461665"/>
           </a:xfrm>
           <a:prstGeom prst="rect">
             <a:avLst/>
@@ -16882,8 +19296,22 @@
           <a:lstStyle/>
           <a:p>
             <a:r>
-              <a:rPr lang="ru-RU" sz="2400" dirty="0"/>
-              <a:t>Рис. 1. Электрическая схема</a:t>
+              <a:rPr lang="ru-RU" sz="2400" dirty="0">
+                <a:latin typeface="Bahnschrift Light" panose="020B0502040204020203" pitchFamily="34" charset="0"/>
+              </a:rPr>
+              <a:t>Рис. </a:t>
+            </a:r>
+            <a:r>
+              <a:rPr lang="en-US" sz="2400" dirty="0">
+                <a:latin typeface="Bahnschrift Light" panose="020B0502040204020203" pitchFamily="34" charset="0"/>
+              </a:rPr>
+              <a:t>6</a:t>
+            </a:r>
+            <a:r>
+              <a:rPr lang="ru-RU" sz="2400" dirty="0">
+                <a:latin typeface="Bahnschrift Light" panose="020B0502040204020203" pitchFamily="34" charset="0"/>
+              </a:rPr>
+              <a:t>. Электрическая схема</a:t>
             </a:r>
           </a:p>
         </p:txBody>
@@ -16903,7 +19331,7 @@
         <p:spPr bwMode="auto">
           <a:xfrm>
             <a:off x="886640" y="5894685"/>
-            <a:ext cx="4953472" cy="461665"/>
+            <a:ext cx="5375189" cy="461665"/>
           </a:xfrm>
           <a:prstGeom prst="rect">
             <a:avLst/>
@@ -16917,8 +19345,22 @@
           <a:lstStyle/>
           <a:p>
             <a:r>
-              <a:rPr lang="ru-RU" sz="2400" dirty="0"/>
-              <a:t>Рис. 2. Экспериментальный образец</a:t>
+              <a:rPr lang="ru-RU" sz="2400" dirty="0">
+                <a:latin typeface="Bahnschrift Light" panose="020B0502040204020203" pitchFamily="34" charset="0"/>
+              </a:rPr>
+              <a:t>Рис. </a:t>
+            </a:r>
+            <a:r>
+              <a:rPr lang="en-US" sz="2400" dirty="0">
+                <a:latin typeface="Bahnschrift Light" panose="020B0502040204020203" pitchFamily="34" charset="0"/>
+              </a:rPr>
+              <a:t>7</a:t>
+            </a:r>
+            <a:r>
+              <a:rPr lang="ru-RU" sz="2400" dirty="0">
+                <a:latin typeface="Bahnschrift Light" panose="020B0502040204020203" pitchFamily="34" charset="0"/>
+              </a:rPr>
+              <a:t>. Экспериментальный образец</a:t>
             </a:r>
           </a:p>
         </p:txBody>
@@ -16967,7 +19409,7 @@
         </p:nvSpPr>
         <p:spPr>
           <a:xfrm>
-            <a:off x="7321329" y="5894685"/>
+            <a:off x="7388004" y="5894685"/>
             <a:ext cx="3666214" cy="707886"/>
           </a:xfrm>
           <a:prstGeom prst="rect">
@@ -16983,8 +19425,22 @@
           <a:p>
             <a:pPr algn="ctr"/>
             <a:r>
-              <a:rPr lang="ru-RU" sz="2000" dirty="0"/>
-              <a:t>Рис. 6. Импульс с минимальным уровнем звона</a:t>
+              <a:rPr lang="ru-RU" sz="2000" dirty="0">
+                <a:latin typeface="Bahnschrift Light" panose="020B0502040204020203" pitchFamily="34" charset="0"/>
+              </a:rPr>
+              <a:t>Рис. </a:t>
+            </a:r>
+            <a:r>
+              <a:rPr lang="en-US" sz="2000" dirty="0">
+                <a:latin typeface="Bahnschrift Light" panose="020B0502040204020203" pitchFamily="34" charset="0"/>
+              </a:rPr>
+              <a:t>8</a:t>
+            </a:r>
+            <a:r>
+              <a:rPr lang="ru-RU" sz="2000" dirty="0">
+                <a:latin typeface="Bahnschrift Light" panose="020B0502040204020203" pitchFamily="34" charset="0"/>
+              </a:rPr>
+              <a:t>. Формирование импульса </a:t>
             </a:r>
           </a:p>
         </p:txBody>
@@ -17010,7 +19466,7 @@
         </p:blipFill>
         <p:spPr>
           <a:xfrm>
-            <a:off x="7381875" y="3143250"/>
+            <a:off x="7320944" y="3139109"/>
             <a:ext cx="3486150" cy="2875260"/>
           </a:xfrm>
           <a:prstGeom prst="rect">
@@ -17047,7 +19503,7 @@
         </p:blipFill>
         <p:spPr>
           <a:xfrm>
-            <a:off x="7260783" y="613460"/>
+            <a:off x="7200237" y="670610"/>
             <a:ext cx="3787306" cy="2341484"/>
           </a:xfrm>
           <a:prstGeom prst="rect">
@@ -17055,6 +19511,332 @@
           </a:prstGeom>
         </p:spPr>
       </p:pic>
+      <p:sp>
+        <p:nvSpPr>
+          <p:cNvPr id="14" name="TextBox 13">
+            <a:extLst>
+              <a:ext uri="{FF2B5EF4-FFF2-40B4-BE49-F238E27FC236}">
+                <a16:creationId xmlns:a16="http://schemas.microsoft.com/office/drawing/2014/main" id="{0F5F5BD0-DFA2-4E95-A562-8B535E6B25C6}"/>
+              </a:ext>
+            </a:extLst>
+          </p:cNvPr>
+          <p:cNvSpPr txBox="1"/>
+          <p:nvPr/>
+        </p:nvSpPr>
+        <p:spPr>
+          <a:xfrm>
+            <a:off x="0" y="6371738"/>
+            <a:ext cx="6629400" cy="461665"/>
+          </a:xfrm>
+          <a:custGeom>
+            <a:avLst/>
+            <a:gdLst>
+              <a:gd name="connsiteX0" fmla="*/ 0 w 6629400"/>
+              <a:gd name="connsiteY0" fmla="*/ 0 h 461665"/>
+              <a:gd name="connsiteX1" fmla="*/ 530352 w 6629400"/>
+              <a:gd name="connsiteY1" fmla="*/ 0 h 461665"/>
+              <a:gd name="connsiteX2" fmla="*/ 1325880 w 6629400"/>
+              <a:gd name="connsiteY2" fmla="*/ 0 h 461665"/>
+              <a:gd name="connsiteX3" fmla="*/ 2055114 w 6629400"/>
+              <a:gd name="connsiteY3" fmla="*/ 0 h 461665"/>
+              <a:gd name="connsiteX4" fmla="*/ 2585466 w 6629400"/>
+              <a:gd name="connsiteY4" fmla="*/ 0 h 461665"/>
+              <a:gd name="connsiteX5" fmla="*/ 3380994 w 6629400"/>
+              <a:gd name="connsiteY5" fmla="*/ 0 h 461665"/>
+              <a:gd name="connsiteX6" fmla="*/ 4110228 w 6629400"/>
+              <a:gd name="connsiteY6" fmla="*/ 0 h 461665"/>
+              <a:gd name="connsiteX7" fmla="*/ 4640580 w 6629400"/>
+              <a:gd name="connsiteY7" fmla="*/ 0 h 461665"/>
+              <a:gd name="connsiteX8" fmla="*/ 5303520 w 6629400"/>
+              <a:gd name="connsiteY8" fmla="*/ 0 h 461665"/>
+              <a:gd name="connsiteX9" fmla="*/ 5833872 w 6629400"/>
+              <a:gd name="connsiteY9" fmla="*/ 0 h 461665"/>
+              <a:gd name="connsiteX10" fmla="*/ 6629400 w 6629400"/>
+              <a:gd name="connsiteY10" fmla="*/ 0 h 461665"/>
+              <a:gd name="connsiteX11" fmla="*/ 6629400 w 6629400"/>
+              <a:gd name="connsiteY11" fmla="*/ 461665 h 461665"/>
+              <a:gd name="connsiteX12" fmla="*/ 5966460 w 6629400"/>
+              <a:gd name="connsiteY12" fmla="*/ 461665 h 461665"/>
+              <a:gd name="connsiteX13" fmla="*/ 5502402 w 6629400"/>
+              <a:gd name="connsiteY13" fmla="*/ 461665 h 461665"/>
+              <a:gd name="connsiteX14" fmla="*/ 4905756 w 6629400"/>
+              <a:gd name="connsiteY14" fmla="*/ 461665 h 461665"/>
+              <a:gd name="connsiteX15" fmla="*/ 4242816 w 6629400"/>
+              <a:gd name="connsiteY15" fmla="*/ 461665 h 461665"/>
+              <a:gd name="connsiteX16" fmla="*/ 3513582 w 6629400"/>
+              <a:gd name="connsiteY16" fmla="*/ 461665 h 461665"/>
+              <a:gd name="connsiteX17" fmla="*/ 2850642 w 6629400"/>
+              <a:gd name="connsiteY17" fmla="*/ 461665 h 461665"/>
+              <a:gd name="connsiteX18" fmla="*/ 2320290 w 6629400"/>
+              <a:gd name="connsiteY18" fmla="*/ 461665 h 461665"/>
+              <a:gd name="connsiteX19" fmla="*/ 1524762 w 6629400"/>
+              <a:gd name="connsiteY19" fmla="*/ 461665 h 461665"/>
+              <a:gd name="connsiteX20" fmla="*/ 928116 w 6629400"/>
+              <a:gd name="connsiteY20" fmla="*/ 461665 h 461665"/>
+              <a:gd name="connsiteX21" fmla="*/ 0 w 6629400"/>
+              <a:gd name="connsiteY21" fmla="*/ 461665 h 461665"/>
+              <a:gd name="connsiteX22" fmla="*/ 0 w 6629400"/>
+              <a:gd name="connsiteY22" fmla="*/ 0 h 461665"/>
+            </a:gdLst>
+            <a:ahLst/>
+            <a:cxnLst>
+              <a:cxn ang="0">
+                <a:pos x="connsiteX0" y="connsiteY0"/>
+              </a:cxn>
+              <a:cxn ang="0">
+                <a:pos x="connsiteX1" y="connsiteY1"/>
+              </a:cxn>
+              <a:cxn ang="0">
+                <a:pos x="connsiteX2" y="connsiteY2"/>
+              </a:cxn>
+              <a:cxn ang="0">
+                <a:pos x="connsiteX3" y="connsiteY3"/>
+              </a:cxn>
+              <a:cxn ang="0">
+                <a:pos x="connsiteX4" y="connsiteY4"/>
+              </a:cxn>
+              <a:cxn ang="0">
+                <a:pos x="connsiteX5" y="connsiteY5"/>
+              </a:cxn>
+              <a:cxn ang="0">
+                <a:pos x="connsiteX6" y="connsiteY6"/>
+              </a:cxn>
+              <a:cxn ang="0">
+                <a:pos x="connsiteX7" y="connsiteY7"/>
+              </a:cxn>
+              <a:cxn ang="0">
+                <a:pos x="connsiteX8" y="connsiteY8"/>
+              </a:cxn>
+              <a:cxn ang="0">
+                <a:pos x="connsiteX9" y="connsiteY9"/>
+              </a:cxn>
+              <a:cxn ang="0">
+                <a:pos x="connsiteX10" y="connsiteY10"/>
+              </a:cxn>
+              <a:cxn ang="0">
+                <a:pos x="connsiteX11" y="connsiteY11"/>
+              </a:cxn>
+              <a:cxn ang="0">
+                <a:pos x="connsiteX12" y="connsiteY12"/>
+              </a:cxn>
+              <a:cxn ang="0">
+                <a:pos x="connsiteX13" y="connsiteY13"/>
+              </a:cxn>
+              <a:cxn ang="0">
+                <a:pos x="connsiteX14" y="connsiteY14"/>
+              </a:cxn>
+              <a:cxn ang="0">
+                <a:pos x="connsiteX15" y="connsiteY15"/>
+              </a:cxn>
+              <a:cxn ang="0">
+                <a:pos x="connsiteX16" y="connsiteY16"/>
+              </a:cxn>
+              <a:cxn ang="0">
+                <a:pos x="connsiteX17" y="connsiteY17"/>
+              </a:cxn>
+              <a:cxn ang="0">
+                <a:pos x="connsiteX18" y="connsiteY18"/>
+              </a:cxn>
+              <a:cxn ang="0">
+                <a:pos x="connsiteX19" y="connsiteY19"/>
+              </a:cxn>
+              <a:cxn ang="0">
+                <a:pos x="connsiteX20" y="connsiteY20"/>
+              </a:cxn>
+              <a:cxn ang="0">
+                <a:pos x="connsiteX21" y="connsiteY21"/>
+              </a:cxn>
+              <a:cxn ang="0">
+                <a:pos x="connsiteX22" y="connsiteY22"/>
+              </a:cxn>
+            </a:cxnLst>
+            <a:rect l="l" t="t" r="r" b="b"/>
+            <a:pathLst>
+              <a:path w="6629400" h="461665" extrusionOk="0">
+                <a:moveTo>
+                  <a:pt x="0" y="0"/>
+                </a:moveTo>
+                <a:cubicBezTo>
+                  <a:pt x="151160" y="15080"/>
+                  <a:pt x="410099" y="-24540"/>
+                  <a:pt x="530352" y="0"/>
+                </a:cubicBezTo>
+                <a:cubicBezTo>
+                  <a:pt x="650605" y="24540"/>
+                  <a:pt x="998808" y="-995"/>
+                  <a:pt x="1325880" y="0"/>
+                </a:cubicBezTo>
+                <a:cubicBezTo>
+                  <a:pt x="1652952" y="995"/>
+                  <a:pt x="1863076" y="-23001"/>
+                  <a:pt x="2055114" y="0"/>
+                </a:cubicBezTo>
+                <a:cubicBezTo>
+                  <a:pt x="2247152" y="23001"/>
+                  <a:pt x="2478452" y="-17094"/>
+                  <a:pt x="2585466" y="0"/>
+                </a:cubicBezTo>
+                <a:cubicBezTo>
+                  <a:pt x="2692480" y="17094"/>
+                  <a:pt x="3220077" y="37497"/>
+                  <a:pt x="3380994" y="0"/>
+                </a:cubicBezTo>
+                <a:cubicBezTo>
+                  <a:pt x="3541911" y="-37497"/>
+                  <a:pt x="3916949" y="33325"/>
+                  <a:pt x="4110228" y="0"/>
+                </a:cubicBezTo>
+                <a:cubicBezTo>
+                  <a:pt x="4303507" y="-33325"/>
+                  <a:pt x="4424196" y="14054"/>
+                  <a:pt x="4640580" y="0"/>
+                </a:cubicBezTo>
+                <a:cubicBezTo>
+                  <a:pt x="4856964" y="-14054"/>
+                  <a:pt x="5062834" y="-4350"/>
+                  <a:pt x="5303520" y="0"/>
+                </a:cubicBezTo>
+                <a:cubicBezTo>
+                  <a:pt x="5544206" y="4350"/>
+                  <a:pt x="5615212" y="23927"/>
+                  <a:pt x="5833872" y="0"/>
+                </a:cubicBezTo>
+                <a:cubicBezTo>
+                  <a:pt x="6052532" y="-23927"/>
+                  <a:pt x="6296544" y="-34388"/>
+                  <a:pt x="6629400" y="0"/>
+                </a:cubicBezTo>
+                <a:cubicBezTo>
+                  <a:pt x="6648670" y="126830"/>
+                  <a:pt x="6606746" y="273564"/>
+                  <a:pt x="6629400" y="461665"/>
+                </a:cubicBezTo>
+                <a:cubicBezTo>
+                  <a:pt x="6363931" y="435053"/>
+                  <a:pt x="6166606" y="482760"/>
+                  <a:pt x="5966460" y="461665"/>
+                </a:cubicBezTo>
+                <a:cubicBezTo>
+                  <a:pt x="5766314" y="440570"/>
+                  <a:pt x="5608183" y="461976"/>
+                  <a:pt x="5502402" y="461665"/>
+                </a:cubicBezTo>
+                <a:cubicBezTo>
+                  <a:pt x="5396621" y="461354"/>
+                  <a:pt x="5037843" y="458880"/>
+                  <a:pt x="4905756" y="461665"/>
+                </a:cubicBezTo>
+                <a:cubicBezTo>
+                  <a:pt x="4773669" y="464450"/>
+                  <a:pt x="4520599" y="468434"/>
+                  <a:pt x="4242816" y="461665"/>
+                </a:cubicBezTo>
+                <a:cubicBezTo>
+                  <a:pt x="3965033" y="454896"/>
+                  <a:pt x="3811087" y="452252"/>
+                  <a:pt x="3513582" y="461665"/>
+                </a:cubicBezTo>
+                <a:cubicBezTo>
+                  <a:pt x="3216077" y="471078"/>
+                  <a:pt x="3017762" y="482854"/>
+                  <a:pt x="2850642" y="461665"/>
+                </a:cubicBezTo>
+                <a:cubicBezTo>
+                  <a:pt x="2683522" y="440476"/>
+                  <a:pt x="2518531" y="438208"/>
+                  <a:pt x="2320290" y="461665"/>
+                </a:cubicBezTo>
+                <a:cubicBezTo>
+                  <a:pt x="2122049" y="485122"/>
+                  <a:pt x="1912232" y="476106"/>
+                  <a:pt x="1524762" y="461665"/>
+                </a:cubicBezTo>
+                <a:cubicBezTo>
+                  <a:pt x="1137292" y="447224"/>
+                  <a:pt x="1173492" y="477637"/>
+                  <a:pt x="928116" y="461665"/>
+                </a:cubicBezTo>
+                <a:cubicBezTo>
+                  <a:pt x="682740" y="445693"/>
+                  <a:pt x="272545" y="502675"/>
+                  <a:pt x="0" y="461665"/>
+                </a:cubicBezTo>
+                <a:cubicBezTo>
+                  <a:pt x="-22325" y="333686"/>
+                  <a:pt x="18037" y="168544"/>
+                  <a:pt x="0" y="0"/>
+                </a:cubicBezTo>
+                <a:close/>
+              </a:path>
+            </a:pathLst>
+          </a:custGeom>
+          <a:noFill/>
+          <a:ln>
+            <a:solidFill>
+              <a:schemeClr val="tx1"/>
+            </a:solidFill>
+            <a:extLst>
+              <a:ext uri="{C807C97D-BFC1-408E-A445-0C87EB9F89A2}">
+                <ask:lineSketchStyleProps xmlns:ask="http://schemas.microsoft.com/office/drawing/2018/sketchyshapes" sd="3560647215">
+                  <a:prstGeom prst="rect">
+                    <a:avLst/>
+                  </a:prstGeom>
+                  <ask:type>
+                    <ask:lineSketchFreehand/>
+                  </ask:type>
+                </ask:lineSketchStyleProps>
+              </a:ext>
+            </a:extLst>
+          </a:ln>
+        </p:spPr>
+        <p:txBody>
+          <a:bodyPr wrap="square">
+            <a:spAutoFit/>
+          </a:bodyPr>
+          <a:lstStyle/>
+          <a:p>
+            <a:r>
+              <a:rPr lang="ru-RU" sz="1200" dirty="0">
+                <a:solidFill>
+                  <a:schemeClr val="tx1">
+                    <a:lumMod val="75000"/>
+                    <a:lumOff val="25000"/>
+                  </a:schemeClr>
+                </a:solidFill>
+                <a:latin typeface="Calibri" panose="020F0502020204030204" pitchFamily="34" charset="0"/>
+                <a:cs typeface="Calibri" panose="020F0502020204030204" pitchFamily="34" charset="0"/>
+              </a:rPr>
+              <a:t>Перестраиваемый генератор СКИ с низким уровнем звона / А. Е. Елфимов, </a:t>
+            </a:r>
+            <a:r>
+              <a:rPr lang="ru-RU" sz="1200" b="1" dirty="0">
+                <a:solidFill>
+                  <a:schemeClr val="tx1">
+                    <a:lumMod val="75000"/>
+                    <a:lumOff val="25000"/>
+                  </a:schemeClr>
+                </a:solidFill>
+                <a:latin typeface="Calibri" panose="020F0502020204030204" pitchFamily="34" charset="0"/>
+                <a:cs typeface="Calibri" panose="020F0502020204030204" pitchFamily="34" charset="0"/>
+              </a:rPr>
+              <a:t>А. С. Величкина</a:t>
+            </a:r>
+            <a:r>
+              <a:rPr lang="ru-RU" sz="1200" dirty="0">
+                <a:solidFill>
+                  <a:schemeClr val="tx1">
+                    <a:lumMod val="75000"/>
+                    <a:lumOff val="25000"/>
+                  </a:schemeClr>
+                </a:solidFill>
+                <a:latin typeface="Calibri" panose="020F0502020204030204" pitchFamily="34" charset="0"/>
+                <a:cs typeface="Calibri" panose="020F0502020204030204" pitchFamily="34" charset="0"/>
+              </a:rPr>
+              <a:t>, Г. К. Усков, А. М. Бобрешов // VI научный форум телекоммуникации: теория и технологии ТТТ-2023</a:t>
+            </a:r>
+          </a:p>
+        </p:txBody>
+      </p:sp>
     </p:spTree>
     <p:extLst>
       <p:ext uri="{BB962C8B-B14F-4D97-AF65-F5344CB8AC3E}">
@@ -17178,7 +19960,7 @@
         </p:blipFill>
         <p:spPr bwMode="auto">
           <a:xfrm>
-            <a:off x="234276" y="1529478"/>
+            <a:off x="278407" y="929403"/>
             <a:ext cx="3521337" cy="3744416"/>
           </a:xfrm>
           <a:prstGeom prst="rect">
@@ -17200,8 +19982,8 @@
         </p:nvSpPr>
         <p:spPr>
           <a:xfrm>
-            <a:off x="972642" y="6444051"/>
-            <a:ext cx="10246716" cy="400110"/>
+            <a:off x="-296063" y="4967621"/>
+            <a:ext cx="6561633" cy="707886"/>
           </a:xfrm>
           <a:prstGeom prst="rect">
             <a:avLst/>
@@ -17209,14 +19991,17 @@
           <a:noFill/>
         </p:spPr>
         <p:txBody>
-          <a:bodyPr wrap="none" rtlCol="0">
+          <a:bodyPr wrap="square" rtlCol="0">
             <a:spAutoFit/>
           </a:bodyPr>
           <a:lstStyle/>
           <a:p>
-            <a:r>
-              <a:rPr lang="ru-RU" sz="2000" dirty="0"/>
-              <a:t>Рис. 8. Четыре импульса на входе сумматора и импульсы с выхода с разными задержками</a:t>
+            <a:pPr algn="ctr"/>
+            <a:r>
+              <a:rPr lang="ru-RU" sz="2000" dirty="0">
+                <a:latin typeface="Bahnschrift Light" panose="020B0502040204020203" pitchFamily="34" charset="0"/>
+              </a:rPr>
+              <a:t>Рис. 9. Четыре импульса на входе сумматора и импульсы с выхода с разными задержками</a:t>
             </a:r>
           </a:p>
         </p:txBody>
@@ -17297,7 +20082,7 @@
         </p:blipFill>
         <p:spPr>
           <a:xfrm>
-            <a:off x="5939473" y="3740833"/>
+            <a:off x="6003573" y="3622981"/>
             <a:ext cx="4423251" cy="2549074"/>
           </a:xfrm>
         </p:spPr>
@@ -17357,7 +20142,7 @@
         </p:nvSpPr>
         <p:spPr>
           <a:xfrm>
-            <a:off x="1919536" y="5243715"/>
+            <a:off x="1963667" y="4643640"/>
             <a:ext cx="436338" cy="369332"/>
           </a:xfrm>
           <a:prstGeom prst="rect">
@@ -17462,7 +20247,7 @@
         </p:nvSpPr>
         <p:spPr>
           <a:xfrm>
-            <a:off x="7978918" y="6234973"/>
+            <a:off x="8043018" y="6117121"/>
             <a:ext cx="8044872" cy="369332"/>
           </a:xfrm>
           <a:prstGeom prst="rect">
@@ -17479,6 +20264,82 @@
             <a:r>
               <a:rPr lang="ru-RU" dirty="0"/>
               <a:t>(г)</a:t>
+            </a:r>
+          </a:p>
+        </p:txBody>
+      </p:sp>
+      <p:sp>
+        <p:nvSpPr>
+          <p:cNvPr id="14" name="TextBox 13">
+            <a:extLst>
+              <a:ext uri="{FF2B5EF4-FFF2-40B4-BE49-F238E27FC236}">
+                <a16:creationId xmlns:a16="http://schemas.microsoft.com/office/drawing/2014/main" id="{071380C6-FD4A-4763-A054-DAAA5044CC2E}"/>
+              </a:ext>
+            </a:extLst>
+          </p:cNvPr>
+          <p:cNvSpPr txBox="1"/>
+          <p:nvPr/>
+        </p:nvSpPr>
+        <p:spPr>
+          <a:xfrm>
+            <a:off x="0" y="6211669"/>
+            <a:ext cx="5076825" cy="646331"/>
+          </a:xfrm>
+          <a:prstGeom prst="rect">
+            <a:avLst/>
+          </a:prstGeom>
+          <a:noFill/>
+          <a:ln>
+            <a:solidFill>
+              <a:schemeClr val="tx1"/>
+            </a:solidFill>
+          </a:ln>
+        </p:spPr>
+        <p:txBody>
+          <a:bodyPr wrap="square">
+            <a:spAutoFit/>
+          </a:bodyPr>
+          <a:lstStyle/>
+          <a:p>
+            <a:pPr algn="just"/>
+            <a:r>
+              <a:rPr lang="ru-RU" sz="1200" dirty="0">
+                <a:solidFill>
+                  <a:schemeClr val="tx1">
+                    <a:lumMod val="75000"/>
+                    <a:lumOff val="25000"/>
+                  </a:schemeClr>
+                </a:solidFill>
+                <a:latin typeface="Calibri" panose="020F0502020204030204" pitchFamily="34" charset="0"/>
+                <a:cs typeface="Calibri" panose="020F0502020204030204" pitchFamily="34" charset="0"/>
+              </a:rPr>
+              <a:t>Формирование дуплета Гаусса с помощью конфигурируемого генератора СШП сигналов / Г. К. Усков, А. Е. Елфимов, К. В. Смусева, </a:t>
+            </a:r>
+            <a:r>
+              <a:rPr lang="ru-RU" sz="1200" b="1" dirty="0">
+                <a:solidFill>
+                  <a:schemeClr val="tx1">
+                    <a:lumMod val="75000"/>
+                    <a:lumOff val="25000"/>
+                  </a:schemeClr>
+                </a:solidFill>
+                <a:latin typeface="Calibri" panose="020F0502020204030204" pitchFamily="34" charset="0"/>
+                <a:cs typeface="Calibri" panose="020F0502020204030204" pitchFamily="34" charset="0"/>
+              </a:rPr>
+              <a:t>А. С. Величкина </a:t>
+            </a:r>
+            <a:r>
+              <a:rPr lang="ru-RU" sz="1200" dirty="0">
+                <a:solidFill>
+                  <a:schemeClr val="tx1">
+                    <a:lumMod val="75000"/>
+                    <a:lumOff val="25000"/>
+                  </a:schemeClr>
+                </a:solidFill>
+                <a:latin typeface="Calibri" panose="020F0502020204030204" pitchFamily="34" charset="0"/>
+                <a:cs typeface="Calibri" panose="020F0502020204030204" pitchFamily="34" charset="0"/>
+              </a:rPr>
+              <a:t>// Журнал радиоэлектроники. – 2023. – № 9. </a:t>
             </a:r>
           </a:p>
         </p:txBody>
@@ -17531,7 +20392,7 @@
         </p:nvSpPr>
         <p:spPr>
           <a:xfrm>
-            <a:off x="810369" y="-27940"/>
+            <a:off x="838199" y="-263871"/>
             <a:ext cx="10515600" cy="1325563"/>
           </a:xfrm>
         </p:spPr>
@@ -17834,8 +20695,8 @@
         </p:nvSpPr>
         <p:spPr>
           <a:xfrm>
-            <a:off x="838200" y="4910142"/>
-            <a:ext cx="10515599" cy="830997"/>
+            <a:off x="614361" y="4906942"/>
+            <a:ext cx="10963275" cy="830997"/>
           </a:xfrm>
           <a:prstGeom prst="rect">
             <a:avLst/>
@@ -17850,14 +20711,20 @@
           <a:p>
             <a:pPr algn="ctr"/>
             <a:r>
-              <a:rPr lang="ru-RU" sz="2400" dirty="0"/>
+              <a:rPr lang="ru-RU" sz="2400" dirty="0">
+                <a:latin typeface="Bahnschrift Light" panose="020B0502040204020203" pitchFamily="34" charset="0"/>
+              </a:rPr>
               <a:t>Рис. 9. Спектры сигналов на выходе сумматора: а) – спектр дуплета Гаусса; </a:t>
             </a:r>
             <a:br>
-              <a:rPr lang="ru-RU" sz="2400" dirty="0"/>
+              <a:rPr lang="ru-RU" sz="2400" dirty="0">
+                <a:latin typeface="Bahnschrift Light" panose="020B0502040204020203" pitchFamily="34" charset="0"/>
+              </a:rPr>
             </a:br>
             <a:r>
-              <a:rPr lang="ru-RU" sz="2400" dirty="0"/>
+              <a:rPr lang="ru-RU" sz="2400" dirty="0">
+                <a:latin typeface="Bahnschrift Light" panose="020B0502040204020203" pitchFamily="34" charset="0"/>
+              </a:rPr>
               <a:t>б) – спектр моноцикла Гаусса; в) – спектр импульса Эрмита</a:t>
             </a:r>
           </a:p>

--- a/Диссертация и предзащита/Презентация для предзащиты.pptx
+++ b/Диссертация и предзащита/Презентация для предзащиты.pptx
@@ -2389,7 +2389,7 @@
           <a:p>
             <a:fld id="{AF1E9954-E5F0-41EC-852C-84AFDEBF59DE}" type="datetimeFigureOut">
               <a:rPr lang="ru-RU" smtClean="0"/>
-              <a:t>28.05.2024</a:t>
+              <a:t>29.05.2024</a:t>
             </a:fld>
             <a:endParaRPr lang="ru-RU"/>
           </a:p>
@@ -2974,7 +2974,7 @@
           <a:p>
             <a:fld id="{359A1DDB-084E-461C-8764-48870B9EAB75}" type="datetime1">
               <a:rPr lang="ru-RU" smtClean="0"/>
-              <a:t>28.05.2024</a:t>
+              <a:t>29.05.2024</a:t>
             </a:fld>
             <a:endParaRPr lang="ru-RU"/>
           </a:p>
@@ -3571,7 +3571,7 @@
           <a:p>
             <a:fld id="{99A6C1F4-F53D-4986-B359-CB5B665D3AD5}" type="datetime1">
               <a:rPr lang="ru-RU" smtClean="0"/>
-              <a:t>28.05.2024</a:t>
+              <a:t>29.05.2024</a:t>
             </a:fld>
             <a:endParaRPr lang="ru-RU"/>
           </a:p>
@@ -4164,7 +4164,7 @@
           <a:p>
             <a:fld id="{6657BFAB-51B0-4795-A8A2-9647DDDD8937}" type="datetime1">
               <a:rPr lang="ru-RU" smtClean="0"/>
-              <a:t>28.05.2024</a:t>
+              <a:t>29.05.2024</a:t>
             </a:fld>
             <a:endParaRPr lang="ru-RU"/>
           </a:p>
@@ -4758,7 +4758,7 @@
           <a:p>
             <a:fld id="{12DCC64C-6443-4FE0-8A4D-912B3EF65D87}" type="datetime1">
               <a:rPr lang="ru-RU" smtClean="0"/>
-              <a:t>28.05.2024</a:t>
+              <a:t>29.05.2024</a:t>
             </a:fld>
             <a:endParaRPr lang="ru-RU"/>
           </a:p>
@@ -5477,7 +5477,7 @@
           <a:p>
             <a:fld id="{612C28BB-A844-4AB2-8164-7C589570A10A}" type="datetime1">
               <a:rPr lang="ru-RU" smtClean="0"/>
-              <a:t>28.05.2024</a:t>
+              <a:t>29.05.2024</a:t>
             </a:fld>
             <a:endParaRPr lang="ru-RU"/>
           </a:p>
@@ -6128,7 +6128,7 @@
           <a:p>
             <a:fld id="{18E55CE8-34C1-4412-BCE9-45740F2D3090}" type="datetime1">
               <a:rPr lang="ru-RU" smtClean="0"/>
-              <a:t>28.05.2024</a:t>
+              <a:t>29.05.2024</a:t>
             </a:fld>
             <a:endParaRPr lang="ru-RU"/>
           </a:p>
@@ -6926,7 +6926,7 @@
           <a:p>
             <a:fld id="{BB9E1059-E53D-41E9-B135-232E16073DAD}" type="datetime1">
               <a:rPr lang="ru-RU" smtClean="0"/>
-              <a:t>28.05.2024</a:t>
+              <a:t>29.05.2024</a:t>
             </a:fld>
             <a:endParaRPr lang="ru-RU"/>
           </a:p>
@@ -7451,7 +7451,7 @@
           <a:p>
             <a:fld id="{C15BA0E4-0757-4EF9-936C-7717A2EA2D02}" type="datetime1">
               <a:rPr lang="ru-RU" smtClean="0"/>
-              <a:t>28.05.2024</a:t>
+              <a:t>29.05.2024</a:t>
             </a:fld>
             <a:endParaRPr lang="ru-RU"/>
           </a:p>
@@ -7947,7 +7947,7 @@
           <a:p>
             <a:fld id="{0F0F823C-D852-40E5-8016-39932030A9F2}" type="datetime1">
               <a:rPr lang="ru-RU" smtClean="0"/>
-              <a:t>28.05.2024</a:t>
+              <a:t>29.05.2024</a:t>
             </a:fld>
             <a:endParaRPr lang="ru-RU"/>
           </a:p>
@@ -8643,7 +8643,7 @@
           <a:p>
             <a:fld id="{D2E06034-DA7E-4B39-914E-D6B45ACCF666}" type="datetime1">
               <a:rPr lang="ru-RU" smtClean="0"/>
-              <a:t>28.05.2024</a:t>
+              <a:t>29.05.2024</a:t>
             </a:fld>
             <a:endParaRPr lang="ru-RU"/>
           </a:p>
@@ -9315,7 +9315,7 @@
           <a:p>
             <a:fld id="{3D449A2B-DBAB-4C02-BDC7-7BB50E9BB86F}" type="datetime1">
               <a:rPr lang="ru-RU" smtClean="0"/>
-              <a:t>28.05.2024</a:t>
+              <a:t>29.05.2024</a:t>
             </a:fld>
             <a:endParaRPr lang="ru-RU"/>
           </a:p>
@@ -9941,7 +9941,7 @@
           <a:p>
             <a:fld id="{5B8094D9-B964-4904-93F4-019FCA5AD162}" type="datetime1">
               <a:rPr lang="ru-RU" smtClean="0"/>
-              <a:t>28.05.2024</a:t>
+              <a:t>29.05.2024</a:t>
             </a:fld>
             <a:endParaRPr lang="ru-RU"/>
           </a:p>
@@ -13313,9 +13313,7 @@
           </a:custGeom>
           <a:noFill/>
           <a:ln>
-            <a:solidFill>
-              <a:schemeClr val="tx1"/>
-            </a:solidFill>
+            <a:noFill/>
             <a:extLst>
               <a:ext uri="{C807C97D-BFC1-408E-A445-0C87EB9F89A2}">
                 <ask:lineSketchStyleProps xmlns:ask="http://schemas.microsoft.com/office/drawing/2018/sketchyshapes" sd="3431907329">
@@ -15552,9 +15550,7 @@
           </a:custGeom>
           <a:noFill/>
           <a:ln>
-            <a:solidFill>
-              <a:schemeClr val="tx1"/>
-            </a:solidFill>
+            <a:noFill/>
             <a:extLst>
               <a:ext uri="{C807C97D-BFC1-408E-A445-0C87EB9F89A2}">
                 <ask:lineSketchStyleProps xmlns:ask="http://schemas.microsoft.com/office/drawing/2018/sketchyshapes" sd="1226663089">
@@ -18141,9 +18137,7 @@
           </a:custGeom>
           <a:noFill/>
           <a:ln>
-            <a:solidFill>
-              <a:schemeClr val="tx1"/>
-            </a:solidFill>
+            <a:noFill/>
             <a:extLst>
               <a:ext uri="{C807C97D-BFC1-408E-A445-0C87EB9F89A2}">
                 <ask:lineSketchStyleProps xmlns:ask="http://schemas.microsoft.com/office/drawing/2018/sketchyshapes" sd="4138844687">
@@ -18449,7 +18443,7 @@
           <a:graphicData uri="http://schemas.openxmlformats.org/presentationml/2006/ole">
             <mc:AlternateContent xmlns:mc="http://schemas.openxmlformats.org/markup-compatibility/2006">
               <mc:Choice xmlns:v="urn:schemas-microsoft-com:vml" Requires="v">
-                <p:oleObj spid="_x0000_s1064" name="Document" r:id="rId4" imgW="5938880" imgH="2994093" progId="Word.Document.12">
+                <p:oleObj spid="_x0000_s1066" name="Document" r:id="rId4" imgW="5938880" imgH="2994093" progId="Word.Document.12">
                   <p:embed/>
                 </p:oleObj>
               </mc:Choice>
@@ -19772,9 +19766,7 @@
           </a:custGeom>
           <a:noFill/>
           <a:ln>
-            <a:solidFill>
-              <a:schemeClr val="tx1"/>
-            </a:solidFill>
+            <a:noFill/>
             <a:extLst>
               <a:ext uri="{C807C97D-BFC1-408E-A445-0C87EB9F89A2}">
                 <ask:lineSketchStyleProps xmlns:ask="http://schemas.microsoft.com/office/drawing/2018/sketchyshapes" sd="3560647215">
@@ -20290,9 +20282,7 @@
           </a:prstGeom>
           <a:noFill/>
           <a:ln>
-            <a:solidFill>
-              <a:schemeClr val="tx1"/>
-            </a:solidFill>
+            <a:noFill/>
           </a:ln>
         </p:spPr>
         <p:txBody>

--- a/Диссертация и предзащита/Презентация для предзащиты.pptx
+++ b/Диссертация и предзащита/Презентация для предзащиты.pptx
@@ -5,7 +5,7 @@
     <p:sldMasterId id="2147483648" r:id="rId1"/>
   </p:sldMasterIdLst>
   <p:notesMasterIdLst>
-    <p:notesMasterId r:id="rId18"/>
+    <p:notesMasterId r:id="rId19"/>
   </p:notesMasterIdLst>
   <p:sldIdLst>
     <p:sldId id="257" r:id="rId2"/>
@@ -15,15 +15,16 @@
     <p:sldId id="263" r:id="rId6"/>
     <p:sldId id="276" r:id="rId7"/>
     <p:sldId id="258" r:id="rId8"/>
-    <p:sldId id="279" r:id="rId9"/>
-    <p:sldId id="274" r:id="rId10"/>
-    <p:sldId id="284" r:id="rId11"/>
-    <p:sldId id="261" r:id="rId12"/>
-    <p:sldId id="277" r:id="rId13"/>
-    <p:sldId id="280" r:id="rId14"/>
-    <p:sldId id="282" r:id="rId15"/>
-    <p:sldId id="283" r:id="rId16"/>
-    <p:sldId id="262" r:id="rId17"/>
+    <p:sldId id="285" r:id="rId9"/>
+    <p:sldId id="279" r:id="rId10"/>
+    <p:sldId id="274" r:id="rId11"/>
+    <p:sldId id="284" r:id="rId12"/>
+    <p:sldId id="261" r:id="rId13"/>
+    <p:sldId id="277" r:id="rId14"/>
+    <p:sldId id="280" r:id="rId15"/>
+    <p:sldId id="282" r:id="rId16"/>
+    <p:sldId id="283" r:id="rId17"/>
+    <p:sldId id="262" r:id="rId18"/>
   </p:sldIdLst>
   <p:sldSz cx="12192000" cy="6858000"/>
   <p:notesSz cx="6858000" cy="9144000"/>
@@ -133,7 +134,668 @@
 <file path=ppt/charts/chart1.xml><?xml version="1.0" encoding="utf-8"?>
 <c:chartSpace xmlns:c="http://schemas.openxmlformats.org/drawingml/2006/chart" xmlns:a="http://schemas.openxmlformats.org/drawingml/2006/main" xmlns:r="http://schemas.openxmlformats.org/officeDocument/2006/relationships" xmlns:c16r2="http://schemas.microsoft.com/office/drawing/2015/06/chart">
   <c:date1904 val="0"/>
-  <c:lang val="en-US"/>
+  <c:lang val="ru-RU"/>
+  <c:roundedCorners val="0"/>
+  <mc:AlternateContent xmlns:mc="http://schemas.openxmlformats.org/markup-compatibility/2006">
+    <mc:Choice xmlns:c14="http://schemas.microsoft.com/office/drawing/2007/8/2/chart" Requires="c14">
+      <c14:style val="102"/>
+    </mc:Choice>
+    <mc:Fallback>
+      <c:style val="2"/>
+    </mc:Fallback>
+  </mc:AlternateContent>
+  <c:chart>
+    <c:autoTitleDeleted val="1"/>
+    <c:plotArea>
+      <c:layout>
+        <c:manualLayout>
+          <c:layoutTarget val="inner"/>
+          <c:xMode val="edge"/>
+          <c:yMode val="edge"/>
+          <c:x val="7.9739523930113118E-2"/>
+          <c:y val="4.1516243341650452E-2"/>
+          <c:w val="0.80952478906369674"/>
+          <c:h val="0.70456125919330703"/>
+        </c:manualLayout>
+      </c:layout>
+      <c:lineChart>
+        <c:grouping val="standard"/>
+        <c:varyColors val="0"/>
+        <c:ser>
+          <c:idx val="0"/>
+          <c:order val="0"/>
+          <c:tx>
+            <c:strRef>
+              <c:f>'[Амлитуда и длительность ОТ задержки.xlsx]Лист1'!$L$12</c:f>
+              <c:strCache>
+                <c:ptCount val="1"/>
+                <c:pt idx="0">
+                  <c:v>Амплитуда,В</c:v>
+                </c:pt>
+              </c:strCache>
+            </c:strRef>
+          </c:tx>
+          <c:spPr>
+            <a:ln w="28575" cap="rnd">
+              <a:solidFill>
+                <a:schemeClr val="tx1"/>
+              </a:solidFill>
+              <a:prstDash val="sysDash"/>
+              <a:round/>
+            </a:ln>
+            <a:effectLst/>
+          </c:spPr>
+          <c:marker>
+            <c:symbol val="none"/>
+          </c:marker>
+          <c:cat>
+            <c:numRef>
+              <c:f>'[Амлитуда и длительность ОТ задержки.xlsx]Лист1'!$J$13:$J$25</c:f>
+              <c:numCache>
+                <c:formatCode>General</c:formatCode>
+                <c:ptCount val="7"/>
+                <c:pt idx="0">
+                  <c:v>2</c:v>
+                </c:pt>
+                <c:pt idx="1">
+                  <c:v>2.5</c:v>
+                </c:pt>
+                <c:pt idx="2">
+                  <c:v>3</c:v>
+                </c:pt>
+                <c:pt idx="3">
+                  <c:v>3.5</c:v>
+                </c:pt>
+                <c:pt idx="4">
+                  <c:v>4</c:v>
+                </c:pt>
+                <c:pt idx="5">
+                  <c:v>4.5</c:v>
+                </c:pt>
+                <c:pt idx="6">
+                  <c:v>5</c:v>
+                </c:pt>
+              </c:numCache>
+              <c:extLst/>
+            </c:numRef>
+          </c:cat>
+          <c:val>
+            <c:numRef>
+              <c:f>'[Амлитуда и длительность ОТ задержки.xlsx]Лист1'!$L$13:$L$25</c:f>
+              <c:numCache>
+                <c:formatCode>General</c:formatCode>
+                <c:ptCount val="7"/>
+                <c:pt idx="0">
+                  <c:v>52.7</c:v>
+                </c:pt>
+                <c:pt idx="1">
+                  <c:v>52.3</c:v>
+                </c:pt>
+                <c:pt idx="2">
+                  <c:v>51.2</c:v>
+                </c:pt>
+                <c:pt idx="3">
+                  <c:v>48.7</c:v>
+                </c:pt>
+                <c:pt idx="4">
+                  <c:v>44.5</c:v>
+                </c:pt>
+                <c:pt idx="5">
+                  <c:v>39.299999999999997</c:v>
+                </c:pt>
+                <c:pt idx="6">
+                  <c:v>36</c:v>
+                </c:pt>
+              </c:numCache>
+              <c:extLst/>
+            </c:numRef>
+          </c:val>
+          <c:smooth val="0"/>
+          <c:extLst>
+            <c:ext xmlns:c16="http://schemas.microsoft.com/office/drawing/2014/chart" uri="{C3380CC4-5D6E-409C-BE32-E72D297353CC}">
+              <c16:uniqueId val="{00000000-EE5D-44D7-ABAA-8B7080DA3BFE}"/>
+            </c:ext>
+          </c:extLst>
+        </c:ser>
+        <c:dLbls>
+          <c:showLegendKey val="0"/>
+          <c:showVal val="0"/>
+          <c:showCatName val="0"/>
+          <c:showSerName val="0"/>
+          <c:showPercent val="0"/>
+          <c:showBubbleSize val="0"/>
+        </c:dLbls>
+        <c:marker val="1"/>
+        <c:smooth val="0"/>
+        <c:axId val="1442068608"/>
+        <c:axId val="1442069024"/>
+      </c:lineChart>
+      <c:lineChart>
+        <c:grouping val="standard"/>
+        <c:varyColors val="0"/>
+        <c:ser>
+          <c:idx val="1"/>
+          <c:order val="1"/>
+          <c:tx>
+            <c:strRef>
+              <c:f>'[Амлитуда и длительность ОТ задержки.xlsx]Лист1'!$M$12</c:f>
+              <c:strCache>
+                <c:ptCount val="1"/>
+                <c:pt idx="0">
+                  <c:v>Длительность, нс</c:v>
+                </c:pt>
+              </c:strCache>
+            </c:strRef>
+          </c:tx>
+          <c:spPr>
+            <a:ln w="28575" cap="rnd">
+              <a:solidFill>
+                <a:schemeClr val="tx1"/>
+              </a:solidFill>
+              <a:prstDash val="solid"/>
+              <a:round/>
+            </a:ln>
+            <a:effectLst/>
+          </c:spPr>
+          <c:marker>
+            <c:symbol val="none"/>
+          </c:marker>
+          <c:cat>
+            <c:strLit>
+              <c:ptCount val="7"/>
+              <c:pt idx="0">
+                <c:v>1</c:v>
+              </c:pt>
+              <c:pt idx="1">
+                <c:v>2</c:v>
+              </c:pt>
+              <c:pt idx="2">
+                <c:v>3</c:v>
+              </c:pt>
+              <c:pt idx="3">
+                <c:v>4</c:v>
+              </c:pt>
+              <c:pt idx="4">
+                <c:v>5</c:v>
+              </c:pt>
+              <c:pt idx="5">
+                <c:v>6</c:v>
+              </c:pt>
+              <c:pt idx="6">
+                <c:v>7</c:v>
+              </c:pt>
+              <c:extLst>
+                <c:ext xmlns:c15="http://schemas.microsoft.com/office/drawing/2012/chart" uri="{02D57815-91ED-43cb-92C2-25804820EDAC}">
+                  <c15:autoCat val="1"/>
+                </c:ext>
+              </c:extLst>
+            </c:strLit>
+          </c:cat>
+          <c:val>
+            <c:numRef>
+              <c:f>'[Амлитуда и длительность ОТ задержки.xlsx]Лист1'!$M$13:$M$25</c:f>
+              <c:numCache>
+                <c:formatCode>General</c:formatCode>
+                <c:ptCount val="7"/>
+                <c:pt idx="0">
+                  <c:v>315</c:v>
+                </c:pt>
+                <c:pt idx="1">
+                  <c:v>313</c:v>
+                </c:pt>
+                <c:pt idx="2">
+                  <c:v>294</c:v>
+                </c:pt>
+                <c:pt idx="3">
+                  <c:v>260</c:v>
+                </c:pt>
+                <c:pt idx="4">
+                  <c:v>233</c:v>
+                </c:pt>
+                <c:pt idx="5">
+                  <c:v>210</c:v>
+                </c:pt>
+                <c:pt idx="6">
+                  <c:v>160</c:v>
+                </c:pt>
+              </c:numCache>
+              <c:extLst/>
+            </c:numRef>
+          </c:val>
+          <c:smooth val="0"/>
+          <c:extLst>
+            <c:ext xmlns:c16="http://schemas.microsoft.com/office/drawing/2014/chart" uri="{C3380CC4-5D6E-409C-BE32-E72D297353CC}">
+              <c16:uniqueId val="{00000001-EE5D-44D7-ABAA-8B7080DA3BFE}"/>
+            </c:ext>
+          </c:extLst>
+        </c:ser>
+        <c:dLbls>
+          <c:showLegendKey val="0"/>
+          <c:showVal val="0"/>
+          <c:showCatName val="0"/>
+          <c:showSerName val="0"/>
+          <c:showPercent val="0"/>
+          <c:showBubbleSize val="0"/>
+        </c:dLbls>
+        <c:marker val="1"/>
+        <c:smooth val="0"/>
+        <c:axId val="853175088"/>
+        <c:axId val="853179248"/>
+      </c:lineChart>
+      <c:catAx>
+        <c:axId val="1442068608"/>
+        <c:scaling>
+          <c:orientation val="minMax"/>
+        </c:scaling>
+        <c:delete val="0"/>
+        <c:axPos val="b"/>
+        <c:majorGridlines>
+          <c:spPr>
+            <a:ln w="9525" cap="flat" cmpd="sng" algn="ctr">
+              <a:solidFill>
+                <a:schemeClr val="tx1">
+                  <a:lumMod val="15000"/>
+                  <a:lumOff val="85000"/>
+                </a:schemeClr>
+              </a:solidFill>
+              <a:round/>
+            </a:ln>
+            <a:effectLst/>
+          </c:spPr>
+        </c:majorGridlines>
+        <c:title>
+          <c:tx>
+            <c:rich>
+              <a:bodyPr rot="0" spcFirstLastPara="1" vertOverflow="ellipsis" vert="horz" wrap="square" anchor="ctr" anchorCtr="1"/>
+              <a:lstStyle/>
+              <a:p>
+                <a:pPr>
+                  <a:defRPr sz="1000" b="0" i="0" u="none" strike="noStrike" kern="1200" baseline="0">
+                    <a:solidFill>
+                      <a:schemeClr val="dk1"/>
+                    </a:solidFill>
+                    <a:latin typeface="+mn-lt"/>
+                    <a:ea typeface="+mn-ea"/>
+                    <a:cs typeface="+mn-cs"/>
+                  </a:defRPr>
+                </a:pPr>
+                <a:r>
+                  <a:rPr lang="ru-RU"/>
+                  <a:t>Задержка, нс</a:t>
+                </a:r>
+              </a:p>
+            </c:rich>
+          </c:tx>
+          <c:overlay val="0"/>
+          <c:spPr>
+            <a:noFill/>
+            <a:ln>
+              <a:noFill/>
+            </a:ln>
+            <a:effectLst/>
+          </c:spPr>
+          <c:txPr>
+            <a:bodyPr rot="0" spcFirstLastPara="1" vertOverflow="ellipsis" vert="horz" wrap="square" anchor="ctr" anchorCtr="1"/>
+            <a:lstStyle/>
+            <a:p>
+              <a:pPr>
+                <a:defRPr sz="1000" b="0" i="0" u="none" strike="noStrike" kern="1200" baseline="0">
+                  <a:solidFill>
+                    <a:schemeClr val="dk1"/>
+                  </a:solidFill>
+                  <a:latin typeface="+mn-lt"/>
+                  <a:ea typeface="+mn-ea"/>
+                  <a:cs typeface="+mn-cs"/>
+                </a:defRPr>
+              </a:pPr>
+              <a:endParaRPr lang="ru-RU"/>
+            </a:p>
+          </c:txPr>
+        </c:title>
+        <c:numFmt formatCode="General" sourceLinked="0"/>
+        <c:majorTickMark val="none"/>
+        <c:minorTickMark val="none"/>
+        <c:tickLblPos val="nextTo"/>
+        <c:spPr>
+          <a:noFill/>
+          <a:ln w="9525" cap="flat" cmpd="sng" algn="ctr">
+            <a:solidFill>
+              <a:schemeClr val="tx1">
+                <a:lumMod val="15000"/>
+                <a:lumOff val="85000"/>
+              </a:schemeClr>
+            </a:solidFill>
+            <a:round/>
+          </a:ln>
+          <a:effectLst/>
+        </c:spPr>
+        <c:txPr>
+          <a:bodyPr rot="-60000000" spcFirstLastPara="1" vertOverflow="ellipsis" vert="horz" wrap="square" anchor="ctr" anchorCtr="1"/>
+          <a:lstStyle/>
+          <a:p>
+            <a:pPr>
+              <a:defRPr sz="1100" b="0" i="0" u="none" strike="noStrike" kern="1200" baseline="0">
+                <a:solidFill>
+                  <a:schemeClr val="dk1"/>
+                </a:solidFill>
+                <a:latin typeface="Bahnschrift Light" panose="020B0502040204020203" pitchFamily="34" charset="0"/>
+                <a:ea typeface="+mn-ea"/>
+                <a:cs typeface="+mn-cs"/>
+              </a:defRPr>
+            </a:pPr>
+            <a:endParaRPr lang="ru-RU"/>
+          </a:p>
+        </c:txPr>
+        <c:crossAx val="1442069024"/>
+        <c:crosses val="autoZero"/>
+        <c:auto val="1"/>
+        <c:lblAlgn val="ctr"/>
+        <c:lblOffset val="100"/>
+        <c:noMultiLvlLbl val="0"/>
+      </c:catAx>
+      <c:valAx>
+        <c:axId val="1442069024"/>
+        <c:scaling>
+          <c:orientation val="minMax"/>
+          <c:min val="35"/>
+        </c:scaling>
+        <c:delete val="0"/>
+        <c:axPos val="l"/>
+        <c:majorGridlines>
+          <c:spPr>
+            <a:ln w="9525" cap="flat" cmpd="sng" algn="ctr">
+              <a:solidFill>
+                <a:schemeClr val="tx1">
+                  <a:lumMod val="15000"/>
+                  <a:lumOff val="85000"/>
+                </a:schemeClr>
+              </a:solidFill>
+              <a:round/>
+            </a:ln>
+            <a:effectLst/>
+          </c:spPr>
+        </c:majorGridlines>
+        <c:title>
+          <c:tx>
+            <c:rich>
+              <a:bodyPr rot="-5400000" spcFirstLastPara="1" vertOverflow="ellipsis" vert="horz" wrap="square" anchor="ctr" anchorCtr="1"/>
+              <a:lstStyle/>
+              <a:p>
+                <a:pPr>
+                  <a:defRPr sz="1400" b="0" i="0" u="none" strike="noStrike" kern="1200" baseline="0">
+                    <a:solidFill>
+                      <a:schemeClr val="dk1"/>
+                    </a:solidFill>
+                    <a:latin typeface="Bahnschrift Light" panose="020B0502040204020203" pitchFamily="34" charset="0"/>
+                    <a:ea typeface="+mn-ea"/>
+                    <a:cs typeface="+mn-cs"/>
+                  </a:defRPr>
+                </a:pPr>
+                <a:r>
+                  <a:rPr lang="ru-RU" sz="1400">
+                    <a:latin typeface="Bahnschrift Light" panose="020B0502040204020203" pitchFamily="34" charset="0"/>
+                  </a:rPr>
+                  <a:t>Амлитуда, В</a:t>
+                </a:r>
+              </a:p>
+            </c:rich>
+          </c:tx>
+          <c:overlay val="0"/>
+          <c:spPr>
+            <a:noFill/>
+            <a:ln>
+              <a:noFill/>
+            </a:ln>
+            <a:effectLst/>
+          </c:spPr>
+          <c:txPr>
+            <a:bodyPr rot="-5400000" spcFirstLastPara="1" vertOverflow="ellipsis" vert="horz" wrap="square" anchor="ctr" anchorCtr="1"/>
+            <a:lstStyle/>
+            <a:p>
+              <a:pPr>
+                <a:defRPr sz="1400" b="0" i="0" u="none" strike="noStrike" kern="1200" baseline="0">
+                  <a:solidFill>
+                    <a:schemeClr val="dk1"/>
+                  </a:solidFill>
+                  <a:latin typeface="Bahnschrift Light" panose="020B0502040204020203" pitchFamily="34" charset="0"/>
+                  <a:ea typeface="+mn-ea"/>
+                  <a:cs typeface="+mn-cs"/>
+                </a:defRPr>
+              </a:pPr>
+              <a:endParaRPr lang="ru-RU"/>
+            </a:p>
+          </c:txPr>
+        </c:title>
+        <c:numFmt formatCode="General" sourceLinked="1"/>
+        <c:majorTickMark val="none"/>
+        <c:minorTickMark val="none"/>
+        <c:tickLblPos val="nextTo"/>
+        <c:spPr>
+          <a:noFill/>
+          <a:ln>
+            <a:noFill/>
+          </a:ln>
+          <a:effectLst/>
+        </c:spPr>
+        <c:txPr>
+          <a:bodyPr rot="-60000000" spcFirstLastPara="1" vertOverflow="ellipsis" vert="horz" wrap="square" anchor="ctr" anchorCtr="1"/>
+          <a:lstStyle/>
+          <a:p>
+            <a:pPr>
+              <a:defRPr sz="1100" b="0" i="0" u="none" strike="noStrike" kern="1200" baseline="0">
+                <a:solidFill>
+                  <a:schemeClr val="dk1"/>
+                </a:solidFill>
+                <a:latin typeface="Bahnschrift Light" panose="020B0502040204020203" pitchFamily="34" charset="0"/>
+                <a:ea typeface="+mn-ea"/>
+                <a:cs typeface="+mn-cs"/>
+              </a:defRPr>
+            </a:pPr>
+            <a:endParaRPr lang="ru-RU"/>
+          </a:p>
+        </c:txPr>
+        <c:crossAx val="1442068608"/>
+        <c:crosses val="autoZero"/>
+        <c:crossBetween val="midCat"/>
+        <c:majorUnit val="5"/>
+      </c:valAx>
+      <c:valAx>
+        <c:axId val="853179248"/>
+        <c:scaling>
+          <c:orientation val="minMax"/>
+          <c:min val="150"/>
+        </c:scaling>
+        <c:delete val="0"/>
+        <c:axPos val="r"/>
+        <c:title>
+          <c:tx>
+            <c:rich>
+              <a:bodyPr rot="-5400000" spcFirstLastPara="1" vertOverflow="ellipsis" vert="horz" wrap="square" anchor="ctr" anchorCtr="1"/>
+              <a:lstStyle/>
+              <a:p>
+                <a:pPr>
+                  <a:defRPr sz="1200" b="0" i="0" u="none" strike="noStrike" kern="1200" baseline="0">
+                    <a:solidFill>
+                      <a:schemeClr val="dk1"/>
+                    </a:solidFill>
+                    <a:latin typeface="Bahnschrift Light" panose="020B0502040204020203" pitchFamily="34" charset="0"/>
+                    <a:ea typeface="+mn-ea"/>
+                    <a:cs typeface="+mn-cs"/>
+                  </a:defRPr>
+                </a:pPr>
+                <a:r>
+                  <a:rPr lang="ru-RU" sz="1200">
+                    <a:latin typeface="Bahnschrift Light" panose="020B0502040204020203" pitchFamily="34" charset="0"/>
+                  </a:rPr>
+                  <a:t>Длительность, нс</a:t>
+                </a:r>
+              </a:p>
+            </c:rich>
+          </c:tx>
+          <c:overlay val="0"/>
+          <c:spPr>
+            <a:noFill/>
+            <a:ln>
+              <a:noFill/>
+            </a:ln>
+            <a:effectLst/>
+          </c:spPr>
+          <c:txPr>
+            <a:bodyPr rot="-5400000" spcFirstLastPara="1" vertOverflow="ellipsis" vert="horz" wrap="square" anchor="ctr" anchorCtr="1"/>
+            <a:lstStyle/>
+            <a:p>
+              <a:pPr>
+                <a:defRPr sz="1200" b="0" i="0" u="none" strike="noStrike" kern="1200" baseline="0">
+                  <a:solidFill>
+                    <a:schemeClr val="dk1"/>
+                  </a:solidFill>
+                  <a:latin typeface="Bahnschrift Light" panose="020B0502040204020203" pitchFamily="34" charset="0"/>
+                  <a:ea typeface="+mn-ea"/>
+                  <a:cs typeface="+mn-cs"/>
+                </a:defRPr>
+              </a:pPr>
+              <a:endParaRPr lang="ru-RU"/>
+            </a:p>
+          </c:txPr>
+        </c:title>
+        <c:numFmt formatCode="General" sourceLinked="1"/>
+        <c:majorTickMark val="out"/>
+        <c:minorTickMark val="none"/>
+        <c:tickLblPos val="nextTo"/>
+        <c:spPr>
+          <a:noFill/>
+          <a:ln>
+            <a:noFill/>
+          </a:ln>
+          <a:effectLst/>
+        </c:spPr>
+        <c:txPr>
+          <a:bodyPr rot="-60000000" spcFirstLastPara="1" vertOverflow="ellipsis" vert="horz" wrap="square" anchor="ctr" anchorCtr="1"/>
+          <a:lstStyle/>
+          <a:p>
+            <a:pPr>
+              <a:defRPr sz="1100" b="0" i="0" u="none" strike="noStrike" kern="1200" baseline="0">
+                <a:solidFill>
+                  <a:schemeClr val="dk1"/>
+                </a:solidFill>
+                <a:latin typeface="Bahnschrift Light" panose="020B0502040204020203" pitchFamily="34" charset="0"/>
+                <a:ea typeface="+mn-ea"/>
+                <a:cs typeface="+mn-cs"/>
+              </a:defRPr>
+            </a:pPr>
+            <a:endParaRPr lang="ru-RU"/>
+          </a:p>
+        </c:txPr>
+        <c:crossAx val="853175088"/>
+        <c:crosses val="max"/>
+        <c:crossBetween val="between"/>
+        <c:majorUnit val="50"/>
+      </c:valAx>
+      <c:catAx>
+        <c:axId val="853175088"/>
+        <c:scaling>
+          <c:orientation val="minMax"/>
+        </c:scaling>
+        <c:delete val="1"/>
+        <c:axPos val="b"/>
+        <c:numFmt formatCode="General" sourceLinked="1"/>
+        <c:majorTickMark val="out"/>
+        <c:minorTickMark val="none"/>
+        <c:tickLblPos val="nextTo"/>
+        <c:crossAx val="853179248"/>
+        <c:crosses val="autoZero"/>
+        <c:auto val="1"/>
+        <c:lblAlgn val="ctr"/>
+        <c:lblOffset val="100"/>
+        <c:noMultiLvlLbl val="0"/>
+      </c:catAx>
+      <c:spPr>
+        <a:noFill/>
+        <a:ln>
+          <a:noFill/>
+        </a:ln>
+        <a:effectLst/>
+      </c:spPr>
+    </c:plotArea>
+    <c:legend>
+      <c:legendPos val="b"/>
+      <c:overlay val="0"/>
+      <c:spPr>
+        <a:noFill/>
+        <a:ln>
+          <a:noFill/>
+        </a:ln>
+        <a:effectLst/>
+      </c:spPr>
+      <c:txPr>
+        <a:bodyPr rot="0" spcFirstLastPara="1" vertOverflow="ellipsis" vert="horz" wrap="square" anchor="ctr" anchorCtr="1"/>
+        <a:lstStyle/>
+        <a:p>
+          <a:pPr>
+            <a:defRPr sz="1200" b="0" i="0" u="none" strike="noStrike" kern="1200" baseline="0">
+              <a:solidFill>
+                <a:schemeClr val="dk1"/>
+              </a:solidFill>
+              <a:latin typeface="Bahnschrift Light" panose="020B0502040204020203" pitchFamily="34" charset="0"/>
+              <a:ea typeface="+mn-ea"/>
+              <a:cs typeface="+mn-cs"/>
+            </a:defRPr>
+          </a:pPr>
+          <a:endParaRPr lang="ru-RU"/>
+        </a:p>
+      </c:txPr>
+    </c:legend>
+    <c:plotVisOnly val="1"/>
+    <c:dispBlanksAs val="zero"/>
+    <c:extLst>
+      <c:ext xmlns:c16r3="http://schemas.microsoft.com/office/drawing/2017/03/chart" uri="{56B9EC1D-385E-4148-901F-78D8002777C0}">
+        <c16r3:dataDisplayOptions16>
+          <c16r3:dispNaAsBlank val="1"/>
+        </c16r3:dataDisplayOptions16>
+      </c:ext>
+    </c:extLst>
+    <c:showDLblsOverMax val="0"/>
+  </c:chart>
+  <c:spPr>
+    <a:solidFill>
+      <a:schemeClr val="lt1"/>
+    </a:solidFill>
+    <a:ln w="12700" cap="flat" cmpd="sng" algn="ctr">
+      <a:solidFill>
+        <a:schemeClr val="dk1"/>
+      </a:solidFill>
+      <a:prstDash val="solid"/>
+      <a:miter lim="800000"/>
+    </a:ln>
+    <a:effectLst/>
+  </c:spPr>
+  <c:txPr>
+    <a:bodyPr/>
+    <a:lstStyle/>
+    <a:p>
+      <a:pPr>
+        <a:defRPr>
+          <a:solidFill>
+            <a:schemeClr val="dk1"/>
+          </a:solidFill>
+          <a:latin typeface="+mn-lt"/>
+          <a:ea typeface="+mn-ea"/>
+          <a:cs typeface="+mn-cs"/>
+        </a:defRPr>
+      </a:pPr>
+      <a:endParaRPr lang="ru-RU"/>
+    </a:p>
+  </c:txPr>
+  <c:externalData r:id="rId3">
+    <c:autoUpdate val="0"/>
+  </c:externalData>
+</c:chartSpace>
+</file>
+
+<file path=ppt/charts/chart2.xml><?xml version="1.0" encoding="utf-8"?>
+<c:chartSpace xmlns:c="http://schemas.openxmlformats.org/drawingml/2006/chart" xmlns:a="http://schemas.openxmlformats.org/drawingml/2006/main" xmlns:r="http://schemas.openxmlformats.org/officeDocument/2006/relationships" xmlns:c16r2="http://schemas.microsoft.com/office/drawing/2015/06/chart">
+  <c:date1904 val="0"/>
+  <c:lang val="ru-RU"/>
   <c:roundedCorners val="0"/>
   <mc:AlternateContent xmlns:mc="http://schemas.openxmlformats.org/markup-compatibility/2006">
     <mc:Choice xmlns:c14="http://schemas.microsoft.com/office/drawing/2007/8/2/chart" Requires="c14">
@@ -645,10 +1307,10 @@
 </c:chartSpace>
 </file>
 
-<file path=ppt/charts/chart2.xml><?xml version="1.0" encoding="utf-8"?>
+<file path=ppt/charts/chart3.xml><?xml version="1.0" encoding="utf-8"?>
 <c:chartSpace xmlns:c="http://schemas.openxmlformats.org/drawingml/2006/chart" xmlns:a="http://schemas.openxmlformats.org/drawingml/2006/main" xmlns:r="http://schemas.openxmlformats.org/officeDocument/2006/relationships" xmlns:c16r2="http://schemas.microsoft.com/office/drawing/2015/06/chart">
   <c:date1904 val="0"/>
-  <c:lang val="en-US"/>
+  <c:lang val="ru-RU"/>
   <c:roundedCorners val="0"/>
   <mc:AlternateContent xmlns:mc="http://schemas.openxmlformats.org/markup-compatibility/2006">
     <mc:Choice xmlns:c14="http://schemas.microsoft.com/office/drawing/2007/8/2/chart" Requires="c14">
@@ -1275,7 +1937,563 @@
 </cs:colorStyle>
 </file>
 
+<file path=ppt/charts/colors3.xml><?xml version="1.0" encoding="utf-8"?>
+<cs:colorStyle xmlns:cs="http://schemas.microsoft.com/office/drawing/2012/chartStyle" xmlns:a="http://schemas.openxmlformats.org/drawingml/2006/main" meth="cycle" id="10">
+  <a:schemeClr val="accent1"/>
+  <a:schemeClr val="accent2"/>
+  <a:schemeClr val="accent3"/>
+  <a:schemeClr val="accent4"/>
+  <a:schemeClr val="accent5"/>
+  <a:schemeClr val="accent6"/>
+  <cs:variation/>
+  <cs:variation>
+    <a:lumMod val="60000"/>
+  </cs:variation>
+  <cs:variation>
+    <a:lumMod val="80000"/>
+    <a:lumOff val="20000"/>
+  </cs:variation>
+  <cs:variation>
+    <a:lumMod val="80000"/>
+  </cs:variation>
+  <cs:variation>
+    <a:lumMod val="60000"/>
+    <a:lumOff val="40000"/>
+  </cs:variation>
+  <cs:variation>
+    <a:lumMod val="50000"/>
+  </cs:variation>
+  <cs:variation>
+    <a:lumMod val="70000"/>
+    <a:lumOff val="30000"/>
+  </cs:variation>
+  <cs:variation>
+    <a:lumMod val="70000"/>
+  </cs:variation>
+  <cs:variation>
+    <a:lumMod val="50000"/>
+    <a:lumOff val="50000"/>
+  </cs:variation>
+</cs:colorStyle>
+</file>
+
 <file path=ppt/charts/style1.xml><?xml version="1.0" encoding="utf-8"?>
+<cs:chartStyle xmlns:cs="http://schemas.microsoft.com/office/drawing/2012/chartStyle" xmlns:a="http://schemas.openxmlformats.org/drawingml/2006/main" id="322">
+  <cs:axisTitle>
+    <cs:lnRef idx="0"/>
+    <cs:fillRef idx="0"/>
+    <cs:effectRef idx="0"/>
+    <cs:fontRef idx="minor">
+      <a:schemeClr val="tx1">
+        <a:lumMod val="65000"/>
+        <a:lumOff val="35000"/>
+      </a:schemeClr>
+    </cs:fontRef>
+    <cs:defRPr sz="1000" kern="1200"/>
+  </cs:axisTitle>
+  <cs:categoryAxis>
+    <cs:lnRef idx="0"/>
+    <cs:fillRef idx="0"/>
+    <cs:effectRef idx="0"/>
+    <cs:fontRef idx="minor">
+      <a:schemeClr val="tx1">
+        <a:lumMod val="65000"/>
+        <a:lumOff val="35000"/>
+      </a:schemeClr>
+    </cs:fontRef>
+    <cs:spPr>
+      <a:ln w="9525" cap="flat" cmpd="sng" algn="ctr">
+        <a:solidFill>
+          <a:schemeClr val="tx1">
+            <a:lumMod val="15000"/>
+            <a:lumOff val="85000"/>
+          </a:schemeClr>
+        </a:solidFill>
+        <a:round/>
+      </a:ln>
+    </cs:spPr>
+    <cs:defRPr sz="900" kern="1200"/>
+  </cs:categoryAxis>
+  <cs:chartArea mods="allowNoFillOverride allowNoLineOverride">
+    <cs:lnRef idx="0"/>
+    <cs:fillRef idx="0"/>
+    <cs:effectRef idx="0"/>
+    <cs:fontRef idx="minor">
+      <a:schemeClr val="tx1"/>
+    </cs:fontRef>
+    <cs:spPr>
+      <a:solidFill>
+        <a:schemeClr val="bg1"/>
+      </a:solidFill>
+      <a:ln w="9525" cap="flat" cmpd="sng" algn="ctr">
+        <a:solidFill>
+          <a:schemeClr val="tx1">
+            <a:lumMod val="15000"/>
+            <a:lumOff val="85000"/>
+          </a:schemeClr>
+        </a:solidFill>
+        <a:round/>
+      </a:ln>
+    </cs:spPr>
+    <cs:defRPr sz="1000" kern="1200"/>
+  </cs:chartArea>
+  <cs:dataLabel>
+    <cs:lnRef idx="0"/>
+    <cs:fillRef idx="0"/>
+    <cs:effectRef idx="0"/>
+    <cs:fontRef idx="minor">
+      <a:schemeClr val="tx1">
+        <a:lumMod val="75000"/>
+        <a:lumOff val="25000"/>
+      </a:schemeClr>
+    </cs:fontRef>
+    <cs:defRPr sz="900" kern="1200"/>
+  </cs:dataLabel>
+  <cs:dataLabelCallout>
+    <cs:lnRef idx="0"/>
+    <cs:fillRef idx="0"/>
+    <cs:effectRef idx="0"/>
+    <cs:fontRef idx="minor">
+      <a:schemeClr val="dk1">
+        <a:lumMod val="65000"/>
+        <a:lumOff val="35000"/>
+      </a:schemeClr>
+    </cs:fontRef>
+    <cs:spPr>
+      <a:solidFill>
+        <a:schemeClr val="lt1"/>
+      </a:solidFill>
+      <a:ln>
+        <a:solidFill>
+          <a:schemeClr val="dk1">
+            <a:lumMod val="25000"/>
+            <a:lumOff val="75000"/>
+          </a:schemeClr>
+        </a:solidFill>
+      </a:ln>
+    </cs:spPr>
+    <cs:defRPr sz="900" kern="1200"/>
+    <cs:bodyPr rot="0" spcFirstLastPara="1" vertOverflow="clip" horzOverflow="clip" vert="horz" wrap="square" lIns="36576" tIns="18288" rIns="36576" bIns="18288" anchor="ctr" anchorCtr="1">
+      <a:spAutoFit/>
+    </cs:bodyPr>
+  </cs:dataLabelCallout>
+  <cs:dataPoint>
+    <cs:lnRef idx="0"/>
+    <cs:fillRef idx="1">
+      <cs:styleClr val="auto"/>
+    </cs:fillRef>
+    <cs:effectRef idx="0"/>
+    <cs:fontRef idx="minor">
+      <a:schemeClr val="tx1"/>
+    </cs:fontRef>
+  </cs:dataPoint>
+  <cs:dataPoint3D>
+    <cs:lnRef idx="0"/>
+    <cs:fillRef idx="1">
+      <cs:styleClr val="auto"/>
+    </cs:fillRef>
+    <cs:effectRef idx="0"/>
+    <cs:fontRef idx="minor">
+      <a:schemeClr val="tx1"/>
+    </cs:fontRef>
+  </cs:dataPoint3D>
+  <cs:dataPointLine>
+    <cs:lnRef idx="0">
+      <cs:styleClr val="auto"/>
+    </cs:lnRef>
+    <cs:fillRef idx="1"/>
+    <cs:effectRef idx="0"/>
+    <cs:fontRef idx="minor">
+      <a:schemeClr val="tx1"/>
+    </cs:fontRef>
+    <cs:spPr>
+      <a:ln w="28575" cap="rnd">
+        <a:solidFill>
+          <a:schemeClr val="phClr"/>
+        </a:solidFill>
+        <a:round/>
+      </a:ln>
+    </cs:spPr>
+  </cs:dataPointLine>
+  <cs:dataPointMarker>
+    <cs:lnRef idx="0">
+      <cs:styleClr val="auto"/>
+    </cs:lnRef>
+    <cs:fillRef idx="1">
+      <cs:styleClr val="auto"/>
+    </cs:fillRef>
+    <cs:effectRef idx="0"/>
+    <cs:fontRef idx="minor">
+      <a:schemeClr val="tx1"/>
+    </cs:fontRef>
+    <cs:spPr>
+      <a:ln w="9525">
+        <a:solidFill>
+          <a:schemeClr val="phClr"/>
+        </a:solidFill>
+      </a:ln>
+    </cs:spPr>
+  </cs:dataPointMarker>
+  <cs:dataPointMarkerLayout symbol="circle" size="5"/>
+  <cs:dataPointWireframe>
+    <cs:lnRef idx="0">
+      <cs:styleClr val="auto"/>
+    </cs:lnRef>
+    <cs:fillRef idx="1"/>
+    <cs:effectRef idx="0"/>
+    <cs:fontRef idx="minor">
+      <a:schemeClr val="tx1"/>
+    </cs:fontRef>
+    <cs:spPr>
+      <a:ln w="9525" cap="rnd">
+        <a:solidFill>
+          <a:schemeClr val="phClr"/>
+        </a:solidFill>
+        <a:round/>
+      </a:ln>
+    </cs:spPr>
+  </cs:dataPointWireframe>
+  <cs:dataTable>
+    <cs:lnRef idx="0"/>
+    <cs:fillRef idx="0"/>
+    <cs:effectRef idx="0"/>
+    <cs:fontRef idx="minor">
+      <a:schemeClr val="tx1">
+        <a:lumMod val="65000"/>
+        <a:lumOff val="35000"/>
+      </a:schemeClr>
+    </cs:fontRef>
+    <cs:spPr>
+      <a:noFill/>
+      <a:ln w="9525" cap="flat" cmpd="sng" algn="ctr">
+        <a:solidFill>
+          <a:schemeClr val="tx1">
+            <a:lumMod val="15000"/>
+            <a:lumOff val="85000"/>
+          </a:schemeClr>
+        </a:solidFill>
+        <a:round/>
+      </a:ln>
+    </cs:spPr>
+    <cs:defRPr sz="900" kern="1200"/>
+  </cs:dataTable>
+  <cs:downBar>
+    <cs:lnRef idx="0"/>
+    <cs:fillRef idx="0"/>
+    <cs:effectRef idx="0"/>
+    <cs:fontRef idx="minor">
+      <a:schemeClr val="tx1"/>
+    </cs:fontRef>
+    <cs:spPr>
+      <a:solidFill>
+        <a:schemeClr val="dk1">
+          <a:lumMod val="75000"/>
+          <a:lumOff val="25000"/>
+        </a:schemeClr>
+      </a:solidFill>
+      <a:ln w="9525" cap="flat" cmpd="sng" algn="ctr">
+        <a:solidFill>
+          <a:schemeClr val="tx1">
+            <a:lumMod val="65000"/>
+            <a:lumOff val="35000"/>
+          </a:schemeClr>
+        </a:solidFill>
+        <a:round/>
+      </a:ln>
+    </cs:spPr>
+  </cs:downBar>
+  <cs:dropLine>
+    <cs:lnRef idx="0"/>
+    <cs:fillRef idx="0"/>
+    <cs:effectRef idx="0"/>
+    <cs:fontRef idx="minor">
+      <a:schemeClr val="tx1"/>
+    </cs:fontRef>
+    <cs:spPr>
+      <a:ln w="9525" cap="flat" cmpd="sng" algn="ctr">
+        <a:solidFill>
+          <a:schemeClr val="tx1">
+            <a:lumMod val="35000"/>
+            <a:lumOff val="65000"/>
+          </a:schemeClr>
+        </a:solidFill>
+        <a:round/>
+      </a:ln>
+    </cs:spPr>
+  </cs:dropLine>
+  <cs:errorBar>
+    <cs:lnRef idx="0"/>
+    <cs:fillRef idx="0"/>
+    <cs:effectRef idx="0"/>
+    <cs:fontRef idx="minor">
+      <a:schemeClr val="tx1"/>
+    </cs:fontRef>
+    <cs:spPr>
+      <a:ln w="9525" cap="flat" cmpd="sng" algn="ctr">
+        <a:solidFill>
+          <a:schemeClr val="tx1">
+            <a:lumMod val="65000"/>
+            <a:lumOff val="35000"/>
+          </a:schemeClr>
+        </a:solidFill>
+        <a:round/>
+      </a:ln>
+    </cs:spPr>
+  </cs:errorBar>
+  <cs:floor>
+    <cs:lnRef idx="0"/>
+    <cs:fillRef idx="0"/>
+    <cs:effectRef idx="0"/>
+    <cs:fontRef idx="minor">
+      <a:schemeClr val="tx1"/>
+    </cs:fontRef>
+    <cs:spPr>
+      <a:noFill/>
+      <a:ln>
+        <a:noFill/>
+      </a:ln>
+    </cs:spPr>
+  </cs:floor>
+  <cs:gridlineMajor>
+    <cs:lnRef idx="0"/>
+    <cs:fillRef idx="0"/>
+    <cs:effectRef idx="0"/>
+    <cs:fontRef idx="minor">
+      <a:schemeClr val="tx1"/>
+    </cs:fontRef>
+    <cs:spPr>
+      <a:ln w="9525" cap="flat" cmpd="sng" algn="ctr">
+        <a:solidFill>
+          <a:schemeClr val="tx1">
+            <a:lumMod val="15000"/>
+            <a:lumOff val="85000"/>
+          </a:schemeClr>
+        </a:solidFill>
+        <a:round/>
+      </a:ln>
+    </cs:spPr>
+  </cs:gridlineMajor>
+  <cs:gridlineMinor>
+    <cs:lnRef idx="0"/>
+    <cs:fillRef idx="0"/>
+    <cs:effectRef idx="0"/>
+    <cs:fontRef idx="minor">
+      <a:schemeClr val="tx1"/>
+    </cs:fontRef>
+    <cs:spPr>
+      <a:ln w="9525" cap="flat" cmpd="sng" algn="ctr">
+        <a:solidFill>
+          <a:schemeClr val="tx1">
+            <a:lumMod val="5000"/>
+            <a:lumOff val="95000"/>
+          </a:schemeClr>
+        </a:solidFill>
+        <a:round/>
+      </a:ln>
+    </cs:spPr>
+  </cs:gridlineMinor>
+  <cs:hiLoLine>
+    <cs:lnRef idx="0"/>
+    <cs:fillRef idx="0"/>
+    <cs:effectRef idx="0"/>
+    <cs:fontRef idx="minor">
+      <a:schemeClr val="tx1"/>
+    </cs:fontRef>
+    <cs:spPr>
+      <a:ln w="9525" cap="flat" cmpd="sng" algn="ctr">
+        <a:solidFill>
+          <a:schemeClr val="tx1">
+            <a:lumMod val="75000"/>
+            <a:lumOff val="25000"/>
+          </a:schemeClr>
+        </a:solidFill>
+        <a:round/>
+      </a:ln>
+    </cs:spPr>
+  </cs:hiLoLine>
+  <cs:leaderLine>
+    <cs:lnRef idx="0"/>
+    <cs:fillRef idx="0"/>
+    <cs:effectRef idx="0"/>
+    <cs:fontRef idx="minor">
+      <a:schemeClr val="tx1"/>
+    </cs:fontRef>
+    <cs:spPr>
+      <a:ln w="9525" cap="flat" cmpd="sng" algn="ctr">
+        <a:solidFill>
+          <a:schemeClr val="tx1">
+            <a:lumMod val="35000"/>
+            <a:lumOff val="65000"/>
+          </a:schemeClr>
+        </a:solidFill>
+        <a:round/>
+      </a:ln>
+    </cs:spPr>
+  </cs:leaderLine>
+  <cs:legend>
+    <cs:lnRef idx="0"/>
+    <cs:fillRef idx="0"/>
+    <cs:effectRef idx="0"/>
+    <cs:fontRef idx="minor">
+      <a:schemeClr val="tx1">
+        <a:lumMod val="65000"/>
+        <a:lumOff val="35000"/>
+      </a:schemeClr>
+    </cs:fontRef>
+    <cs:defRPr sz="900" kern="1200"/>
+  </cs:legend>
+  <cs:plotArea mods="allowNoFillOverride allowNoLineOverride">
+    <cs:lnRef idx="0"/>
+    <cs:fillRef idx="0"/>
+    <cs:effectRef idx="0"/>
+    <cs:fontRef idx="minor">
+      <a:schemeClr val="tx1"/>
+    </cs:fontRef>
+  </cs:plotArea>
+  <cs:plotArea3D mods="allowNoFillOverride allowNoLineOverride">
+    <cs:lnRef idx="0"/>
+    <cs:fillRef idx="0"/>
+    <cs:effectRef idx="0"/>
+    <cs:fontRef idx="minor">
+      <a:schemeClr val="tx1"/>
+    </cs:fontRef>
+  </cs:plotArea3D>
+  <cs:seriesAxis>
+    <cs:lnRef idx="0"/>
+    <cs:fillRef idx="0"/>
+    <cs:effectRef idx="0"/>
+    <cs:fontRef idx="minor">
+      <a:schemeClr val="tx1">
+        <a:lumMod val="65000"/>
+        <a:lumOff val="35000"/>
+      </a:schemeClr>
+    </cs:fontRef>
+    <cs:spPr>
+      <a:ln w="9525" cap="flat" cmpd="sng" algn="ctr">
+        <a:solidFill>
+          <a:schemeClr val="tx1">
+            <a:lumMod val="15000"/>
+            <a:lumOff val="85000"/>
+          </a:schemeClr>
+        </a:solidFill>
+        <a:round/>
+      </a:ln>
+    </cs:spPr>
+    <cs:defRPr sz="900" kern="1200"/>
+  </cs:seriesAxis>
+  <cs:seriesLine>
+    <cs:lnRef idx="0"/>
+    <cs:fillRef idx="0"/>
+    <cs:effectRef idx="0"/>
+    <cs:fontRef idx="minor">
+      <a:schemeClr val="tx1"/>
+    </cs:fontRef>
+    <cs:spPr>
+      <a:ln w="9525" cap="flat" cmpd="sng" algn="ctr">
+        <a:solidFill>
+          <a:schemeClr val="tx1">
+            <a:lumMod val="35000"/>
+            <a:lumOff val="65000"/>
+          </a:schemeClr>
+        </a:solidFill>
+        <a:round/>
+      </a:ln>
+    </cs:spPr>
+  </cs:seriesLine>
+  <cs:title>
+    <cs:lnRef idx="0"/>
+    <cs:fillRef idx="0"/>
+    <cs:effectRef idx="0"/>
+    <cs:fontRef idx="minor">
+      <a:schemeClr val="tx1">
+        <a:lumMod val="65000"/>
+        <a:lumOff val="35000"/>
+      </a:schemeClr>
+    </cs:fontRef>
+    <cs:defRPr sz="1400" b="0" kern="1200" spc="0" baseline="0"/>
+  </cs:title>
+  <cs:trendline>
+    <cs:lnRef idx="0">
+      <cs:styleClr val="auto"/>
+    </cs:lnRef>
+    <cs:fillRef idx="0"/>
+    <cs:effectRef idx="0"/>
+    <cs:fontRef idx="minor">
+      <a:schemeClr val="tx1"/>
+    </cs:fontRef>
+    <cs:spPr>
+      <a:ln w="19050" cap="rnd">
+        <a:solidFill>
+          <a:schemeClr val="phClr"/>
+        </a:solidFill>
+        <a:prstDash val="sysDot"/>
+      </a:ln>
+    </cs:spPr>
+  </cs:trendline>
+  <cs:trendlineLabel>
+    <cs:lnRef idx="0"/>
+    <cs:fillRef idx="0"/>
+    <cs:effectRef idx="0"/>
+    <cs:fontRef idx="minor">
+      <a:schemeClr val="tx1">
+        <a:lumMod val="65000"/>
+        <a:lumOff val="35000"/>
+      </a:schemeClr>
+    </cs:fontRef>
+    <cs:defRPr sz="900" kern="1200"/>
+  </cs:trendlineLabel>
+  <cs:upBar>
+    <cs:lnRef idx="0"/>
+    <cs:fillRef idx="0"/>
+    <cs:effectRef idx="0"/>
+    <cs:fontRef idx="minor">
+      <a:schemeClr val="tx1"/>
+    </cs:fontRef>
+    <cs:spPr>
+      <a:solidFill>
+        <a:schemeClr val="lt1"/>
+      </a:solidFill>
+      <a:ln w="9525" cap="flat" cmpd="sng" algn="ctr">
+        <a:solidFill>
+          <a:schemeClr val="tx1">
+            <a:lumMod val="65000"/>
+            <a:lumOff val="35000"/>
+          </a:schemeClr>
+        </a:solidFill>
+        <a:round/>
+      </a:ln>
+    </cs:spPr>
+  </cs:upBar>
+  <cs:valueAxis>
+    <cs:lnRef idx="0"/>
+    <cs:fillRef idx="0"/>
+    <cs:effectRef idx="0"/>
+    <cs:fontRef idx="minor">
+      <a:schemeClr val="tx1">
+        <a:lumMod val="65000"/>
+        <a:lumOff val="35000"/>
+      </a:schemeClr>
+    </cs:fontRef>
+    <cs:defRPr sz="900" kern="1200"/>
+  </cs:valueAxis>
+  <cs:wall>
+    <cs:lnRef idx="0"/>
+    <cs:fillRef idx="0"/>
+    <cs:effectRef idx="0"/>
+    <cs:fontRef idx="minor">
+      <a:schemeClr val="tx1"/>
+    </cs:fontRef>
+    <cs:spPr>
+      <a:noFill/>
+      <a:ln>
+        <a:noFill/>
+      </a:ln>
+    </cs:spPr>
+  </cs:wall>
+</cs:chartStyle>
+</file>
+
+<file path=ppt/charts/style2.xml><?xml version="1.0" encoding="utf-8"?>
 <cs:chartStyle xmlns:cs="http://schemas.microsoft.com/office/drawing/2012/chartStyle" xmlns:a="http://schemas.openxmlformats.org/drawingml/2006/main" id="240">
   <cs:axisTitle>
     <cs:lnRef idx="0"/>
@@ -1791,7 +3009,7 @@
 </cs:chartStyle>
 </file>
 
-<file path=ppt/charts/style2.xml><?xml version="1.0" encoding="utf-8"?>
+<file path=ppt/charts/style3.xml><?xml version="1.0" encoding="utf-8"?>
 <cs:chartStyle xmlns:cs="http://schemas.microsoft.com/office/drawing/2012/chartStyle" xmlns:a="http://schemas.openxmlformats.org/drawingml/2006/main" id="240">
   <cs:axisTitle>
     <cs:lnRef idx="0"/>
@@ -2722,7 +3940,7 @@
           <a:p>
             <a:fld id="{D05F9C72-4226-4169-9448-9C01E22183B5}" type="slidenum">
               <a:rPr lang="ru-RU" smtClean="0"/>
-              <a:t>11</a:t>
+              <a:t>12</a:t>
             </a:fld>
             <a:endParaRPr lang="ru-RU"/>
           </a:p>
@@ -2806,7 +4024,7 @@
           <a:p>
             <a:fld id="{8F2652E9-AEEB-4A15-9FF5-C3DA4F0B0DF7}" type="slidenum">
               <a:rPr lang="ru-RU" smtClean="0"/>
-              <a:t>15</a:t>
+              <a:t>16</a:t>
             </a:fld>
             <a:endParaRPr lang="ru-RU"/>
           </a:p>
@@ -11686,6 +12904,439 @@
       </p:grpSpPr>
       <p:sp>
         <p:nvSpPr>
+          <p:cNvPr id="2" name="Заголовок 1">
+            <a:extLst>
+              <a:ext uri="{FF2B5EF4-FFF2-40B4-BE49-F238E27FC236}">
+                <a16:creationId xmlns:a16="http://schemas.microsoft.com/office/drawing/2014/main" id="{619F72AC-C791-4493-98D8-1067E1D962EE}"/>
+              </a:ext>
+            </a:extLst>
+          </p:cNvPr>
+          <p:cNvSpPr>
+            <a:spLocks noGrp="1"/>
+          </p:cNvSpPr>
+          <p:nvPr>
+            <p:ph type="title"/>
+          </p:nvPr>
+        </p:nvSpPr>
+        <p:spPr>
+          <a:xfrm>
+            <a:off x="838199" y="-263871"/>
+            <a:ext cx="10515600" cy="1325563"/>
+          </a:xfrm>
+        </p:spPr>
+        <p:txBody>
+          <a:bodyPr/>
+          <a:lstStyle/>
+          <a:p>
+            <a:pPr algn="ctr"/>
+            <a:r>
+              <a:rPr lang="ru-RU" dirty="0"/>
+              <a:t>Спектры СКИ</a:t>
+            </a:r>
+          </a:p>
+        </p:txBody>
+      </p:sp>
+      <p:pic>
+        <p:nvPicPr>
+          <p:cNvPr id="6" name="Объект 5">
+            <a:extLst>
+              <a:ext uri="{FF2B5EF4-FFF2-40B4-BE49-F238E27FC236}">
+                <a16:creationId xmlns:a16="http://schemas.microsoft.com/office/drawing/2014/main" id="{BA24BA57-DD3C-4B5C-9B8C-1ACC371FAC55}"/>
+              </a:ext>
+            </a:extLst>
+          </p:cNvPr>
+          <p:cNvPicPr>
+            <a:picLocks noGrp="1" noChangeAspect="1"/>
+          </p:cNvPicPr>
+          <p:nvPr>
+            <p:ph idx="1"/>
+          </p:nvPr>
+        </p:nvPicPr>
+        <p:blipFill rotWithShape="1">
+          <a:blip r:embed="rId2">
+            <a:clrChange>
+              <a:clrFrom>
+                <a:srgbClr val="FFFFFF"/>
+              </a:clrFrom>
+              <a:clrTo>
+                <a:srgbClr val="FFFFFF">
+                  <a:alpha val="0"/>
+                </a:srgbClr>
+              </a:clrTo>
+            </a:clrChange>
+            <a:extLst>
+              <a:ext uri="{28A0092B-C50C-407E-A947-70E740481C1C}">
+                <a14:useLocalDpi xmlns:a14="http://schemas.microsoft.com/office/drawing/2010/main" val="0"/>
+              </a:ext>
+            </a:extLst>
+          </a:blip>
+          <a:srcRect t="4780" b="1072"/>
+          <a:stretch/>
+        </p:blipFill>
+        <p:spPr>
+          <a:xfrm>
+            <a:off x="143567" y="1380688"/>
+            <a:ext cx="4224241" cy="2840400"/>
+          </a:xfrm>
+        </p:spPr>
+      </p:pic>
+      <p:sp>
+        <p:nvSpPr>
+          <p:cNvPr id="4" name="Номер слайда 3">
+            <a:extLst>
+              <a:ext uri="{FF2B5EF4-FFF2-40B4-BE49-F238E27FC236}">
+                <a16:creationId xmlns:a16="http://schemas.microsoft.com/office/drawing/2014/main" id="{C754196B-4818-4673-9E40-A6042F216F63}"/>
+              </a:ext>
+            </a:extLst>
+          </p:cNvPr>
+          <p:cNvSpPr>
+            <a:spLocks noGrp="1"/>
+          </p:cNvSpPr>
+          <p:nvPr>
+            <p:ph type="sldNum" sz="quarter" idx="12"/>
+          </p:nvPr>
+        </p:nvSpPr>
+        <p:spPr/>
+        <p:txBody>
+          <a:bodyPr/>
+          <a:lstStyle/>
+          <a:p>
+            <a:pPr>
+              <a:defRPr/>
+            </a:pPr>
+            <a:fld id="{0E74F7B3-D6C5-4685-98C3-5555C8ABFDCC}" type="slidenum">
+              <a:rPr lang="ru-RU" smtClean="0"/>
+              <a:t>10</a:t>
+            </a:fld>
+            <a:endParaRPr lang="ru-RU"/>
+          </a:p>
+        </p:txBody>
+      </p:sp>
+      <p:pic>
+        <p:nvPicPr>
+          <p:cNvPr id="10" name="Рисунок 9">
+            <a:extLst>
+              <a:ext uri="{FF2B5EF4-FFF2-40B4-BE49-F238E27FC236}">
+                <a16:creationId xmlns:a16="http://schemas.microsoft.com/office/drawing/2014/main" id="{95BB5E84-530F-409C-9417-77EE3BAA62AF}"/>
+              </a:ext>
+            </a:extLst>
+          </p:cNvPr>
+          <p:cNvPicPr>
+            <a:picLocks noChangeAspect="1"/>
+          </p:cNvPicPr>
+          <p:nvPr/>
+        </p:nvPicPr>
+        <p:blipFill>
+          <a:blip r:embed="rId3">
+            <a:clrChange>
+              <a:clrFrom>
+                <a:srgbClr val="FFFFFF"/>
+              </a:clrFrom>
+              <a:clrTo>
+                <a:srgbClr val="FFFFFF">
+                  <a:alpha val="0"/>
+                </a:srgbClr>
+              </a:clrTo>
+            </a:clrChange>
+            <a:extLst>
+              <a:ext uri="{28A0092B-C50C-407E-A947-70E740481C1C}">
+                <a14:useLocalDpi xmlns:a14="http://schemas.microsoft.com/office/drawing/2010/main" val="0"/>
+              </a:ext>
+            </a:extLst>
+          </a:blip>
+          <a:stretch>
+            <a:fillRect/>
+          </a:stretch>
+        </p:blipFill>
+        <p:spPr>
+          <a:xfrm>
+            <a:off x="8293124" y="1414931"/>
+            <a:ext cx="3707532" cy="2880000"/>
+          </a:xfrm>
+          <a:prstGeom prst="rect">
+            <a:avLst/>
+          </a:prstGeom>
+        </p:spPr>
+      </p:pic>
+      <p:pic>
+        <p:nvPicPr>
+          <p:cNvPr id="12" name="Рисунок 11">
+            <a:extLst>
+              <a:ext uri="{FF2B5EF4-FFF2-40B4-BE49-F238E27FC236}">
+                <a16:creationId xmlns:a16="http://schemas.microsoft.com/office/drawing/2014/main" id="{2C6D5CD6-007F-4747-9A8E-7C14C0FFCFBB}"/>
+              </a:ext>
+            </a:extLst>
+          </p:cNvPr>
+          <p:cNvPicPr>
+            <a:picLocks noChangeAspect="1"/>
+          </p:cNvPicPr>
+          <p:nvPr/>
+        </p:nvPicPr>
+        <p:blipFill>
+          <a:blip r:embed="rId4">
+            <a:clrChange>
+              <a:clrFrom>
+                <a:srgbClr val="FFFFFF"/>
+              </a:clrFrom>
+              <a:clrTo>
+                <a:srgbClr val="FFFFFF">
+                  <a:alpha val="0"/>
+                </a:srgbClr>
+              </a:clrTo>
+            </a:clrChange>
+            <a:extLst>
+              <a:ext uri="{28A0092B-C50C-407E-A947-70E740481C1C}">
+                <a14:useLocalDpi xmlns:a14="http://schemas.microsoft.com/office/drawing/2010/main" val="0"/>
+              </a:ext>
+            </a:extLst>
+          </a:blip>
+          <a:stretch>
+            <a:fillRect/>
+          </a:stretch>
+        </p:blipFill>
+        <p:spPr>
+          <a:xfrm>
+            <a:off x="4476700" y="1414931"/>
+            <a:ext cx="3707532" cy="2880000"/>
+          </a:xfrm>
+          <a:prstGeom prst="rect">
+            <a:avLst/>
+          </a:prstGeom>
+        </p:spPr>
+      </p:pic>
+      <p:sp>
+        <p:nvSpPr>
+          <p:cNvPr id="3" name="TextBox 2">
+            <a:extLst>
+              <a:ext uri="{FF2B5EF4-FFF2-40B4-BE49-F238E27FC236}">
+                <a16:creationId xmlns:a16="http://schemas.microsoft.com/office/drawing/2014/main" id="{116F638F-7D32-4506-900B-3D8828E171E1}"/>
+              </a:ext>
+            </a:extLst>
+          </p:cNvPr>
+          <p:cNvSpPr txBox="1"/>
+          <p:nvPr/>
+        </p:nvSpPr>
+        <p:spPr>
+          <a:xfrm>
+            <a:off x="1790495" y="4293096"/>
+            <a:ext cx="465192" cy="400110"/>
+          </a:xfrm>
+          <a:prstGeom prst="rect">
+            <a:avLst/>
+          </a:prstGeom>
+          <a:noFill/>
+        </p:spPr>
+        <p:txBody>
+          <a:bodyPr wrap="none" rtlCol="0">
+            <a:spAutoFit/>
+          </a:bodyPr>
+          <a:lstStyle/>
+          <a:p>
+            <a:r>
+              <a:rPr lang="ru-RU" sz="2000" dirty="0"/>
+              <a:t>(а)</a:t>
+            </a:r>
+          </a:p>
+        </p:txBody>
+      </p:sp>
+      <p:sp>
+        <p:nvSpPr>
+          <p:cNvPr id="7" name="TextBox 6">
+            <a:extLst>
+              <a:ext uri="{FF2B5EF4-FFF2-40B4-BE49-F238E27FC236}">
+                <a16:creationId xmlns:a16="http://schemas.microsoft.com/office/drawing/2014/main" id="{BAC09BA7-07EE-4F26-AF31-227B4531833B}"/>
+              </a:ext>
+            </a:extLst>
+          </p:cNvPr>
+          <p:cNvSpPr txBox="1"/>
+          <p:nvPr/>
+        </p:nvSpPr>
+        <p:spPr>
+          <a:xfrm>
+            <a:off x="5969322" y="4293096"/>
+            <a:ext cx="478016" cy="400110"/>
+          </a:xfrm>
+          <a:prstGeom prst="rect">
+            <a:avLst/>
+          </a:prstGeom>
+          <a:noFill/>
+        </p:spPr>
+        <p:txBody>
+          <a:bodyPr wrap="none" rtlCol="0">
+            <a:spAutoFit/>
+          </a:bodyPr>
+          <a:lstStyle/>
+          <a:p>
+            <a:r>
+              <a:rPr lang="ru-RU" sz="2000" dirty="0"/>
+              <a:t>(б)</a:t>
+            </a:r>
+          </a:p>
+        </p:txBody>
+      </p:sp>
+      <p:sp>
+        <p:nvSpPr>
+          <p:cNvPr id="8" name="TextBox 7">
+            <a:extLst>
+              <a:ext uri="{FF2B5EF4-FFF2-40B4-BE49-F238E27FC236}">
+                <a16:creationId xmlns:a16="http://schemas.microsoft.com/office/drawing/2014/main" id="{DA2A5583-C6AE-4991-B138-994E7ECDDD3D}"/>
+              </a:ext>
+            </a:extLst>
+          </p:cNvPr>
+          <p:cNvSpPr txBox="1"/>
+          <p:nvPr/>
+        </p:nvSpPr>
+        <p:spPr>
+          <a:xfrm>
+            <a:off x="10160973" y="4293096"/>
+            <a:ext cx="465192" cy="400110"/>
+          </a:xfrm>
+          <a:prstGeom prst="rect">
+            <a:avLst/>
+          </a:prstGeom>
+          <a:noFill/>
+        </p:spPr>
+        <p:txBody>
+          <a:bodyPr wrap="none" rtlCol="0">
+            <a:spAutoFit/>
+          </a:bodyPr>
+          <a:lstStyle/>
+          <a:p>
+            <a:r>
+              <a:rPr lang="ru-RU" sz="2000" dirty="0"/>
+              <a:t>(в)</a:t>
+            </a:r>
+          </a:p>
+        </p:txBody>
+      </p:sp>
+      <p:sp>
+        <p:nvSpPr>
+          <p:cNvPr id="11" name="TextBox 10">
+            <a:extLst>
+              <a:ext uri="{FF2B5EF4-FFF2-40B4-BE49-F238E27FC236}">
+                <a16:creationId xmlns:a16="http://schemas.microsoft.com/office/drawing/2014/main" id="{CB6CE6BE-9866-42C6-81C8-E1B10A1BD7FA}"/>
+              </a:ext>
+            </a:extLst>
+          </p:cNvPr>
+          <p:cNvSpPr txBox="1"/>
+          <p:nvPr/>
+        </p:nvSpPr>
+        <p:spPr>
+          <a:xfrm>
+            <a:off x="614361" y="4906942"/>
+            <a:ext cx="10963275" cy="1200329"/>
+          </a:xfrm>
+          <a:prstGeom prst="rect">
+            <a:avLst/>
+          </a:prstGeom>
+          <a:noFill/>
+        </p:spPr>
+        <p:txBody>
+          <a:bodyPr wrap="square" rtlCol="0">
+            <a:spAutoFit/>
+          </a:bodyPr>
+          <a:lstStyle/>
+          <a:p>
+            <a:pPr algn="ctr"/>
+            <a:r>
+              <a:rPr lang="ru-RU" sz="2400" dirty="0">
+                <a:latin typeface="Bahnschrift Light" panose="020B0502040204020203" pitchFamily="34" charset="0"/>
+              </a:rPr>
+              <a:t>Рис. 12. Спектры сигналов на выходе сумматора: а) – спектр дуплета Гаусса; </a:t>
+            </a:r>
+            <a:br>
+              <a:rPr lang="ru-RU" sz="2400" dirty="0">
+                <a:latin typeface="Bahnschrift Light" panose="020B0502040204020203" pitchFamily="34" charset="0"/>
+              </a:rPr>
+            </a:br>
+            <a:r>
+              <a:rPr lang="ru-RU" sz="2400" dirty="0">
+                <a:latin typeface="Bahnschrift Light" panose="020B0502040204020203" pitchFamily="34" charset="0"/>
+              </a:rPr>
+              <a:t>б) – спектр моноцикла Гаусса; в) – спектр импульса Эрмита</a:t>
+            </a:r>
+          </a:p>
+        </p:txBody>
+      </p:sp>
+      <p:pic>
+        <p:nvPicPr>
+          <p:cNvPr id="2050" name="Picture 2">
+            <a:extLst>
+              <a:ext uri="{FF2B5EF4-FFF2-40B4-BE49-F238E27FC236}">
+                <a16:creationId xmlns:a16="http://schemas.microsoft.com/office/drawing/2014/main" id="{27E29191-354A-40FD-B83F-F44B988E81F4}"/>
+              </a:ext>
+            </a:extLst>
+          </p:cNvPr>
+          <p:cNvPicPr>
+            <a:picLocks noChangeAspect="1" noChangeArrowheads="1"/>
+          </p:cNvPicPr>
+          <p:nvPr/>
+        </p:nvPicPr>
+        <p:blipFill>
+          <a:blip r:embed="rId5">
+            <a:extLst>
+              <a:ext uri="{28A0092B-C50C-407E-A947-70E740481C1C}">
+                <a14:useLocalDpi xmlns:a14="http://schemas.microsoft.com/office/drawing/2010/main" val="0"/>
+              </a:ext>
+            </a:extLst>
+          </a:blip>
+          <a:srcRect/>
+          <a:stretch>
+            <a:fillRect/>
+          </a:stretch>
+        </p:blipFill>
+        <p:spPr bwMode="auto">
+          <a:xfrm>
+            <a:off x="191344" y="1397709"/>
+            <a:ext cx="3795959" cy="2840400"/>
+          </a:xfrm>
+          <a:prstGeom prst="rect">
+            <a:avLst/>
+          </a:prstGeom>
+          <a:noFill/>
+          <a:extLst>
+            <a:ext uri="{909E8E84-426E-40DD-AFC4-6F175D3DCCD1}">
+              <a14:hiddenFill xmlns:a14="http://schemas.microsoft.com/office/drawing/2010/main">
+                <a:solidFill>
+                  <a:srgbClr val="FFFFFF"/>
+                </a:solidFill>
+              </a14:hiddenFill>
+            </a:ext>
+          </a:extLst>
+        </p:spPr>
+      </p:pic>
+    </p:spTree>
+    <p:extLst>
+      <p:ext uri="{BB962C8B-B14F-4D97-AF65-F5344CB8AC3E}">
+        <p14:creationId xmlns:p14="http://schemas.microsoft.com/office/powerpoint/2010/main" val="1071381639"/>
+      </p:ext>
+    </p:extLst>
+  </p:cSld>
+  <p:clrMapOvr>
+    <a:masterClrMapping/>
+  </p:clrMapOvr>
+</p:sld>
+</file>
+
+<file path=ppt/slides/slide11.xml><?xml version="1.0" encoding="utf-8"?>
+<p:sld xmlns:a="http://schemas.openxmlformats.org/drawingml/2006/main" xmlns:r="http://schemas.openxmlformats.org/officeDocument/2006/relationships" xmlns:p="http://schemas.openxmlformats.org/presentationml/2006/main">
+  <p:cSld>
+    <p:spTree>
+      <p:nvGrpSpPr>
+        <p:cNvPr id="1" name=""/>
+        <p:cNvGrpSpPr/>
+        <p:nvPr/>
+      </p:nvGrpSpPr>
+      <p:grpSpPr>
+        <a:xfrm>
+          <a:off x="0" y="0"/>
+          <a:ext cx="0" cy="0"/>
+          <a:chOff x="0" y="0"/>
+          <a:chExt cx="0" cy="0"/>
+        </a:xfrm>
+      </p:grpSpPr>
+      <p:sp>
+        <p:nvSpPr>
           <p:cNvPr id="2" name="Title 1">
             <a:extLst>
               <a:ext uri="{FF2B5EF4-FFF2-40B4-BE49-F238E27FC236}">
@@ -11736,7 +13387,7 @@
             <a:fld id="{49A47517-3B86-41FB-B4AF-4A776FD921BA}" type="slidenum">
               <a:rPr lang="ru-RU" smtClean="0"/>
               <a:pPr/>
-              <a:t>10</a:t>
+              <a:t>11</a:t>
             </a:fld>
             <a:endParaRPr lang="ru-RU" dirty="0"/>
           </a:p>
@@ -11771,65 +13422,8 @@
         </p:blipFill>
         <p:spPr bwMode="auto">
           <a:xfrm>
-            <a:off x="1209672" y="714370"/>
+            <a:off x="1259261" y="607067"/>
             <a:ext cx="3534022" cy="2936356"/>
-          </a:xfrm>
-          <a:prstGeom prst="rect">
-            <a:avLst/>
-          </a:prstGeom>
-          <a:noFill/>
-          <a:extLst>
-            <a:ext uri="{909E8E84-426E-40DD-AFC4-6F175D3DCCD1}">
-              <a14:hiddenFill xmlns:a14="http://schemas.microsoft.com/office/drawing/2010/main">
-                <a:solidFill>
-                  <a:srgbClr val="FFFFFF"/>
-                </a:solidFill>
-              </a14:hiddenFill>
-            </a:ext>
-          </a:extLst>
-        </p:spPr>
-      </p:pic>
-      <p:pic>
-        <p:nvPicPr>
-          <p:cNvPr id="3073" name="image3.png">
-            <a:extLst>
-              <a:ext uri="{FF2B5EF4-FFF2-40B4-BE49-F238E27FC236}">
-                <a16:creationId xmlns:a16="http://schemas.microsoft.com/office/drawing/2014/main" id="{781CDBA3-529B-4BB2-93D9-2BA5C0A6D3FA}"/>
-              </a:ext>
-            </a:extLst>
-          </p:cNvPr>
-          <p:cNvPicPr>
-            <a:picLocks noChangeAspect="1" noChangeArrowheads="1"/>
-          </p:cNvPicPr>
-          <p:nvPr/>
-        </p:nvPicPr>
-        <p:blipFill>
-          <a:blip r:embed="rId3">
-            <a:clrChange>
-              <a:clrFrom>
-                <a:srgbClr val="FFFFFF"/>
-              </a:clrFrom>
-              <a:clrTo>
-                <a:srgbClr val="FFFFFF">
-                  <a:alpha val="0"/>
-                </a:srgbClr>
-              </a:clrTo>
-            </a:clrChange>
-            <a:extLst>
-              <a:ext uri="{28A0092B-C50C-407E-A947-70E740481C1C}">
-                <a14:useLocalDpi xmlns:a14="http://schemas.microsoft.com/office/drawing/2010/main" val="0"/>
-              </a:ext>
-            </a:extLst>
-          </a:blip>
-          <a:srcRect/>
-          <a:stretch>
-            <a:fillRect/>
-          </a:stretch>
-        </p:blipFill>
-        <p:spPr bwMode="auto">
-          <a:xfrm>
-            <a:off x="1300160" y="3650726"/>
-            <a:ext cx="3353046" cy="2741176"/>
           </a:xfrm>
           <a:prstGeom prst="rect">
             <a:avLst/>
@@ -13383,11 +14977,103 @@
               <a:rPr lang="ru-RU" dirty="0">
                 <a:latin typeface="Bahnschrift Light" panose="020B0502040204020203" pitchFamily="34" charset="0"/>
               </a:rPr>
-              <a:t>Рис. 10. Диапазон перестройки сигналов</a:t>
+              <a:t>Рис. 13. Диапазон перестройки сигналов</a:t>
             </a:r>
           </a:p>
         </p:txBody>
       </p:sp>
+      <p:sp>
+        <p:nvSpPr>
+          <p:cNvPr id="5" name="TextBox 4">
+            <a:extLst>
+              <a:ext uri="{FF2B5EF4-FFF2-40B4-BE49-F238E27FC236}">
+                <a16:creationId xmlns:a16="http://schemas.microsoft.com/office/drawing/2014/main" id="{A5FA16AA-8E83-4CCD-868D-99507BF32384}"/>
+              </a:ext>
+            </a:extLst>
+          </p:cNvPr>
+          <p:cNvSpPr txBox="1"/>
+          <p:nvPr/>
+        </p:nvSpPr>
+        <p:spPr>
+          <a:xfrm>
+            <a:off x="5927727" y="4143250"/>
+            <a:ext cx="5949064" cy="353943"/>
+          </a:xfrm>
+          <a:prstGeom prst="rect">
+            <a:avLst/>
+          </a:prstGeom>
+          <a:noFill/>
+        </p:spPr>
+        <p:txBody>
+          <a:bodyPr wrap="none" rtlCol="0">
+            <a:spAutoFit/>
+          </a:bodyPr>
+          <a:lstStyle/>
+          <a:p>
+            <a:r>
+              <a:rPr lang="ru-RU" sz="1700" dirty="0">
+                <a:latin typeface="Bahnschrift Light" panose="020B0502040204020203" pitchFamily="34" charset="0"/>
+              </a:rPr>
+              <a:t>Перестройка по ширине спектра составила порядка </a:t>
+            </a:r>
+            <a:r>
+              <a:rPr lang="ru-RU" sz="1700" b="1" dirty="0">
+                <a:latin typeface="Bahnschrift Light" panose="020B0502040204020203" pitchFamily="34" charset="0"/>
+              </a:rPr>
+              <a:t>30%</a:t>
+            </a:r>
+          </a:p>
+        </p:txBody>
+      </p:sp>
+      <p:pic>
+        <p:nvPicPr>
+          <p:cNvPr id="12" name="image2.png">
+            <a:extLst>
+              <a:ext uri="{FF2B5EF4-FFF2-40B4-BE49-F238E27FC236}">
+                <a16:creationId xmlns:a16="http://schemas.microsoft.com/office/drawing/2014/main" id="{A8D6BAFE-E5E1-477E-9566-F5BD02B33C23}"/>
+              </a:ext>
+            </a:extLst>
+          </p:cNvPr>
+          <p:cNvPicPr/>
+          <p:nvPr/>
+        </p:nvPicPr>
+        <p:blipFill>
+          <a:blip r:embed="rId3">
+            <a:clrChange>
+              <a:clrFrom>
+                <a:srgbClr val="FFFFFF"/>
+              </a:clrFrom>
+              <a:clrTo>
+                <a:srgbClr val="FFFFFF">
+                  <a:alpha val="0"/>
+                </a:srgbClr>
+              </a:clrTo>
+            </a:clrChange>
+            <a:extLst>
+              <a:ext uri="{28A0092B-C50C-407E-A947-70E740481C1C}">
+                <a14:useLocalDpi xmlns:a14="http://schemas.microsoft.com/office/drawing/2010/main" val="0"/>
+              </a:ext>
+            </a:extLst>
+          </a:blip>
+          <a:srcRect/>
+          <a:stretch>
+            <a:fillRect/>
+          </a:stretch>
+        </p:blipFill>
+        <p:spPr bwMode="auto">
+          <a:xfrm>
+            <a:off x="1163222" y="3429000"/>
+            <a:ext cx="3827878" cy="2936356"/>
+          </a:xfrm>
+          <a:prstGeom prst="rect">
+            <a:avLst/>
+          </a:prstGeom>
+          <a:noFill/>
+          <a:ln>
+            <a:noFill/>
+          </a:ln>
+        </p:spPr>
+      </p:pic>
     </p:spTree>
     <p:extLst>
       <p:ext uri="{BB962C8B-B14F-4D97-AF65-F5344CB8AC3E}">
@@ -13401,7 +15087,7 @@
 </p:sld>
 </file>
 
-<file path=ppt/slides/slide11.xml><?xml version="1.0" encoding="utf-8"?>
+<file path=ppt/slides/slide12.xml><?xml version="1.0" encoding="utf-8"?>
 <p:sld xmlns:a="http://schemas.openxmlformats.org/drawingml/2006/main" xmlns:r="http://schemas.openxmlformats.org/officeDocument/2006/relationships" xmlns:p="http://schemas.openxmlformats.org/presentationml/2006/main">
   <p:cSld>
     <p:spTree>
@@ -13475,7 +15161,7 @@
             <a:fld id="{4A7582AF-A1C7-4617-B7E8-E23300B0E7B0}" type="slidenum">
               <a:rPr lang="ru-RU" smtClean="0"/>
               <a:pPr/>
-              <a:t>11</a:t>
+              <a:t>12</a:t>
             </a:fld>
             <a:endParaRPr lang="ru-RU" dirty="0"/>
           </a:p>
@@ -13563,8 +15249,8 @@
           </a:prstGeom>
         </p:spPr>
       </p:pic>
-      <mc:AlternateContent xmlns:mc="http://schemas.openxmlformats.org/markup-compatibility/2006" xmlns:a14="http://schemas.microsoft.com/office/drawing/2010/main">
-        <mc:Choice Requires="a14">
+      <mc:AlternateContent xmlns:mc="http://schemas.openxmlformats.org/markup-compatibility/2006">
+        <mc:Choice xmlns:a14="http://schemas.microsoft.com/office/drawing/2010/main" Requires="a14">
           <p:sp>
             <p:nvSpPr>
               <p:cNvPr id="7" name="TextBox 6">
@@ -13579,7 +15265,7 @@
             </p:nvSpPr>
             <p:spPr>
               <a:xfrm>
-                <a:off x="3048000" y="1923134"/>
+                <a:off x="2951155" y="1869427"/>
                 <a:ext cx="6096000" cy="787716"/>
               </a:xfrm>
               <a:prstGeom prst="rect">
@@ -13855,7 +15541,7 @@
             </p:txBody>
           </p:sp>
         </mc:Choice>
-        <mc:Fallback xmlns="">
+        <mc:Fallback>
           <p:sp>
             <p:nvSpPr>
               <p:cNvPr id="7" name="TextBox 6">
@@ -13872,7 +15558,7 @@
             </p:nvSpPr>
             <p:spPr>
               <a:xfrm>
-                <a:off x="3048000" y="1923134"/>
+                <a:off x="2951155" y="1869427"/>
                 <a:ext cx="6096000" cy="787716"/>
               </a:xfrm>
               <a:prstGeom prst="rect">
@@ -14830,7 +16516,7 @@
         </p:nvSpPr>
         <p:spPr>
           <a:xfrm>
-            <a:off x="4551955" y="687081"/>
+            <a:off x="4479211" y="624360"/>
             <a:ext cx="3233578" cy="461665"/>
           </a:xfrm>
           <a:prstGeom prst="rect">
@@ -15627,7 +17313,7 @@
 </p:sld>
 </file>
 
-<file path=ppt/slides/slide12.xml><?xml version="1.0" encoding="utf-8"?>
+<file path=ppt/slides/slide13.xml><?xml version="1.0" encoding="utf-8"?>
 <p:sld xmlns:a="http://schemas.openxmlformats.org/drawingml/2006/main" xmlns:r="http://schemas.openxmlformats.org/officeDocument/2006/relationships" xmlns:p="http://schemas.openxmlformats.org/presentationml/2006/main">
   <p:cSld>
     <p:spTree>
@@ -15696,18 +17382,416 @@
         </p:nvSpPr>
         <p:spPr>
           <a:xfrm>
-            <a:off x="838200" y="1035050"/>
-            <a:ext cx="10515600" cy="4351338"/>
+            <a:off x="838200" y="869949"/>
+            <a:ext cx="10515600" cy="5462587"/>
           </a:xfrm>
         </p:spPr>
         <p:txBody>
-          <a:bodyPr/>
+          <a:bodyPr>
+            <a:normAutofit/>
+          </a:bodyPr>
           <a:lstStyle/>
           <a:p>
-            <a:pPr marL="0" indent="0">
+            <a:pPr marL="0" indent="0" algn="just">
+              <a:lnSpc>
+                <a:spcPct val="100000"/>
+              </a:lnSpc>
               <a:buNone/>
             </a:pPr>
-            <a:endParaRPr lang="ru-RU" dirty="0"/>
+            <a:r>
+              <a:rPr lang="ru-RU" sz="2000" dirty="0">
+                <a:solidFill>
+                  <a:srgbClr val="222222"/>
+                </a:solidFill>
+                <a:effectLst/>
+                <a:latin typeface="Bahnschrift Light" panose="020B0502040204020203" pitchFamily="34" charset="0"/>
+                <a:ea typeface="Calibri" panose="020F0502020204030204" pitchFamily="34" charset="0"/>
+              </a:rPr>
+              <a:t>На генераторах СКИ с ДНЗ удалось получить импульсы со следующими параметрами:</a:t>
+            </a:r>
+          </a:p>
+          <a:p>
+            <a:pPr algn="just">
+              <a:lnSpc>
+                <a:spcPct val="100000"/>
+              </a:lnSpc>
+            </a:pPr>
+            <a:r>
+              <a:rPr lang="ru-RU" sz="2000" dirty="0">
+                <a:solidFill>
+                  <a:srgbClr val="222222"/>
+                </a:solidFill>
+                <a:latin typeface="Bahnschrift Light" panose="020B0502040204020203" pitchFamily="34" charset="0"/>
+                <a:ea typeface="Calibri" panose="020F0502020204030204" pitchFamily="34" charset="0"/>
+              </a:rPr>
+              <a:t>амплитуда: 40В;</a:t>
+            </a:r>
+          </a:p>
+          <a:p>
+            <a:pPr algn="just">
+              <a:lnSpc>
+                <a:spcPct val="100000"/>
+              </a:lnSpc>
+            </a:pPr>
+            <a:r>
+              <a:rPr lang="ru-RU" sz="2000" dirty="0">
+                <a:solidFill>
+                  <a:srgbClr val="222222"/>
+                </a:solidFill>
+                <a:effectLst/>
+                <a:latin typeface="Bahnschrift Light" panose="020B0502040204020203" pitchFamily="34" charset="0"/>
+                <a:ea typeface="Calibri" panose="020F0502020204030204" pitchFamily="34" charset="0"/>
+              </a:rPr>
+              <a:t>длительность: 200 </a:t>
+            </a:r>
+            <a:r>
+              <a:rPr lang="ru-RU" sz="2000" dirty="0" err="1">
+                <a:solidFill>
+                  <a:srgbClr val="222222"/>
+                </a:solidFill>
+                <a:effectLst/>
+                <a:latin typeface="Bahnschrift Light" panose="020B0502040204020203" pitchFamily="34" charset="0"/>
+                <a:ea typeface="Calibri" panose="020F0502020204030204" pitchFamily="34" charset="0"/>
+              </a:rPr>
+              <a:t>пс</a:t>
+            </a:r>
+            <a:r>
+              <a:rPr lang="ru-RU" sz="2000" dirty="0">
+                <a:solidFill>
+                  <a:srgbClr val="222222"/>
+                </a:solidFill>
+                <a:effectLst/>
+                <a:latin typeface="Bahnschrift Light" panose="020B0502040204020203" pitchFamily="34" charset="0"/>
+                <a:ea typeface="Calibri" panose="020F0502020204030204" pitchFamily="34" charset="0"/>
+              </a:rPr>
+              <a:t>;</a:t>
+            </a:r>
+          </a:p>
+          <a:p>
+            <a:pPr algn="just">
+              <a:lnSpc>
+                <a:spcPct val="100000"/>
+              </a:lnSpc>
+            </a:pPr>
+            <a:r>
+              <a:rPr lang="ru-RU" sz="2000" dirty="0">
+                <a:solidFill>
+                  <a:srgbClr val="222222"/>
+                </a:solidFill>
+                <a:latin typeface="Bahnschrift Light" panose="020B0502040204020203" pitchFamily="34" charset="0"/>
+                <a:ea typeface="Calibri" panose="020F0502020204030204" pitchFamily="34" charset="0"/>
+              </a:rPr>
+              <a:t>уровень звона: 4%</a:t>
+            </a:r>
+          </a:p>
+          <a:p>
+            <a:pPr algn="just">
+              <a:lnSpc>
+                <a:spcPct val="100000"/>
+              </a:lnSpc>
+            </a:pPr>
+            <a:r>
+              <a:rPr lang="ru-RU" sz="2000" dirty="0">
+                <a:solidFill>
+                  <a:srgbClr val="222222"/>
+                </a:solidFill>
+                <a:effectLst/>
+                <a:latin typeface="Bahnschrift Light" panose="020B0502040204020203" pitchFamily="34" charset="0"/>
+                <a:ea typeface="Calibri" panose="020F0502020204030204" pitchFamily="34" charset="0"/>
+              </a:rPr>
+              <a:t>отклонение от идеальной формы (</a:t>
+            </a:r>
+            <a:r>
+              <a:rPr lang="en-US" sz="2000" dirty="0">
+                <a:solidFill>
+                  <a:srgbClr val="222222"/>
+                </a:solidFill>
+                <a:effectLst/>
+                <a:latin typeface="Bahnschrift Light" panose="020B0502040204020203" pitchFamily="34" charset="0"/>
+                <a:ea typeface="Calibri" panose="020F0502020204030204" pitchFamily="34" charset="0"/>
+              </a:rPr>
+              <a:t>NMSE</a:t>
+            </a:r>
+            <a:r>
+              <a:rPr lang="ru-RU" sz="2000" dirty="0">
+                <a:solidFill>
+                  <a:srgbClr val="222222"/>
+                </a:solidFill>
+                <a:effectLst/>
+                <a:latin typeface="Bahnschrift Light" panose="020B0502040204020203" pitchFamily="34" charset="0"/>
+                <a:ea typeface="Calibri" panose="020F0502020204030204" pitchFamily="34" charset="0"/>
+              </a:rPr>
+              <a:t>):</a:t>
+            </a:r>
+            <a:r>
+              <a:rPr lang="en-US" sz="2000" dirty="0">
+                <a:solidFill>
+                  <a:srgbClr val="222222"/>
+                </a:solidFill>
+                <a:effectLst/>
+                <a:latin typeface="Bahnschrift Light" panose="020B0502040204020203" pitchFamily="34" charset="0"/>
+                <a:ea typeface="Calibri" panose="020F0502020204030204" pitchFamily="34" charset="0"/>
+              </a:rPr>
+              <a:t> </a:t>
+            </a:r>
+            <a:r>
+              <a:rPr lang="ru-RU" sz="2000" dirty="0">
+                <a:solidFill>
+                  <a:srgbClr val="222222"/>
+                </a:solidFill>
+                <a:effectLst/>
+                <a:latin typeface="Bahnschrift Light" panose="020B0502040204020203" pitchFamily="34" charset="0"/>
+                <a:ea typeface="Calibri" panose="020F0502020204030204" pitchFamily="34" charset="0"/>
+              </a:rPr>
+              <a:t>– 13дБ.</a:t>
+            </a:r>
+          </a:p>
+          <a:p>
+            <a:pPr algn="just">
+              <a:lnSpc>
+                <a:spcPct val="100000"/>
+              </a:lnSpc>
+            </a:pPr>
+            <a:endParaRPr lang="ru-RU" sz="2000" dirty="0">
+              <a:solidFill>
+                <a:srgbClr val="222222"/>
+              </a:solidFill>
+              <a:effectLst/>
+              <a:latin typeface="Bahnschrift Light" panose="020B0502040204020203" pitchFamily="34" charset="0"/>
+              <a:ea typeface="Calibri" panose="020F0502020204030204" pitchFamily="34" charset="0"/>
+            </a:endParaRPr>
+          </a:p>
+          <a:p>
+            <a:pPr marL="0" indent="0" algn="just">
+              <a:lnSpc>
+                <a:spcPct val="100000"/>
+              </a:lnSpc>
+              <a:buNone/>
+            </a:pPr>
+            <a:r>
+              <a:rPr lang="ru-RU" sz="2000" dirty="0">
+                <a:solidFill>
+                  <a:srgbClr val="222222"/>
+                </a:solidFill>
+                <a:effectLst/>
+                <a:latin typeface="Bahnschrift Light" panose="020B0502040204020203" pitchFamily="34" charset="0"/>
+                <a:ea typeface="Calibri" panose="020F0502020204030204" pitchFamily="34" charset="0"/>
+              </a:rPr>
+              <a:t>В комплексе были получены сигналы со следующими параметрами:</a:t>
+            </a:r>
+          </a:p>
+          <a:p>
+            <a:pPr marL="342900" lvl="0" indent="-342900" algn="just">
+              <a:lnSpc>
+                <a:spcPct val="100000"/>
+              </a:lnSpc>
+              <a:buFont typeface="Symbol" panose="05050102010706020507" pitchFamily="18" charset="2"/>
+              <a:buChar char=""/>
+            </a:pPr>
+            <a:r>
+              <a:rPr lang="ru-RU" sz="2000" dirty="0">
+                <a:solidFill>
+                  <a:srgbClr val="222222"/>
+                </a:solidFill>
+                <a:effectLst/>
+                <a:latin typeface="Bahnschrift Light" panose="020B0502040204020203" pitchFamily="34" charset="0"/>
+                <a:ea typeface="Calibri" panose="020F0502020204030204" pitchFamily="34" charset="0"/>
+              </a:rPr>
+              <a:t>импульс в форме моноцикла Гаусса с размахом амплитуды 42 В, длительность от пика до пика 200 </a:t>
+            </a:r>
+            <a:r>
+              <a:rPr lang="ru-RU" sz="2000" dirty="0" err="1">
+                <a:solidFill>
+                  <a:srgbClr val="222222"/>
+                </a:solidFill>
+                <a:effectLst/>
+                <a:latin typeface="Bahnschrift Light" panose="020B0502040204020203" pitchFamily="34" charset="0"/>
+                <a:ea typeface="Calibri" panose="020F0502020204030204" pitchFamily="34" charset="0"/>
+              </a:rPr>
+              <a:t>пс</a:t>
+            </a:r>
+            <a:r>
+              <a:rPr lang="ru-RU" sz="2000" dirty="0">
+                <a:solidFill>
+                  <a:srgbClr val="222222"/>
+                </a:solidFill>
+                <a:effectLst/>
+                <a:latin typeface="Bahnschrift Light" panose="020B0502040204020203" pitchFamily="34" charset="0"/>
+                <a:ea typeface="Calibri" panose="020F0502020204030204" pitchFamily="34" charset="0"/>
+              </a:rPr>
+              <a:t> и общей длительностью 700 </a:t>
+            </a:r>
+            <a:r>
+              <a:rPr lang="ru-RU" sz="2000" dirty="0" err="1">
+                <a:solidFill>
+                  <a:srgbClr val="222222"/>
+                </a:solidFill>
+                <a:effectLst/>
+                <a:latin typeface="Bahnschrift Light" panose="020B0502040204020203" pitchFamily="34" charset="0"/>
+                <a:ea typeface="Calibri" panose="020F0502020204030204" pitchFamily="34" charset="0"/>
+              </a:rPr>
+              <a:t>пс</a:t>
+            </a:r>
+            <a:r>
+              <a:rPr lang="ru-RU" sz="2000" dirty="0">
+                <a:solidFill>
+                  <a:srgbClr val="222222"/>
+                </a:solidFill>
+                <a:effectLst/>
+                <a:latin typeface="Bahnschrift Light" panose="020B0502040204020203" pitchFamily="34" charset="0"/>
+                <a:ea typeface="Calibri" panose="020F0502020204030204" pitchFamily="34" charset="0"/>
+              </a:rPr>
+              <a:t>;</a:t>
+            </a:r>
+          </a:p>
+          <a:p>
+            <a:pPr marL="342900" lvl="0" indent="-342900" algn="just">
+              <a:lnSpc>
+                <a:spcPct val="100000"/>
+              </a:lnSpc>
+              <a:buFont typeface="Symbol" panose="05050102010706020507" pitchFamily="18" charset="2"/>
+              <a:buChar char=""/>
+            </a:pPr>
+            <a:r>
+              <a:rPr lang="ru-RU" sz="2000" dirty="0">
+                <a:solidFill>
+                  <a:srgbClr val="222222"/>
+                </a:solidFill>
+                <a:effectLst/>
+                <a:latin typeface="Bahnschrift Light" panose="020B0502040204020203" pitchFamily="34" charset="0"/>
+                <a:ea typeface="Calibri" panose="020F0502020204030204" pitchFamily="34" charset="0"/>
+              </a:rPr>
+              <a:t>импульс Эрмита с амплитудой более 10 В и общей длительностью 300 </a:t>
+            </a:r>
+            <a:r>
+              <a:rPr lang="ru-RU" sz="2000" dirty="0" err="1">
+                <a:solidFill>
+                  <a:srgbClr val="222222"/>
+                </a:solidFill>
+                <a:effectLst/>
+                <a:latin typeface="Bahnschrift Light" panose="020B0502040204020203" pitchFamily="34" charset="0"/>
+                <a:ea typeface="Calibri" panose="020F0502020204030204" pitchFamily="34" charset="0"/>
+              </a:rPr>
+              <a:t>пс</a:t>
+            </a:r>
+            <a:r>
+              <a:rPr lang="ru-RU" sz="2000" dirty="0">
+                <a:solidFill>
+                  <a:srgbClr val="222222"/>
+                </a:solidFill>
+                <a:effectLst/>
+                <a:latin typeface="Bahnschrift Light" panose="020B0502040204020203" pitchFamily="34" charset="0"/>
+                <a:ea typeface="Calibri" panose="020F0502020204030204" pitchFamily="34" charset="0"/>
+              </a:rPr>
+              <a:t>;</a:t>
+            </a:r>
+          </a:p>
+          <a:p>
+            <a:pPr marL="342900" lvl="0" indent="-342900" algn="just">
+              <a:lnSpc>
+                <a:spcPct val="100000"/>
+              </a:lnSpc>
+              <a:buFont typeface="Symbol" panose="05050102010706020507" pitchFamily="18" charset="2"/>
+              <a:buChar char=""/>
+            </a:pPr>
+            <a:r>
+              <a:rPr lang="ru-RU" sz="2000" dirty="0">
+                <a:solidFill>
+                  <a:srgbClr val="222222"/>
+                </a:solidFill>
+                <a:effectLst/>
+                <a:latin typeface="Bahnschrift Light" panose="020B0502040204020203" pitchFamily="34" charset="0"/>
+                <a:ea typeface="Calibri" panose="020F0502020204030204" pitchFamily="34" charset="0"/>
+              </a:rPr>
+              <a:t>дуплет Гаусса с размахом 24 В, длительностью от первого положительного пика до второго 1.2 </a:t>
+            </a:r>
+            <a:r>
+              <a:rPr lang="ru-RU" sz="2000" dirty="0" err="1">
+                <a:solidFill>
+                  <a:srgbClr val="222222"/>
+                </a:solidFill>
+                <a:effectLst/>
+                <a:latin typeface="Bahnschrift Light" panose="020B0502040204020203" pitchFamily="34" charset="0"/>
+                <a:ea typeface="Calibri" panose="020F0502020204030204" pitchFamily="34" charset="0"/>
+              </a:rPr>
+              <a:t>нс</a:t>
+            </a:r>
+            <a:r>
+              <a:rPr lang="ru-RU" sz="2000" dirty="0">
+                <a:solidFill>
+                  <a:srgbClr val="222222"/>
+                </a:solidFill>
+                <a:effectLst/>
+                <a:latin typeface="Bahnschrift Light" panose="020B0502040204020203" pitchFamily="34" charset="0"/>
+                <a:ea typeface="Calibri" panose="020F0502020204030204" pitchFamily="34" charset="0"/>
+              </a:rPr>
+              <a:t> и общей длительностью 2.4 </a:t>
+            </a:r>
+            <a:r>
+              <a:rPr lang="ru-RU" sz="2000" dirty="0" err="1">
+                <a:solidFill>
+                  <a:srgbClr val="222222"/>
+                </a:solidFill>
+                <a:effectLst/>
+                <a:latin typeface="Bahnschrift Light" panose="020B0502040204020203" pitchFamily="34" charset="0"/>
+                <a:ea typeface="Calibri" panose="020F0502020204030204" pitchFamily="34" charset="0"/>
+              </a:rPr>
+              <a:t>нс</a:t>
+            </a:r>
+            <a:r>
+              <a:rPr lang="ru-RU" sz="2000" dirty="0">
+                <a:solidFill>
+                  <a:srgbClr val="222222"/>
+                </a:solidFill>
+                <a:effectLst/>
+                <a:latin typeface="Bahnschrift Light" panose="020B0502040204020203" pitchFamily="34" charset="0"/>
+                <a:ea typeface="Calibri" panose="020F0502020204030204" pitchFamily="34" charset="0"/>
+              </a:rPr>
+              <a:t>. </a:t>
+            </a:r>
+          </a:p>
+          <a:p>
+            <a:pPr marL="0" lvl="0" indent="0" algn="just">
+              <a:lnSpc>
+                <a:spcPct val="100000"/>
+              </a:lnSpc>
+              <a:buNone/>
+            </a:pPr>
+            <a:r>
+              <a:rPr lang="ru-RU" sz="2000" dirty="0">
+                <a:solidFill>
+                  <a:srgbClr val="222222"/>
+                </a:solidFill>
+                <a:latin typeface="Bahnschrift Light" panose="020B0502040204020203" pitchFamily="34" charset="0"/>
+                <a:ea typeface="Calibri" panose="020F0502020204030204" pitchFamily="34" charset="0"/>
+              </a:rPr>
+              <a:t>Возможности перестройки системы по ширине спектра составили порядка </a:t>
+            </a:r>
+            <a:r>
+              <a:rPr lang="ru-RU" sz="2000" b="1" dirty="0">
+                <a:solidFill>
+                  <a:srgbClr val="222222"/>
+                </a:solidFill>
+                <a:latin typeface="Bahnschrift Light" panose="020B0502040204020203" pitchFamily="34" charset="0"/>
+                <a:ea typeface="Calibri" panose="020F0502020204030204" pitchFamily="34" charset="0"/>
+              </a:rPr>
+              <a:t>30%</a:t>
+            </a:r>
+          </a:p>
+          <a:p>
+            <a:pPr marL="0" lvl="0" indent="0" algn="just">
+              <a:lnSpc>
+                <a:spcPct val="150000"/>
+              </a:lnSpc>
+              <a:buNone/>
+            </a:pPr>
+            <a:endParaRPr lang="ru-RU" sz="2000" dirty="0">
+              <a:solidFill>
+                <a:srgbClr val="222222"/>
+              </a:solidFill>
+              <a:latin typeface="Bahnschrift Light" panose="020B0502040204020203" pitchFamily="34" charset="0"/>
+              <a:ea typeface="Calibri" panose="020F0502020204030204" pitchFamily="34" charset="0"/>
+            </a:endParaRPr>
           </a:p>
         </p:txBody>
       </p:sp>
@@ -15735,7 +17819,7 @@
             <a:fld id="{49A47517-3B86-41FB-B4AF-4A776FD921BA}" type="slidenum">
               <a:rPr lang="ru-RU" smtClean="0"/>
               <a:pPr/>
-              <a:t>12</a:t>
+              <a:t>13</a:t>
             </a:fld>
             <a:endParaRPr lang="ru-RU" dirty="0"/>
           </a:p>
@@ -15754,7 +17838,7 @@
 </p:sld>
 </file>
 
-<file path=ppt/slides/slide13.xml><?xml version="1.0" encoding="utf-8"?>
+<file path=ppt/slides/slide14.xml><?xml version="1.0" encoding="utf-8"?>
 <p:sld xmlns:a="http://schemas.openxmlformats.org/drawingml/2006/main" xmlns:r="http://schemas.openxmlformats.org/officeDocument/2006/relationships" xmlns:p="http://schemas.openxmlformats.org/presentationml/2006/main">
   <p:cSld>
     <p:spTree>
@@ -15822,7 +17906,7 @@
 </p:sld>
 </file>
 
-<file path=ppt/slides/slide14.xml><?xml version="1.0" encoding="utf-8"?>
+<file path=ppt/slides/slide15.xml><?xml version="1.0" encoding="utf-8"?>
 <p:sld xmlns:a="http://schemas.openxmlformats.org/drawingml/2006/main" xmlns:r="http://schemas.openxmlformats.org/officeDocument/2006/relationships" xmlns:p="http://schemas.openxmlformats.org/presentationml/2006/main">
   <p:cSld>
     <p:spTree>
@@ -15903,7 +17987,7 @@
             </a:pPr>
             <a:fld id="{0E74F7B3-D6C5-4685-98C3-5555C8ABFDCC}" type="slidenum">
               <a:rPr lang="ru-RU" smtClean="0"/>
-              <a:t>14</a:t>
+              <a:t>15</a:t>
             </a:fld>
             <a:endParaRPr lang="ru-RU"/>
           </a:p>
@@ -16125,7 +18209,7 @@
 </p:sld>
 </file>
 
-<file path=ppt/slides/slide15.xml><?xml version="1.0" encoding="utf-8"?>
+<file path=ppt/slides/slide16.xml><?xml version="1.0" encoding="utf-8"?>
 <p:sld xmlns:a="http://schemas.openxmlformats.org/drawingml/2006/main" xmlns:r="http://schemas.openxmlformats.org/officeDocument/2006/relationships" xmlns:p="http://schemas.openxmlformats.org/presentationml/2006/main">
   <p:cSld>
     <p:spTree>
@@ -16206,7 +18290,7 @@
             </a:pPr>
             <a:fld id="{0E74F7B3-D6C5-4685-98C3-5555C8ABFDCC}" type="slidenum">
               <a:rPr lang="ru-RU" smtClean="0"/>
-              <a:t>15</a:t>
+              <a:t>16</a:t>
             </a:fld>
             <a:endParaRPr lang="ru-RU"/>
           </a:p>
@@ -16428,7 +18512,7 @@
 </p:sld>
 </file>
 
-<file path=ppt/slides/slide16.xml><?xml version="1.0" encoding="utf-8"?>
+<file path=ppt/slides/slide17.xml><?xml version="1.0" encoding="utf-8"?>
 <p:sld xmlns:a="http://schemas.openxmlformats.org/drawingml/2006/main" xmlns:r="http://schemas.openxmlformats.org/officeDocument/2006/relationships" xmlns:p="http://schemas.openxmlformats.org/presentationml/2006/main">
   <p:cSld>
     <p:spTree>
@@ -16505,7 +18589,7 @@
             <a:fld id="{CEBA4FEC-A158-47C3-BA1E-F484BDAD1508}" type="slidenum">
               <a:rPr lang="ru-RU" smtClean="0"/>
               <a:pPr/>
-              <a:t>16</a:t>
+              <a:t>17</a:t>
             </a:fld>
             <a:endParaRPr lang="ru-RU" dirty="0"/>
           </a:p>
@@ -16990,7 +19074,7 @@
         </p:nvSpPr>
         <p:spPr bwMode="auto">
           <a:xfrm>
-            <a:off x="1333500" y="-228089"/>
+            <a:off x="682914" y="-200019"/>
             <a:ext cx="10515600" cy="1325563"/>
           </a:xfrm>
         </p:spPr>
@@ -17083,7 +19167,7 @@
         </p:nvSpPr>
         <p:spPr>
           <a:xfrm>
-            <a:off x="264274" y="4944417"/>
+            <a:off x="1134224" y="5732416"/>
             <a:ext cx="3631122" cy="461665"/>
           </a:xfrm>
           <a:prstGeom prst="rect">
@@ -17235,8 +19319,8 @@
         </p:blipFill>
         <p:spPr bwMode="auto">
           <a:xfrm>
-            <a:off x="993486" y="908133"/>
-            <a:ext cx="2343894" cy="4149726"/>
+            <a:off x="1577387" y="872917"/>
+            <a:ext cx="2744796" cy="4859499"/>
           </a:xfrm>
           <a:prstGeom prst="rect">
             <a:avLst/>
@@ -18443,7 +20527,7 @@
           <a:graphicData uri="http://schemas.openxmlformats.org/presentationml/2006/ole">
             <mc:AlternateContent xmlns:mc="http://schemas.openxmlformats.org/markup-compatibility/2006">
               <mc:Choice xmlns:v="urn:schemas-microsoft-com:vml" Requires="v">
-                <p:oleObj spid="_x0000_s1066" name="Document" r:id="rId4" imgW="5938880" imgH="2994093" progId="Word.Document.12">
+                <p:oleObj spid="_x0000_s1089" name="Document" r:id="rId4" imgW="5938880" imgH="2994093" progId="Word.Document.12">
                   <p:embed/>
                 </p:oleObj>
               </mc:Choice>
@@ -18533,7 +20617,7 @@
               <a:rPr lang="ru-RU" sz="1800" dirty="0">
                 <a:latin typeface="Bahnschrift Light" panose="020B0502040204020203" pitchFamily="34" charset="0"/>
               </a:rPr>
-              <a:t> сумматор: модель</a:t>
+              <a:t> сумматор: референс</a:t>
             </a:r>
           </a:p>
         </p:txBody>
@@ -19389,85 +21473,6 @@
           </a:prstGeom>
         </p:spPr>
       </p:pic>
-      <p:sp>
-        <p:nvSpPr>
-          <p:cNvPr id="10" name="TextBox 9">
-            <a:extLst>
-              <a:ext uri="{FF2B5EF4-FFF2-40B4-BE49-F238E27FC236}">
-                <a16:creationId xmlns:a16="http://schemas.microsoft.com/office/drawing/2014/main" id="{5E88B97B-55ED-4660-9A29-9CBE719500A6}"/>
-              </a:ext>
-            </a:extLst>
-          </p:cNvPr>
-          <p:cNvSpPr txBox="1"/>
-          <p:nvPr/>
-        </p:nvSpPr>
-        <p:spPr>
-          <a:xfrm>
-            <a:off x="7388004" y="5894685"/>
-            <a:ext cx="3666214" cy="707886"/>
-          </a:xfrm>
-          <a:prstGeom prst="rect">
-            <a:avLst/>
-          </a:prstGeom>
-          <a:noFill/>
-        </p:spPr>
-        <p:txBody>
-          <a:bodyPr wrap="square" rtlCol="0">
-            <a:spAutoFit/>
-          </a:bodyPr>
-          <a:lstStyle/>
-          <a:p>
-            <a:pPr algn="ctr"/>
-            <a:r>
-              <a:rPr lang="ru-RU" sz="2000" dirty="0">
-                <a:latin typeface="Bahnschrift Light" panose="020B0502040204020203" pitchFamily="34" charset="0"/>
-              </a:rPr>
-              <a:t>Рис. </a:t>
-            </a:r>
-            <a:r>
-              <a:rPr lang="en-US" sz="2000" dirty="0">
-                <a:latin typeface="Bahnschrift Light" panose="020B0502040204020203" pitchFamily="34" charset="0"/>
-              </a:rPr>
-              <a:t>8</a:t>
-            </a:r>
-            <a:r>
-              <a:rPr lang="ru-RU" sz="2000" dirty="0">
-                <a:latin typeface="Bahnschrift Light" panose="020B0502040204020203" pitchFamily="34" charset="0"/>
-              </a:rPr>
-              <a:t>. Формирование импульса </a:t>
-            </a:r>
-          </a:p>
-        </p:txBody>
-      </p:sp>
-      <p:pic>
-        <p:nvPicPr>
-          <p:cNvPr id="12" name="Рисунок 9">
-            <a:extLst>
-              <a:ext uri="{FF2B5EF4-FFF2-40B4-BE49-F238E27FC236}">
-                <a16:creationId xmlns:a16="http://schemas.microsoft.com/office/drawing/2014/main" id="{11822C64-DB60-4962-B260-32C78D43840F}"/>
-              </a:ext>
-            </a:extLst>
-          </p:cNvPr>
-          <p:cNvPicPr>
-            <a:picLocks noChangeAspect="1"/>
-          </p:cNvPicPr>
-          <p:nvPr/>
-        </p:nvPicPr>
-        <p:blipFill rotWithShape="1">
-          <a:blip r:embed="rId4"/>
-          <a:srcRect t="547" b="1"/>
-          <a:stretch/>
-        </p:blipFill>
-        <p:spPr>
-          <a:xfrm>
-            <a:off x="7320944" y="3139109"/>
-            <a:ext cx="3486150" cy="2875260"/>
-          </a:xfrm>
-          <a:prstGeom prst="rect">
-            <a:avLst/>
-          </a:prstGeom>
-        </p:spPr>
-      </p:pic>
       <p:pic>
         <p:nvPicPr>
           <p:cNvPr id="13" name="Рисунок 3">
@@ -19481,13 +21486,13 @@
           <p:nvPr/>
         </p:nvPicPr>
         <p:blipFill>
-          <a:blip r:embed="rId5" cstate="print">
+          <a:blip r:embed="rId4" cstate="print">
             <a:extLst>
               <a:ext uri="{28A0092B-C50C-407E-A947-70E740481C1C}">
                 <a14:useLocalDpi xmlns:a14="http://schemas.microsoft.com/office/drawing/2010/main" val="0"/>
               </a:ext>
               <a:ext uri="{96DAC541-7B7A-43D3-8B79-37D633B846F1}">
-                <asvg:svgBlip xmlns:asvg="http://schemas.microsoft.com/office/drawing/2016/SVG/main" r:embed="rId6"/>
+                <asvg:svgBlip xmlns:asvg="http://schemas.microsoft.com/office/drawing/2016/SVG/main" r:embed="rId5"/>
               </a:ext>
             </a:extLst>
           </a:blip>
@@ -19497,8 +21502,8 @@
         </p:blipFill>
         <p:spPr>
           <a:xfrm>
-            <a:off x="7200237" y="670610"/>
-            <a:ext cx="3787306" cy="2341484"/>
+            <a:off x="5790024" y="1408499"/>
+            <a:ext cx="5873311" cy="3968980"/>
           </a:xfrm>
           <a:prstGeom prst="rect">
             <a:avLst/>
@@ -19829,6 +21834,43 @@
           </a:p>
         </p:txBody>
       </p:sp>
+      <p:sp>
+        <p:nvSpPr>
+          <p:cNvPr id="15" name="TextBox 14">
+            <a:extLst>
+              <a:ext uri="{FF2B5EF4-FFF2-40B4-BE49-F238E27FC236}">
+                <a16:creationId xmlns:a16="http://schemas.microsoft.com/office/drawing/2014/main" id="{5C730923-5B92-477F-B3BF-44698B9F8960}"/>
+              </a:ext>
+            </a:extLst>
+          </p:cNvPr>
+          <p:cNvSpPr txBox="1"/>
+          <p:nvPr/>
+        </p:nvSpPr>
+        <p:spPr bwMode="auto">
+          <a:xfrm>
+            <a:off x="6288146" y="5349994"/>
+            <a:ext cx="4759636" cy="461665"/>
+          </a:xfrm>
+          <a:prstGeom prst="rect">
+            <a:avLst/>
+          </a:prstGeom>
+          <a:noFill/>
+        </p:spPr>
+        <p:txBody>
+          <a:bodyPr wrap="none" rtlCol="0">
+            <a:spAutoFit/>
+          </a:bodyPr>
+          <a:lstStyle/>
+          <a:p>
+            <a:r>
+              <a:rPr lang="ru-RU" sz="2400" dirty="0">
+                <a:latin typeface="Bahnschrift Light" panose="020B0502040204020203" pitchFamily="34" charset="0"/>
+              </a:rPr>
+              <a:t>Рис. 8. Формирование импульса</a:t>
+            </a:r>
+          </a:p>
+        </p:txBody>
+      </p:sp>
     </p:spTree>
     <p:extLst>
       <p:ext uri="{BB962C8B-B14F-4D97-AF65-F5344CB8AC3E}">
@@ -19843,6 +21885,308 @@
 </file>
 
 <file path=ppt/slides/slide8.xml><?xml version="1.0" encoding="utf-8"?>
+<p:sld xmlns:a="http://schemas.openxmlformats.org/drawingml/2006/main" xmlns:r="http://schemas.openxmlformats.org/officeDocument/2006/relationships" xmlns:p="http://schemas.openxmlformats.org/presentationml/2006/main">
+  <p:cSld>
+    <p:spTree>
+      <p:nvGrpSpPr>
+        <p:cNvPr id="1" name=""/>
+        <p:cNvGrpSpPr/>
+        <p:nvPr/>
+      </p:nvGrpSpPr>
+      <p:grpSpPr>
+        <a:xfrm>
+          <a:off x="0" y="0"/>
+          <a:ext cx="0" cy="0"/>
+          <a:chOff x="0" y="0"/>
+          <a:chExt cx="0" cy="0"/>
+        </a:xfrm>
+      </p:grpSpPr>
+      <p:sp>
+        <p:nvSpPr>
+          <p:cNvPr id="2" name="Заголовок 1">
+            <a:extLst>
+              <a:ext uri="{FF2B5EF4-FFF2-40B4-BE49-F238E27FC236}">
+                <a16:creationId xmlns:a16="http://schemas.microsoft.com/office/drawing/2014/main" id="{1C3E93FF-6F08-47F8-BB76-5243142018F9}"/>
+              </a:ext>
+            </a:extLst>
+          </p:cNvPr>
+          <p:cNvSpPr>
+            <a:spLocks noGrp="1"/>
+          </p:cNvSpPr>
+          <p:nvPr>
+            <p:ph type="title"/>
+          </p:nvPr>
+        </p:nvSpPr>
+        <p:spPr/>
+        <p:txBody>
+          <a:bodyPr/>
+          <a:lstStyle/>
+          <a:p>
+            <a:r>
+              <a:rPr lang="ru-RU" dirty="0"/>
+              <a:t>Полученный результат</a:t>
+            </a:r>
+          </a:p>
+        </p:txBody>
+      </p:sp>
+      <p:sp>
+        <p:nvSpPr>
+          <p:cNvPr id="4" name="Номер слайда 3">
+            <a:extLst>
+              <a:ext uri="{FF2B5EF4-FFF2-40B4-BE49-F238E27FC236}">
+                <a16:creationId xmlns:a16="http://schemas.microsoft.com/office/drawing/2014/main" id="{E940450C-7F36-43B6-BFD3-8B8689BEC54E}"/>
+              </a:ext>
+            </a:extLst>
+          </p:cNvPr>
+          <p:cNvSpPr>
+            <a:spLocks noGrp="1"/>
+          </p:cNvSpPr>
+          <p:nvPr>
+            <p:ph type="sldNum" sz="quarter" idx="12"/>
+          </p:nvPr>
+        </p:nvSpPr>
+        <p:spPr/>
+        <p:txBody>
+          <a:bodyPr/>
+          <a:lstStyle/>
+          <a:p>
+            <a:fld id="{49A47517-3B86-41FB-B4AF-4A776FD921BA}" type="slidenum">
+              <a:rPr lang="ru-RU" smtClean="0"/>
+              <a:pPr/>
+              <a:t>8</a:t>
+            </a:fld>
+            <a:endParaRPr lang="ru-RU" dirty="0"/>
+          </a:p>
+        </p:txBody>
+      </p:sp>
+      <p:sp>
+        <p:nvSpPr>
+          <p:cNvPr id="5" name="TextBox 4">
+            <a:extLst>
+              <a:ext uri="{FF2B5EF4-FFF2-40B4-BE49-F238E27FC236}">
+                <a16:creationId xmlns:a16="http://schemas.microsoft.com/office/drawing/2014/main" id="{38B41F1C-34F2-44E3-A40F-68D0CC997F55}"/>
+              </a:ext>
+            </a:extLst>
+          </p:cNvPr>
+          <p:cNvSpPr txBox="1"/>
+          <p:nvPr/>
+        </p:nvSpPr>
+        <p:spPr>
+          <a:xfrm>
+            <a:off x="299502" y="3517093"/>
+            <a:ext cx="3666214" cy="707886"/>
+          </a:xfrm>
+          <a:prstGeom prst="rect">
+            <a:avLst/>
+          </a:prstGeom>
+          <a:noFill/>
+        </p:spPr>
+        <p:txBody>
+          <a:bodyPr wrap="square" rtlCol="0">
+            <a:spAutoFit/>
+          </a:bodyPr>
+          <a:lstStyle/>
+          <a:p>
+            <a:pPr algn="ctr"/>
+            <a:r>
+              <a:rPr lang="ru-RU" sz="2000" dirty="0">
+                <a:latin typeface="Bahnschrift Light" panose="020B0502040204020203" pitchFamily="34" charset="0"/>
+              </a:rPr>
+              <a:t>Рис. 9. СКИ в модели генератора</a:t>
+            </a:r>
+          </a:p>
+        </p:txBody>
+      </p:sp>
+      <p:pic>
+        <p:nvPicPr>
+          <p:cNvPr id="6" name="Рисунок 9">
+            <a:extLst>
+              <a:ext uri="{FF2B5EF4-FFF2-40B4-BE49-F238E27FC236}">
+                <a16:creationId xmlns:a16="http://schemas.microsoft.com/office/drawing/2014/main" id="{17F91BE9-8A1F-4C76-A6E2-75B9B0CC6552}"/>
+              </a:ext>
+            </a:extLst>
+          </p:cNvPr>
+          <p:cNvPicPr>
+            <a:picLocks noChangeAspect="1"/>
+          </p:cNvPicPr>
+          <p:nvPr/>
+        </p:nvPicPr>
+        <p:blipFill rotWithShape="1">
+          <a:blip r:embed="rId2"/>
+          <a:srcRect t="547" b="1"/>
+          <a:stretch/>
+        </p:blipFill>
+        <p:spPr>
+          <a:xfrm>
+            <a:off x="530087" y="3517093"/>
+            <a:ext cx="3205043" cy="2643412"/>
+          </a:xfrm>
+          <a:prstGeom prst="rect">
+            <a:avLst/>
+          </a:prstGeom>
+        </p:spPr>
+      </p:pic>
+      <p:pic>
+        <p:nvPicPr>
+          <p:cNvPr id="7" name="Picture 24">
+            <a:extLst>
+              <a:ext uri="{FF2B5EF4-FFF2-40B4-BE49-F238E27FC236}">
+                <a16:creationId xmlns:a16="http://schemas.microsoft.com/office/drawing/2014/main" id="{5E4EDF8F-603F-429A-8D8E-126E6F718FF1}"/>
+              </a:ext>
+            </a:extLst>
+          </p:cNvPr>
+          <p:cNvPicPr>
+            <a:picLocks noGrp="1"/>
+          </p:cNvPicPr>
+          <p:nvPr>
+            <p:ph idx="1"/>
+          </p:nvPr>
+        </p:nvPicPr>
+        <p:blipFill>
+          <a:blip r:embed="rId3" cstate="print">
+            <a:extLst>
+              <a:ext uri="{28A0092B-C50C-407E-A947-70E740481C1C}">
+                <a14:useLocalDpi xmlns:a14="http://schemas.microsoft.com/office/drawing/2010/main" val="0"/>
+              </a:ext>
+            </a:extLst>
+          </a:blip>
+          <a:srcRect/>
+          <a:stretch>
+            <a:fillRect/>
+          </a:stretch>
+        </p:blipFill>
+        <p:spPr bwMode="auto">
+          <a:xfrm>
+            <a:off x="613687" y="781732"/>
+            <a:ext cx="2866113" cy="2643412"/>
+          </a:xfrm>
+          <a:prstGeom prst="rect">
+            <a:avLst/>
+          </a:prstGeom>
+          <a:noFill/>
+          <a:ln>
+            <a:noFill/>
+          </a:ln>
+        </p:spPr>
+      </p:pic>
+      <p:sp>
+        <p:nvSpPr>
+          <p:cNvPr id="10" name="TextBox 9">
+            <a:extLst>
+              <a:ext uri="{FF2B5EF4-FFF2-40B4-BE49-F238E27FC236}">
+                <a16:creationId xmlns:a16="http://schemas.microsoft.com/office/drawing/2014/main" id="{92B3470D-702B-4CAC-B15B-69694BC39B49}"/>
+              </a:ext>
+            </a:extLst>
+          </p:cNvPr>
+          <p:cNvSpPr txBox="1"/>
+          <p:nvPr/>
+        </p:nvSpPr>
+        <p:spPr>
+          <a:xfrm>
+            <a:off x="6206169" y="5876213"/>
+            <a:ext cx="3666214" cy="400110"/>
+          </a:xfrm>
+          <a:prstGeom prst="rect">
+            <a:avLst/>
+          </a:prstGeom>
+          <a:noFill/>
+        </p:spPr>
+        <p:txBody>
+          <a:bodyPr wrap="square" rtlCol="0">
+            <a:spAutoFit/>
+          </a:bodyPr>
+          <a:lstStyle/>
+          <a:p>
+            <a:pPr algn="ctr"/>
+            <a:r>
+              <a:rPr lang="ru-RU" sz="2000" dirty="0">
+                <a:latin typeface="Bahnschrift Light" panose="020B0502040204020203" pitchFamily="34" charset="0"/>
+              </a:rPr>
+              <a:t>Рис. 10. Влияние задержки</a:t>
+            </a:r>
+          </a:p>
+        </p:txBody>
+      </p:sp>
+      <p:sp>
+        <p:nvSpPr>
+          <p:cNvPr id="11" name="TextBox 10">
+            <a:extLst>
+              <a:ext uri="{FF2B5EF4-FFF2-40B4-BE49-F238E27FC236}">
+                <a16:creationId xmlns:a16="http://schemas.microsoft.com/office/drawing/2014/main" id="{10FC7450-B917-4C70-80F2-3768825210E3}"/>
+              </a:ext>
+            </a:extLst>
+          </p:cNvPr>
+          <p:cNvSpPr txBox="1"/>
+          <p:nvPr/>
+        </p:nvSpPr>
+        <p:spPr>
+          <a:xfrm>
+            <a:off x="293392" y="6076268"/>
+            <a:ext cx="3769184" cy="707886"/>
+          </a:xfrm>
+          <a:prstGeom prst="rect">
+            <a:avLst/>
+          </a:prstGeom>
+          <a:noFill/>
+        </p:spPr>
+        <p:txBody>
+          <a:bodyPr wrap="square" rtlCol="0">
+            <a:spAutoFit/>
+          </a:bodyPr>
+          <a:lstStyle/>
+          <a:p>
+            <a:pPr algn="ctr"/>
+            <a:r>
+              <a:rPr lang="ru-RU" sz="2000" dirty="0">
+                <a:latin typeface="Bahnschrift Light" panose="020B0502040204020203" pitchFamily="34" charset="0"/>
+              </a:rPr>
+              <a:t>Рис. 9. СКИ с генератора: модель и эксперимент</a:t>
+            </a:r>
+          </a:p>
+        </p:txBody>
+      </p:sp>
+      <p:graphicFrame>
+        <p:nvGraphicFramePr>
+          <p:cNvPr id="13" name="Диаграмма 12">
+            <a:extLst>
+              <a:ext uri="{FF2B5EF4-FFF2-40B4-BE49-F238E27FC236}">
+                <a16:creationId xmlns:a16="http://schemas.microsoft.com/office/drawing/2014/main" id="{BCB0A3BE-D355-4D3C-AA9D-9AFD8BF6EC5E}"/>
+              </a:ext>
+            </a:extLst>
+          </p:cNvPr>
+          <p:cNvGraphicFramePr/>
+          <p:nvPr>
+            <p:extLst>
+              <p:ext uri="{D42A27DB-BD31-4B8C-83A1-F6EECF244321}">
+                <p14:modId xmlns:p14="http://schemas.microsoft.com/office/powerpoint/2010/main" val="2430008731"/>
+              </p:ext>
+            </p:extLst>
+          </p:nvPr>
+        </p:nvGraphicFramePr>
+        <p:xfrm>
+          <a:off x="4499950" y="1167786"/>
+          <a:ext cx="7017385" cy="3999123"/>
+        </p:xfrm>
+        <a:graphic>
+          <a:graphicData uri="http://schemas.openxmlformats.org/drawingml/2006/chart">
+            <c:chart xmlns:c="http://schemas.openxmlformats.org/drawingml/2006/chart" xmlns:r="http://schemas.openxmlformats.org/officeDocument/2006/relationships" r:id="rId4"/>
+          </a:graphicData>
+        </a:graphic>
+      </p:graphicFrame>
+    </p:spTree>
+    <p:extLst>
+      <p:ext uri="{BB962C8B-B14F-4D97-AF65-F5344CB8AC3E}">
+        <p14:creationId xmlns:p14="http://schemas.microsoft.com/office/powerpoint/2010/main" val="2322461878"/>
+      </p:ext>
+    </p:extLst>
+  </p:cSld>
+  <p:clrMapOvr>
+    <a:masterClrMapping/>
+  </p:clrMapOvr>
+</p:sld>
+</file>
+
+<file path=ppt/slides/slide9.xml><?xml version="1.0" encoding="utf-8"?>
 <p:sld xmlns:a="http://schemas.openxmlformats.org/drawingml/2006/main" xmlns:r="http://schemas.openxmlformats.org/officeDocument/2006/relationships" xmlns:p="http://schemas.openxmlformats.org/presentationml/2006/main">
   <p:cSld>
     <p:spTree>
@@ -19918,7 +22262,7 @@
             </a:pPr>
             <a:fld id="{0E74F7B3-D6C5-4685-98C3-5555C8ABFDCC}" type="slidenum">
               <a:rPr lang="ru-RU" smtClean="0"/>
-              <a:t>8</a:t>
+              <a:t>9</a:t>
             </a:fld>
             <a:endParaRPr lang="ru-RU"/>
           </a:p>
@@ -19993,7 +22337,7 @@
               <a:rPr lang="ru-RU" sz="2000" dirty="0">
                 <a:latin typeface="Bahnschrift Light" panose="020B0502040204020203" pitchFamily="34" charset="0"/>
               </a:rPr>
-              <a:t>Рис. 9. Четыре импульса на входе сумматора и импульсы с выхода с разными задержками</a:t>
+              <a:t>Рис. 11. Четыре импульса на входе сумматора и импульсы с выхода с разными задержками</a:t>
             </a:r>
           </a:p>
         </p:txBody>
@@ -20338,439 +22682,6 @@
     <p:extLst>
       <p:ext uri="{BB962C8B-B14F-4D97-AF65-F5344CB8AC3E}">
         <p14:creationId xmlns:p14="http://schemas.microsoft.com/office/powerpoint/2010/main" val="3373505830"/>
-      </p:ext>
-    </p:extLst>
-  </p:cSld>
-  <p:clrMapOvr>
-    <a:masterClrMapping/>
-  </p:clrMapOvr>
-</p:sld>
-</file>
-
-<file path=ppt/slides/slide9.xml><?xml version="1.0" encoding="utf-8"?>
-<p:sld xmlns:a="http://schemas.openxmlformats.org/drawingml/2006/main" xmlns:r="http://schemas.openxmlformats.org/officeDocument/2006/relationships" xmlns:p="http://schemas.openxmlformats.org/presentationml/2006/main">
-  <p:cSld>
-    <p:spTree>
-      <p:nvGrpSpPr>
-        <p:cNvPr id="1" name=""/>
-        <p:cNvGrpSpPr/>
-        <p:nvPr/>
-      </p:nvGrpSpPr>
-      <p:grpSpPr>
-        <a:xfrm>
-          <a:off x="0" y="0"/>
-          <a:ext cx="0" cy="0"/>
-          <a:chOff x="0" y="0"/>
-          <a:chExt cx="0" cy="0"/>
-        </a:xfrm>
-      </p:grpSpPr>
-      <p:sp>
-        <p:nvSpPr>
-          <p:cNvPr id="2" name="Заголовок 1">
-            <a:extLst>
-              <a:ext uri="{FF2B5EF4-FFF2-40B4-BE49-F238E27FC236}">
-                <a16:creationId xmlns:a16="http://schemas.microsoft.com/office/drawing/2014/main" id="{619F72AC-C791-4493-98D8-1067E1D962EE}"/>
-              </a:ext>
-            </a:extLst>
-          </p:cNvPr>
-          <p:cNvSpPr>
-            <a:spLocks noGrp="1"/>
-          </p:cNvSpPr>
-          <p:nvPr>
-            <p:ph type="title"/>
-          </p:nvPr>
-        </p:nvSpPr>
-        <p:spPr>
-          <a:xfrm>
-            <a:off x="838199" y="-263871"/>
-            <a:ext cx="10515600" cy="1325563"/>
-          </a:xfrm>
-        </p:spPr>
-        <p:txBody>
-          <a:bodyPr/>
-          <a:lstStyle/>
-          <a:p>
-            <a:pPr algn="ctr"/>
-            <a:r>
-              <a:rPr lang="ru-RU" dirty="0"/>
-              <a:t>Спектры СКИ</a:t>
-            </a:r>
-          </a:p>
-        </p:txBody>
-      </p:sp>
-      <p:pic>
-        <p:nvPicPr>
-          <p:cNvPr id="6" name="Объект 5">
-            <a:extLst>
-              <a:ext uri="{FF2B5EF4-FFF2-40B4-BE49-F238E27FC236}">
-                <a16:creationId xmlns:a16="http://schemas.microsoft.com/office/drawing/2014/main" id="{BA24BA57-DD3C-4B5C-9B8C-1ACC371FAC55}"/>
-              </a:ext>
-            </a:extLst>
-          </p:cNvPr>
-          <p:cNvPicPr>
-            <a:picLocks noGrp="1" noChangeAspect="1"/>
-          </p:cNvPicPr>
-          <p:nvPr>
-            <p:ph idx="1"/>
-          </p:nvPr>
-        </p:nvPicPr>
-        <p:blipFill rotWithShape="1">
-          <a:blip r:embed="rId2">
-            <a:clrChange>
-              <a:clrFrom>
-                <a:srgbClr val="FFFFFF"/>
-              </a:clrFrom>
-              <a:clrTo>
-                <a:srgbClr val="FFFFFF">
-                  <a:alpha val="0"/>
-                </a:srgbClr>
-              </a:clrTo>
-            </a:clrChange>
-            <a:extLst>
-              <a:ext uri="{28A0092B-C50C-407E-A947-70E740481C1C}">
-                <a14:useLocalDpi xmlns:a14="http://schemas.microsoft.com/office/drawing/2010/main" val="0"/>
-              </a:ext>
-            </a:extLst>
-          </a:blip>
-          <a:srcRect t="4780" b="1072"/>
-          <a:stretch/>
-        </p:blipFill>
-        <p:spPr>
-          <a:xfrm>
-            <a:off x="143567" y="1380688"/>
-            <a:ext cx="4224241" cy="2840400"/>
-          </a:xfrm>
-        </p:spPr>
-      </p:pic>
-      <p:sp>
-        <p:nvSpPr>
-          <p:cNvPr id="4" name="Номер слайда 3">
-            <a:extLst>
-              <a:ext uri="{FF2B5EF4-FFF2-40B4-BE49-F238E27FC236}">
-                <a16:creationId xmlns:a16="http://schemas.microsoft.com/office/drawing/2014/main" id="{C754196B-4818-4673-9E40-A6042F216F63}"/>
-              </a:ext>
-            </a:extLst>
-          </p:cNvPr>
-          <p:cNvSpPr>
-            <a:spLocks noGrp="1"/>
-          </p:cNvSpPr>
-          <p:nvPr>
-            <p:ph type="sldNum" sz="quarter" idx="12"/>
-          </p:nvPr>
-        </p:nvSpPr>
-        <p:spPr/>
-        <p:txBody>
-          <a:bodyPr/>
-          <a:lstStyle/>
-          <a:p>
-            <a:pPr>
-              <a:defRPr/>
-            </a:pPr>
-            <a:fld id="{0E74F7B3-D6C5-4685-98C3-5555C8ABFDCC}" type="slidenum">
-              <a:rPr lang="ru-RU" smtClean="0"/>
-              <a:t>9</a:t>
-            </a:fld>
-            <a:endParaRPr lang="ru-RU"/>
-          </a:p>
-        </p:txBody>
-      </p:sp>
-      <p:pic>
-        <p:nvPicPr>
-          <p:cNvPr id="10" name="Рисунок 9">
-            <a:extLst>
-              <a:ext uri="{FF2B5EF4-FFF2-40B4-BE49-F238E27FC236}">
-                <a16:creationId xmlns:a16="http://schemas.microsoft.com/office/drawing/2014/main" id="{95BB5E84-530F-409C-9417-77EE3BAA62AF}"/>
-              </a:ext>
-            </a:extLst>
-          </p:cNvPr>
-          <p:cNvPicPr>
-            <a:picLocks noChangeAspect="1"/>
-          </p:cNvPicPr>
-          <p:nvPr/>
-        </p:nvPicPr>
-        <p:blipFill>
-          <a:blip r:embed="rId3">
-            <a:clrChange>
-              <a:clrFrom>
-                <a:srgbClr val="FFFFFF"/>
-              </a:clrFrom>
-              <a:clrTo>
-                <a:srgbClr val="FFFFFF">
-                  <a:alpha val="0"/>
-                </a:srgbClr>
-              </a:clrTo>
-            </a:clrChange>
-            <a:extLst>
-              <a:ext uri="{28A0092B-C50C-407E-A947-70E740481C1C}">
-                <a14:useLocalDpi xmlns:a14="http://schemas.microsoft.com/office/drawing/2010/main" val="0"/>
-              </a:ext>
-            </a:extLst>
-          </a:blip>
-          <a:stretch>
-            <a:fillRect/>
-          </a:stretch>
-        </p:blipFill>
-        <p:spPr>
-          <a:xfrm>
-            <a:off x="8293124" y="1414931"/>
-            <a:ext cx="3707532" cy="2880000"/>
-          </a:xfrm>
-          <a:prstGeom prst="rect">
-            <a:avLst/>
-          </a:prstGeom>
-        </p:spPr>
-      </p:pic>
-      <p:pic>
-        <p:nvPicPr>
-          <p:cNvPr id="12" name="Рисунок 11">
-            <a:extLst>
-              <a:ext uri="{FF2B5EF4-FFF2-40B4-BE49-F238E27FC236}">
-                <a16:creationId xmlns:a16="http://schemas.microsoft.com/office/drawing/2014/main" id="{2C6D5CD6-007F-4747-9A8E-7C14C0FFCFBB}"/>
-              </a:ext>
-            </a:extLst>
-          </p:cNvPr>
-          <p:cNvPicPr>
-            <a:picLocks noChangeAspect="1"/>
-          </p:cNvPicPr>
-          <p:nvPr/>
-        </p:nvPicPr>
-        <p:blipFill>
-          <a:blip r:embed="rId4">
-            <a:clrChange>
-              <a:clrFrom>
-                <a:srgbClr val="FFFFFF"/>
-              </a:clrFrom>
-              <a:clrTo>
-                <a:srgbClr val="FFFFFF">
-                  <a:alpha val="0"/>
-                </a:srgbClr>
-              </a:clrTo>
-            </a:clrChange>
-            <a:extLst>
-              <a:ext uri="{28A0092B-C50C-407E-A947-70E740481C1C}">
-                <a14:useLocalDpi xmlns:a14="http://schemas.microsoft.com/office/drawing/2010/main" val="0"/>
-              </a:ext>
-            </a:extLst>
-          </a:blip>
-          <a:stretch>
-            <a:fillRect/>
-          </a:stretch>
-        </p:blipFill>
-        <p:spPr>
-          <a:xfrm>
-            <a:off x="4476700" y="1414931"/>
-            <a:ext cx="3707532" cy="2880000"/>
-          </a:xfrm>
-          <a:prstGeom prst="rect">
-            <a:avLst/>
-          </a:prstGeom>
-        </p:spPr>
-      </p:pic>
-      <p:sp>
-        <p:nvSpPr>
-          <p:cNvPr id="3" name="TextBox 2">
-            <a:extLst>
-              <a:ext uri="{FF2B5EF4-FFF2-40B4-BE49-F238E27FC236}">
-                <a16:creationId xmlns:a16="http://schemas.microsoft.com/office/drawing/2014/main" id="{116F638F-7D32-4506-900B-3D8828E171E1}"/>
-              </a:ext>
-            </a:extLst>
-          </p:cNvPr>
-          <p:cNvSpPr txBox="1"/>
-          <p:nvPr/>
-        </p:nvSpPr>
-        <p:spPr>
-          <a:xfrm>
-            <a:off x="1790495" y="4293096"/>
-            <a:ext cx="465192" cy="400110"/>
-          </a:xfrm>
-          <a:prstGeom prst="rect">
-            <a:avLst/>
-          </a:prstGeom>
-          <a:noFill/>
-        </p:spPr>
-        <p:txBody>
-          <a:bodyPr wrap="none" rtlCol="0">
-            <a:spAutoFit/>
-          </a:bodyPr>
-          <a:lstStyle/>
-          <a:p>
-            <a:r>
-              <a:rPr lang="ru-RU" sz="2000" dirty="0"/>
-              <a:t>(а)</a:t>
-            </a:r>
-          </a:p>
-        </p:txBody>
-      </p:sp>
-      <p:sp>
-        <p:nvSpPr>
-          <p:cNvPr id="7" name="TextBox 6">
-            <a:extLst>
-              <a:ext uri="{FF2B5EF4-FFF2-40B4-BE49-F238E27FC236}">
-                <a16:creationId xmlns:a16="http://schemas.microsoft.com/office/drawing/2014/main" id="{BAC09BA7-07EE-4F26-AF31-227B4531833B}"/>
-              </a:ext>
-            </a:extLst>
-          </p:cNvPr>
-          <p:cNvSpPr txBox="1"/>
-          <p:nvPr/>
-        </p:nvSpPr>
-        <p:spPr>
-          <a:xfrm>
-            <a:off x="5969322" y="4293096"/>
-            <a:ext cx="478016" cy="400110"/>
-          </a:xfrm>
-          <a:prstGeom prst="rect">
-            <a:avLst/>
-          </a:prstGeom>
-          <a:noFill/>
-        </p:spPr>
-        <p:txBody>
-          <a:bodyPr wrap="none" rtlCol="0">
-            <a:spAutoFit/>
-          </a:bodyPr>
-          <a:lstStyle/>
-          <a:p>
-            <a:r>
-              <a:rPr lang="ru-RU" sz="2000" dirty="0"/>
-              <a:t>(б)</a:t>
-            </a:r>
-          </a:p>
-        </p:txBody>
-      </p:sp>
-      <p:sp>
-        <p:nvSpPr>
-          <p:cNvPr id="8" name="TextBox 7">
-            <a:extLst>
-              <a:ext uri="{FF2B5EF4-FFF2-40B4-BE49-F238E27FC236}">
-                <a16:creationId xmlns:a16="http://schemas.microsoft.com/office/drawing/2014/main" id="{DA2A5583-C6AE-4991-B138-994E7ECDDD3D}"/>
-              </a:ext>
-            </a:extLst>
-          </p:cNvPr>
-          <p:cNvSpPr txBox="1"/>
-          <p:nvPr/>
-        </p:nvSpPr>
-        <p:spPr>
-          <a:xfrm>
-            <a:off x="10160973" y="4293096"/>
-            <a:ext cx="465192" cy="400110"/>
-          </a:xfrm>
-          <a:prstGeom prst="rect">
-            <a:avLst/>
-          </a:prstGeom>
-          <a:noFill/>
-        </p:spPr>
-        <p:txBody>
-          <a:bodyPr wrap="none" rtlCol="0">
-            <a:spAutoFit/>
-          </a:bodyPr>
-          <a:lstStyle/>
-          <a:p>
-            <a:r>
-              <a:rPr lang="ru-RU" sz="2000" dirty="0"/>
-              <a:t>(в)</a:t>
-            </a:r>
-          </a:p>
-        </p:txBody>
-      </p:sp>
-      <p:sp>
-        <p:nvSpPr>
-          <p:cNvPr id="11" name="TextBox 10">
-            <a:extLst>
-              <a:ext uri="{FF2B5EF4-FFF2-40B4-BE49-F238E27FC236}">
-                <a16:creationId xmlns:a16="http://schemas.microsoft.com/office/drawing/2014/main" id="{CB6CE6BE-9866-42C6-81C8-E1B10A1BD7FA}"/>
-              </a:ext>
-            </a:extLst>
-          </p:cNvPr>
-          <p:cNvSpPr txBox="1"/>
-          <p:nvPr/>
-        </p:nvSpPr>
-        <p:spPr>
-          <a:xfrm>
-            <a:off x="614361" y="4906942"/>
-            <a:ext cx="10963275" cy="830997"/>
-          </a:xfrm>
-          <a:prstGeom prst="rect">
-            <a:avLst/>
-          </a:prstGeom>
-          <a:noFill/>
-        </p:spPr>
-        <p:txBody>
-          <a:bodyPr wrap="square" rtlCol="0">
-            <a:spAutoFit/>
-          </a:bodyPr>
-          <a:lstStyle/>
-          <a:p>
-            <a:pPr algn="ctr"/>
-            <a:r>
-              <a:rPr lang="ru-RU" sz="2400" dirty="0">
-                <a:latin typeface="Bahnschrift Light" panose="020B0502040204020203" pitchFamily="34" charset="0"/>
-              </a:rPr>
-              <a:t>Рис. 9. Спектры сигналов на выходе сумматора: а) – спектр дуплета Гаусса; </a:t>
-            </a:r>
-            <a:br>
-              <a:rPr lang="ru-RU" sz="2400" dirty="0">
-                <a:latin typeface="Bahnschrift Light" panose="020B0502040204020203" pitchFamily="34" charset="0"/>
-              </a:rPr>
-            </a:br>
-            <a:r>
-              <a:rPr lang="ru-RU" sz="2400" dirty="0">
-                <a:latin typeface="Bahnschrift Light" panose="020B0502040204020203" pitchFamily="34" charset="0"/>
-              </a:rPr>
-              <a:t>б) – спектр моноцикла Гаусса; в) – спектр импульса Эрмита</a:t>
-            </a:r>
-          </a:p>
-        </p:txBody>
-      </p:sp>
-      <p:pic>
-        <p:nvPicPr>
-          <p:cNvPr id="2050" name="Picture 2">
-            <a:extLst>
-              <a:ext uri="{FF2B5EF4-FFF2-40B4-BE49-F238E27FC236}">
-                <a16:creationId xmlns:a16="http://schemas.microsoft.com/office/drawing/2014/main" id="{27E29191-354A-40FD-B83F-F44B988E81F4}"/>
-              </a:ext>
-            </a:extLst>
-          </p:cNvPr>
-          <p:cNvPicPr>
-            <a:picLocks noChangeAspect="1" noChangeArrowheads="1"/>
-          </p:cNvPicPr>
-          <p:nvPr/>
-        </p:nvPicPr>
-        <p:blipFill>
-          <a:blip r:embed="rId5">
-            <a:extLst>
-              <a:ext uri="{28A0092B-C50C-407E-A947-70E740481C1C}">
-                <a14:useLocalDpi xmlns:a14="http://schemas.microsoft.com/office/drawing/2010/main" val="0"/>
-              </a:ext>
-            </a:extLst>
-          </a:blip>
-          <a:srcRect/>
-          <a:stretch>
-            <a:fillRect/>
-          </a:stretch>
-        </p:blipFill>
-        <p:spPr bwMode="auto">
-          <a:xfrm>
-            <a:off x="191344" y="1397709"/>
-            <a:ext cx="3795959" cy="2840400"/>
-          </a:xfrm>
-          <a:prstGeom prst="rect">
-            <a:avLst/>
-          </a:prstGeom>
-          <a:noFill/>
-          <a:extLst>
-            <a:ext uri="{909E8E84-426E-40DD-AFC4-6F175D3DCCD1}">
-              <a14:hiddenFill xmlns:a14="http://schemas.microsoft.com/office/drawing/2010/main">
-                <a:solidFill>
-                  <a:srgbClr val="FFFFFF"/>
-                </a:solidFill>
-              </a14:hiddenFill>
-            </a:ext>
-          </a:extLst>
-        </p:spPr>
-      </p:pic>
-    </p:spTree>
-    <p:extLst>
-      <p:ext uri="{BB962C8B-B14F-4D97-AF65-F5344CB8AC3E}">
-        <p14:creationId xmlns:p14="http://schemas.microsoft.com/office/powerpoint/2010/main" val="1071381639"/>
       </p:ext>
     </p:extLst>
   </p:cSld>

--- a/Диссертация и предзащита/Презентация для предзащиты.pptx
+++ b/Диссертация и предзащита/Презентация для предзащиты.pptx
@@ -6033,7 +6033,7 @@
           <a:bodyPr/>
           <a:lstStyle>
             <a:lvl1pPr>
-              <a:defRPr sz="1800">
+              <a:defRPr sz="2800">
                 <a:solidFill>
                   <a:schemeClr val="tx1"/>
                 </a:solidFill>
@@ -13223,8 +13223,8 @@
         </p:nvSpPr>
         <p:spPr>
           <a:xfrm>
-            <a:off x="614361" y="4906942"/>
-            <a:ext cx="10963275" cy="1200329"/>
+            <a:off x="525567" y="4781648"/>
+            <a:ext cx="11140864" cy="830997"/>
           </a:xfrm>
           <a:prstGeom prst="rect">
             <a:avLst/>
@@ -15249,8 +15249,8 @@
           </a:prstGeom>
         </p:spPr>
       </p:pic>
-      <mc:AlternateContent xmlns:mc="http://schemas.openxmlformats.org/markup-compatibility/2006">
-        <mc:Choice xmlns:a14="http://schemas.microsoft.com/office/drawing/2010/main" Requires="a14">
+      <mc:AlternateContent xmlns:mc="http://schemas.openxmlformats.org/markup-compatibility/2006" xmlns:a14="http://schemas.microsoft.com/office/drawing/2010/main">
+        <mc:Choice Requires="a14">
           <p:sp>
             <p:nvSpPr>
               <p:cNvPr id="7" name="TextBox 6">
@@ -15541,7 +15541,7 @@
             </p:txBody>
           </p:sp>
         </mc:Choice>
-        <mc:Fallback>
+        <mc:Fallback xmlns="">
           <p:sp>
             <p:nvSpPr>
               <p:cNvPr id="7" name="TextBox 6">
@@ -17382,13 +17382,13 @@
         </p:nvSpPr>
         <p:spPr>
           <a:xfrm>
-            <a:off x="838200" y="869949"/>
-            <a:ext cx="10515600" cy="5462587"/>
+            <a:off x="254000" y="869949"/>
+            <a:ext cx="11714480" cy="5462587"/>
           </a:xfrm>
         </p:spPr>
         <p:txBody>
           <a:bodyPr>
-            <a:normAutofit/>
+            <a:normAutofit fontScale="92500" lnSpcReduction="10000"/>
           </a:bodyPr>
           <a:lstStyle/>
           <a:p>
@@ -17407,6 +17407,25 @@
                 <a:latin typeface="Bahnschrift Light" panose="020B0502040204020203" pitchFamily="34" charset="0"/>
                 <a:ea typeface="Calibri" panose="020F0502020204030204" pitchFamily="34" charset="0"/>
               </a:rPr>
+              <a:t>В ходе исследований была разработана и исследована методика формирования СШП-импульсов с возможностью получения сигналов разных форм, регулировкой длительности и ширины спектра. </a:t>
+            </a:r>
+          </a:p>
+          <a:p>
+            <a:pPr marL="0" indent="0" algn="just">
+              <a:lnSpc>
+                <a:spcPct val="100000"/>
+              </a:lnSpc>
+              <a:buNone/>
+            </a:pPr>
+            <a:r>
+              <a:rPr lang="ru-RU" sz="2000" dirty="0">
+                <a:solidFill>
+                  <a:srgbClr val="222222"/>
+                </a:solidFill>
+                <a:effectLst/>
+                <a:latin typeface="Bahnschrift Light" panose="020B0502040204020203" pitchFamily="34" charset="0"/>
+                <a:ea typeface="Calibri" panose="020F0502020204030204" pitchFamily="34" charset="0"/>
+              </a:rPr>
               <a:t>На генераторах СКИ с ДНЗ удалось получить импульсы со следующими параметрами:</a:t>
             </a:r>
           </a:p>
@@ -17543,7 +17562,7 @@
                 <a:latin typeface="Bahnschrift Light" panose="020B0502040204020203" pitchFamily="34" charset="0"/>
                 <a:ea typeface="Calibri" panose="020F0502020204030204" pitchFamily="34" charset="0"/>
               </a:rPr>
-              <a:t>– 13дБ.</a:t>
+              <a:t>– 15дБ.</a:t>
             </a:r>
           </a:p>
           <a:p>
@@ -17581,12 +17600,10 @@
             </a:r>
           </a:p>
           <a:p>
-            <a:pPr marL="342900" lvl="0" indent="-342900" algn="just">
+            <a:pPr algn="just">
               <a:lnSpc>
                 <a:spcPct val="100000"/>
               </a:lnSpc>
-              <a:buFont typeface="Symbol" panose="05050102010706020507" pitchFamily="18" charset="2"/>
-              <a:buChar char=""/>
             </a:pPr>
             <a:r>
               <a:rPr lang="ru-RU" sz="2000" dirty="0">
@@ -17645,12 +17662,10 @@
             </a:r>
           </a:p>
           <a:p>
-            <a:pPr marL="342900" lvl="0" indent="-342900" algn="just">
+            <a:pPr algn="just">
               <a:lnSpc>
                 <a:spcPct val="100000"/>
               </a:lnSpc>
-              <a:buFont typeface="Symbol" panose="05050102010706020507" pitchFamily="18" charset="2"/>
-              <a:buChar char=""/>
             </a:pPr>
             <a:r>
               <a:rPr lang="ru-RU" sz="2000" dirty="0">
@@ -17687,12 +17702,10 @@
             </a:r>
           </a:p>
           <a:p>
-            <a:pPr marL="342900" lvl="0" indent="-342900" algn="just">
+            <a:pPr algn="just">
               <a:lnSpc>
                 <a:spcPct val="100000"/>
               </a:lnSpc>
-              <a:buFont typeface="Symbol" panose="05050102010706020507" pitchFamily="18" charset="2"/>
-              <a:buChar char=""/>
             </a:pPr>
             <a:r>
               <a:rPr lang="ru-RU" sz="2000" dirty="0">
@@ -19461,7 +19474,7 @@
         </p:blipFill>
         <p:spPr>
           <a:xfrm>
-            <a:off x="98485" y="1183205"/>
+            <a:off x="98485" y="1010485"/>
             <a:ext cx="2980422" cy="2772000"/>
           </a:xfrm>
         </p:spPr>
@@ -19494,7 +19507,7 @@
         </p:blipFill>
         <p:spPr>
           <a:xfrm>
-            <a:off x="3113346" y="1183205"/>
+            <a:off x="3113346" y="1010485"/>
             <a:ext cx="2876207" cy="2772000"/>
           </a:xfrm>
           <a:prstGeom prst="rect">
@@ -19530,7 +19543,7 @@
         </p:blipFill>
         <p:spPr>
           <a:xfrm>
-            <a:off x="6023992" y="1183205"/>
+            <a:off x="6023992" y="1010485"/>
             <a:ext cx="2980422" cy="2772000"/>
           </a:xfrm>
           <a:prstGeom prst="rect">
@@ -19566,7 +19579,7 @@
         </p:blipFill>
         <p:spPr>
           <a:xfrm>
-            <a:off x="9038852" y="1183205"/>
+            <a:off x="9038852" y="1010485"/>
             <a:ext cx="2973477" cy="2772000"/>
           </a:xfrm>
           <a:prstGeom prst="rect">
@@ -20527,7 +20540,7 @@
           <a:graphicData uri="http://schemas.openxmlformats.org/presentationml/2006/ole">
             <mc:AlternateContent xmlns:mc="http://schemas.openxmlformats.org/markup-compatibility/2006">
               <mc:Choice xmlns:v="urn:schemas-microsoft-com:vml" Requires="v">
-                <p:oleObj spid="_x0000_s1089" name="Document" r:id="rId4" imgW="5938880" imgH="2994093" progId="Word.Document.12">
+                <p:oleObj spid="_x0000_s1094" name="Document" r:id="rId4" imgW="5938880" imgH="2994093" progId="Word.Document.12">
                   <p:embed/>
                 </p:oleObj>
               </mc:Choice>
@@ -20766,7 +20779,7 @@
         </p:blipFill>
         <p:spPr>
           <a:xfrm>
-            <a:off x="107276" y="652668"/>
+            <a:off x="107276" y="812927"/>
             <a:ext cx="2988582" cy="3096344"/>
           </a:xfrm>
         </p:spPr>
@@ -20831,7 +20844,7 @@
         </p:blipFill>
         <p:spPr>
           <a:xfrm>
-            <a:off x="3114336" y="656612"/>
+            <a:off x="3114336" y="816871"/>
             <a:ext cx="2981664" cy="3096344"/>
           </a:xfrm>
           <a:prstGeom prst="rect">
@@ -20867,7 +20880,7 @@
         </p:blipFill>
         <p:spPr>
           <a:xfrm>
-            <a:off x="6114478" y="652668"/>
+            <a:off x="6114478" y="812927"/>
             <a:ext cx="2981399" cy="3096344"/>
           </a:xfrm>
           <a:prstGeom prst="rect">
@@ -20913,7 +20926,7 @@
         </p:blipFill>
         <p:spPr>
           <a:xfrm>
-            <a:off x="9114356" y="652668"/>
+            <a:off x="9114356" y="812927"/>
             <a:ext cx="2988582" cy="3096344"/>
           </a:xfrm>
           <a:prstGeom prst="rect">
@@ -22018,7 +22031,7 @@
         </p:blipFill>
         <p:spPr>
           <a:xfrm>
-            <a:off x="530087" y="3517093"/>
+            <a:off x="477270" y="3517093"/>
             <a:ext cx="3205043" cy="2643412"/>
           </a:xfrm>
           <a:prstGeom prst="rect">
@@ -22057,8 +22070,8 @@
         </p:blipFill>
         <p:spPr bwMode="auto">
           <a:xfrm>
-            <a:off x="613687" y="781732"/>
-            <a:ext cx="2866113" cy="2643412"/>
+            <a:off x="519071" y="638190"/>
+            <a:ext cx="3121443" cy="2878903"/>
           </a:xfrm>
           <a:prstGeom prst="rect">
             <a:avLst/>
@@ -22083,8 +22096,8 @@
         </p:nvSpPr>
         <p:spPr>
           <a:xfrm>
-            <a:off x="6206169" y="5876213"/>
-            <a:ext cx="3666214" cy="400110"/>
+            <a:off x="5958719" y="5275000"/>
+            <a:ext cx="4344778" cy="707886"/>
           </a:xfrm>
           <a:prstGeom prst="rect">
             <a:avLst/>
@@ -22103,6 +22116,18 @@
                 <a:latin typeface="Bahnschrift Light" panose="020B0502040204020203" pitchFamily="34" charset="0"/>
               </a:rPr>
               <a:t>Рис. 10. Влияние задержки</a:t>
+            </a:r>
+            <a:r>
+              <a:rPr lang="en-US" sz="2000" dirty="0">
+                <a:latin typeface="Bahnschrift Light" panose="020B0502040204020203" pitchFamily="34" charset="0"/>
+              </a:rPr>
+              <a:t> </a:t>
+            </a:r>
+            <a:r>
+              <a:rPr lang="ru-RU" sz="2000" dirty="0">
+                <a:latin typeface="Bahnschrift Light" panose="020B0502040204020203" pitchFamily="34" charset="0"/>
+              </a:rPr>
+              <a:t>между управляющими импульсами</a:t>
             </a:r>
           </a:p>
         </p:txBody>
@@ -22407,6 +22432,15 @@
               </a:clrTo>
             </a:clrChange>
             <a:extLst>
+              <a:ext uri="{BEBA8EAE-BF5A-486C-A8C5-ECC9F3942E4B}">
+                <a14:imgProps xmlns:a14="http://schemas.microsoft.com/office/drawing/2010/main">
+                  <a14:imgLayer r:embed="rId5">
+                    <a14:imgEffect>
+                      <a14:saturation sat="400000"/>
+                    </a14:imgEffect>
+                  </a14:imgLayer>
+                </a14:imgProps>
+              </a:ext>
               <a:ext uri="{28A0092B-C50C-407E-A947-70E740481C1C}">
                 <a14:useLocalDpi xmlns:a14="http://schemas.microsoft.com/office/drawing/2010/main" val="0"/>
               </a:ext>
@@ -22438,7 +22472,7 @@
           <p:nvPr/>
         </p:nvPicPr>
         <p:blipFill>
-          <a:blip r:embed="rId5">
+          <a:blip r:embed="rId6">
             <a:clrChange>
               <a:clrFrom>
                 <a:srgbClr val="FFFFFF"/>

--- a/Диссертация и предзащита/Презентация для предзащиты.pptx
+++ b/Диссертация и предзащита/Презентация для предзащиты.pptx
@@ -134,7 +134,7 @@
 <file path=ppt/charts/chart1.xml><?xml version="1.0" encoding="utf-8"?>
 <c:chartSpace xmlns:c="http://schemas.openxmlformats.org/drawingml/2006/chart" xmlns:a="http://schemas.openxmlformats.org/drawingml/2006/main" xmlns:r="http://schemas.openxmlformats.org/officeDocument/2006/relationships" xmlns:c16r2="http://schemas.microsoft.com/office/drawing/2015/06/chart">
   <c:date1904 val="0"/>
-  <c:lang val="ru-RU"/>
+  <c:lang val="en-US"/>
   <c:roundedCorners val="0"/>
   <mc:AlternateContent xmlns:mc="http://schemas.openxmlformats.org/markup-compatibility/2006">
     <mc:Choice xmlns:c14="http://schemas.microsoft.com/office/drawing/2007/8/2/chart" Requires="c14">
@@ -624,10 +624,10 @@
                   </a:defRPr>
                 </a:pPr>
                 <a:r>
-                  <a:rPr lang="ru-RU" sz="1200">
+                  <a:rPr lang="ru-RU" sz="1200" dirty="0">
                     <a:latin typeface="Bahnschrift Light" panose="020B0502040204020203" pitchFamily="34" charset="0"/>
                   </a:rPr>
-                  <a:t>Длительность, нс</a:t>
+                  <a:t>Длительность, пс</a:t>
                 </a:r>
               </a:p>
             </c:rich>
@@ -795,7 +795,7 @@
 <file path=ppt/charts/chart2.xml><?xml version="1.0" encoding="utf-8"?>
 <c:chartSpace xmlns:c="http://schemas.openxmlformats.org/drawingml/2006/chart" xmlns:a="http://schemas.openxmlformats.org/drawingml/2006/main" xmlns:r="http://schemas.openxmlformats.org/officeDocument/2006/relationships" xmlns:c16r2="http://schemas.microsoft.com/office/drawing/2015/06/chart">
   <c:date1904 val="0"/>
-  <c:lang val="ru-RU"/>
+  <c:lang val="en-US"/>
   <c:roundedCorners val="0"/>
   <mc:AlternateContent xmlns:mc="http://schemas.openxmlformats.org/markup-compatibility/2006">
     <mc:Choice xmlns:c14="http://schemas.microsoft.com/office/drawing/2007/8/2/chart" Requires="c14">
@@ -1310,7 +1310,7 @@
 <file path=ppt/charts/chart3.xml><?xml version="1.0" encoding="utf-8"?>
 <c:chartSpace xmlns:c="http://schemas.openxmlformats.org/drawingml/2006/chart" xmlns:a="http://schemas.openxmlformats.org/drawingml/2006/main" xmlns:r="http://schemas.openxmlformats.org/officeDocument/2006/relationships" xmlns:c16r2="http://schemas.microsoft.com/office/drawing/2015/06/chart">
   <c:date1904 val="0"/>
-  <c:lang val="ru-RU"/>
+  <c:lang val="en-US"/>
   <c:roundedCorners val="0"/>
   <mc:AlternateContent xmlns:mc="http://schemas.openxmlformats.org/markup-compatibility/2006">
     <mc:Choice xmlns:c14="http://schemas.microsoft.com/office/drawing/2007/8/2/chart" Requires="c14">
@@ -3607,7 +3607,7 @@
           <a:p>
             <a:fld id="{AF1E9954-E5F0-41EC-852C-84AFDEBF59DE}" type="datetimeFigureOut">
               <a:rPr lang="ru-RU" smtClean="0"/>
-              <a:t>29.05.2024</a:t>
+              <a:t>30.05.2024</a:t>
             </a:fld>
             <a:endParaRPr lang="ru-RU"/>
           </a:p>
@@ -4192,7 +4192,7 @@
           <a:p>
             <a:fld id="{359A1DDB-084E-461C-8764-48870B9EAB75}" type="datetime1">
               <a:rPr lang="ru-RU" smtClean="0"/>
-              <a:t>29.05.2024</a:t>
+              <a:t>30.05.2024</a:t>
             </a:fld>
             <a:endParaRPr lang="ru-RU"/>
           </a:p>
@@ -4789,7 +4789,7 @@
           <a:p>
             <a:fld id="{99A6C1F4-F53D-4986-B359-CB5B665D3AD5}" type="datetime1">
               <a:rPr lang="ru-RU" smtClean="0"/>
-              <a:t>29.05.2024</a:t>
+              <a:t>30.05.2024</a:t>
             </a:fld>
             <a:endParaRPr lang="ru-RU"/>
           </a:p>
@@ -5382,7 +5382,7 @@
           <a:p>
             <a:fld id="{6657BFAB-51B0-4795-A8A2-9647DDDD8937}" type="datetime1">
               <a:rPr lang="ru-RU" smtClean="0"/>
-              <a:t>29.05.2024</a:t>
+              <a:t>30.05.2024</a:t>
             </a:fld>
             <a:endParaRPr lang="ru-RU"/>
           </a:p>
@@ -5976,7 +5976,7 @@
           <a:p>
             <a:fld id="{12DCC64C-6443-4FE0-8A4D-912B3EF65D87}" type="datetime1">
               <a:rPr lang="ru-RU" smtClean="0"/>
-              <a:t>29.05.2024</a:t>
+              <a:t>30.05.2024</a:t>
             </a:fld>
             <a:endParaRPr lang="ru-RU"/>
           </a:p>
@@ -6695,7 +6695,7 @@
           <a:p>
             <a:fld id="{612C28BB-A844-4AB2-8164-7C589570A10A}" type="datetime1">
               <a:rPr lang="ru-RU" smtClean="0"/>
-              <a:t>29.05.2024</a:t>
+              <a:t>30.05.2024</a:t>
             </a:fld>
             <a:endParaRPr lang="ru-RU"/>
           </a:p>
@@ -7346,7 +7346,7 @@
           <a:p>
             <a:fld id="{18E55CE8-34C1-4412-BCE9-45740F2D3090}" type="datetime1">
               <a:rPr lang="ru-RU" smtClean="0"/>
-              <a:t>29.05.2024</a:t>
+              <a:t>30.05.2024</a:t>
             </a:fld>
             <a:endParaRPr lang="ru-RU"/>
           </a:p>
@@ -8144,7 +8144,7 @@
           <a:p>
             <a:fld id="{BB9E1059-E53D-41E9-B135-232E16073DAD}" type="datetime1">
               <a:rPr lang="ru-RU" smtClean="0"/>
-              <a:t>29.05.2024</a:t>
+              <a:t>30.05.2024</a:t>
             </a:fld>
             <a:endParaRPr lang="ru-RU"/>
           </a:p>
@@ -8669,7 +8669,7 @@
           <a:p>
             <a:fld id="{C15BA0E4-0757-4EF9-936C-7717A2EA2D02}" type="datetime1">
               <a:rPr lang="ru-RU" smtClean="0"/>
-              <a:t>29.05.2024</a:t>
+              <a:t>30.05.2024</a:t>
             </a:fld>
             <a:endParaRPr lang="ru-RU"/>
           </a:p>
@@ -9165,7 +9165,7 @@
           <a:p>
             <a:fld id="{0F0F823C-D852-40E5-8016-39932030A9F2}" type="datetime1">
               <a:rPr lang="ru-RU" smtClean="0"/>
-              <a:t>29.05.2024</a:t>
+              <a:t>30.05.2024</a:t>
             </a:fld>
             <a:endParaRPr lang="ru-RU"/>
           </a:p>
@@ -9861,7 +9861,7 @@
           <a:p>
             <a:fld id="{D2E06034-DA7E-4B39-914E-D6B45ACCF666}" type="datetime1">
               <a:rPr lang="ru-RU" smtClean="0"/>
-              <a:t>29.05.2024</a:t>
+              <a:t>30.05.2024</a:t>
             </a:fld>
             <a:endParaRPr lang="ru-RU"/>
           </a:p>
@@ -10533,7 +10533,7 @@
           <a:p>
             <a:fld id="{3D449A2B-DBAB-4C02-BDC7-7BB50E9BB86F}" type="datetime1">
               <a:rPr lang="ru-RU" smtClean="0"/>
-              <a:t>29.05.2024</a:t>
+              <a:t>30.05.2024</a:t>
             </a:fld>
             <a:endParaRPr lang="ru-RU"/>
           </a:p>
@@ -11159,7 +11159,7 @@
           <a:p>
             <a:fld id="{5B8094D9-B964-4904-93F4-019FCA5AD162}" type="datetime1">
               <a:rPr lang="ru-RU" smtClean="0"/>
-              <a:t>29.05.2024</a:t>
+              <a:t>30.05.2024</a:t>
             </a:fld>
             <a:endParaRPr lang="ru-RU"/>
           </a:p>
@@ -20540,7 +20540,7 @@
           <a:graphicData uri="http://schemas.openxmlformats.org/presentationml/2006/ole">
             <mc:AlternateContent xmlns:mc="http://schemas.openxmlformats.org/markup-compatibility/2006">
               <mc:Choice xmlns:v="urn:schemas-microsoft-com:vml" Requires="v">
-                <p:oleObj spid="_x0000_s1094" name="Document" r:id="rId4" imgW="5938880" imgH="2994093" progId="Word.Document.12">
+                <p:oleObj spid="_x0000_s1097" name="Document" r:id="rId4" imgW="5938880" imgH="2994093" progId="Word.Document.12">
                   <p:embed/>
                 </p:oleObj>
               </mc:Choice>
@@ -21972,44 +21972,6 @@
           </a:p>
         </p:txBody>
       </p:sp>
-      <p:sp>
-        <p:nvSpPr>
-          <p:cNvPr id="5" name="TextBox 4">
-            <a:extLst>
-              <a:ext uri="{FF2B5EF4-FFF2-40B4-BE49-F238E27FC236}">
-                <a16:creationId xmlns:a16="http://schemas.microsoft.com/office/drawing/2014/main" id="{38B41F1C-34F2-44E3-A40F-68D0CC997F55}"/>
-              </a:ext>
-            </a:extLst>
-          </p:cNvPr>
-          <p:cNvSpPr txBox="1"/>
-          <p:nvPr/>
-        </p:nvSpPr>
-        <p:spPr>
-          <a:xfrm>
-            <a:off x="299502" y="3517093"/>
-            <a:ext cx="3666214" cy="707886"/>
-          </a:xfrm>
-          <a:prstGeom prst="rect">
-            <a:avLst/>
-          </a:prstGeom>
-          <a:noFill/>
-        </p:spPr>
-        <p:txBody>
-          <a:bodyPr wrap="square" rtlCol="0">
-            <a:spAutoFit/>
-          </a:bodyPr>
-          <a:lstStyle/>
-          <a:p>
-            <a:pPr algn="ctr"/>
-            <a:r>
-              <a:rPr lang="ru-RU" sz="2000" dirty="0">
-                <a:latin typeface="Bahnschrift Light" panose="020B0502040204020203" pitchFamily="34" charset="0"/>
-              </a:rPr>
-              <a:t>Рис. 9. СКИ в модели генератора</a:t>
-            </a:r>
-          </a:p>
-        </p:txBody>
-      </p:sp>
       <p:pic>
         <p:nvPicPr>
           <p:cNvPr id="6" name="Рисунок 9">
@@ -22031,8 +21993,8 @@
         </p:blipFill>
         <p:spPr>
           <a:xfrm>
-            <a:off x="477270" y="3517093"/>
-            <a:ext cx="3205043" cy="2643412"/>
+            <a:off x="619113" y="3666830"/>
+            <a:ext cx="2990533" cy="2466492"/>
           </a:xfrm>
           <a:prstGeom prst="rect">
             <a:avLst/>
@@ -22070,8 +22032,8 @@
         </p:blipFill>
         <p:spPr bwMode="auto">
           <a:xfrm>
-            <a:off x="519071" y="638190"/>
-            <a:ext cx="3121443" cy="2878903"/>
+            <a:off x="535128" y="647107"/>
+            <a:ext cx="3074518" cy="2862358"/>
           </a:xfrm>
           <a:prstGeom prst="rect">
             <a:avLst/>
@@ -22183,7 +22145,7 @@
           <p:nvPr>
             <p:extLst>
               <p:ext uri="{D42A27DB-BD31-4B8C-83A1-F6EECF244321}">
-                <p14:modId xmlns:p14="http://schemas.microsoft.com/office/powerpoint/2010/main" val="2430008731"/>
+                <p14:modId xmlns:p14="http://schemas.microsoft.com/office/powerpoint/2010/main" val="1506955607"/>
               </p:ext>
             </p:extLst>
           </p:nvPr>

--- a/Диссертация и предзащита/Презентация для предзащиты.pptx
+++ b/Диссертация и предзащита/Презентация для предзащиты.pptx
@@ -5,7 +5,7 @@
     <p:sldMasterId id="2147483648" r:id="rId1"/>
   </p:sldMasterIdLst>
   <p:notesMasterIdLst>
-    <p:notesMasterId r:id="rId19"/>
+    <p:notesMasterId r:id="rId20"/>
   </p:notesMasterIdLst>
   <p:sldIdLst>
     <p:sldId id="257" r:id="rId2"/>
@@ -20,11 +20,12 @@
     <p:sldId id="274" r:id="rId11"/>
     <p:sldId id="284" r:id="rId12"/>
     <p:sldId id="261" r:id="rId13"/>
-    <p:sldId id="277" r:id="rId14"/>
-    <p:sldId id="280" r:id="rId15"/>
-    <p:sldId id="282" r:id="rId16"/>
-    <p:sldId id="283" r:id="rId17"/>
-    <p:sldId id="262" r:id="rId18"/>
+    <p:sldId id="267" r:id="rId14"/>
+    <p:sldId id="277" r:id="rId15"/>
+    <p:sldId id="280" r:id="rId16"/>
+    <p:sldId id="282" r:id="rId17"/>
+    <p:sldId id="283" r:id="rId18"/>
+    <p:sldId id="262" r:id="rId19"/>
   </p:sldIdLst>
   <p:sldSz cx="12192000" cy="6858000"/>
   <p:notesSz cx="6858000" cy="9144000"/>
@@ -134,7 +135,7 @@
 <file path=ppt/charts/chart1.xml><?xml version="1.0" encoding="utf-8"?>
 <c:chartSpace xmlns:c="http://schemas.openxmlformats.org/drawingml/2006/chart" xmlns:a="http://schemas.openxmlformats.org/drawingml/2006/main" xmlns:r="http://schemas.openxmlformats.org/officeDocument/2006/relationships" xmlns:c16r2="http://schemas.microsoft.com/office/drawing/2015/06/chart">
   <c:date1904 val="0"/>
-  <c:lang val="en-US"/>
+  <c:lang val="ru-RU"/>
   <c:roundedCorners val="0"/>
   <mc:AlternateContent xmlns:mc="http://schemas.openxmlformats.org/markup-compatibility/2006">
     <mc:Choice xmlns:c14="http://schemas.microsoft.com/office/drawing/2007/8/2/chart" Requires="c14">
@@ -795,7 +796,7 @@
 <file path=ppt/charts/chart2.xml><?xml version="1.0" encoding="utf-8"?>
 <c:chartSpace xmlns:c="http://schemas.openxmlformats.org/drawingml/2006/chart" xmlns:a="http://schemas.openxmlformats.org/drawingml/2006/main" xmlns:r="http://schemas.openxmlformats.org/officeDocument/2006/relationships" xmlns:c16r2="http://schemas.microsoft.com/office/drawing/2015/06/chart">
   <c:date1904 val="0"/>
-  <c:lang val="en-US"/>
+  <c:lang val="ru-RU"/>
   <c:roundedCorners val="0"/>
   <mc:AlternateContent xmlns:mc="http://schemas.openxmlformats.org/markup-compatibility/2006">
     <mc:Choice xmlns:c14="http://schemas.microsoft.com/office/drawing/2007/8/2/chart" Requires="c14">
@@ -1310,7 +1311,7 @@
 <file path=ppt/charts/chart3.xml><?xml version="1.0" encoding="utf-8"?>
 <c:chartSpace xmlns:c="http://schemas.openxmlformats.org/drawingml/2006/chart" xmlns:a="http://schemas.openxmlformats.org/drawingml/2006/main" xmlns:r="http://schemas.openxmlformats.org/officeDocument/2006/relationships" xmlns:c16r2="http://schemas.microsoft.com/office/drawing/2015/06/chart">
   <c:date1904 val="0"/>
-  <c:lang val="en-US"/>
+  <c:lang val="ru-RU"/>
   <c:roundedCorners val="0"/>
   <mc:AlternateContent xmlns:mc="http://schemas.openxmlformats.org/markup-compatibility/2006">
     <mc:Choice xmlns:c14="http://schemas.microsoft.com/office/drawing/2007/8/2/chart" Requires="c14">
@@ -3607,7 +3608,7 @@
           <a:p>
             <a:fld id="{AF1E9954-E5F0-41EC-852C-84AFDEBF59DE}" type="datetimeFigureOut">
               <a:rPr lang="ru-RU" smtClean="0"/>
-              <a:t>30.05.2024</a:t>
+              <a:t>31.05.2024</a:t>
             </a:fld>
             <a:endParaRPr lang="ru-RU"/>
           </a:p>
@@ -4024,7 +4025,7 @@
           <a:p>
             <a:fld id="{8F2652E9-AEEB-4A15-9FF5-C3DA4F0B0DF7}" type="slidenum">
               <a:rPr lang="ru-RU" smtClean="0"/>
-              <a:t>16</a:t>
+              <a:t>17</a:t>
             </a:fld>
             <a:endParaRPr lang="ru-RU"/>
           </a:p>
@@ -4192,7 +4193,7 @@
           <a:p>
             <a:fld id="{359A1DDB-084E-461C-8764-48870B9EAB75}" type="datetime1">
               <a:rPr lang="ru-RU" smtClean="0"/>
-              <a:t>30.05.2024</a:t>
+              <a:t>31.05.2024</a:t>
             </a:fld>
             <a:endParaRPr lang="ru-RU"/>
           </a:p>
@@ -4789,7 +4790,7 @@
           <a:p>
             <a:fld id="{99A6C1F4-F53D-4986-B359-CB5B665D3AD5}" type="datetime1">
               <a:rPr lang="ru-RU" smtClean="0"/>
-              <a:t>30.05.2024</a:t>
+              <a:t>31.05.2024</a:t>
             </a:fld>
             <a:endParaRPr lang="ru-RU"/>
           </a:p>
@@ -5382,7 +5383,7 @@
           <a:p>
             <a:fld id="{6657BFAB-51B0-4795-A8A2-9647DDDD8937}" type="datetime1">
               <a:rPr lang="ru-RU" smtClean="0"/>
-              <a:t>30.05.2024</a:t>
+              <a:t>31.05.2024</a:t>
             </a:fld>
             <a:endParaRPr lang="ru-RU"/>
           </a:p>
@@ -5976,7 +5977,7 @@
           <a:p>
             <a:fld id="{12DCC64C-6443-4FE0-8A4D-912B3EF65D87}" type="datetime1">
               <a:rPr lang="ru-RU" smtClean="0"/>
-              <a:t>30.05.2024</a:t>
+              <a:t>31.05.2024</a:t>
             </a:fld>
             <a:endParaRPr lang="ru-RU"/>
           </a:p>
@@ -6695,7 +6696,7 @@
           <a:p>
             <a:fld id="{612C28BB-A844-4AB2-8164-7C589570A10A}" type="datetime1">
               <a:rPr lang="ru-RU" smtClean="0"/>
-              <a:t>30.05.2024</a:t>
+              <a:t>31.05.2024</a:t>
             </a:fld>
             <a:endParaRPr lang="ru-RU"/>
           </a:p>
@@ -7346,7 +7347,7 @@
           <a:p>
             <a:fld id="{18E55CE8-34C1-4412-BCE9-45740F2D3090}" type="datetime1">
               <a:rPr lang="ru-RU" smtClean="0"/>
-              <a:t>30.05.2024</a:t>
+              <a:t>31.05.2024</a:t>
             </a:fld>
             <a:endParaRPr lang="ru-RU"/>
           </a:p>
@@ -8144,7 +8145,7 @@
           <a:p>
             <a:fld id="{BB9E1059-E53D-41E9-B135-232E16073DAD}" type="datetime1">
               <a:rPr lang="ru-RU" smtClean="0"/>
-              <a:t>30.05.2024</a:t>
+              <a:t>31.05.2024</a:t>
             </a:fld>
             <a:endParaRPr lang="ru-RU"/>
           </a:p>
@@ -8669,7 +8670,7 @@
           <a:p>
             <a:fld id="{C15BA0E4-0757-4EF9-936C-7717A2EA2D02}" type="datetime1">
               <a:rPr lang="ru-RU" smtClean="0"/>
-              <a:t>30.05.2024</a:t>
+              <a:t>31.05.2024</a:t>
             </a:fld>
             <a:endParaRPr lang="ru-RU"/>
           </a:p>
@@ -9165,7 +9166,7 @@
           <a:p>
             <a:fld id="{0F0F823C-D852-40E5-8016-39932030A9F2}" type="datetime1">
               <a:rPr lang="ru-RU" smtClean="0"/>
-              <a:t>30.05.2024</a:t>
+              <a:t>31.05.2024</a:t>
             </a:fld>
             <a:endParaRPr lang="ru-RU"/>
           </a:p>
@@ -9861,7 +9862,7 @@
           <a:p>
             <a:fld id="{D2E06034-DA7E-4B39-914E-D6B45ACCF666}" type="datetime1">
               <a:rPr lang="ru-RU" smtClean="0"/>
-              <a:t>30.05.2024</a:t>
+              <a:t>31.05.2024</a:t>
             </a:fld>
             <a:endParaRPr lang="ru-RU"/>
           </a:p>
@@ -10533,7 +10534,7 @@
           <a:p>
             <a:fld id="{3D449A2B-DBAB-4C02-BDC7-7BB50E9BB86F}" type="datetime1">
               <a:rPr lang="ru-RU" smtClean="0"/>
-              <a:t>30.05.2024</a:t>
+              <a:t>31.05.2024</a:t>
             </a:fld>
             <a:endParaRPr lang="ru-RU"/>
           </a:p>
@@ -11159,7 +11160,7 @@
           <a:p>
             <a:fld id="{5B8094D9-B964-4904-93F4-019FCA5AD162}" type="datetime1">
               <a:rPr lang="ru-RU" smtClean="0"/>
-              <a:t>30.05.2024</a:t>
+              <a:t>31.05.2024</a:t>
             </a:fld>
             <a:endParaRPr lang="ru-RU"/>
           </a:p>
@@ -17314,6 +17315,286 @@
 </file>
 
 <file path=ppt/slides/slide13.xml><?xml version="1.0" encoding="utf-8"?>
+<p:sld xmlns:a="http://schemas.openxmlformats.org/drawingml/2006/main" xmlns:r="http://schemas.openxmlformats.org/officeDocument/2006/relationships" xmlns:p="http://schemas.openxmlformats.org/presentationml/2006/main" showMasterPhAnim="0">
+  <p:cSld>
+    <p:spTree>
+      <p:nvGrpSpPr>
+        <p:cNvPr id="1" name=""/>
+        <p:cNvGrpSpPr/>
+        <p:nvPr/>
+      </p:nvGrpSpPr>
+      <p:grpSpPr bwMode="auto">
+        <a:xfrm>
+          <a:off x="0" y="0"/>
+          <a:ext cx="0" cy="0"/>
+          <a:chOff x="0" y="0"/>
+          <a:chExt cx="0" cy="0"/>
+        </a:xfrm>
+      </p:grpSpPr>
+      <p:sp>
+        <p:nvSpPr>
+          <p:cNvPr id="2" name="Заголовок 1"/>
+          <p:cNvSpPr>
+            <a:spLocks noGrp="1"/>
+          </p:cNvSpPr>
+          <p:nvPr>
+            <p:ph type="title"/>
+          </p:nvPr>
+        </p:nvSpPr>
+        <p:spPr bwMode="auto">
+          <a:xfrm>
+            <a:off x="838200" y="-366879"/>
+            <a:ext cx="10515600" cy="1325563"/>
+          </a:xfrm>
+        </p:spPr>
+        <p:txBody>
+          <a:bodyPr/>
+          <a:lstStyle/>
+          <a:p>
+            <a:pPr>
+              <a:defRPr/>
+            </a:pPr>
+            <a:r>
+              <a:rPr lang="ru-RU" dirty="0"/>
+              <a:t>Автоматизация измерений</a:t>
+            </a:r>
+            <a:endParaRPr dirty="0"/>
+          </a:p>
+        </p:txBody>
+      </p:sp>
+      <p:sp>
+        <p:nvSpPr>
+          <p:cNvPr id="6" name="Номер слайда 5"/>
+          <p:cNvSpPr>
+            <a:spLocks noGrp="1"/>
+          </p:cNvSpPr>
+          <p:nvPr>
+            <p:ph type="sldNum" sz="quarter" idx="12"/>
+          </p:nvPr>
+        </p:nvSpPr>
+        <p:spPr bwMode="auto"/>
+        <p:txBody>
+          <a:bodyPr/>
+          <a:lstStyle/>
+          <a:p>
+            <a:pPr>
+              <a:defRPr/>
+            </a:pPr>
+            <a:fld id="{0E74F7B3-D6C5-4685-98C3-5555C8ABFDCC}" type="slidenum">
+              <a:rPr lang="ru-RU"/>
+              <a:t>13</a:t>
+            </a:fld>
+            <a:endParaRPr lang="ru-RU"/>
+          </a:p>
+        </p:txBody>
+      </p:sp>
+      <p:sp>
+        <p:nvSpPr>
+          <p:cNvPr id="16" name="TextBox 15">
+            <a:extLst>
+              <a:ext uri="{FF2B5EF4-FFF2-40B4-BE49-F238E27FC236}">
+                <a16:creationId xmlns:a16="http://schemas.microsoft.com/office/drawing/2014/main" id="{92125591-8FA6-47EE-8A8B-68821CBF7FF5}"/>
+              </a:ext>
+            </a:extLst>
+          </p:cNvPr>
+          <p:cNvSpPr txBox="1"/>
+          <p:nvPr/>
+        </p:nvSpPr>
+        <p:spPr>
+          <a:xfrm>
+            <a:off x="2358438" y="3687414"/>
+            <a:ext cx="7475123" cy="461665"/>
+          </a:xfrm>
+          <a:prstGeom prst="rect">
+            <a:avLst/>
+          </a:prstGeom>
+          <a:noFill/>
+        </p:spPr>
+        <p:txBody>
+          <a:bodyPr wrap="none" rtlCol="0">
+            <a:spAutoFit/>
+          </a:bodyPr>
+          <a:lstStyle/>
+          <a:p>
+            <a:r>
+              <a:rPr lang="ru-RU" sz="2400" dirty="0">
+                <a:latin typeface="Bahnschrift Light" panose="020B0502040204020203" pitchFamily="34" charset="0"/>
+              </a:rPr>
+              <a:t>Рис. 14. Блок-схема экспериментальной установки</a:t>
+            </a:r>
+          </a:p>
+        </p:txBody>
+      </p:sp>
+      <p:pic>
+        <p:nvPicPr>
+          <p:cNvPr id="7" name="Picture 2">
+            <a:extLst>
+              <a:ext uri="{FF2B5EF4-FFF2-40B4-BE49-F238E27FC236}">
+                <a16:creationId xmlns:a16="http://schemas.microsoft.com/office/drawing/2014/main" id="{9F0977E6-437C-4B26-ACCA-90B8286A2A68}"/>
+              </a:ext>
+            </a:extLst>
+          </p:cNvPr>
+          <p:cNvPicPr>
+            <a:picLocks noChangeAspect="1" noChangeArrowheads="1"/>
+          </p:cNvPicPr>
+          <p:nvPr/>
+        </p:nvPicPr>
+        <p:blipFill>
+          <a:blip r:embed="rId2" cstate="print">
+            <a:extLst>
+              <a:ext uri="{28A0092B-C50C-407E-A947-70E740481C1C}">
+                <a14:useLocalDpi xmlns:a14="http://schemas.microsoft.com/office/drawing/2010/main" val="0"/>
+              </a:ext>
+            </a:extLst>
+          </a:blip>
+          <a:srcRect/>
+          <a:stretch>
+            <a:fillRect/>
+          </a:stretch>
+        </p:blipFill>
+        <p:spPr bwMode="auto">
+          <a:xfrm>
+            <a:off x="1989158" y="572394"/>
+            <a:ext cx="7721310" cy="3126036"/>
+          </a:xfrm>
+          <a:prstGeom prst="rect">
+            <a:avLst/>
+          </a:prstGeom>
+          <a:noFill/>
+          <a:extLst>
+            <a:ext uri="{909E8E84-426E-40DD-AFC4-6F175D3DCCD1}">
+              <a14:hiddenFill xmlns:a14="http://schemas.microsoft.com/office/drawing/2010/main">
+                <a:solidFill>
+                  <a:srgbClr val="FFFFFF"/>
+                </a:solidFill>
+              </a14:hiddenFill>
+            </a:ext>
+          </a:extLst>
+        </p:spPr>
+      </p:pic>
+      <p:sp>
+        <p:nvSpPr>
+          <p:cNvPr id="3" name="TextBox 2">
+            <a:extLst>
+              <a:ext uri="{FF2B5EF4-FFF2-40B4-BE49-F238E27FC236}">
+                <a16:creationId xmlns:a16="http://schemas.microsoft.com/office/drawing/2014/main" id="{C38135D1-93ED-4AA9-A375-2971A56E9E24}"/>
+              </a:ext>
+            </a:extLst>
+          </p:cNvPr>
+          <p:cNvSpPr txBox="1"/>
+          <p:nvPr/>
+        </p:nvSpPr>
+        <p:spPr>
+          <a:xfrm>
+            <a:off x="401183" y="4138063"/>
+            <a:ext cx="11635820" cy="2246769"/>
+          </a:xfrm>
+          <a:prstGeom prst="rect">
+            <a:avLst/>
+          </a:prstGeom>
+          <a:noFill/>
+        </p:spPr>
+        <p:txBody>
+          <a:bodyPr wrap="square" rtlCol="0">
+            <a:spAutoFit/>
+          </a:bodyPr>
+          <a:lstStyle/>
+          <a:p>
+            <a:r>
+              <a:rPr lang="ru-RU" sz="2000" dirty="0">
+                <a:latin typeface="Bahnschrift Light" panose="020B0502040204020203" pitchFamily="34" charset="0"/>
+              </a:rPr>
+              <a:t>Программно-аппаратный измерительный комплекс позволяет:</a:t>
+            </a:r>
+          </a:p>
+          <a:p>
+            <a:pPr marL="285750" indent="-285750">
+              <a:buFont typeface="Arial" panose="020B0604020202020204" pitchFamily="34" charset="0"/>
+              <a:buChar char="•"/>
+            </a:pPr>
+            <a:r>
+              <a:rPr lang="ru-RU" sz="2000" dirty="0">
+                <a:latin typeface="Bahnschrift Light" panose="020B0502040204020203" pitchFamily="34" charset="0"/>
+              </a:rPr>
+              <a:t>Оценивать форму импульсов (</a:t>
+            </a:r>
+            <a:r>
+              <a:rPr lang="en-US" sz="2000" dirty="0">
+                <a:latin typeface="Bahnschrift Light" panose="020B0502040204020203" pitchFamily="34" charset="0"/>
+              </a:rPr>
+              <a:t>NMSE</a:t>
+            </a:r>
+            <a:r>
+              <a:rPr lang="ru-RU" sz="2000" dirty="0">
+                <a:latin typeface="Bahnschrift Light" panose="020B0502040204020203" pitchFamily="34" charset="0"/>
+              </a:rPr>
+              <a:t>)</a:t>
+            </a:r>
+            <a:r>
+              <a:rPr lang="en-US" sz="2000" dirty="0">
+                <a:latin typeface="Bahnschrift Light" panose="020B0502040204020203" pitchFamily="34" charset="0"/>
+              </a:rPr>
+              <a:t> </a:t>
+            </a:r>
+            <a:r>
+              <a:rPr lang="ru-RU" sz="2000" dirty="0">
+                <a:latin typeface="Bahnschrift Light" panose="020B0502040204020203" pitchFamily="34" charset="0"/>
+              </a:rPr>
+              <a:t>и уровень звона</a:t>
+            </a:r>
+          </a:p>
+          <a:p>
+            <a:pPr marL="285750" indent="-285750">
+              <a:buFont typeface="Arial" panose="020B0604020202020204" pitchFamily="34" charset="0"/>
+              <a:buChar char="•"/>
+            </a:pPr>
+            <a:r>
+              <a:rPr lang="ru-RU" sz="2000" dirty="0">
+                <a:latin typeface="Bahnschrift Light" panose="020B0502040204020203" pitchFamily="34" charset="0"/>
+              </a:rPr>
+              <a:t>Подбирать нужные амплитуды и длительности импульсов за счет управления напряжением блока питания</a:t>
+            </a:r>
+          </a:p>
+          <a:p>
+            <a:pPr marL="285750" indent="-285750">
+              <a:buFont typeface="Arial" panose="020B0604020202020204" pitchFamily="34" charset="0"/>
+              <a:buChar char="•"/>
+            </a:pPr>
+            <a:r>
+              <a:rPr lang="ru-RU" sz="2000" dirty="0">
+                <a:latin typeface="Bahnschrift Light" panose="020B0502040204020203" pitchFamily="34" charset="0"/>
+              </a:rPr>
+              <a:t>Записывать множественные результаты экспериментальных измерений</a:t>
+            </a:r>
+          </a:p>
+          <a:p>
+            <a:pPr marL="285750" indent="-285750">
+              <a:buFont typeface="Arial" panose="020B0604020202020204" pitchFamily="34" charset="0"/>
+              <a:buChar char="•"/>
+            </a:pPr>
+            <a:endParaRPr lang="ru-RU" sz="2000" dirty="0">
+              <a:latin typeface="Bahnschrift Light" panose="020B0502040204020203" pitchFamily="34" charset="0"/>
+            </a:endParaRPr>
+          </a:p>
+          <a:p>
+            <a:r>
+              <a:rPr lang="ru-RU" sz="2000" dirty="0">
+                <a:latin typeface="Bahnschrift Light" panose="020B0502040204020203" pitchFamily="34" charset="0"/>
+              </a:rPr>
+              <a:t>Работа ПАИК описана в 3 заявках на регистрацию кода для ЭВМ</a:t>
+            </a:r>
+          </a:p>
+        </p:txBody>
+      </p:sp>
+    </p:spTree>
+  </p:cSld>
+  <p:clrMapOvr>
+    <a:masterClrMapping/>
+  </p:clrMapOvr>
+</p:sld>
+</file>
+
+<file path=ppt/slides/slide14.xml><?xml version="1.0" encoding="utf-8"?>
 <p:sld xmlns:a="http://schemas.openxmlformats.org/drawingml/2006/main" xmlns:r="http://schemas.openxmlformats.org/officeDocument/2006/relationships" xmlns:p="http://schemas.openxmlformats.org/presentationml/2006/main">
   <p:cSld>
     <p:spTree>
@@ -17832,7 +18113,7 @@
             <a:fld id="{49A47517-3B86-41FB-B4AF-4A776FD921BA}" type="slidenum">
               <a:rPr lang="ru-RU" smtClean="0"/>
               <a:pPr/>
-              <a:t>13</a:t>
+              <a:t>14</a:t>
             </a:fld>
             <a:endParaRPr lang="ru-RU" dirty="0"/>
           </a:p>
@@ -17851,7 +18132,7 @@
 </p:sld>
 </file>
 
-<file path=ppt/slides/slide14.xml><?xml version="1.0" encoding="utf-8"?>
+<file path=ppt/slides/slide15.xml><?xml version="1.0" encoding="utf-8"?>
 <p:sld xmlns:a="http://schemas.openxmlformats.org/drawingml/2006/main" xmlns:r="http://schemas.openxmlformats.org/officeDocument/2006/relationships" xmlns:p="http://schemas.openxmlformats.org/presentationml/2006/main">
   <p:cSld>
     <p:spTree>
@@ -17919,7 +18200,7 @@
 </p:sld>
 </file>
 
-<file path=ppt/slides/slide15.xml><?xml version="1.0" encoding="utf-8"?>
+<file path=ppt/slides/slide16.xml><?xml version="1.0" encoding="utf-8"?>
 <p:sld xmlns:a="http://schemas.openxmlformats.org/drawingml/2006/main" xmlns:r="http://schemas.openxmlformats.org/officeDocument/2006/relationships" xmlns:p="http://schemas.openxmlformats.org/presentationml/2006/main">
   <p:cSld>
     <p:spTree>
@@ -18000,7 +18281,7 @@
             </a:pPr>
             <a:fld id="{0E74F7B3-D6C5-4685-98C3-5555C8ABFDCC}" type="slidenum">
               <a:rPr lang="ru-RU" smtClean="0"/>
-              <a:t>15</a:t>
+              <a:t>16</a:t>
             </a:fld>
             <a:endParaRPr lang="ru-RU"/>
           </a:p>
@@ -18222,7 +18503,7 @@
 </p:sld>
 </file>
 
-<file path=ppt/slides/slide16.xml><?xml version="1.0" encoding="utf-8"?>
+<file path=ppt/slides/slide17.xml><?xml version="1.0" encoding="utf-8"?>
 <p:sld xmlns:a="http://schemas.openxmlformats.org/drawingml/2006/main" xmlns:r="http://schemas.openxmlformats.org/officeDocument/2006/relationships" xmlns:p="http://schemas.openxmlformats.org/presentationml/2006/main">
   <p:cSld>
     <p:spTree>
@@ -18303,7 +18584,7 @@
             </a:pPr>
             <a:fld id="{0E74F7B3-D6C5-4685-98C3-5555C8ABFDCC}" type="slidenum">
               <a:rPr lang="ru-RU" smtClean="0"/>
-              <a:t>16</a:t>
+              <a:t>17</a:t>
             </a:fld>
             <a:endParaRPr lang="ru-RU"/>
           </a:p>
@@ -18525,7 +18806,7 @@
 </p:sld>
 </file>
 
-<file path=ppt/slides/slide17.xml><?xml version="1.0" encoding="utf-8"?>
+<file path=ppt/slides/slide18.xml><?xml version="1.0" encoding="utf-8"?>
 <p:sld xmlns:a="http://schemas.openxmlformats.org/drawingml/2006/main" xmlns:r="http://schemas.openxmlformats.org/officeDocument/2006/relationships" xmlns:p="http://schemas.openxmlformats.org/presentationml/2006/main">
   <p:cSld>
     <p:spTree>
@@ -18602,7 +18883,7 @@
             <a:fld id="{CEBA4FEC-A158-47C3-BA1E-F484BDAD1508}" type="slidenum">
               <a:rPr lang="ru-RU" smtClean="0"/>
               <a:pPr/>
-              <a:t>17</a:t>
+              <a:t>18</a:t>
             </a:fld>
             <a:endParaRPr lang="ru-RU" dirty="0"/>
           </a:p>
@@ -20540,7 +20821,7 @@
           <a:graphicData uri="http://schemas.openxmlformats.org/presentationml/2006/ole">
             <mc:AlternateContent xmlns:mc="http://schemas.openxmlformats.org/markup-compatibility/2006">
               <mc:Choice xmlns:v="urn:schemas-microsoft-com:vml" Requires="v">
-                <p:oleObj spid="_x0000_s1097" name="Document" r:id="rId4" imgW="5938880" imgH="2994093" progId="Word.Document.12">
+                <p:oleObj spid="_x0000_s1103" name="Document" r:id="rId4" imgW="5938880" imgH="2994093" progId="Word.Document.12">
                   <p:embed/>
                 </p:oleObj>
               </mc:Choice>

--- a/Диссертация и предзащита/Презентация для предзащиты.pptx
+++ b/Диссертация и предзащита/Презентация для предзащиты.pptx
@@ -20821,7 +20821,7 @@
           <a:graphicData uri="http://schemas.openxmlformats.org/presentationml/2006/ole">
             <mc:AlternateContent xmlns:mc="http://schemas.openxmlformats.org/markup-compatibility/2006">
               <mc:Choice xmlns:v="urn:schemas-microsoft-com:vml" Requires="v">
-                <p:oleObj spid="_x0000_s1103" name="Document" r:id="rId4" imgW="5938880" imgH="2994093" progId="Word.Document.12">
+                <p:oleObj spid="_x0000_s1104" name="Document" r:id="rId4" imgW="5938880" imgH="2994093" progId="Word.Document.12">
                   <p:embed/>
                 </p:oleObj>
               </mc:Choice>

--- a/Диссертация и предзащита/Презентация для предзащиты.pptx
+++ b/Диссертация и предзащита/Презентация для предзащиты.pptx
@@ -3608,7 +3608,7 @@
           <a:p>
             <a:fld id="{AF1E9954-E5F0-41EC-852C-84AFDEBF59DE}" type="datetimeFigureOut">
               <a:rPr lang="ru-RU" smtClean="0"/>
-              <a:t>31.05.2024</a:t>
+              <a:t>06.06.2024</a:t>
             </a:fld>
             <a:endParaRPr lang="ru-RU"/>
           </a:p>
@@ -4193,7 +4193,7 @@
           <a:p>
             <a:fld id="{359A1DDB-084E-461C-8764-48870B9EAB75}" type="datetime1">
               <a:rPr lang="ru-RU" smtClean="0"/>
-              <a:t>31.05.2024</a:t>
+              <a:t>06.06.2024</a:t>
             </a:fld>
             <a:endParaRPr lang="ru-RU"/>
           </a:p>
@@ -4790,7 +4790,7 @@
           <a:p>
             <a:fld id="{99A6C1F4-F53D-4986-B359-CB5B665D3AD5}" type="datetime1">
               <a:rPr lang="ru-RU" smtClean="0"/>
-              <a:t>31.05.2024</a:t>
+              <a:t>06.06.2024</a:t>
             </a:fld>
             <a:endParaRPr lang="ru-RU"/>
           </a:p>
@@ -5383,7 +5383,7 @@
           <a:p>
             <a:fld id="{6657BFAB-51B0-4795-A8A2-9647DDDD8937}" type="datetime1">
               <a:rPr lang="ru-RU" smtClean="0"/>
-              <a:t>31.05.2024</a:t>
+              <a:t>06.06.2024</a:t>
             </a:fld>
             <a:endParaRPr lang="ru-RU"/>
           </a:p>
@@ -5977,7 +5977,7 @@
           <a:p>
             <a:fld id="{12DCC64C-6443-4FE0-8A4D-912B3EF65D87}" type="datetime1">
               <a:rPr lang="ru-RU" smtClean="0"/>
-              <a:t>31.05.2024</a:t>
+              <a:t>06.06.2024</a:t>
             </a:fld>
             <a:endParaRPr lang="ru-RU"/>
           </a:p>
@@ -6696,7 +6696,7 @@
           <a:p>
             <a:fld id="{612C28BB-A844-4AB2-8164-7C589570A10A}" type="datetime1">
               <a:rPr lang="ru-RU" smtClean="0"/>
-              <a:t>31.05.2024</a:t>
+              <a:t>06.06.2024</a:t>
             </a:fld>
             <a:endParaRPr lang="ru-RU"/>
           </a:p>
@@ -7347,7 +7347,7 @@
           <a:p>
             <a:fld id="{18E55CE8-34C1-4412-BCE9-45740F2D3090}" type="datetime1">
               <a:rPr lang="ru-RU" smtClean="0"/>
-              <a:t>31.05.2024</a:t>
+              <a:t>06.06.2024</a:t>
             </a:fld>
             <a:endParaRPr lang="ru-RU"/>
           </a:p>
@@ -8145,7 +8145,7 @@
           <a:p>
             <a:fld id="{BB9E1059-E53D-41E9-B135-232E16073DAD}" type="datetime1">
               <a:rPr lang="ru-RU" smtClean="0"/>
-              <a:t>31.05.2024</a:t>
+              <a:t>06.06.2024</a:t>
             </a:fld>
             <a:endParaRPr lang="ru-RU"/>
           </a:p>
@@ -8670,7 +8670,7 @@
           <a:p>
             <a:fld id="{C15BA0E4-0757-4EF9-936C-7717A2EA2D02}" type="datetime1">
               <a:rPr lang="ru-RU" smtClean="0"/>
-              <a:t>31.05.2024</a:t>
+              <a:t>06.06.2024</a:t>
             </a:fld>
             <a:endParaRPr lang="ru-RU"/>
           </a:p>
@@ -9166,7 +9166,7 @@
           <a:p>
             <a:fld id="{0F0F823C-D852-40E5-8016-39932030A9F2}" type="datetime1">
               <a:rPr lang="ru-RU" smtClean="0"/>
-              <a:t>31.05.2024</a:t>
+              <a:t>06.06.2024</a:t>
             </a:fld>
             <a:endParaRPr lang="ru-RU"/>
           </a:p>
@@ -9862,7 +9862,7 @@
           <a:p>
             <a:fld id="{D2E06034-DA7E-4B39-914E-D6B45ACCF666}" type="datetime1">
               <a:rPr lang="ru-RU" smtClean="0"/>
-              <a:t>31.05.2024</a:t>
+              <a:t>06.06.2024</a:t>
             </a:fld>
             <a:endParaRPr lang="ru-RU"/>
           </a:p>
@@ -10534,7 +10534,7 @@
           <a:p>
             <a:fld id="{3D449A2B-DBAB-4C02-BDC7-7BB50E9BB86F}" type="datetime1">
               <a:rPr lang="ru-RU" smtClean="0"/>
-              <a:t>31.05.2024</a:t>
+              <a:t>06.06.2024</a:t>
             </a:fld>
             <a:endParaRPr lang="ru-RU"/>
           </a:p>
@@ -11160,7 +11160,7 @@
           <a:p>
             <a:fld id="{5B8094D9-B964-4904-93F4-019FCA5AD162}" type="datetime1">
               <a:rPr lang="ru-RU" smtClean="0"/>
-              <a:t>31.05.2024</a:t>
+              <a:t>06.06.2024</a:t>
             </a:fld>
             <a:endParaRPr lang="ru-RU"/>
           </a:p>
@@ -11596,33 +11596,46 @@
         </p:nvSpPr>
         <p:spPr>
           <a:xfrm>
-            <a:off x="436345" y="1075114"/>
-            <a:ext cx="9144000" cy="2387600"/>
+            <a:off x="335279" y="1986200"/>
+            <a:ext cx="9544937" cy="2387600"/>
           </a:xfrm>
         </p:spPr>
         <p:txBody>
           <a:bodyPr>
-            <a:normAutofit fontScale="90000"/>
+            <a:noAutofit/>
           </a:bodyPr>
           <a:lstStyle/>
           <a:p>
             <a:pPr algn="l"/>
             <a:r>
-              <a:rPr lang="ru-RU" sz="6600" dirty="0">
+              <a:rPr lang="ru-RU" sz="4000" dirty="0">
                 <a:latin typeface="Bahnschrift Light" panose="020B0502040204020203" pitchFamily="34" charset="0"/>
               </a:rPr>
-              <a:t>Что-то по генераторам</a:t>
-            </a:r>
-            <a:br>
-              <a:rPr lang="ru-RU" sz="6600" dirty="0">
+              <a:t>Формирование</a:t>
+            </a:r>
+            <a:r>
+              <a:rPr lang="en-US" sz="4000" dirty="0">
                 <a:latin typeface="Bahnschrift Light" panose="020B0502040204020203" pitchFamily="34" charset="0"/>
               </a:rPr>
-            </a:br>
-            <a:r>
-              <a:rPr lang="ru-RU" sz="6600" dirty="0">
+              <a:t> </a:t>
+            </a:r>
+            <a:r>
+              <a:rPr lang="ru-RU" sz="4000" dirty="0">
                 <a:latin typeface="Bahnschrift Light" panose="020B0502040204020203" pitchFamily="34" charset="0"/>
               </a:rPr>
-              <a:t>крутое</a:t>
+              <a:t>сверхширокополосных импульсов </a:t>
+            </a:r>
+            <a:r>
+              <a:rPr lang="ru-RU" sz="4000" dirty="0" err="1">
+                <a:latin typeface="Bahnschrift Light" panose="020B0502040204020203" pitchFamily="34" charset="0"/>
+              </a:rPr>
+              <a:t>субнаносекундной</a:t>
+            </a:r>
+            <a:r>
+              <a:rPr lang="ru-RU" sz="4000" dirty="0">
+                <a:latin typeface="Bahnschrift Light" panose="020B0502040204020203" pitchFamily="34" charset="0"/>
+              </a:rPr>
+              <a:t> длительности с контролируемыми параметрами</a:t>
             </a:r>
           </a:p>
         </p:txBody>
@@ -11645,7 +11658,7 @@
         </p:nvSpPr>
         <p:spPr>
           <a:xfrm>
-            <a:off x="436345" y="3953774"/>
+            <a:off x="335279" y="4525573"/>
             <a:ext cx="9144000" cy="1655762"/>
           </a:xfrm>
         </p:spPr>
@@ -13306,6 +13319,252 @@
           </a:extLst>
         </p:spPr>
       </p:pic>
+      <p:sp>
+        <p:nvSpPr>
+          <p:cNvPr id="5" name="Прямоугольник 4">
+            <a:extLst>
+              <a:ext uri="{FF2B5EF4-FFF2-40B4-BE49-F238E27FC236}">
+                <a16:creationId xmlns:a16="http://schemas.microsoft.com/office/drawing/2014/main" id="{28F89897-169A-49E4-9B8C-4E2C4A195556}"/>
+              </a:ext>
+            </a:extLst>
+          </p:cNvPr>
+          <p:cNvSpPr/>
+          <p:nvPr/>
+        </p:nvSpPr>
+        <p:spPr>
+          <a:xfrm>
+            <a:off x="3562350" y="4038600"/>
+            <a:ext cx="400050" cy="254496"/>
+          </a:xfrm>
+          <a:prstGeom prst="rect">
+            <a:avLst/>
+          </a:prstGeom>
+          <a:solidFill>
+            <a:schemeClr val="bg1"/>
+          </a:solidFill>
+          <a:ln>
+            <a:solidFill>
+              <a:schemeClr val="bg1"/>
+            </a:solidFill>
+          </a:ln>
+        </p:spPr>
+        <p:style>
+          <a:lnRef idx="2">
+            <a:schemeClr val="accent1">
+              <a:shade val="50000"/>
+            </a:schemeClr>
+          </a:lnRef>
+          <a:fillRef idx="1">
+            <a:schemeClr val="accent1"/>
+          </a:fillRef>
+          <a:effectRef idx="0">
+            <a:schemeClr val="accent1"/>
+          </a:effectRef>
+          <a:fontRef idx="minor">
+            <a:schemeClr val="lt1"/>
+          </a:fontRef>
+        </p:style>
+        <p:txBody>
+          <a:bodyPr rtlCol="0" anchor="ctr"/>
+          <a:lstStyle/>
+          <a:p>
+            <a:pPr algn="ctr"/>
+            <a:endParaRPr lang="ru-RU"/>
+          </a:p>
+        </p:txBody>
+      </p:sp>
+      <p:sp>
+        <p:nvSpPr>
+          <p:cNvPr id="13" name="Прямоугольник 12">
+            <a:extLst>
+              <a:ext uri="{FF2B5EF4-FFF2-40B4-BE49-F238E27FC236}">
+                <a16:creationId xmlns:a16="http://schemas.microsoft.com/office/drawing/2014/main" id="{D3275450-BED4-4B3B-AA78-923F63C65EC5}"/>
+              </a:ext>
+            </a:extLst>
+          </p:cNvPr>
+          <p:cNvSpPr/>
+          <p:nvPr/>
+        </p:nvSpPr>
+        <p:spPr>
+          <a:xfrm>
+            <a:off x="7738814" y="4093840"/>
+            <a:ext cx="400050" cy="254496"/>
+          </a:xfrm>
+          <a:prstGeom prst="rect">
+            <a:avLst/>
+          </a:prstGeom>
+          <a:solidFill>
+            <a:schemeClr val="bg1"/>
+          </a:solidFill>
+          <a:ln>
+            <a:solidFill>
+              <a:schemeClr val="bg1"/>
+            </a:solidFill>
+          </a:ln>
+        </p:spPr>
+        <p:style>
+          <a:lnRef idx="2">
+            <a:schemeClr val="accent1">
+              <a:shade val="50000"/>
+            </a:schemeClr>
+          </a:lnRef>
+          <a:fillRef idx="1">
+            <a:schemeClr val="accent1"/>
+          </a:fillRef>
+          <a:effectRef idx="0">
+            <a:schemeClr val="accent1"/>
+          </a:effectRef>
+          <a:fontRef idx="minor">
+            <a:schemeClr val="lt1"/>
+          </a:fontRef>
+        </p:style>
+        <p:txBody>
+          <a:bodyPr rtlCol="0" anchor="ctr"/>
+          <a:lstStyle/>
+          <a:p>
+            <a:pPr algn="ctr"/>
+            <a:endParaRPr lang="ru-RU"/>
+          </a:p>
+        </p:txBody>
+      </p:sp>
+      <p:sp>
+        <p:nvSpPr>
+          <p:cNvPr id="14" name="Прямоугольник 13">
+            <a:extLst>
+              <a:ext uri="{FF2B5EF4-FFF2-40B4-BE49-F238E27FC236}">
+                <a16:creationId xmlns:a16="http://schemas.microsoft.com/office/drawing/2014/main" id="{68578D3A-0488-4678-B392-FCFC82A4BC23}"/>
+              </a:ext>
+            </a:extLst>
+          </p:cNvPr>
+          <p:cNvSpPr/>
+          <p:nvPr/>
+        </p:nvSpPr>
+        <p:spPr>
+          <a:xfrm>
+            <a:off x="11532722" y="4093840"/>
+            <a:ext cx="465192" cy="254496"/>
+          </a:xfrm>
+          <a:prstGeom prst="rect">
+            <a:avLst/>
+          </a:prstGeom>
+          <a:solidFill>
+            <a:schemeClr val="bg1"/>
+          </a:solidFill>
+          <a:ln>
+            <a:solidFill>
+              <a:schemeClr val="bg1"/>
+            </a:solidFill>
+          </a:ln>
+        </p:spPr>
+        <p:style>
+          <a:lnRef idx="2">
+            <a:schemeClr val="accent1">
+              <a:shade val="50000"/>
+            </a:schemeClr>
+          </a:lnRef>
+          <a:fillRef idx="1">
+            <a:schemeClr val="accent1"/>
+          </a:fillRef>
+          <a:effectRef idx="0">
+            <a:schemeClr val="accent1"/>
+          </a:effectRef>
+          <a:fontRef idx="minor">
+            <a:schemeClr val="lt1"/>
+          </a:fontRef>
+        </p:style>
+        <p:txBody>
+          <a:bodyPr rtlCol="0" anchor="ctr"/>
+          <a:lstStyle/>
+          <a:p>
+            <a:pPr algn="ctr"/>
+            <a:endParaRPr lang="ru-RU"/>
+          </a:p>
+        </p:txBody>
+      </p:sp>
+      <p:pic>
+        <p:nvPicPr>
+          <p:cNvPr id="15" name="Рисунок 14">
+            <a:extLst>
+              <a:ext uri="{FF2B5EF4-FFF2-40B4-BE49-F238E27FC236}">
+                <a16:creationId xmlns:a16="http://schemas.microsoft.com/office/drawing/2014/main" id="{7D2A35A9-D83A-47A6-9578-166D1E8F240E}"/>
+              </a:ext>
+            </a:extLst>
+          </p:cNvPr>
+          <p:cNvPicPr>
+            <a:picLocks noChangeAspect="1"/>
+          </p:cNvPicPr>
+          <p:nvPr/>
+        </p:nvPicPr>
+        <p:blipFill>
+          <a:blip r:embed="rId6"/>
+          <a:stretch>
+            <a:fillRect/>
+          </a:stretch>
+        </p:blipFill>
+        <p:spPr>
+          <a:xfrm>
+            <a:off x="3787250" y="3790915"/>
+            <a:ext cx="200053" cy="247685"/>
+          </a:xfrm>
+          <a:prstGeom prst="rect">
+            <a:avLst/>
+          </a:prstGeom>
+        </p:spPr>
+      </p:pic>
+      <p:sp>
+        <p:nvSpPr>
+          <p:cNvPr id="17" name="Прямоугольник 16">
+            <a:extLst>
+              <a:ext uri="{FF2B5EF4-FFF2-40B4-BE49-F238E27FC236}">
+                <a16:creationId xmlns:a16="http://schemas.microsoft.com/office/drawing/2014/main" id="{2E8BB7F5-7DBB-4BEC-B2F0-35B990F0B1AB}"/>
+              </a:ext>
+            </a:extLst>
+          </p:cNvPr>
+          <p:cNvSpPr/>
+          <p:nvPr/>
+        </p:nvSpPr>
+        <p:spPr>
+          <a:xfrm>
+            <a:off x="3980210" y="3778830"/>
+            <a:ext cx="400050" cy="254496"/>
+          </a:xfrm>
+          <a:prstGeom prst="rect">
+            <a:avLst/>
+          </a:prstGeom>
+          <a:solidFill>
+            <a:schemeClr val="bg1"/>
+          </a:solidFill>
+          <a:ln>
+            <a:solidFill>
+              <a:schemeClr val="bg1"/>
+            </a:solidFill>
+          </a:ln>
+        </p:spPr>
+        <p:style>
+          <a:lnRef idx="2">
+            <a:schemeClr val="accent1">
+              <a:shade val="50000"/>
+            </a:schemeClr>
+          </a:lnRef>
+          <a:fillRef idx="1">
+            <a:schemeClr val="accent1"/>
+          </a:fillRef>
+          <a:effectRef idx="0">
+            <a:schemeClr val="accent1"/>
+          </a:effectRef>
+          <a:fontRef idx="minor">
+            <a:schemeClr val="lt1"/>
+          </a:fontRef>
+        </p:style>
+        <p:txBody>
+          <a:bodyPr rtlCol="0" anchor="ctr"/>
+          <a:lstStyle/>
+          <a:p>
+            <a:pPr algn="ctr"/>
+            <a:endParaRPr lang="ru-RU"/>
+          </a:p>
+        </p:txBody>
+      </p:sp>
     </p:spTree>
     <p:extLst>
       <p:ext uri="{BB962C8B-B14F-4D97-AF65-F5344CB8AC3E}">
@@ -17552,7 +17811,7 @@
               <a:rPr lang="ru-RU" sz="2000" dirty="0">
                 <a:latin typeface="Bahnschrift Light" panose="020B0502040204020203" pitchFamily="34" charset="0"/>
               </a:rPr>
-              <a:t>Подбирать нужные амплитуды и длительности импульсов за счет управления напряжением блока питания</a:t>
+              <a:t>Устанавливать требуемые амплитуды и длительности импульсов за счет управления напряжением блока питания</a:t>
             </a:r>
           </a:p>
           <a:p>
@@ -20821,7 +21080,7 @@
           <a:graphicData uri="http://schemas.openxmlformats.org/presentationml/2006/ole">
             <mc:AlternateContent xmlns:mc="http://schemas.openxmlformats.org/markup-compatibility/2006">
               <mc:Choice xmlns:v="urn:schemas-microsoft-com:vml" Requires="v">
-                <p:oleObj spid="_x0000_s1104" name="Document" r:id="rId4" imgW="5938880" imgH="2994093" progId="Word.Document.12">
+                <p:oleObj spid="_x0000_s1109" name="Document" r:id="rId4" imgW="5938880" imgH="2994093" progId="Word.Document.12">
                   <p:embed/>
                 </p:oleObj>
               </mc:Choice>

--- a/Диссертация и предзащита/Презентация для предзащиты.pptx
+++ b/Диссертация и предзащита/Презентация для предзащиты.pptx
@@ -3608,7 +3608,7 @@
           <a:p>
             <a:fld id="{AF1E9954-E5F0-41EC-852C-84AFDEBF59DE}" type="datetimeFigureOut">
               <a:rPr lang="ru-RU" smtClean="0"/>
-              <a:t>06.06.2024</a:t>
+              <a:t>11.06.2024</a:t>
             </a:fld>
             <a:endParaRPr lang="ru-RU"/>
           </a:p>
@@ -3939,6 +3939,90 @@
           <a:bodyPr/>
           <a:lstStyle/>
           <a:p>
+            <a:fld id="{0C0B9D3F-5D7E-4C1C-B9B7-4C9948AD5056}" type="slidenum">
+              <a:rPr lang="ru-RU" smtClean="0"/>
+              <a:t>5</a:t>
+            </a:fld>
+            <a:endParaRPr lang="ru-RU"/>
+          </a:p>
+        </p:txBody>
+      </p:sp>
+    </p:spTree>
+    <p:extLst>
+      <p:ext uri="{BB962C8B-B14F-4D97-AF65-F5344CB8AC3E}">
+        <p14:creationId xmlns:p14="http://schemas.microsoft.com/office/powerpoint/2010/main" val="2160199403"/>
+      </p:ext>
+    </p:extLst>
+  </p:cSld>
+  <p:clrMapOvr>
+    <a:masterClrMapping/>
+  </p:clrMapOvr>
+</p:notes>
+</file>
+
+<file path=ppt/notesSlides/notesSlide2.xml><?xml version="1.0" encoding="utf-8"?>
+<p:notes xmlns:a="http://schemas.openxmlformats.org/drawingml/2006/main" xmlns:r="http://schemas.openxmlformats.org/officeDocument/2006/relationships" xmlns:p="http://schemas.openxmlformats.org/presentationml/2006/main">
+  <p:cSld>
+    <p:spTree>
+      <p:nvGrpSpPr>
+        <p:cNvPr id="1" name=""/>
+        <p:cNvGrpSpPr/>
+        <p:nvPr/>
+      </p:nvGrpSpPr>
+      <p:grpSpPr>
+        <a:xfrm>
+          <a:off x="0" y="0"/>
+          <a:ext cx="0" cy="0"/>
+          <a:chOff x="0" y="0"/>
+          <a:chExt cx="0" cy="0"/>
+        </a:xfrm>
+      </p:grpSpPr>
+      <p:sp>
+        <p:nvSpPr>
+          <p:cNvPr id="2" name="Образ слайда 1"/>
+          <p:cNvSpPr>
+            <a:spLocks noGrp="1" noRot="1" noChangeAspect="1"/>
+          </p:cNvSpPr>
+          <p:nvPr>
+            <p:ph type="sldImg"/>
+          </p:nvPr>
+        </p:nvSpPr>
+        <p:spPr/>
+      </p:sp>
+      <p:sp>
+        <p:nvSpPr>
+          <p:cNvPr id="3" name="Заметки 2"/>
+          <p:cNvSpPr>
+            <a:spLocks noGrp="1"/>
+          </p:cNvSpPr>
+          <p:nvPr>
+            <p:ph type="body" idx="1"/>
+          </p:nvPr>
+        </p:nvSpPr>
+        <p:spPr/>
+        <p:txBody>
+          <a:bodyPr/>
+          <a:lstStyle/>
+          <a:p>
+            <a:endParaRPr lang="ru-RU" dirty="0"/>
+          </a:p>
+        </p:txBody>
+      </p:sp>
+      <p:sp>
+        <p:nvSpPr>
+          <p:cNvPr id="4" name="Номер слайда 3"/>
+          <p:cNvSpPr>
+            <a:spLocks noGrp="1"/>
+          </p:cNvSpPr>
+          <p:nvPr>
+            <p:ph type="sldNum" sz="quarter" idx="5"/>
+          </p:nvPr>
+        </p:nvSpPr>
+        <p:spPr/>
+        <p:txBody>
+          <a:bodyPr/>
+          <a:lstStyle/>
+          <a:p>
             <a:fld id="{D05F9C72-4226-4169-9448-9C01E22183B5}" type="slidenum">
               <a:rPr lang="ru-RU" smtClean="0"/>
               <a:t>12</a:t>
@@ -3960,7 +4044,7 @@
 </p:notes>
 </file>
 
-<file path=ppt/notesSlides/notesSlide2.xml><?xml version="1.0" encoding="utf-8"?>
+<file path=ppt/notesSlides/notesSlide3.xml><?xml version="1.0" encoding="utf-8"?>
 <p:notes xmlns:a="http://schemas.openxmlformats.org/drawingml/2006/main" xmlns:r="http://schemas.openxmlformats.org/officeDocument/2006/relationships" xmlns:p="http://schemas.openxmlformats.org/presentationml/2006/main">
   <p:cSld>
     <p:spTree>
@@ -4193,7 +4277,7 @@
           <a:p>
             <a:fld id="{359A1DDB-084E-461C-8764-48870B9EAB75}" type="datetime1">
               <a:rPr lang="ru-RU" smtClean="0"/>
-              <a:t>06.06.2024</a:t>
+              <a:t>11.06.2024</a:t>
             </a:fld>
             <a:endParaRPr lang="ru-RU"/>
           </a:p>
@@ -4790,7 +4874,7 @@
           <a:p>
             <a:fld id="{99A6C1F4-F53D-4986-B359-CB5B665D3AD5}" type="datetime1">
               <a:rPr lang="ru-RU" smtClean="0"/>
-              <a:t>06.06.2024</a:t>
+              <a:t>11.06.2024</a:t>
             </a:fld>
             <a:endParaRPr lang="ru-RU"/>
           </a:p>
@@ -5383,7 +5467,7 @@
           <a:p>
             <a:fld id="{6657BFAB-51B0-4795-A8A2-9647DDDD8937}" type="datetime1">
               <a:rPr lang="ru-RU" smtClean="0"/>
-              <a:t>06.06.2024</a:t>
+              <a:t>11.06.2024</a:t>
             </a:fld>
             <a:endParaRPr lang="ru-RU"/>
           </a:p>
@@ -5977,7 +6061,7 @@
           <a:p>
             <a:fld id="{12DCC64C-6443-4FE0-8A4D-912B3EF65D87}" type="datetime1">
               <a:rPr lang="ru-RU" smtClean="0"/>
-              <a:t>06.06.2024</a:t>
+              <a:t>11.06.2024</a:t>
             </a:fld>
             <a:endParaRPr lang="ru-RU"/>
           </a:p>
@@ -6696,7 +6780,7 @@
           <a:p>
             <a:fld id="{612C28BB-A844-4AB2-8164-7C589570A10A}" type="datetime1">
               <a:rPr lang="ru-RU" smtClean="0"/>
-              <a:t>06.06.2024</a:t>
+              <a:t>11.06.2024</a:t>
             </a:fld>
             <a:endParaRPr lang="ru-RU"/>
           </a:p>
@@ -7347,7 +7431,7 @@
           <a:p>
             <a:fld id="{18E55CE8-34C1-4412-BCE9-45740F2D3090}" type="datetime1">
               <a:rPr lang="ru-RU" smtClean="0"/>
-              <a:t>06.06.2024</a:t>
+              <a:t>11.06.2024</a:t>
             </a:fld>
             <a:endParaRPr lang="ru-RU"/>
           </a:p>
@@ -8145,7 +8229,7 @@
           <a:p>
             <a:fld id="{BB9E1059-E53D-41E9-B135-232E16073DAD}" type="datetime1">
               <a:rPr lang="ru-RU" smtClean="0"/>
-              <a:t>06.06.2024</a:t>
+              <a:t>11.06.2024</a:t>
             </a:fld>
             <a:endParaRPr lang="ru-RU"/>
           </a:p>
@@ -8670,7 +8754,7 @@
           <a:p>
             <a:fld id="{C15BA0E4-0757-4EF9-936C-7717A2EA2D02}" type="datetime1">
               <a:rPr lang="ru-RU" smtClean="0"/>
-              <a:t>06.06.2024</a:t>
+              <a:t>11.06.2024</a:t>
             </a:fld>
             <a:endParaRPr lang="ru-RU"/>
           </a:p>
@@ -9166,7 +9250,7 @@
           <a:p>
             <a:fld id="{0F0F823C-D852-40E5-8016-39932030A9F2}" type="datetime1">
               <a:rPr lang="ru-RU" smtClean="0"/>
-              <a:t>06.06.2024</a:t>
+              <a:t>11.06.2024</a:t>
             </a:fld>
             <a:endParaRPr lang="ru-RU"/>
           </a:p>
@@ -9862,7 +9946,7 @@
           <a:p>
             <a:fld id="{D2E06034-DA7E-4B39-914E-D6B45ACCF666}" type="datetime1">
               <a:rPr lang="ru-RU" smtClean="0"/>
-              <a:t>06.06.2024</a:t>
+              <a:t>11.06.2024</a:t>
             </a:fld>
             <a:endParaRPr lang="ru-RU"/>
           </a:p>
@@ -10534,7 +10618,7 @@
           <a:p>
             <a:fld id="{3D449A2B-DBAB-4C02-BDC7-7BB50E9BB86F}" type="datetime1">
               <a:rPr lang="ru-RU" smtClean="0"/>
-              <a:t>06.06.2024</a:t>
+              <a:t>11.06.2024</a:t>
             </a:fld>
             <a:endParaRPr lang="ru-RU"/>
           </a:p>
@@ -11160,7 +11244,7 @@
           <a:p>
             <a:fld id="{5B8094D9-B964-4904-93F4-019FCA5AD162}" type="datetime1">
               <a:rPr lang="ru-RU" smtClean="0"/>
-              <a:t>06.06.2024</a:t>
+              <a:t>11.06.2024</a:t>
             </a:fld>
             <a:endParaRPr lang="ru-RU"/>
           </a:p>
@@ -17922,13 +18006,13 @@
         </p:nvSpPr>
         <p:spPr>
           <a:xfrm>
-            <a:off x="254000" y="869949"/>
+            <a:off x="238760" y="1035050"/>
             <a:ext cx="11714480" cy="5462587"/>
           </a:xfrm>
         </p:spPr>
         <p:txBody>
           <a:bodyPr>
-            <a:normAutofit fontScale="92500" lnSpcReduction="10000"/>
+            <a:normAutofit fontScale="92500" lnSpcReduction="20000"/>
           </a:bodyPr>
           <a:lstStyle/>
           <a:p>
@@ -17947,7 +18031,7 @@
                 <a:latin typeface="Bahnschrift Light" panose="020B0502040204020203" pitchFamily="34" charset="0"/>
                 <a:ea typeface="Calibri" panose="020F0502020204030204" pitchFamily="34" charset="0"/>
               </a:rPr>
-              <a:t>В ходе исследований была разработана и исследована методика формирования СШП-импульсов с возможностью получения сигналов разных форм, регулировкой длительности и ширины спектра. </a:t>
+              <a:t>Была разработана и исследована методика формирования СШП-импульсов с возможностью получения сигналов разных форм. </a:t>
             </a:r>
           </a:p>
           <a:p>
@@ -18136,7 +18220,28 @@
                 <a:latin typeface="Bahnschrift Light" panose="020B0502040204020203" pitchFamily="34" charset="0"/>
                 <a:ea typeface="Calibri" panose="020F0502020204030204" pitchFamily="34" charset="0"/>
               </a:rPr>
-              <a:t>В комплексе были получены сигналы со следующими параметрами:</a:t>
+              <a:t>С помощью сумматора и </a:t>
+            </a:r>
+            <a:r>
+              <a:rPr lang="ru-RU" sz="2000" dirty="0">
+                <a:solidFill>
+                  <a:srgbClr val="222222"/>
+                </a:solidFill>
+                <a:latin typeface="Bahnschrift Light" panose="020B0502040204020203" pitchFamily="34" charset="0"/>
+                <a:ea typeface="Calibri" panose="020F0502020204030204" pitchFamily="34" charset="0"/>
+              </a:rPr>
+              <a:t>генераторов </a:t>
+            </a:r>
+            <a:r>
+              <a:rPr lang="ru-RU" sz="2000" dirty="0">
+                <a:solidFill>
+                  <a:srgbClr val="222222"/>
+                </a:solidFill>
+                <a:effectLst/>
+                <a:latin typeface="Bahnschrift Light" panose="020B0502040204020203" pitchFamily="34" charset="0"/>
+                <a:ea typeface="Calibri" panose="020F0502020204030204" pitchFamily="34" charset="0"/>
+              </a:rPr>
+              <a:t>были получены сигналы со следующими параметрами:</a:t>
             </a:r>
           </a:p>
           <a:p>
@@ -18328,7 +18433,17 @@
                 <a:latin typeface="Bahnschrift Light" panose="020B0502040204020203" pitchFamily="34" charset="0"/>
                 <a:ea typeface="Calibri" panose="020F0502020204030204" pitchFamily="34" charset="0"/>
               </a:rPr>
-              <a:t>30%</a:t>
+              <a:t>30%. </a:t>
+            </a:r>
+            <a:r>
+              <a:rPr lang="ru-RU" sz="2000" dirty="0">
+                <a:solidFill>
+                  <a:srgbClr val="222222"/>
+                </a:solidFill>
+                <a:latin typeface="Bahnschrift Light" panose="020B0502040204020203" pitchFamily="34" charset="0"/>
+                <a:ea typeface="Calibri" panose="020F0502020204030204" pitchFamily="34" charset="0"/>
+              </a:rPr>
+              <a:t>Все импульсы могут иметь разную полярность.</a:t>
             </a:r>
           </a:p>
           <a:p>
@@ -19413,8 +19528,8 @@
         </p:nvSpPr>
         <p:spPr>
           <a:xfrm>
-            <a:off x="459581" y="1032947"/>
-            <a:ext cx="11272838" cy="5293757"/>
+            <a:off x="382463" y="740916"/>
+            <a:ext cx="11272838" cy="6001643"/>
           </a:xfrm>
           <a:prstGeom prst="rect">
             <a:avLst/>
@@ -19429,19 +19544,19 @@
           <a:p>
             <a:pPr algn="just"/>
             <a:r>
-              <a:rPr lang="ru-RU" sz="2000" u="sng" dirty="0">
+              <a:rPr lang="ru-RU" sz="2600" u="sng" dirty="0">
                 <a:latin typeface="Bahnschrift Light" panose="020B0502040204020203" pitchFamily="34" charset="0"/>
               </a:rPr>
               <a:t>Цель</a:t>
             </a:r>
             <a:r>
-              <a:rPr lang="ru-RU" sz="2000" dirty="0">
+              <a:rPr lang="ru-RU" sz="2600" dirty="0">
                 <a:latin typeface="Bahnschrift Light" panose="020B0502040204020203" pitchFamily="34" charset="0"/>
               </a:rPr>
               <a:t>: </a:t>
             </a:r>
             <a:r>
-              <a:rPr lang="ru-RU" sz="2000" dirty="0">
+              <a:rPr lang="ru-RU" sz="2600" dirty="0">
                 <a:solidFill>
                   <a:srgbClr val="222222"/>
                 </a:solidFill>
@@ -19449,22 +19564,12 @@
                 <a:latin typeface="Bahnschrift Light" panose="020B0502040204020203" pitchFamily="34" charset="0"/>
                 <a:ea typeface="Calibri" panose="020F0502020204030204" pitchFamily="34" charset="0"/>
               </a:rPr>
-              <a:t>разработка способа формирования сверхширокополосных (СШП) электрических импульсов субнаносекундной длительности с возможностью управления формой, амплитудой и длительностью результирующих сигналов</a:t>
-            </a:r>
-            <a:r>
-              <a:rPr lang="en-US" sz="2000" dirty="0">
-                <a:solidFill>
-                  <a:srgbClr val="222222"/>
-                </a:solidFill>
-                <a:latin typeface="Bahnschrift Light" panose="020B0502040204020203" pitchFamily="34" charset="0"/>
-                <a:ea typeface="Calibri" panose="020F0502020204030204" pitchFamily="34" charset="0"/>
-              </a:rPr>
-              <a:t>.</a:t>
+              <a:t>разработка способа формирования сверхширокополосных (СШП) импульсов субнаносекундной длительности с возможностью управления формой</a:t>
             </a:r>
           </a:p>
           <a:p>
             <a:pPr algn="just"/>
-            <a:endParaRPr lang="en-US" sz="2000" dirty="0">
+            <a:endParaRPr lang="en-US" sz="2600" dirty="0">
               <a:solidFill>
                 <a:srgbClr val="222222"/>
               </a:solidFill>
@@ -19475,7 +19580,7 @@
           <a:p>
             <a:pPr algn="just"/>
             <a:r>
-              <a:rPr lang="ru-RU" sz="2000" u="sng" dirty="0">
+              <a:rPr lang="ru-RU" sz="2600" u="sng" dirty="0">
                 <a:solidFill>
                   <a:srgbClr val="222222"/>
                 </a:solidFill>
@@ -19484,7 +19589,7 @@
               </a:rPr>
               <a:t>Задачи:</a:t>
             </a:r>
-            <a:endParaRPr lang="en-US" sz="2000" u="sng" dirty="0">
+            <a:endParaRPr lang="en-US" sz="2600" u="sng" dirty="0">
               <a:solidFill>
                 <a:srgbClr val="222222"/>
               </a:solidFill>
@@ -19498,7 +19603,7 @@
               <a:buChar char=""/>
             </a:pPr>
             <a:r>
-              <a:rPr lang="ru-RU" sz="2000" dirty="0">
+              <a:rPr lang="ru-RU" sz="2600" dirty="0">
                 <a:solidFill>
                   <a:srgbClr val="222222"/>
                 </a:solidFill>
@@ -19506,7 +19611,7 @@
                 <a:latin typeface="Bahnschrift Light" panose="020B0502040204020203" pitchFamily="34" charset="0"/>
                 <a:ea typeface="Calibri" panose="020F0502020204030204" pitchFamily="34" charset="0"/>
               </a:rPr>
-              <a:t>анализ различных подходов к формированию импульсов и выбор наиболее подходящего для формирования сверхкоротких электрических импульсов (СКИ) с заданными требованями;</a:t>
+              <a:t>анализ различных подходов к формированию импульсов;</a:t>
             </a:r>
           </a:p>
           <a:p>
@@ -19515,7 +19620,7 @@
               <a:buChar char=""/>
             </a:pPr>
             <a:r>
-              <a:rPr lang="ru-RU" sz="2000" dirty="0">
+              <a:rPr lang="ru-RU" sz="2600" dirty="0">
                 <a:solidFill>
                   <a:srgbClr val="222222"/>
                 </a:solidFill>
@@ -19523,7 +19628,7 @@
                 <a:latin typeface="Bahnschrift Light" panose="020B0502040204020203" pitchFamily="34" charset="0"/>
                 <a:ea typeface="Calibri" panose="020F0502020204030204" pitchFamily="34" charset="0"/>
               </a:rPr>
-              <a:t>моделирование и изготовление сверхширокополосных сумматоров конструкции Уилкинсона для сложения СКИ и получения импульсов в форме производных от гауссовой кривой;</a:t>
+              <a:t>изготовление сверхширокополосных сумматоров конструкции Уилкинсона для сложения СКИ;</a:t>
             </a:r>
           </a:p>
           <a:p>
@@ -19532,7 +19637,7 @@
               <a:buChar char=""/>
             </a:pPr>
             <a:r>
-              <a:rPr lang="ru-RU" sz="2000" dirty="0">
+              <a:rPr lang="ru-RU" sz="2600" dirty="0">
                 <a:solidFill>
                   <a:srgbClr val="222222"/>
                 </a:solidFill>
@@ -19540,7 +19645,7 @@
                 <a:latin typeface="Bahnschrift Light" panose="020B0502040204020203" pitchFamily="34" charset="0"/>
                 <a:ea typeface="Calibri" panose="020F0502020204030204" pitchFamily="34" charset="0"/>
               </a:rPr>
-              <a:t>реализация схем генерации однополярных СКИ на основе ДНЗ;</a:t>
+              <a:t>реализация схем генерации однополярных СКИ на основе диода с накоплением заряда (ДНЗ);</a:t>
             </a:r>
           </a:p>
           <a:p>
@@ -19549,7 +19654,7 @@
               <a:buChar char=""/>
             </a:pPr>
             <a:r>
-              <a:rPr lang="ru-RU" sz="2000" dirty="0">
+              <a:rPr lang="ru-RU" sz="2600" dirty="0">
                 <a:solidFill>
                   <a:srgbClr val="222222"/>
                 </a:solidFill>
@@ -19557,7 +19662,7 @@
                 <a:latin typeface="Bahnschrift Light" panose="020B0502040204020203" pitchFamily="34" charset="0"/>
                 <a:ea typeface="Calibri" panose="020F0502020204030204" pitchFamily="34" charset="0"/>
               </a:rPr>
-              <a:t>разработка программного обеспечения для автоматизированной обработки результатов экспериментов</a:t>
+              <a:t>разработка программного обеспечения для автоматизированной обработки результатов экспериментов;</a:t>
             </a:r>
           </a:p>
           <a:p>
@@ -19566,7 +19671,7 @@
               <a:buChar char=""/>
             </a:pPr>
             <a:r>
-              <a:rPr lang="ru-RU" sz="2000" dirty="0">
+              <a:rPr lang="ru-RU" sz="2600" dirty="0">
                 <a:solidFill>
                   <a:srgbClr val="222222"/>
                 </a:solidFill>
@@ -19698,8 +19803,8 @@
         </p:blipFill>
         <p:spPr>
           <a:xfrm>
-            <a:off x="6744072" y="1176494"/>
-            <a:ext cx="4170203" cy="2642217"/>
+            <a:off x="292234" y="4126687"/>
+            <a:ext cx="3742063" cy="2370950"/>
           </a:xfrm>
           <a:prstGeom prst="rect">
             <a:avLst/>
@@ -19720,8 +19825,8 @@
         </p:nvSpPr>
         <p:spPr>
           <a:xfrm>
-            <a:off x="1134224" y="5732416"/>
-            <a:ext cx="3631122" cy="461665"/>
+            <a:off x="207377" y="2885347"/>
+            <a:ext cx="3911776" cy="461665"/>
           </a:xfrm>
           <a:prstGeom prst="rect">
             <a:avLst/>
@@ -19736,7 +19841,7 @@
           <a:p>
             <a:r>
               <a:rPr lang="ru-RU" sz="2400" dirty="0"/>
-              <a:t>Рис. 1. Модель сумматора</a:t>
+              <a:t>Рис. 1. Топология сумматора</a:t>
             </a:r>
           </a:p>
         </p:txBody>
@@ -19756,13 +19861,24 @@
           <p:nvPr/>
         </p:nvPicPr>
         <p:blipFill>
-          <a:blip r:embed="rId3"/>
+          <a:blip r:embed="rId3">
+            <a:clrChange>
+              <a:clrFrom>
+                <a:srgbClr val="FFFFFF"/>
+              </a:clrFrom>
+              <a:clrTo>
+                <a:srgbClr val="FFFFFF">
+                  <a:alpha val="0"/>
+                </a:srgbClr>
+              </a:clrTo>
+            </a:clrChange>
+          </a:blip>
           <a:stretch/>
         </p:blipFill>
         <p:spPr bwMode="auto">
           <a:xfrm>
-            <a:off x="6395001" y="3890455"/>
-            <a:ext cx="4803513" cy="2334808"/>
+            <a:off x="4373878" y="1611488"/>
+            <a:ext cx="7478509" cy="3635023"/>
           </a:xfrm>
           <a:prstGeom prst="rect">
             <a:avLst/>
@@ -19787,7 +19903,7 @@
         </p:nvSpPr>
         <p:spPr>
           <a:xfrm>
-            <a:off x="7104112" y="806056"/>
+            <a:off x="344486" y="3695800"/>
             <a:ext cx="3902030" cy="400110"/>
           </a:xfrm>
           <a:prstGeom prst="rect">
@@ -19822,8 +19938,8 @@
         </p:nvSpPr>
         <p:spPr>
           <a:xfrm>
-            <a:off x="5807968" y="6125517"/>
-            <a:ext cx="5841664" cy="461665"/>
+            <a:off x="6096000" y="5246511"/>
+            <a:ext cx="4513351" cy="830997"/>
           </a:xfrm>
           <a:prstGeom prst="rect">
             <a:avLst/>
@@ -19836,9 +19952,17 @@
           </a:bodyPr>
           <a:lstStyle/>
           <a:p>
+            <a:pPr algn="ctr"/>
             <a:r>
               <a:rPr lang="ru-RU" sz="2400" dirty="0"/>
-              <a:t>Рис. 2. Фото экспериментальной установки</a:t>
+              <a:t>Рис. 2. Фото экспериментальной </a:t>
+            </a:r>
+            <a:br>
+              <a:rPr lang="ru-RU" sz="2400" dirty="0"/>
+            </a:br>
+            <a:r>
+              <a:rPr lang="ru-RU" sz="2400" dirty="0"/>
+              <a:t>установки</a:t>
             </a:r>
           </a:p>
         </p:txBody>
@@ -19871,9 +19995,9 @@
           </a:stretch>
         </p:blipFill>
         <p:spPr bwMode="auto">
-          <a:xfrm>
-            <a:off x="1577387" y="872917"/>
-            <a:ext cx="2744796" cy="4859499"/>
+          <a:xfrm rot="16200000">
+            <a:off x="1045591" y="5176"/>
+            <a:ext cx="2087030" cy="3694963"/>
           </a:xfrm>
           <a:prstGeom prst="rect">
             <a:avLst/>
@@ -20942,7 +21066,7 @@
           <p:nvPr/>
         </p:nvPicPr>
         <p:blipFill>
-          <a:blip r:embed="rId3">
+          <a:blip r:embed="rId4">
             <a:clrChange>
               <a:clrFrom>
                 <a:srgbClr val="FFFDFE"/>
@@ -20958,8 +21082,8 @@
         </p:blipFill>
         <p:spPr bwMode="auto">
           <a:xfrm>
-            <a:off x="7070069" y="1556792"/>
-            <a:ext cx="5382159" cy="4032448"/>
+            <a:off x="5472611" y="932116"/>
+            <a:ext cx="6924532" cy="5188032"/>
           </a:xfrm>
           <a:prstGeom prst="rect">
             <a:avLst/>
@@ -20984,8 +21108,8 @@
         </p:nvSpPr>
         <p:spPr>
           <a:xfrm>
-            <a:off x="6088740" y="5735797"/>
-            <a:ext cx="7344816" cy="590931"/>
+            <a:off x="5262469" y="5807691"/>
+            <a:ext cx="7344816" cy="486287"/>
           </a:xfrm>
           <a:prstGeom prst="rect">
             <a:avLst/>
@@ -21004,18 +21128,30 @@
               </a:lnSpc>
             </a:pPr>
             <a:r>
-              <a:rPr lang="ru-RU" sz="2000" dirty="0">
+              <a:rPr lang="ru-RU" sz="1600" dirty="0">
                 <a:latin typeface="Bahnschrift Light" panose="020B0502040204020203" pitchFamily="34" charset="0"/>
               </a:rPr>
-              <a:t>Рис. 4б. Пятипортовый сумматор: </a:t>
+              <a:t>Рис. 4б. </a:t>
+            </a:r>
+            <a:r>
+              <a:rPr lang="ru-RU" sz="1600" dirty="0" err="1">
+                <a:latin typeface="Bahnschrift Light" panose="020B0502040204020203" pitchFamily="34" charset="0"/>
+              </a:rPr>
+              <a:t>Пятипортовый</a:t>
+            </a:r>
+            <a:r>
+              <a:rPr lang="ru-RU" sz="1600" dirty="0">
+                <a:latin typeface="Bahnschrift Light" panose="020B0502040204020203" pitchFamily="34" charset="0"/>
+              </a:rPr>
+              <a:t> сумматор: </a:t>
             </a:r>
             <a:br>
-              <a:rPr lang="ru-RU" sz="2000" dirty="0">
+              <a:rPr lang="ru-RU" sz="1600" dirty="0">
                 <a:latin typeface="Bahnschrift Light" panose="020B0502040204020203" pitchFamily="34" charset="0"/>
               </a:rPr>
             </a:br>
             <a:r>
-              <a:rPr lang="ru-RU" sz="2000" dirty="0">
+              <a:rPr lang="ru-RU" sz="1600" dirty="0">
                 <a:latin typeface="Bahnschrift Light" panose="020B0502040204020203" pitchFamily="34" charset="0"/>
               </a:rPr>
               <a:t>экспериментальный макет</a:t>
@@ -21037,7 +21173,7 @@
         </p:nvSpPr>
         <p:spPr>
           <a:xfrm>
-            <a:off x="1597130" y="4178630"/>
+            <a:off x="1154234" y="4139997"/>
             <a:ext cx="3600400" cy="338554"/>
           </a:xfrm>
           <a:prstGeom prst="rect">
@@ -21070,22 +21206,28 @@
           <p:cNvGraphicFramePr>
             <a:graphicFrameLocks noChangeAspect="1"/>
           </p:cNvGraphicFramePr>
-          <p:nvPr/>
+          <p:nvPr>
+            <p:extLst>
+              <p:ext uri="{D42A27DB-BD31-4B8C-83A1-F6EECF244321}">
+                <p14:modId xmlns:p14="http://schemas.microsoft.com/office/powerpoint/2010/main" val="1072043940"/>
+              </p:ext>
+            </p:extLst>
+          </p:nvPr>
         </p:nvGraphicFramePr>
         <p:xfrm>
-          <a:off x="1055440" y="4478342"/>
+          <a:off x="612739" y="4452526"/>
           <a:ext cx="5938837" cy="2992438"/>
         </p:xfrm>
         <a:graphic>
           <a:graphicData uri="http://schemas.openxmlformats.org/presentationml/2006/ole">
             <mc:AlternateContent xmlns:mc="http://schemas.openxmlformats.org/markup-compatibility/2006">
               <mc:Choice xmlns:v="urn:schemas-microsoft-com:vml" Requires="v">
-                <p:oleObj spid="_x0000_s1109" name="Document" r:id="rId4" imgW="5938880" imgH="2994093" progId="Word.Document.12">
+                <p:oleObj spid="_x0000_s1116" name="Document" r:id="rId5" imgW="5938880" imgH="2994093" progId="Word.Document.12">
                   <p:embed/>
                 </p:oleObj>
               </mc:Choice>
               <mc:Fallback>
-                <p:oleObj name="Document" r:id="rId4" imgW="5938880" imgH="2994093" progId="Word.Document.12">
+                <p:oleObj name="Document" r:id="rId5" imgW="5938880" imgH="2994093" progId="Word.Document.12">
                   <p:embed/>
                   <p:pic>
                     <p:nvPicPr>
@@ -21100,14 +21242,14 @@
                       <p:nvPr/>
                     </p:nvPicPr>
                     <p:blipFill>
-                      <a:blip r:embed="rId5"/>
+                      <a:blip r:embed="rId6"/>
                       <a:stretch>
                         <a:fillRect/>
                       </a:stretch>
                     </p:blipFill>
                     <p:spPr>
                       <a:xfrm>
-                        <a:off x="1055440" y="4478342"/>
+                        <a:off x="612739" y="4452526"/>
                         <a:ext cx="5938837" cy="2992438"/>
                       </a:xfrm>
                       <a:prstGeom prst="rect">
@@ -21135,7 +21277,7 @@
         </p:nvSpPr>
         <p:spPr>
           <a:xfrm>
-            <a:off x="285671" y="3824053"/>
+            <a:off x="-158561" y="3776615"/>
             <a:ext cx="6225988" cy="319446"/>
           </a:xfrm>
           <a:prstGeom prst="rect">
@@ -21158,19 +21300,7 @@
               <a:rPr lang="ru-RU" sz="1800" dirty="0">
                 <a:latin typeface="Bahnschrift Light" panose="020B0502040204020203" pitchFamily="34" charset="0"/>
               </a:rPr>
-              <a:t>Рис. 4а. </a:t>
-            </a:r>
-            <a:r>
-              <a:rPr lang="ru-RU" sz="1800" dirty="0" err="1">
-                <a:latin typeface="Bahnschrift Light" panose="020B0502040204020203" pitchFamily="34" charset="0"/>
-              </a:rPr>
-              <a:t>Пятипортовый</a:t>
-            </a:r>
-            <a:r>
-              <a:rPr lang="ru-RU" sz="1800" dirty="0">
-                <a:latin typeface="Bahnschrift Light" panose="020B0502040204020203" pitchFamily="34" charset="0"/>
-              </a:rPr>
-              <a:t> сумматор: референс</a:t>
+              <a:t>Рис. 4а. Модель сумматора</a:t>
             </a:r>
           </a:p>
         </p:txBody>
@@ -21190,7 +21320,7 @@
           <p:nvPr/>
         </p:nvPicPr>
         <p:blipFill>
-          <a:blip r:embed="rId6">
+          <a:blip r:embed="rId7">
             <a:clrChange>
               <a:clrFrom>
                 <a:srgbClr val="FFFFFF"/>
@@ -21214,7 +21344,7 @@
         </p:blipFill>
         <p:spPr bwMode="auto">
           <a:xfrm>
-            <a:off x="458867" y="1160836"/>
+            <a:off x="15971" y="1122203"/>
             <a:ext cx="5876925" cy="2790825"/>
           </a:xfrm>
           <a:prstGeom prst="rect">
@@ -21856,7 +21986,7 @@
         </p:blipFill>
         <p:spPr bwMode="auto">
           <a:xfrm rot="16200000">
-            <a:off x="2271788" y="3307706"/>
+            <a:off x="1632810" y="3307706"/>
             <a:ext cx="1991390" cy="3085286"/>
           </a:xfrm>
           <a:prstGeom prst="rect">
@@ -21912,7 +22042,7 @@
         </p:nvSpPr>
         <p:spPr bwMode="auto">
           <a:xfrm>
-            <a:off x="1054478" y="3392989"/>
+            <a:off x="415500" y="3392989"/>
             <a:ext cx="4257897" cy="461665"/>
           </a:xfrm>
           <a:prstGeom prst="rect">
@@ -21961,7 +22091,7 @@
         </p:nvSpPr>
         <p:spPr bwMode="auto">
           <a:xfrm>
-            <a:off x="886640" y="5894685"/>
+            <a:off x="247662" y="5894685"/>
             <a:ext cx="5375189" cy="461665"/>
           </a:xfrm>
           <a:prstGeom prst="rect">
@@ -22018,45 +22148,8 @@
         </p:blipFill>
         <p:spPr>
           <a:xfrm>
-            <a:off x="1581322" y="910526"/>
+            <a:off x="942344" y="910526"/>
             <a:ext cx="2791468" cy="2430409"/>
-          </a:xfrm>
-          <a:prstGeom prst="rect">
-            <a:avLst/>
-          </a:prstGeom>
-        </p:spPr>
-      </p:pic>
-      <p:pic>
-        <p:nvPicPr>
-          <p:cNvPr id="13" name="Рисунок 3">
-            <a:extLst>
-              <a:ext uri="{FF2B5EF4-FFF2-40B4-BE49-F238E27FC236}">
-                <a16:creationId xmlns:a16="http://schemas.microsoft.com/office/drawing/2014/main" id="{514F119F-AEDC-45BC-8602-20A229BE9119}"/>
-              </a:ext>
-            </a:extLst>
-          </p:cNvPr>
-          <p:cNvPicPr/>
-          <p:nvPr/>
-        </p:nvPicPr>
-        <p:blipFill>
-          <a:blip r:embed="rId4" cstate="print">
-            <a:extLst>
-              <a:ext uri="{28A0092B-C50C-407E-A947-70E740481C1C}">
-                <a14:useLocalDpi xmlns:a14="http://schemas.microsoft.com/office/drawing/2010/main" val="0"/>
-              </a:ext>
-              <a:ext uri="{96DAC541-7B7A-43D3-8B79-37D633B846F1}">
-                <asvg:svgBlip xmlns:asvg="http://schemas.microsoft.com/office/drawing/2016/SVG/main" r:embed="rId5"/>
-              </a:ext>
-            </a:extLst>
-          </a:blip>
-          <a:stretch>
-            <a:fillRect/>
-          </a:stretch>
-        </p:blipFill>
-        <p:spPr>
-          <a:xfrm>
-            <a:off x="5790024" y="1408499"/>
-            <a:ext cx="5873311" cy="3968980"/>
           </a:xfrm>
           <a:prstGeom prst="rect">
             <a:avLst/>
@@ -22401,7 +22494,7 @@
         </p:nvSpPr>
         <p:spPr bwMode="auto">
           <a:xfrm>
-            <a:off x="6288146" y="5349994"/>
+            <a:off x="6569151" y="5831809"/>
             <a:ext cx="4759636" cy="461665"/>
           </a:xfrm>
           <a:prstGeom prst="rect">
@@ -22424,6 +22517,66 @@
           </a:p>
         </p:txBody>
       </p:sp>
+      <p:pic>
+        <p:nvPicPr>
+          <p:cNvPr id="2050" name="Рисунок 1">
+            <a:extLst>
+              <a:ext uri="{FF2B5EF4-FFF2-40B4-BE49-F238E27FC236}">
+                <a16:creationId xmlns:a16="http://schemas.microsoft.com/office/drawing/2014/main" id="{561036F8-424D-4FDA-A8B5-89DAC39D14EC}"/>
+              </a:ext>
+            </a:extLst>
+          </p:cNvPr>
+          <p:cNvPicPr>
+            <a:picLocks noChangeAspect="1" noChangeArrowheads="1"/>
+          </p:cNvPicPr>
+          <p:nvPr/>
+        </p:nvPicPr>
+        <p:blipFill>
+          <a:blip r:embed="rId4">
+            <a:extLst>
+              <a:ext uri="{28A0092B-C50C-407E-A947-70E740481C1C}">
+                <a14:useLocalDpi xmlns:a14="http://schemas.microsoft.com/office/drawing/2010/main" val="0"/>
+              </a:ext>
+            </a:extLst>
+          </a:blip>
+          <a:srcRect r="-21"/>
+          <a:stretch>
+            <a:fillRect/>
+          </a:stretch>
+        </p:blipFill>
+        <p:spPr bwMode="auto">
+          <a:xfrm>
+            <a:off x="5343759" y="1041578"/>
+            <a:ext cx="6357123" cy="4774843"/>
+          </a:xfrm>
+          <a:prstGeom prst="rect">
+            <a:avLst/>
+          </a:prstGeom>
+          <a:noFill/>
+          <a:ln>
+            <a:noFill/>
+          </a:ln>
+          <a:extLst>
+            <a:ext uri="{909E8E84-426E-40DD-AFC4-6F175D3DCCD1}">
+              <a14:hiddenFill xmlns:a14="http://schemas.microsoft.com/office/drawing/2010/main">
+                <a:solidFill>
+                  <a:srgbClr val="FFFFFF"/>
+                </a:solidFill>
+              </a14:hiddenFill>
+            </a:ext>
+            <a:ext uri="{91240B29-F687-4F45-9708-019B960494DF}">
+              <a14:hiddenLine xmlns:a14="http://schemas.microsoft.com/office/drawing/2010/main" w="9525">
+                <a:solidFill>
+                  <a:srgbClr val="000000"/>
+                </a:solidFill>
+                <a:miter lim="800000"/>
+                <a:headEnd/>
+                <a:tailEnd/>
+              </a14:hiddenLine>
+            </a:ext>
+          </a:extLst>
+        </p:spPr>
+      </p:pic>
     </p:spTree>
     <p:extLst>
       <p:ext uri="{BB962C8B-B14F-4D97-AF65-F5344CB8AC3E}">
@@ -22541,49 +22694,6 @@
           </a:prstGeom>
         </p:spPr>
       </p:pic>
-      <p:pic>
-        <p:nvPicPr>
-          <p:cNvPr id="7" name="Picture 24">
-            <a:extLst>
-              <a:ext uri="{FF2B5EF4-FFF2-40B4-BE49-F238E27FC236}">
-                <a16:creationId xmlns:a16="http://schemas.microsoft.com/office/drawing/2014/main" id="{5E4EDF8F-603F-429A-8D8E-126E6F718FF1}"/>
-              </a:ext>
-            </a:extLst>
-          </p:cNvPr>
-          <p:cNvPicPr>
-            <a:picLocks noGrp="1"/>
-          </p:cNvPicPr>
-          <p:nvPr>
-            <p:ph idx="1"/>
-          </p:nvPr>
-        </p:nvPicPr>
-        <p:blipFill>
-          <a:blip r:embed="rId3" cstate="print">
-            <a:extLst>
-              <a:ext uri="{28A0092B-C50C-407E-A947-70E740481C1C}">
-                <a14:useLocalDpi xmlns:a14="http://schemas.microsoft.com/office/drawing/2010/main" val="0"/>
-              </a:ext>
-            </a:extLst>
-          </a:blip>
-          <a:srcRect/>
-          <a:stretch>
-            <a:fillRect/>
-          </a:stretch>
-        </p:blipFill>
-        <p:spPr bwMode="auto">
-          <a:xfrm>
-            <a:off x="535128" y="647107"/>
-            <a:ext cx="3074518" cy="2862358"/>
-          </a:xfrm>
-          <a:prstGeom prst="rect">
-            <a:avLst/>
-          </a:prstGeom>
-          <a:noFill/>
-          <a:ln>
-            <a:noFill/>
-          </a:ln>
-        </p:spPr>
-      </p:pic>
       <p:sp>
         <p:nvSpPr>
           <p:cNvPr id="10" name="TextBox 9">
@@ -22696,10 +22806,70 @@
         </p:xfrm>
         <a:graphic>
           <a:graphicData uri="http://schemas.openxmlformats.org/drawingml/2006/chart">
-            <c:chart xmlns:c="http://schemas.openxmlformats.org/drawingml/2006/chart" xmlns:r="http://schemas.openxmlformats.org/officeDocument/2006/relationships" r:id="rId4"/>
+            <c:chart xmlns:c="http://schemas.openxmlformats.org/drawingml/2006/chart" xmlns:r="http://schemas.openxmlformats.org/officeDocument/2006/relationships" r:id="rId3"/>
           </a:graphicData>
         </a:graphic>
       </p:graphicFrame>
+      <p:pic>
+        <p:nvPicPr>
+          <p:cNvPr id="3074" name="Рисунок 41">
+            <a:extLst>
+              <a:ext uri="{FF2B5EF4-FFF2-40B4-BE49-F238E27FC236}">
+                <a16:creationId xmlns:a16="http://schemas.microsoft.com/office/drawing/2014/main" id="{870A6241-61EF-422E-BE66-85350E2636D1}"/>
+              </a:ext>
+            </a:extLst>
+          </p:cNvPr>
+          <p:cNvPicPr>
+            <a:picLocks noChangeAspect="1" noChangeArrowheads="1"/>
+          </p:cNvPicPr>
+          <p:nvPr/>
+        </p:nvPicPr>
+        <p:blipFill>
+          <a:blip r:embed="rId4">
+            <a:extLst>
+              <a:ext uri="{28A0092B-C50C-407E-A947-70E740481C1C}">
+                <a14:useLocalDpi xmlns:a14="http://schemas.microsoft.com/office/drawing/2010/main" val="0"/>
+              </a:ext>
+            </a:extLst>
+          </a:blip>
+          <a:srcRect/>
+          <a:stretch>
+            <a:fillRect/>
+          </a:stretch>
+        </p:blipFill>
+        <p:spPr bwMode="auto">
+          <a:xfrm>
+            <a:off x="114123" y="837971"/>
+            <a:ext cx="3948453" cy="2718607"/>
+          </a:xfrm>
+          <a:prstGeom prst="rect">
+            <a:avLst/>
+          </a:prstGeom>
+          <a:noFill/>
+          <a:ln>
+            <a:noFill/>
+          </a:ln>
+          <a:extLst>
+            <a:ext uri="{909E8E84-426E-40DD-AFC4-6F175D3DCCD1}">
+              <a14:hiddenFill xmlns:a14="http://schemas.microsoft.com/office/drawing/2010/main">
+                <a:solidFill>
+                  <a:srgbClr val="FFFFFF"/>
+                </a:solidFill>
+              </a14:hiddenFill>
+            </a:ext>
+            <a:ext uri="{91240B29-F687-4F45-9708-019B960494DF}">
+              <a14:hiddenLine xmlns:a14="http://schemas.microsoft.com/office/drawing/2010/main" w="9525">
+                <a:solidFill>
+                  <a:srgbClr val="000000"/>
+                </a:solidFill>
+                <a:miter lim="800000"/>
+                <a:headEnd/>
+                <a:tailEnd/>
+              </a14:hiddenLine>
+            </a:ext>
+          </a:extLst>
+        </p:spPr>
+      </p:pic>
     </p:spTree>
     <p:extLst>
       <p:ext uri="{BB962C8B-B14F-4D97-AF65-F5344CB8AC3E}">
